--- a/model/ERBreport/ERBreport.pptx
+++ b/model/ERBreport/ERBreport.pptx
@@ -162,7 +162,7 @@
   </p:cSld>
   <p:clrMap bg1="lt1" tx1="dk1" bg2="lt2" tx2="dk2" accent1="accent1" accent2="accent2" accent3="accent3" accent4="accent4" accent5="accent5" accent6="accent6" hlink="hlink" folHlink="folHlink"/>
   <p:sldLayoutIdLst>
-    <p:sldLayoutId id="2294214004" r:id="rId1"/>
+    <p:sldLayoutId id="2294217311" r:id="rId1"/>
   </p:sldLayoutIdLst>
   <p:txStyles>
     <p:titleStyle>
@@ -845,9 +845,9 @@
 </file>
 
 <file path=ppt/theme/theme1.xml><?xml version="1.0" encoding="utf-8"?>
-<a:theme xmlns:a="http://schemas.openxmlformats.org/drawingml/2006/main" name="Theme44">
+<a:theme xmlns:a="http://schemas.openxmlformats.org/drawingml/2006/main" name="Theme1">
   <a:themeElements>
-    <a:clrScheme name="Theme44">
+    <a:clrScheme name="Theme1">
       <a:dk1>
         <a:sysClr val="windowText" lastClr="000000"/>
       </a:dk1>
@@ -885,7 +885,7 @@
         <a:srgbClr val="800080"/>
       </a:folHlink>
     </a:clrScheme>
-    <a:fontScheme name="Theme44">
+    <a:fontScheme name="Theme1">
       <a:majorFont>
         <a:latin typeface="Calibri"/>
         <a:ea typeface=""/>
@@ -955,7 +955,7 @@
         <a:font script="Uigh" typeface="Microsoft Uighur"/>
       </a:minorFont>
     </a:fontScheme>
-    <a:fmtScheme name="Theme44">
+    <a:fmtScheme name="Theme1">
       <a:fillStyleLst>
         <a:solidFill>
           <a:schemeClr val="phClr"/>

--- a/model/ERBreport/ERBreport.pptx
+++ b/model/ERBreport/ERBreport.pptx
@@ -162,7 +162,7 @@
   </p:cSld>
   <p:clrMap bg1="lt1" tx1="dk1" bg2="lt2" tx2="dk2" accent1="accent1" accent2="accent2" accent3="accent3" accent4="accent4" accent5="accent5" accent6="accent6" hlink="hlink" folHlink="folHlink"/>
   <p:sldLayoutIdLst>
-    <p:sldLayoutId id="2294217311" r:id="rId1"/>
+    <p:sldLayoutId id="2294217639" r:id="rId1"/>
   </p:sldLayoutIdLst>
   <p:txStyles>
     <p:titleStyle>
@@ -845,9 +845,9 @@
 </file>
 
 <file path=ppt/theme/theme1.xml><?xml version="1.0" encoding="utf-8"?>
-<a:theme xmlns:a="http://schemas.openxmlformats.org/drawingml/2006/main" name="Theme1">
+<a:theme xmlns:a="http://schemas.openxmlformats.org/drawingml/2006/main" name="Theme92">
   <a:themeElements>
-    <a:clrScheme name="Theme1">
+    <a:clrScheme name="Theme92">
       <a:dk1>
         <a:sysClr val="windowText" lastClr="000000"/>
       </a:dk1>
@@ -885,7 +885,7 @@
         <a:srgbClr val="800080"/>
       </a:folHlink>
     </a:clrScheme>
-    <a:fontScheme name="Theme1">
+    <a:fontScheme name="Theme92">
       <a:majorFont>
         <a:latin typeface="Calibri"/>
         <a:ea typeface=""/>
@@ -955,7 +955,7 @@
         <a:font script="Uigh" typeface="Microsoft Uighur"/>
       </a:minorFont>
     </a:fontScheme>
-    <a:fmtScheme name="Theme1">
+    <a:fmtScheme name="Theme92">
       <a:fillStyleLst>
         <a:solidFill>
           <a:schemeClr val="phClr"/>

--- a/model/ERBreport/ERBreport.pptx
+++ b/model/ERBreport/ERBreport.pptx
@@ -162,7 +162,7 @@
   </p:cSld>
   <p:clrMap bg1="lt1" tx1="dk1" bg2="lt2" tx2="dk2" accent1="accent1" accent2="accent2" accent3="accent3" accent4="accent4" accent5="accent5" accent6="accent6" hlink="hlink" folHlink="folHlink"/>
   <p:sldLayoutIdLst>
-    <p:sldLayoutId id="2294217639" r:id="rId1"/>
+    <p:sldLayoutId id="2294217706" r:id="rId1"/>
   </p:sldLayoutIdLst>
   <p:txStyles>
     <p:titleStyle>
@@ -845,9 +845,9 @@
 </file>
 
 <file path=ppt/theme/theme1.xml><?xml version="1.0" encoding="utf-8"?>
-<a:theme xmlns:a="http://schemas.openxmlformats.org/drawingml/2006/main" name="Theme92">
+<a:theme xmlns:a="http://schemas.openxmlformats.org/drawingml/2006/main" name="Theme100">
   <a:themeElements>
-    <a:clrScheme name="Theme92">
+    <a:clrScheme name="Theme100">
       <a:dk1>
         <a:sysClr val="windowText" lastClr="000000"/>
       </a:dk1>
@@ -885,7 +885,7 @@
         <a:srgbClr val="800080"/>
       </a:folHlink>
     </a:clrScheme>
-    <a:fontScheme name="Theme92">
+    <a:fontScheme name="Theme100">
       <a:majorFont>
         <a:latin typeface="Calibri"/>
         <a:ea typeface=""/>
@@ -955,7 +955,7 @@
         <a:font script="Uigh" typeface="Microsoft Uighur"/>
       </a:minorFont>
     </a:fontScheme>
-    <a:fmtScheme name="Theme92">
+    <a:fmtScheme name="Theme100">
       <a:fillStyleLst>
         <a:solidFill>
           <a:schemeClr val="phClr"/>

--- a/model/ERBreport/ERBreport.pptx
+++ b/model/ERBreport/ERBreport.pptx
@@ -7,6 +7,7 @@
   <p:sldIdLst>
     <p:sldId id="256" r:id="rId3"/>
     <p:sldId id="257" r:id="rId4"/>
+    <p:sldId id="258" r:id="rId5"/>
   </p:sldIdLst>
   <p:sldSz cx="9144000" cy="6858000" type="screen4x3"/>
   <p:notesSz cx="6858000" cy="9144000"/>
@@ -162,7 +163,7 @@
   </p:cSld>
   <p:clrMap bg1="lt1" tx1="dk1" bg2="lt2" tx2="dk2" accent1="accent1" accent2="accent2" accent3="accent3" accent4="accent4" accent5="accent5" accent6="accent6" hlink="hlink" folHlink="folHlink"/>
   <p:sldLayoutIdLst>
-    <p:sldLayoutId id="2294217706" r:id="rId1"/>
+    <p:sldLayoutId id="2294590023" r:id="rId1"/>
   </p:sldLayoutIdLst>
   <p:txStyles>
     <p:titleStyle>
@@ -246,7 +247,7 @@
             <a:r>
               <a:rPr lang="en-US" b="1" sz="800" spc="0" u="none">
                 <a:solidFill>
-                  <a:srgbClr val="090909">
+                  <a:srgbClr val="000000">
                     <a:alpha val="100.00%"/>
                   </a:srgbClr>
                 </a:solidFill>
@@ -287,7 +288,7 @@
             <a:r>
               <a:rPr lang="en-US" b="1" sz="800" spc="0" u="none">
                 <a:solidFill>
-                  <a:srgbClr val="090909">
+                  <a:srgbClr val="000000">
                     <a:alpha val="100.00%"/>
                   </a:srgbClr>
                 </a:solidFill>
@@ -580,7 +581,7 @@
                 </a:solidFill>
                 <a:latin typeface="Arial"/>
               </a:rPr>
-              <a:t><![CDATA[12 11 2020]]></a:t>
+              <a:t><![CDATA[16 11 2020]]></a:t>
             </a:r>
           </a:p>
         </p:txBody>
@@ -712,7 +713,7 @@
             <a:r>
               <a:rPr lang="en-US" b="1" sz="800" spc="0" u="none">
                 <a:solidFill>
-                  <a:srgbClr val="090909">
+                  <a:srgbClr val="000000">
                     <a:alpha val="100.00%"/>
                   </a:srgbClr>
                 </a:solidFill>
@@ -753,7 +754,7 @@
             <a:r>
               <a:rPr lang="en-US" b="1" sz="800" spc="0" u="none">
                 <a:solidFill>
-                  <a:srgbClr val="090909">
+                  <a:srgbClr val="000000">
                     <a:alpha val="100.00%"/>
                   </a:srgbClr>
                 </a:solidFill>
@@ -836,6 +837,5513 @@
           </a:prstGeom>
         </p:spPr>
       </p:pic>
+      <p:sp>
+        <p:nvSpPr>
+          <p:cNvPr id="6" name=""/>
+          <p:cNvSpPr txBox="1"/>
+          <p:nvPr/>
+        </p:nvSpPr>
+        <p:spPr>
+          <a:xfrm>
+            <a:off x="1619250" y="333375"/>
+            <a:ext cx="5943600" cy="504825"/>
+          </a:xfrm>
+          <a:prstGeom prst="rect">
+            <a:avLst/>
+          </a:prstGeom>
+          <a:noFill/>
+        </p:spPr>
+        <p:txBody>
+          <a:bodyPr rtlCol="0" bIns="45720" lIns="91440" rIns="91440" tIns="45720">
+            <a:spAutoFit/>
+          </a:bodyPr>
+          <a:lstStyle/>
+          <a:p>
+            <a:pPr algn="l" fontAlgn="base" marL="0" marR="0" indent="0" lvl="0">
+              <a:lnSpc>
+                <a:spcPct val="100%"/>
+              </a:lnSpc>
+            </a:pPr>
+            <a:r>
+              <a:rPr lang="en-US" b="1" sz="2000" spc="0" u="none">
+                <a:solidFill>
+                  <a:srgbClr val="000000">
+                    <a:alpha val="100.00%"/>
+                  </a:srgbClr>
+                </a:solidFill>
+                <a:latin typeface="Arial"/>
+              </a:rPr>
+              <a:t><![CDATA[SCOPE]]></a:t>
+            </a:r>
+          </a:p>
+        </p:txBody>
+      </p:sp>
+      <p:sp>
+        <p:nvSpPr>
+          <p:cNvPr id="7" name=""/>
+          <p:cNvSpPr txBox="1"/>
+          <p:nvPr/>
+        </p:nvSpPr>
+        <p:spPr>
+          <a:xfrm>
+            <a:off x="457200" y="1238250"/>
+            <a:ext cx="8096250" cy="4724400"/>
+          </a:xfrm>
+          <a:prstGeom prst="rect">
+            <a:avLst/>
+          </a:prstGeom>
+          <a:noFill/>
+        </p:spPr>
+        <p:txBody>
+          <a:bodyPr rtlCol="0" bIns="45720" lIns="91440" rIns="91440" tIns="45720">
+            <a:spAutoFit/>
+          </a:bodyPr>
+          <a:lstStyle/>
+          <a:p>
+            <a:pPr algn="l" fontAlgn="base" marL="0" marR="0" indent="0" lvl="0">
+              <a:lnSpc>
+                <a:spcPct val="100%"/>
+              </a:lnSpc>
+              <a:buClr>
+                <a:srgbClr val="000000">
+                  <a:alpha val="100.00%"/>
+                </a:srgbClr>
+              </a:buClr>
+              <a:buFont typeface="Calibri"/>
+              <a:buChar char="•"/>
+            </a:pPr>
+            <a:r>
+              <a:rPr lang="en-US" b="1" sz="1800" spc="0" u="none">
+                <a:solidFill>
+                  <a:srgbClr val="000000">
+                    <a:alpha val="100.00%"/>
+                  </a:srgbClr>
+                </a:solidFill>
+                <a:latin typeface="Arial"/>
+              </a:rPr>
+              <a:t><![CDATA[Systems accessed during the CVPA are as follow:]]></a:t>
+            </a:r>
+          </a:p>
+        </p:txBody>
+      </p:sp>
+      <p:sp>
+        <p:nvSpPr>
+          <p:cNvPr id="8" name=""/>
+          <p:cNvSpPr txBox="1"/>
+          <p:nvPr/>
+        </p:nvSpPr>
+        <p:spPr>
+          <a:xfrm>
+            <a:off x="762000" y="1524000"/>
+            <a:ext cx="5715000" cy="476250"/>
+          </a:xfrm>
+          <a:prstGeom prst="rect">
+            <a:avLst/>
+          </a:prstGeom>
+          <a:noFill/>
+        </p:spPr>
+        <p:txBody>
+          <a:bodyPr rtlCol="0" bIns="45720" lIns="91440" rIns="91440" tIns="45720">
+            <a:spAutoFit/>
+          </a:bodyPr>
+          <a:lstStyle/>
+          <a:p>
+            <a:pPr algn="l" fontAlgn="base" marL="0" marR="0" indent="0" lvl="0">
+              <a:lnSpc>
+                <a:spcPct val="100%"/>
+              </a:lnSpc>
+              <a:buClr>
+                <a:srgbClr val="000000">
+                  <a:alpha val="100.00%"/>
+                </a:srgbClr>
+              </a:buClr>
+              <a:buFont typeface="Calibri"/>
+              <a:buChar char="— "/>
+            </a:pPr>
+            <a:r>
+              <a:rPr lang="en-US" sz="1600" spc="0" u="none">
+                <a:solidFill>
+                  <a:srgbClr val="000000">
+                    <a:alpha val="100.00%"/>
+                  </a:srgbClr>
+                </a:solidFill>
+                <a:latin typeface="Arial"/>
+              </a:rPr>
+              <a:t><![CDATA[System 1]]></a:t>
+            </a:r>
+          </a:p>
+        </p:txBody>
+      </p:sp>
+      <p:sp>
+        <p:nvSpPr>
+          <p:cNvPr id="9" name=""/>
+          <p:cNvSpPr txBox="1"/>
+          <p:nvPr/>
+        </p:nvSpPr>
+        <p:spPr>
+          <a:xfrm>
+            <a:off x="762000" y="1762125"/>
+            <a:ext cx="5715000" cy="476250"/>
+          </a:xfrm>
+          <a:prstGeom prst="rect">
+            <a:avLst/>
+          </a:prstGeom>
+          <a:noFill/>
+        </p:spPr>
+        <p:txBody>
+          <a:bodyPr rtlCol="0" bIns="45720" lIns="91440" rIns="91440" tIns="45720">
+            <a:spAutoFit/>
+          </a:bodyPr>
+          <a:lstStyle/>
+          <a:p>
+            <a:pPr algn="l" fontAlgn="base" marL="0" marR="0" indent="0" lvl="0">
+              <a:lnSpc>
+                <a:spcPct val="100%"/>
+              </a:lnSpc>
+              <a:buClr>
+                <a:srgbClr val="000000">
+                  <a:alpha val="100.00%"/>
+                </a:srgbClr>
+              </a:buClr>
+              <a:buFont typeface="Calibri"/>
+              <a:buChar char="— "/>
+            </a:pPr>
+            <a:r>
+              <a:rPr lang="en-US" sz="1600" spc="0" u="none">
+                <a:solidFill>
+                  <a:srgbClr val="000000">
+                    <a:alpha val="100.00%"/>
+                  </a:srgbClr>
+                </a:solidFill>
+                <a:latin typeface="Arial"/>
+              </a:rPr>
+              <a:t><![CDATA[System 2]]></a:t>
+            </a:r>
+          </a:p>
+        </p:txBody>
+      </p:sp>
+      <p:sp>
+        <p:nvSpPr>
+          <p:cNvPr id="10" name=""/>
+          <p:cNvSpPr txBox="1"/>
+          <p:nvPr/>
+        </p:nvSpPr>
+        <p:spPr>
+          <a:xfrm>
+            <a:off x="762000" y="2000250"/>
+            <a:ext cx="5715000" cy="476250"/>
+          </a:xfrm>
+          <a:prstGeom prst="rect">
+            <a:avLst/>
+          </a:prstGeom>
+          <a:noFill/>
+        </p:spPr>
+        <p:txBody>
+          <a:bodyPr rtlCol="0" bIns="45720" lIns="91440" rIns="91440" tIns="45720">
+            <a:spAutoFit/>
+          </a:bodyPr>
+          <a:lstStyle/>
+          <a:p>
+            <a:pPr algn="l" fontAlgn="base" marL="0" marR="0" indent="0" lvl="0">
+              <a:lnSpc>
+                <a:spcPct val="100%"/>
+              </a:lnSpc>
+              <a:buClr>
+                <a:srgbClr val="000000">
+                  <a:alpha val="100.00%"/>
+                </a:srgbClr>
+              </a:buClr>
+              <a:buFont typeface="Calibri"/>
+              <a:buChar char="— "/>
+            </a:pPr>
+            <a:r>
+              <a:rPr lang="en-US" sz="1600" spc="0" u="none">
+                <a:solidFill>
+                  <a:srgbClr val="000000">
+                    <a:alpha val="100.00%"/>
+                  </a:srgbClr>
+                </a:solidFill>
+                <a:latin typeface="Arial"/>
+              </a:rPr>
+              <a:t><![CDATA[System 3]]></a:t>
+            </a:r>
+          </a:p>
+        </p:txBody>
+      </p:sp>
+    </p:spTree>
+  </p:cSld>
+  <p:clrMapOvr>
+    <a:masterClrMapping/>
+  </p:clrMapOvr>
+</p:sld>
+</file>
+
+<file path=ppt/slides/slide3.xml><?xml version="1.0" encoding="utf-8"?>
+<p:sld xmlns:a="http://schemas.openxmlformats.org/drawingml/2006/main" xmlns:r="http://schemas.openxmlformats.org/officeDocument/2006/relationships" xmlns:p="http://schemas.openxmlformats.org/presentationml/2006/main">
+  <p:cSld>
+    <p:spTree>
+      <p:nvGrpSpPr>
+        <p:cNvPr id="1" name=""/>
+        <p:cNvGrpSpPr/>
+        <p:nvPr/>
+      </p:nvGrpSpPr>
+      <p:grpSpPr>
+        <a:xfrm>
+          <a:off x="47625" y="95250"/>
+          <a:ext cx="9191625" cy="6829425"/>
+          <a:chOff x="47625" y="95250"/>
+          <a:chExt cx="9191625" cy="6829425"/>
+        </a:xfrm>
+      </p:grpSpPr>
+      <p:sp>
+        <p:nvSpPr>
+          <p:cNvPr id="1" name=""/>
+          <p:cNvSpPr txBox="1"/>
+          <p:nvPr/>
+        </p:nvSpPr>
+        <p:spPr>
+          <a:xfrm>
+            <a:off x="47625" y="95250"/>
+            <a:ext cx="9144000" cy="0"/>
+          </a:xfrm>
+          <a:prstGeom prst="rect">
+            <a:avLst/>
+          </a:prstGeom>
+          <a:noFill/>
+        </p:spPr>
+        <p:txBody>
+          <a:bodyPr rtlCol="0" bIns="45720" lIns="91440" rIns="91440" tIns="45720">
+            <a:spAutoFit/>
+          </a:bodyPr>
+          <a:lstStyle/>
+          <a:p>
+            <a:pPr algn="ctr" fontAlgn="base" marL="0" marR="0" indent="0" lvl="0">
+              <a:lnSpc>
+                <a:spcPct val="100%"/>
+              </a:lnSpc>
+            </a:pPr>
+            <a:r>
+              <a:rPr lang="en-US" b="1" sz="800" spc="0" u="none">
+                <a:solidFill>
+                  <a:srgbClr val="000000">
+                    <a:alpha val="100.00%"/>
+                  </a:srgbClr>
+                </a:solidFill>
+                <a:latin typeface="Arial"/>
+              </a:rPr>
+              <a:t><![CDATA[FOR OFFICIAL USE ONLY]]></a:t>
+            </a:r>
+          </a:p>
+        </p:txBody>
+      </p:sp>
+      <p:sp>
+        <p:nvSpPr>
+          <p:cNvPr id="2" name=""/>
+          <p:cNvSpPr txBox="1"/>
+          <p:nvPr/>
+        </p:nvSpPr>
+        <p:spPr>
+          <a:xfrm>
+            <a:off x="47625" y="6667500"/>
+            <a:ext cx="9144000" cy="0"/>
+          </a:xfrm>
+          <a:prstGeom prst="rect">
+            <a:avLst/>
+          </a:prstGeom>
+          <a:noFill/>
+        </p:spPr>
+        <p:txBody>
+          <a:bodyPr rtlCol="0" bIns="45720" lIns="91440" rIns="91440" tIns="45720">
+            <a:spAutoFit/>
+          </a:bodyPr>
+          <a:lstStyle/>
+          <a:p>
+            <a:pPr algn="ctr" fontAlgn="base" marL="0" marR="0" indent="0" lvl="0">
+              <a:lnSpc>
+                <a:spcPct val="100%"/>
+              </a:lnSpc>
+            </a:pPr>
+            <a:r>
+              <a:rPr lang="en-US" b="1" sz="800" spc="0" u="none">
+                <a:solidFill>
+                  <a:srgbClr val="000000">
+                    <a:alpha val="100.00%"/>
+                  </a:srgbClr>
+                </a:solidFill>
+                <a:latin typeface="Arial"/>
+              </a:rPr>
+              <a:t><![CDATA[FOR OFFICIAL USE ONLY]]></a:t>
+            </a:r>
+          </a:p>
+        </p:txBody>
+      </p:sp>
+      <p:pic>
+        <p:nvPicPr>
+          <p:cNvPr id="3" name="ARMY logo" descr=""/>
+          <p:cNvPicPr>
+            <a:picLocks noChangeAspect="1"/>
+          </p:cNvPicPr>
+          <p:nvPr/>
+        </p:nvPicPr>
+        <p:blipFill>
+          <a:blip r:embed="rId2"/>
+          <a:stretch>
+            <a:fillRect/>
+          </a:stretch>
+        </p:blipFill>
+        <p:spPr>
+          <a:xfrm>
+            <a:off x="238125" y="257175"/>
+            <a:ext cx="571500" cy="762000"/>
+          </a:xfrm>
+          <a:prstGeom prst="rect">
+            <a:avLst/>
+          </a:prstGeom>
+        </p:spPr>
+      </p:pic>
+      <p:pic>
+        <p:nvPicPr>
+          <p:cNvPr id="4" name="CEAD logo" descr=""/>
+          <p:cNvPicPr>
+            <a:picLocks noChangeAspect="1"/>
+          </p:cNvPicPr>
+          <p:nvPr/>
+        </p:nvPicPr>
+        <p:blipFill>
+          <a:blip r:embed="rId3"/>
+          <a:stretch>
+            <a:fillRect/>
+          </a:stretch>
+        </p:blipFill>
+        <p:spPr>
+          <a:xfrm>
+            <a:off x="914400" y="285750"/>
+            <a:ext cx="400050" cy="523875"/>
+          </a:xfrm>
+          <a:prstGeom prst="rect">
+            <a:avLst/>
+          </a:prstGeom>
+        </p:spPr>
+      </p:pic>
+      <p:pic>
+        <p:nvPicPr>
+          <p:cNvPr id="5" name="DEVCOM logo" descr=""/>
+          <p:cNvPicPr>
+            <a:picLocks noChangeAspect="1"/>
+          </p:cNvPicPr>
+          <p:nvPr/>
+        </p:nvPicPr>
+        <p:blipFill>
+          <a:blip r:embed="rId4"/>
+          <a:stretch>
+            <a:fillRect/>
+          </a:stretch>
+        </p:blipFill>
+        <p:spPr>
+          <a:xfrm>
+            <a:off x="7667625" y="333375"/>
+            <a:ext cx="1228725" cy="409575"/>
+          </a:xfrm>
+          <a:prstGeom prst="rect">
+            <a:avLst/>
+          </a:prstGeom>
+        </p:spPr>
+      </p:pic>
+      <p:sp>
+        <p:nvSpPr>
+          <p:cNvPr id="6" name=""/>
+          <p:cNvSpPr txBox="1"/>
+          <p:nvPr/>
+        </p:nvSpPr>
+        <p:spPr>
+          <a:xfrm>
+            <a:off x="1619250" y="333375"/>
+            <a:ext cx="5943600" cy="504825"/>
+          </a:xfrm>
+          <a:prstGeom prst="rect">
+            <a:avLst/>
+          </a:prstGeom>
+          <a:noFill/>
+        </p:spPr>
+        <p:txBody>
+          <a:bodyPr rtlCol="0" bIns="45720" lIns="91440" rIns="91440" tIns="45720">
+            <a:spAutoFit/>
+          </a:bodyPr>
+          <a:lstStyle/>
+          <a:p>
+            <a:pPr algn="l" fontAlgn="base" marL="0" marR="0" indent="0" lvl="0">
+              <a:lnSpc>
+                <a:spcPct val="100%"/>
+              </a:lnSpc>
+            </a:pPr>
+            <a:r>
+              <a:rPr lang="en-US" b="1" sz="2000" spc="0" u="none">
+                <a:solidFill>
+                  <a:srgbClr val="000000">
+                    <a:alpha val="100.00%"/>
+                  </a:srgbClr>
+                </a:solidFill>
+                <a:latin typeface="Arial"/>
+              </a:rPr>
+              <a:t><![CDATA[FINDINGS]]></a:t>
+            </a:r>
+          </a:p>
+        </p:txBody>
+      </p:sp>
+      <p:graphicFrame>
+        <p:nvGraphicFramePr>
+          <p:cNvPr id="7" name="" descr=""/>
+          <p:cNvGraphicFramePr>
+            <a:graphicFrameLocks noGrp="1"/>
+          </p:cNvGraphicFramePr>
+          <p:nvPr/>
+        </p:nvGraphicFramePr>
+        <p:xfrm>
+          <a:off x="304800" y="1114425"/>
+          <a:ext cx="8572500" cy="5715000"/>
+        </p:xfrm>
+        <a:graphic>
+          <a:graphicData uri="http://schemas.openxmlformats.org/drawingml/2006/table">
+            <a:tbl>
+              <a:tblPr firstRow="1" bandRow="1"/>
+              <a:tblGrid>
+                <a:gridCol w="1714500"/>
+                <a:gridCol w="1714500"/>
+                <a:gridCol w="1714500"/>
+                <a:gridCol w="1714500"/>
+                <a:gridCol w="1714500"/>
+              </a:tblGrid>
+              <a:tr h="361950">
+                <a:tc>
+                  <a:txBody>
+                    <a:bodyPr wrap="square" rtlCol="0">
+                      <a:spAutoFit/>
+                    </a:bodyPr>
+                    <a:lstStyle/>
+                    <a:p>
+                      <a:pPr algn="ctr" fontAlgn="ctr" marL="0" marR="0" indent="0" lvl="0">
+                        <a:lnSpc>
+                          <a:spcPct val="100%"/>
+                        </a:lnSpc>
+                      </a:pPr>
+                      <a:r>
+                        <a:rPr lang="en-US" b="1" sz="1800" spc="0" u="none">
+                          <a:solidFill>
+                            <a:srgbClr val="FFFFFF">
+                              <a:alpha val="100.00%"/>
+                            </a:srgbClr>
+                          </a:solidFill>
+                          <a:latin typeface="Arial (Body)"/>
+                        </a:rPr>
+                        <a:t><![CDATA[ID]]></a:t>
+                      </a:r>
+                    </a:p>
+                  </a:txBody>
+                  <a:tcPr anchor="ctr" marL="0" marR="0" marT="0" marB="0">
+                    <a:lnL w="12700" cap="flat" cmpd="sng" algn="ctr">
+                      <a:solidFill>
+                        <a:srgbClr val="FFFFFF">
+                          <a:alpha val="100.00%"/>
+                        </a:srgbClr>
+                      </a:solidFill>
+                      <a:prstDash val="solid"/>
+                      <a:round/>
+                      <a:headEnd type="none" w="med" len="med"/>
+                      <a:tailEnd type="none" w="med" len="med"/>
+                    </a:lnL>
+                    <a:lnR w="12700" cap="flat" cmpd="sng" algn="ctr">
+                      <a:solidFill>
+                        <a:srgbClr val="FFFFFF">
+                          <a:alpha val="100.00%"/>
+                        </a:srgbClr>
+                      </a:solidFill>
+                      <a:prstDash val="solid"/>
+                      <a:round/>
+                      <a:headEnd type="none" w="med" len="med"/>
+                      <a:tailEnd type="none" w="med" len="med"/>
+                    </a:lnR>
+                    <a:lnT w="12700" cap="flat" cmpd="sng" algn="ctr">
+                      <a:solidFill>
+                        <a:srgbClr val="FFFFFF">
+                          <a:alpha val="100.00%"/>
+                        </a:srgbClr>
+                      </a:solidFill>
+                      <a:prstDash val="solid"/>
+                      <a:round/>
+                      <a:headEnd type="none" w="med" len="med"/>
+                      <a:tailEnd type="none" w="med" len="med"/>
+                    </a:lnT>
+                    <a:lnB w="12700" cap="flat" cmpd="sng" algn="ctr">
+                      <a:solidFill>
+                        <a:srgbClr val="FFFFFF">
+                          <a:alpha val="100.00%"/>
+                        </a:srgbClr>
+                      </a:solidFill>
+                      <a:prstDash val="solid"/>
+                      <a:round/>
+                      <a:headEnd type="none" w="med" len="med"/>
+                      <a:tailEnd type="none" w="med" len="med"/>
+                    </a:lnB>
+                    <a:lnTlToBr w="12700" cap="flat" cmpd="sng" algn="ctr">
+                      <a:noFill/>
+                      <a:prstDash val="solid"/>
+                      <a:round/>
+                      <a:headEnd type="none" w="med" len="med"/>
+                      <a:tailEnd type="none" w="med" len="med"/>
+                    </a:lnTlToBr>
+                    <a:lnBlToTr w="12700" cap="flat" cmpd="sng" algn="ctr">
+                      <a:noFill/>
+                      <a:prstDash val="solid"/>
+                      <a:round/>
+                      <a:headEnd type="none" w="med" len="med"/>
+                      <a:tailEnd type="none" w="med" len="med"/>
+                    </a:lnBlToTr>
+                    <a:solidFill>
+                      <a:srgbClr val="333C33">
+                        <a:alpha val="100.00%"/>
+                      </a:srgbClr>
+                    </a:solidFill>
+                  </a:tcPr>
+                </a:tc>
+                <a:tc>
+                  <a:txBody>
+                    <a:bodyPr wrap="square" rtlCol="0">
+                      <a:spAutoFit/>
+                    </a:bodyPr>
+                    <a:lstStyle/>
+                    <a:p>
+                      <a:pPr algn="ctr" fontAlgn="ctr" marL="0" marR="0" indent="0" lvl="0">
+                        <a:lnSpc>
+                          <a:spcPct val="100%"/>
+                        </a:lnSpc>
+                      </a:pPr>
+                      <a:r>
+                        <a:rPr lang="en-US" b="1" sz="1800" spc="0" u="none">
+                          <a:solidFill>
+                            <a:srgbClr val="FFFFFF">
+                              <a:alpha val="100.00%"/>
+                            </a:srgbClr>
+                          </a:solidFill>
+                          <a:latin typeface="Arial (Body)"/>
+                        </a:rPr>
+                        <a:t><![CDATA[System]]></a:t>
+                      </a:r>
+                    </a:p>
+                  </a:txBody>
+                  <a:tcPr anchor="ctr" marL="0" marR="0" marT="0" marB="0">
+                    <a:lnL w="12700" cap="flat" cmpd="sng" algn="ctr">
+                      <a:solidFill>
+                        <a:srgbClr val="FFFFFF">
+                          <a:alpha val="100.00%"/>
+                        </a:srgbClr>
+                      </a:solidFill>
+                      <a:prstDash val="solid"/>
+                      <a:round/>
+                      <a:headEnd type="none" w="med" len="med"/>
+                      <a:tailEnd type="none" w="med" len="med"/>
+                    </a:lnL>
+                    <a:lnR w="12700" cap="flat" cmpd="sng" algn="ctr">
+                      <a:solidFill>
+                        <a:srgbClr val="FFFFFF">
+                          <a:alpha val="100.00%"/>
+                        </a:srgbClr>
+                      </a:solidFill>
+                      <a:prstDash val="solid"/>
+                      <a:round/>
+                      <a:headEnd type="none" w="med" len="med"/>
+                      <a:tailEnd type="none" w="med" len="med"/>
+                    </a:lnR>
+                    <a:lnT w="12700" cap="flat" cmpd="sng" algn="ctr">
+                      <a:solidFill>
+                        <a:srgbClr val="FFFFFF">
+                          <a:alpha val="100.00%"/>
+                        </a:srgbClr>
+                      </a:solidFill>
+                      <a:prstDash val="solid"/>
+                      <a:round/>
+                      <a:headEnd type="none" w="med" len="med"/>
+                      <a:tailEnd type="none" w="med" len="med"/>
+                    </a:lnT>
+                    <a:lnB w="12700" cap="flat" cmpd="sng" algn="ctr">
+                      <a:solidFill>
+                        <a:srgbClr val="FFFFFF">
+                          <a:alpha val="100.00%"/>
+                        </a:srgbClr>
+                      </a:solidFill>
+                      <a:prstDash val="solid"/>
+                      <a:round/>
+                      <a:headEnd type="none" w="med" len="med"/>
+                      <a:tailEnd type="none" w="med" len="med"/>
+                    </a:lnB>
+                    <a:lnTlToBr w="12700" cap="flat" cmpd="sng" algn="ctr">
+                      <a:noFill/>
+                      <a:prstDash val="solid"/>
+                      <a:round/>
+                      <a:headEnd type="none" w="med" len="med"/>
+                      <a:tailEnd type="none" w="med" len="med"/>
+                    </a:lnTlToBr>
+                    <a:lnBlToTr w="12700" cap="flat" cmpd="sng" algn="ctr">
+                      <a:noFill/>
+                      <a:prstDash val="solid"/>
+                      <a:round/>
+                      <a:headEnd type="none" w="med" len="med"/>
+                      <a:tailEnd type="none" w="med" len="med"/>
+                    </a:lnBlToTr>
+                    <a:solidFill>
+                      <a:srgbClr val="333C33">
+                        <a:alpha val="100.00%"/>
+                      </a:srgbClr>
+                    </a:solidFill>
+                  </a:tcPr>
+                </a:tc>
+                <a:tc>
+                  <a:txBody>
+                    <a:bodyPr wrap="square" rtlCol="0">
+                      <a:spAutoFit/>
+                    </a:bodyPr>
+                    <a:lstStyle/>
+                    <a:p>
+                      <a:pPr algn="ctr" fontAlgn="ctr" marL="0" marR="0" indent="0" lvl="0">
+                        <a:lnSpc>
+                          <a:spcPct val="100%"/>
+                        </a:lnSpc>
+                      </a:pPr>
+                      <a:r>
+                        <a:rPr lang="en-US" b="1" sz="1800" spc="0" u="none">
+                          <a:solidFill>
+                            <a:srgbClr val="FFFFFF">
+                              <a:alpha val="100.00%"/>
+                            </a:srgbClr>
+                          </a:solidFill>
+                          <a:latin typeface="Arial (Body)"/>
+                        </a:rPr>
+                        <a:t><![CDATA[Finding]]></a:t>
+                      </a:r>
+                    </a:p>
+                  </a:txBody>
+                  <a:tcPr anchor="ctr" marL="0" marR="0" marT="0" marB="0">
+                    <a:lnL w="12700" cap="flat" cmpd="sng" algn="ctr">
+                      <a:solidFill>
+                        <a:srgbClr val="FFFFFF">
+                          <a:alpha val="100.00%"/>
+                        </a:srgbClr>
+                      </a:solidFill>
+                      <a:prstDash val="solid"/>
+                      <a:round/>
+                      <a:headEnd type="none" w="med" len="med"/>
+                      <a:tailEnd type="none" w="med" len="med"/>
+                    </a:lnL>
+                    <a:lnR w="12700" cap="flat" cmpd="sng" algn="ctr">
+                      <a:solidFill>
+                        <a:srgbClr val="FFFFFF">
+                          <a:alpha val="100.00%"/>
+                        </a:srgbClr>
+                      </a:solidFill>
+                      <a:prstDash val="solid"/>
+                      <a:round/>
+                      <a:headEnd type="none" w="med" len="med"/>
+                      <a:tailEnd type="none" w="med" len="med"/>
+                    </a:lnR>
+                    <a:lnT w="12700" cap="flat" cmpd="sng" algn="ctr">
+                      <a:solidFill>
+                        <a:srgbClr val="FFFFFF">
+                          <a:alpha val="100.00%"/>
+                        </a:srgbClr>
+                      </a:solidFill>
+                      <a:prstDash val="solid"/>
+                      <a:round/>
+                      <a:headEnd type="none" w="med" len="med"/>
+                      <a:tailEnd type="none" w="med" len="med"/>
+                    </a:lnT>
+                    <a:lnB w="12700" cap="flat" cmpd="sng" algn="ctr">
+                      <a:solidFill>
+                        <a:srgbClr val="FFFFFF">
+                          <a:alpha val="100.00%"/>
+                        </a:srgbClr>
+                      </a:solidFill>
+                      <a:prstDash val="solid"/>
+                      <a:round/>
+                      <a:headEnd type="none" w="med" len="med"/>
+                      <a:tailEnd type="none" w="med" len="med"/>
+                    </a:lnB>
+                    <a:lnTlToBr w="12700" cap="flat" cmpd="sng" algn="ctr">
+                      <a:noFill/>
+                      <a:prstDash val="solid"/>
+                      <a:round/>
+                      <a:headEnd type="none" w="med" len="med"/>
+                      <a:tailEnd type="none" w="med" len="med"/>
+                    </a:lnTlToBr>
+                    <a:lnBlToTr w="12700" cap="flat" cmpd="sng" algn="ctr">
+                      <a:noFill/>
+                      <a:prstDash val="solid"/>
+                      <a:round/>
+                      <a:headEnd type="none" w="med" len="med"/>
+                      <a:tailEnd type="none" w="med" len="med"/>
+                    </a:lnBlToTr>
+                    <a:solidFill>
+                      <a:srgbClr val="333C33">
+                        <a:alpha val="100.00%"/>
+                      </a:srgbClr>
+                    </a:solidFill>
+                  </a:tcPr>
+                </a:tc>
+                <a:tc>
+                  <a:txBody>
+                    <a:bodyPr wrap="square" rtlCol="0">
+                      <a:spAutoFit/>
+                    </a:bodyPr>
+                    <a:lstStyle/>
+                    <a:p>
+                      <a:pPr algn="ctr" fontAlgn="ctr" marL="0" marR="0" indent="0" lvl="0">
+                        <a:lnSpc>
+                          <a:spcPct val="100%"/>
+                        </a:lnSpc>
+                      </a:pPr>
+                      <a:r>
+                        <a:rPr lang="en-US" b="1" sz="1800" spc="0" u="none">
+                          <a:solidFill>
+                            <a:srgbClr val="FFFFFF">
+                              <a:alpha val="100.00%"/>
+                            </a:srgbClr>
+                          </a:solidFill>
+                          <a:latin typeface="Arial (Body)"/>
+                        </a:rPr>
+                        <a:t><![CDATA[Impact]]></a:t>
+                      </a:r>
+                    </a:p>
+                  </a:txBody>
+                  <a:tcPr anchor="ctr" marL="0" marR="0" marT="0" marB="0">
+                    <a:lnL w="12700" cap="flat" cmpd="sng" algn="ctr">
+                      <a:solidFill>
+                        <a:srgbClr val="FFFFFF">
+                          <a:alpha val="100.00%"/>
+                        </a:srgbClr>
+                      </a:solidFill>
+                      <a:prstDash val="solid"/>
+                      <a:round/>
+                      <a:headEnd type="none" w="med" len="med"/>
+                      <a:tailEnd type="none" w="med" len="med"/>
+                    </a:lnL>
+                    <a:lnR w="12700" cap="flat" cmpd="sng" algn="ctr">
+                      <a:solidFill>
+                        <a:srgbClr val="FFFFFF">
+                          <a:alpha val="100.00%"/>
+                        </a:srgbClr>
+                      </a:solidFill>
+                      <a:prstDash val="solid"/>
+                      <a:round/>
+                      <a:headEnd type="none" w="med" len="med"/>
+                      <a:tailEnd type="none" w="med" len="med"/>
+                    </a:lnR>
+                    <a:lnT w="12700" cap="flat" cmpd="sng" algn="ctr">
+                      <a:solidFill>
+                        <a:srgbClr val="FFFFFF">
+                          <a:alpha val="100.00%"/>
+                        </a:srgbClr>
+                      </a:solidFill>
+                      <a:prstDash val="solid"/>
+                      <a:round/>
+                      <a:headEnd type="none" w="med" len="med"/>
+                      <a:tailEnd type="none" w="med" len="med"/>
+                    </a:lnT>
+                    <a:lnB w="12700" cap="flat" cmpd="sng" algn="ctr">
+                      <a:solidFill>
+                        <a:srgbClr val="FFFFFF">
+                          <a:alpha val="100.00%"/>
+                        </a:srgbClr>
+                      </a:solidFill>
+                      <a:prstDash val="solid"/>
+                      <a:round/>
+                      <a:headEnd type="none" w="med" len="med"/>
+                      <a:tailEnd type="none" w="med" len="med"/>
+                    </a:lnB>
+                    <a:lnTlToBr w="12700" cap="flat" cmpd="sng" algn="ctr">
+                      <a:noFill/>
+                      <a:prstDash val="solid"/>
+                      <a:round/>
+                      <a:headEnd type="none" w="med" len="med"/>
+                      <a:tailEnd type="none" w="med" len="med"/>
+                    </a:lnTlToBr>
+                    <a:lnBlToTr w="12700" cap="flat" cmpd="sng" algn="ctr">
+                      <a:noFill/>
+                      <a:prstDash val="solid"/>
+                      <a:round/>
+                      <a:headEnd type="none" w="med" len="med"/>
+                      <a:tailEnd type="none" w="med" len="med"/>
+                    </a:lnBlToTr>
+                    <a:solidFill>
+                      <a:srgbClr val="333C33">
+                        <a:alpha val="100.00%"/>
+                      </a:srgbClr>
+                    </a:solidFill>
+                  </a:tcPr>
+                </a:tc>
+                <a:tc>
+                  <a:txBody>
+                    <a:bodyPr wrap="square" rtlCol="0">
+                      <a:spAutoFit/>
+                    </a:bodyPr>
+                    <a:lstStyle/>
+                    <a:p>
+                      <a:pPr algn="ctr" fontAlgn="ctr" marL="0" marR="0" indent="0" lvl="0">
+                        <a:lnSpc>
+                          <a:spcPct val="100%"/>
+                        </a:lnSpc>
+                      </a:pPr>
+                      <a:r>
+                        <a:rPr lang="en-US" b="1" sz="1800" spc="0" u="none">
+                          <a:solidFill>
+                            <a:srgbClr val="FFFFFF">
+                              <a:alpha val="100.00%"/>
+                            </a:srgbClr>
+                          </a:solidFill>
+                          <a:latin typeface="Arial (Body)"/>
+                        </a:rPr>
+                        <a:t><![CDATA[Risk]]></a:t>
+                      </a:r>
+                    </a:p>
+                  </a:txBody>
+                  <a:tcPr anchor="ctr" marL="0" marR="0" marT="0" marB="0">
+                    <a:lnL w="12700" cap="flat" cmpd="sng" algn="ctr">
+                      <a:solidFill>
+                        <a:srgbClr val="FFFFFF">
+                          <a:alpha val="100.00%"/>
+                        </a:srgbClr>
+                      </a:solidFill>
+                      <a:prstDash val="solid"/>
+                      <a:round/>
+                      <a:headEnd type="none" w="med" len="med"/>
+                      <a:tailEnd type="none" w="med" len="med"/>
+                    </a:lnL>
+                    <a:lnR w="12700" cap="flat" cmpd="sng" algn="ctr">
+                      <a:solidFill>
+                        <a:srgbClr val="FFFFFF">
+                          <a:alpha val="100.00%"/>
+                        </a:srgbClr>
+                      </a:solidFill>
+                      <a:prstDash val="solid"/>
+                      <a:round/>
+                      <a:headEnd type="none" w="med" len="med"/>
+                      <a:tailEnd type="none" w="med" len="med"/>
+                    </a:lnR>
+                    <a:lnT w="12700" cap="flat" cmpd="sng" algn="ctr">
+                      <a:solidFill>
+                        <a:srgbClr val="FFFFFF">
+                          <a:alpha val="100.00%"/>
+                        </a:srgbClr>
+                      </a:solidFill>
+                      <a:prstDash val="solid"/>
+                      <a:round/>
+                      <a:headEnd type="none" w="med" len="med"/>
+                      <a:tailEnd type="none" w="med" len="med"/>
+                    </a:lnT>
+                    <a:lnB w="12700" cap="flat" cmpd="sng" algn="ctr">
+                      <a:solidFill>
+                        <a:srgbClr val="FFFFFF">
+                          <a:alpha val="100.00%"/>
+                        </a:srgbClr>
+                      </a:solidFill>
+                      <a:prstDash val="solid"/>
+                      <a:round/>
+                      <a:headEnd type="none" w="med" len="med"/>
+                      <a:tailEnd type="none" w="med" len="med"/>
+                    </a:lnB>
+                    <a:lnTlToBr w="12700" cap="flat" cmpd="sng" algn="ctr">
+                      <a:noFill/>
+                      <a:prstDash val="solid"/>
+                      <a:round/>
+                      <a:headEnd type="none" w="med" len="med"/>
+                      <a:tailEnd type="none" w="med" len="med"/>
+                    </a:lnTlToBr>
+                    <a:lnBlToTr w="12700" cap="flat" cmpd="sng" algn="ctr">
+                      <a:noFill/>
+                      <a:prstDash val="solid"/>
+                      <a:round/>
+                      <a:headEnd type="none" w="med" len="med"/>
+                      <a:tailEnd type="none" w="med" len="med"/>
+                    </a:lnBlToTr>
+                    <a:solidFill>
+                      <a:srgbClr val="333C33">
+                        <a:alpha val="100.00%"/>
+                      </a:srgbClr>
+                    </a:solidFill>
+                  </a:tcPr>
+                </a:tc>
+              </a:tr>
+              <a:tr h="361950">
+                <a:tc>
+                  <a:txBody>
+                    <a:bodyPr wrap="square" rtlCol="0">
+                      <a:spAutoFit/>
+                    </a:bodyPr>
+                    <a:lstStyle/>
+                    <a:p>
+                      <a:pPr algn="ctr" fontAlgn="ctr" marL="0" marR="0" indent="0" lvl="0">
+                        <a:lnSpc>
+                          <a:spcPct val="100%"/>
+                        </a:lnSpc>
+                      </a:pPr>
+                      <a:r>
+                        <a:rPr lang="en-US" sz="1800" spc="0" u="none">
+                          <a:solidFill>
+                            <a:srgbClr val="000000">
+                              <a:alpha val="100.00%"/>
+                            </a:srgbClr>
+                          </a:solidFill>
+                          <a:latin typeface="Arial (Body)"/>
+                        </a:rPr>
+                        <a:t><![CDATA[1]]></a:t>
+                      </a:r>
+                    </a:p>
+                  </a:txBody>
+                  <a:tcPr anchor="ctr" marL="0" marR="0" marT="0" marB="0">
+                    <a:lnL w="12700" cap="flat" cmpd="sng" algn="ctr">
+                      <a:solidFill>
+                        <a:srgbClr val="FFFFFF">
+                          <a:alpha val="100.00%"/>
+                        </a:srgbClr>
+                      </a:solidFill>
+                      <a:prstDash val="solid"/>
+                      <a:round/>
+                      <a:headEnd type="none" w="med" len="med"/>
+                      <a:tailEnd type="none" w="med" len="med"/>
+                    </a:lnL>
+                    <a:lnR w="12700" cap="flat" cmpd="sng" algn="ctr">
+                      <a:solidFill>
+                        <a:srgbClr val="FFFFFF">
+                          <a:alpha val="100.00%"/>
+                        </a:srgbClr>
+                      </a:solidFill>
+                      <a:prstDash val="solid"/>
+                      <a:round/>
+                      <a:headEnd type="none" w="med" len="med"/>
+                      <a:tailEnd type="none" w="med" len="med"/>
+                    </a:lnR>
+                    <a:lnT w="12700" cap="flat" cmpd="sng" algn="ctr">
+                      <a:solidFill>
+                        <a:srgbClr val="FFFFFF">
+                          <a:alpha val="100.00%"/>
+                        </a:srgbClr>
+                      </a:solidFill>
+                      <a:prstDash val="solid"/>
+                      <a:round/>
+                      <a:headEnd type="none" w="med" len="med"/>
+                      <a:tailEnd type="none" w="med" len="med"/>
+                    </a:lnT>
+                    <a:lnB w="12700" cap="flat" cmpd="sng" algn="ctr">
+                      <a:solidFill>
+                        <a:srgbClr val="FFFFFF">
+                          <a:alpha val="100.00%"/>
+                        </a:srgbClr>
+                      </a:solidFill>
+                      <a:prstDash val="solid"/>
+                      <a:round/>
+                      <a:headEnd type="none" w="med" len="med"/>
+                      <a:tailEnd type="none" w="med" len="med"/>
+                    </a:lnB>
+                    <a:lnTlToBr w="12700" cap="flat" cmpd="sng" algn="ctr">
+                      <a:noFill/>
+                      <a:prstDash val="solid"/>
+                      <a:round/>
+                      <a:headEnd type="none" w="med" len="med"/>
+                      <a:tailEnd type="none" w="med" len="med"/>
+                    </a:lnTlToBr>
+                    <a:lnBlToTr w="12700" cap="flat" cmpd="sng" algn="ctr">
+                      <a:noFill/>
+                      <a:prstDash val="solid"/>
+                      <a:round/>
+                      <a:headEnd type="none" w="med" len="med"/>
+                      <a:tailEnd type="none" w="med" len="med"/>
+                    </a:lnBlToTr>
+                    <a:solidFill>
+                      <a:srgbClr val="CDCECD">
+                        <a:alpha val="100.00%"/>
+                      </a:srgbClr>
+                    </a:solidFill>
+                  </a:tcPr>
+                </a:tc>
+                <a:tc>
+                  <a:txBody>
+                    <a:bodyPr wrap="square" rtlCol="0">
+                      <a:spAutoFit/>
+                    </a:bodyPr>
+                    <a:lstStyle/>
+                    <a:p>
+                      <a:pPr algn="ctr" fontAlgn="ctr" marL="0" marR="0" indent="0" lvl="0">
+                        <a:lnSpc>
+                          <a:spcPct val="100%"/>
+                        </a:lnSpc>
+                      </a:pPr>
+                      <a:r>
+                        <a:rPr lang="en-US" sz="1800" spc="0" u="none">
+                          <a:solidFill>
+                            <a:srgbClr val="000000">
+                              <a:alpha val="100.00%"/>
+                            </a:srgbClr>
+                          </a:solidFill>
+                          <a:latin typeface="Arial (Body)"/>
+                        </a:rPr>
+                        <a:t><![CDATA[No System Association]]></a:t>
+                      </a:r>
+                    </a:p>
+                  </a:txBody>
+                  <a:tcPr anchor="ctr" marL="0" marR="0" marT="0" marB="0">
+                    <a:lnL w="12700" cap="flat" cmpd="sng" algn="ctr">
+                      <a:solidFill>
+                        <a:srgbClr val="FFFFFF">
+                          <a:alpha val="100.00%"/>
+                        </a:srgbClr>
+                      </a:solidFill>
+                      <a:prstDash val="solid"/>
+                      <a:round/>
+                      <a:headEnd type="none" w="med" len="med"/>
+                      <a:tailEnd type="none" w="med" len="med"/>
+                    </a:lnL>
+                    <a:lnR w="12700" cap="flat" cmpd="sng" algn="ctr">
+                      <a:solidFill>
+                        <a:srgbClr val="FFFFFF">
+                          <a:alpha val="100.00%"/>
+                        </a:srgbClr>
+                      </a:solidFill>
+                      <a:prstDash val="solid"/>
+                      <a:round/>
+                      <a:headEnd type="none" w="med" len="med"/>
+                      <a:tailEnd type="none" w="med" len="med"/>
+                    </a:lnR>
+                    <a:lnT w="12700" cap="flat" cmpd="sng" algn="ctr">
+                      <a:solidFill>
+                        <a:srgbClr val="FFFFFF">
+                          <a:alpha val="100.00%"/>
+                        </a:srgbClr>
+                      </a:solidFill>
+                      <a:prstDash val="solid"/>
+                      <a:round/>
+                      <a:headEnd type="none" w="med" len="med"/>
+                      <a:tailEnd type="none" w="med" len="med"/>
+                    </a:lnT>
+                    <a:lnB w="12700" cap="flat" cmpd="sng" algn="ctr">
+                      <a:solidFill>
+                        <a:srgbClr val="FFFFFF">
+                          <a:alpha val="100.00%"/>
+                        </a:srgbClr>
+                      </a:solidFill>
+                      <a:prstDash val="solid"/>
+                      <a:round/>
+                      <a:headEnd type="none" w="med" len="med"/>
+                      <a:tailEnd type="none" w="med" len="med"/>
+                    </a:lnB>
+                    <a:lnTlToBr w="12700" cap="flat" cmpd="sng" algn="ctr">
+                      <a:noFill/>
+                      <a:prstDash val="solid"/>
+                      <a:round/>
+                      <a:headEnd type="none" w="med" len="med"/>
+                      <a:tailEnd type="none" w="med" len="med"/>
+                    </a:lnTlToBr>
+                    <a:lnBlToTr w="12700" cap="flat" cmpd="sng" algn="ctr">
+                      <a:noFill/>
+                      <a:prstDash val="solid"/>
+                      <a:round/>
+                      <a:headEnd type="none" w="med" len="med"/>
+                      <a:tailEnd type="none" w="med" len="med"/>
+                    </a:lnBlToTr>
+                    <a:solidFill>
+                      <a:srgbClr val="CDCECD">
+                        <a:alpha val="100.00%"/>
+                      </a:srgbClr>
+                    </a:solidFill>
+                  </a:tcPr>
+                </a:tc>
+                <a:tc>
+                  <a:txBody>
+                    <a:bodyPr wrap="square" rtlCol="0">
+                      <a:spAutoFit/>
+                    </a:bodyPr>
+                    <a:lstStyle/>
+                    <a:p>
+                      <a:pPr algn="ctr" fontAlgn="ctr" marL="0" marR="0" indent="0" lvl="0">
+                        <a:lnSpc>
+                          <a:spcPct val="100%"/>
+                        </a:lnSpc>
+                      </a:pPr>
+                      <a:r>
+                        <a:rPr lang="en-US" sz="1800" spc="0" u="none">
+                          <a:solidFill>
+                            <a:srgbClr val="000000">
+                              <a:alpha val="100.00%"/>
+                            </a:srgbClr>
+                          </a:solidFill>
+                          <a:latin typeface="Arial (Body)"/>
+                        </a:rPr>
+                        <a:t><![CDATA[Finding 1]]></a:t>
+                      </a:r>
+                    </a:p>
+                  </a:txBody>
+                  <a:tcPr anchor="ctr" marL="0" marR="0" marT="0" marB="0">
+                    <a:lnL w="12700" cap="flat" cmpd="sng" algn="ctr">
+                      <a:solidFill>
+                        <a:srgbClr val="FFFFFF">
+                          <a:alpha val="100.00%"/>
+                        </a:srgbClr>
+                      </a:solidFill>
+                      <a:prstDash val="solid"/>
+                      <a:round/>
+                      <a:headEnd type="none" w="med" len="med"/>
+                      <a:tailEnd type="none" w="med" len="med"/>
+                    </a:lnL>
+                    <a:lnR w="12700" cap="flat" cmpd="sng" algn="ctr">
+                      <a:solidFill>
+                        <a:srgbClr val="FFFFFF">
+                          <a:alpha val="100.00%"/>
+                        </a:srgbClr>
+                      </a:solidFill>
+                      <a:prstDash val="solid"/>
+                      <a:round/>
+                      <a:headEnd type="none" w="med" len="med"/>
+                      <a:tailEnd type="none" w="med" len="med"/>
+                    </a:lnR>
+                    <a:lnT w="12700" cap="flat" cmpd="sng" algn="ctr">
+                      <a:solidFill>
+                        <a:srgbClr val="FFFFFF">
+                          <a:alpha val="100.00%"/>
+                        </a:srgbClr>
+                      </a:solidFill>
+                      <a:prstDash val="solid"/>
+                      <a:round/>
+                      <a:headEnd type="none" w="med" len="med"/>
+                      <a:tailEnd type="none" w="med" len="med"/>
+                    </a:lnT>
+                    <a:lnB w="12700" cap="flat" cmpd="sng" algn="ctr">
+                      <a:solidFill>
+                        <a:srgbClr val="FFFFFF">
+                          <a:alpha val="100.00%"/>
+                        </a:srgbClr>
+                      </a:solidFill>
+                      <a:prstDash val="solid"/>
+                      <a:round/>
+                      <a:headEnd type="none" w="med" len="med"/>
+                      <a:tailEnd type="none" w="med" len="med"/>
+                    </a:lnB>
+                    <a:lnTlToBr w="12700" cap="flat" cmpd="sng" algn="ctr">
+                      <a:noFill/>
+                      <a:prstDash val="solid"/>
+                      <a:round/>
+                      <a:headEnd type="none" w="med" len="med"/>
+                      <a:tailEnd type="none" w="med" len="med"/>
+                    </a:lnTlToBr>
+                    <a:lnBlToTr w="12700" cap="flat" cmpd="sng" algn="ctr">
+                      <a:noFill/>
+                      <a:prstDash val="solid"/>
+                      <a:round/>
+                      <a:headEnd type="none" w="med" len="med"/>
+                      <a:tailEnd type="none" w="med" len="med"/>
+                    </a:lnBlToTr>
+                    <a:solidFill>
+                      <a:srgbClr val="CDCECD">
+                        <a:alpha val="100.00%"/>
+                      </a:srgbClr>
+                    </a:solidFill>
+                  </a:tcPr>
+                </a:tc>
+                <a:tc>
+                  <a:txBody>
+                    <a:bodyPr wrap="square" rtlCol="0">
+                      <a:spAutoFit/>
+                    </a:bodyPr>
+                    <a:lstStyle/>
+                    <a:p>
+                      <a:pPr algn="ctr" fontAlgn="ctr" marL="0" marR="0" indent="0" lvl="0">
+                        <a:lnSpc>
+                          <a:spcPct val="100%"/>
+                        </a:lnSpc>
+                      </a:pPr>
+                      <a:r>
+                        <a:rPr lang="en-US" b="1" sz="1100" spc="0" u="none">
+                          <a:solidFill>
+                            <a:srgbClr val="000000">
+                              <a:alpha val="100.00%"/>
+                            </a:srgbClr>
+                          </a:solidFill>
+                          <a:latin typeface="Times New Roman"/>
+                        </a:rPr>
+                        <a:t><![CDATA[Very High]]></a:t>
+                      </a:r>
+                    </a:p>
+                  </a:txBody>
+                  <a:tcPr anchor="ctr" marL="0" marR="0" marT="0" marB="0">
+                    <a:lnL w="12700" cap="flat" cmpd="sng" algn="ctr">
+                      <a:solidFill>
+                        <a:srgbClr val="FFFFFF">
+                          <a:alpha val="100.00%"/>
+                        </a:srgbClr>
+                      </a:solidFill>
+                      <a:prstDash val="solid"/>
+                      <a:round/>
+                      <a:headEnd type="none" w="med" len="med"/>
+                      <a:tailEnd type="none" w="med" len="med"/>
+                    </a:lnL>
+                    <a:lnR w="12700" cap="flat" cmpd="sng" algn="ctr">
+                      <a:solidFill>
+                        <a:srgbClr val="FFFFFF">
+                          <a:alpha val="100.00%"/>
+                        </a:srgbClr>
+                      </a:solidFill>
+                      <a:prstDash val="solid"/>
+                      <a:round/>
+                      <a:headEnd type="none" w="med" len="med"/>
+                      <a:tailEnd type="none" w="med" len="med"/>
+                    </a:lnR>
+                    <a:lnT w="12700" cap="flat" cmpd="sng" algn="ctr">
+                      <a:solidFill>
+                        <a:srgbClr val="FFFFFF">
+                          <a:alpha val="100.00%"/>
+                        </a:srgbClr>
+                      </a:solidFill>
+                      <a:prstDash val="solid"/>
+                      <a:round/>
+                      <a:headEnd type="none" w="med" len="med"/>
+                      <a:tailEnd type="none" w="med" len="med"/>
+                    </a:lnT>
+                    <a:lnB w="12700" cap="flat" cmpd="sng" algn="ctr">
+                      <a:solidFill>
+                        <a:srgbClr val="FFFFFF">
+                          <a:alpha val="100.00%"/>
+                        </a:srgbClr>
+                      </a:solidFill>
+                      <a:prstDash val="solid"/>
+                      <a:round/>
+                      <a:headEnd type="none" w="med" len="med"/>
+                      <a:tailEnd type="none" w="med" len="med"/>
+                    </a:lnB>
+                    <a:lnTlToBr w="12700" cap="flat" cmpd="sng" algn="ctr">
+                      <a:noFill/>
+                      <a:prstDash val="solid"/>
+                      <a:round/>
+                      <a:headEnd type="none" w="med" len="med"/>
+                      <a:tailEnd type="none" w="med" len="med"/>
+                    </a:lnTlToBr>
+                    <a:lnBlToTr w="12700" cap="flat" cmpd="sng" algn="ctr">
+                      <a:noFill/>
+                      <a:prstDash val="solid"/>
+                      <a:round/>
+                      <a:headEnd type="none" w="med" len="med"/>
+                      <a:tailEnd type="none" w="med" len="med"/>
+                    </a:lnBlToTr>
+                    <a:solidFill>
+                      <a:srgbClr val="CDCECD">
+                        <a:alpha val="100.00%"/>
+                      </a:srgbClr>
+                    </a:solidFill>
+                  </a:tcPr>
+                </a:tc>
+                <a:tc>
+                  <a:txBody>
+                    <a:bodyPr wrap="square" rtlCol="0">
+                      <a:spAutoFit/>
+                    </a:bodyPr>
+                    <a:lstStyle/>
+                    <a:p>
+                      <a:pPr algn="ctr" fontAlgn="ctr" marL="0" marR="0" indent="0" lvl="0">
+                        <a:lnSpc>
+                          <a:spcPct val="100%"/>
+                        </a:lnSpc>
+                      </a:pPr>
+                      <a:r>
+                        <a:rPr lang="en-US" b="1" sz="1100" spc="0" u="none">
+                          <a:solidFill>
+                            <a:srgbClr val="000000">
+                              <a:alpha val="100.00%"/>
+                            </a:srgbClr>
+                          </a:solidFill>
+                          <a:latin typeface="Times New Roman"/>
+                        </a:rPr>
+                        <a:t><![CDATA[Moderate]]></a:t>
+                      </a:r>
+                    </a:p>
+                  </a:txBody>
+                  <a:tcPr anchor="ctr" marL="0" marR="0" marT="0" marB="0">
+                    <a:lnL w="12700" cap="flat" cmpd="sng" algn="ctr">
+                      <a:solidFill>
+                        <a:srgbClr val="FFFFFF">
+                          <a:alpha val="100.00%"/>
+                        </a:srgbClr>
+                      </a:solidFill>
+                      <a:prstDash val="solid"/>
+                      <a:round/>
+                      <a:headEnd type="none" w="med" len="med"/>
+                      <a:tailEnd type="none" w="med" len="med"/>
+                    </a:lnL>
+                    <a:lnR w="12700" cap="flat" cmpd="sng" algn="ctr">
+                      <a:solidFill>
+                        <a:srgbClr val="FFFFFF">
+                          <a:alpha val="100.00%"/>
+                        </a:srgbClr>
+                      </a:solidFill>
+                      <a:prstDash val="solid"/>
+                      <a:round/>
+                      <a:headEnd type="none" w="med" len="med"/>
+                      <a:tailEnd type="none" w="med" len="med"/>
+                    </a:lnR>
+                    <a:lnT w="12700" cap="flat" cmpd="sng" algn="ctr">
+                      <a:solidFill>
+                        <a:srgbClr val="FFFFFF">
+                          <a:alpha val="100.00%"/>
+                        </a:srgbClr>
+                      </a:solidFill>
+                      <a:prstDash val="solid"/>
+                      <a:round/>
+                      <a:headEnd type="none" w="med" len="med"/>
+                      <a:tailEnd type="none" w="med" len="med"/>
+                    </a:lnT>
+                    <a:lnB w="12700" cap="flat" cmpd="sng" algn="ctr">
+                      <a:solidFill>
+                        <a:srgbClr val="FFFFFF">
+                          <a:alpha val="100.00%"/>
+                        </a:srgbClr>
+                      </a:solidFill>
+                      <a:prstDash val="solid"/>
+                      <a:round/>
+                      <a:headEnd type="none" w="med" len="med"/>
+                      <a:tailEnd type="none" w="med" len="med"/>
+                    </a:lnB>
+                    <a:lnTlToBr w="12700" cap="flat" cmpd="sng" algn="ctr">
+                      <a:noFill/>
+                      <a:prstDash val="solid"/>
+                      <a:round/>
+                      <a:headEnd type="none" w="med" len="med"/>
+                      <a:tailEnd type="none" w="med" len="med"/>
+                    </a:lnTlToBr>
+                    <a:lnBlToTr w="12700" cap="flat" cmpd="sng" algn="ctr">
+                      <a:noFill/>
+                      <a:prstDash val="solid"/>
+                      <a:round/>
+                      <a:headEnd type="none" w="med" len="med"/>
+                      <a:tailEnd type="none" w="med" len="med"/>
+                    </a:lnBlToTr>
+                    <a:solidFill>
+                      <a:srgbClr val="CDCECD">
+                        <a:alpha val="100.00%"/>
+                      </a:srgbClr>
+                    </a:solidFill>
+                  </a:tcPr>
+                </a:tc>
+              </a:tr>
+              <a:tr h="361950">
+                <a:tc>
+                  <a:txBody>
+                    <a:bodyPr wrap="square" rtlCol="0">
+                      <a:spAutoFit/>
+                    </a:bodyPr>
+                    <a:lstStyle/>
+                    <a:p>
+                      <a:pPr algn="ctr" fontAlgn="ctr" marL="0" marR="0" indent="0" lvl="0">
+                        <a:lnSpc>
+                          <a:spcPct val="100%"/>
+                        </a:lnSpc>
+                      </a:pPr>
+                      <a:r>
+                        <a:rPr lang="en-US" sz="1800" spc="0" u="none">
+                          <a:solidFill>
+                            <a:srgbClr val="000000">
+                              <a:alpha val="100.00%"/>
+                            </a:srgbClr>
+                          </a:solidFill>
+                          <a:latin typeface="Arial (Body)"/>
+                        </a:rPr>
+                        <a:t><![CDATA[2]]></a:t>
+                      </a:r>
+                    </a:p>
+                  </a:txBody>
+                  <a:tcPr anchor="ctr" marL="0" marR="0" marT="0" marB="0">
+                    <a:lnL w="12700" cap="flat" cmpd="sng" algn="ctr">
+                      <a:solidFill>
+                        <a:srgbClr val="FFFFFF">
+                          <a:alpha val="100.00%"/>
+                        </a:srgbClr>
+                      </a:solidFill>
+                      <a:prstDash val="solid"/>
+                      <a:round/>
+                      <a:headEnd type="none" w="med" len="med"/>
+                      <a:tailEnd type="none" w="med" len="med"/>
+                    </a:lnL>
+                    <a:lnR w="12700" cap="flat" cmpd="sng" algn="ctr">
+                      <a:solidFill>
+                        <a:srgbClr val="FFFFFF">
+                          <a:alpha val="100.00%"/>
+                        </a:srgbClr>
+                      </a:solidFill>
+                      <a:prstDash val="solid"/>
+                      <a:round/>
+                      <a:headEnd type="none" w="med" len="med"/>
+                      <a:tailEnd type="none" w="med" len="med"/>
+                    </a:lnR>
+                    <a:lnT w="12700" cap="flat" cmpd="sng" algn="ctr">
+                      <a:solidFill>
+                        <a:srgbClr val="FFFFFF">
+                          <a:alpha val="100.00%"/>
+                        </a:srgbClr>
+                      </a:solidFill>
+                      <a:prstDash val="solid"/>
+                      <a:round/>
+                      <a:headEnd type="none" w="med" len="med"/>
+                      <a:tailEnd type="none" w="med" len="med"/>
+                    </a:lnT>
+                    <a:lnB w="12700" cap="flat" cmpd="sng" algn="ctr">
+                      <a:solidFill>
+                        <a:srgbClr val="FFFFFF">
+                          <a:alpha val="100.00%"/>
+                        </a:srgbClr>
+                      </a:solidFill>
+                      <a:prstDash val="solid"/>
+                      <a:round/>
+                      <a:headEnd type="none" w="med" len="med"/>
+                      <a:tailEnd type="none" w="med" len="med"/>
+                    </a:lnB>
+                    <a:lnTlToBr w="12700" cap="flat" cmpd="sng" algn="ctr">
+                      <a:noFill/>
+                      <a:prstDash val="solid"/>
+                      <a:round/>
+                      <a:headEnd type="none" w="med" len="med"/>
+                      <a:tailEnd type="none" w="med" len="med"/>
+                    </a:lnTlToBr>
+                    <a:lnBlToTr w="12700" cap="flat" cmpd="sng" algn="ctr">
+                      <a:noFill/>
+                      <a:prstDash val="solid"/>
+                      <a:round/>
+                      <a:headEnd type="none" w="med" len="med"/>
+                      <a:tailEnd type="none" w="med" len="med"/>
+                    </a:lnBlToTr>
+                    <a:solidFill>
+                      <a:srgbClr val="E8E8E8">
+                        <a:alpha val="100.00%"/>
+                      </a:srgbClr>
+                    </a:solidFill>
+                  </a:tcPr>
+                </a:tc>
+                <a:tc>
+                  <a:txBody>
+                    <a:bodyPr wrap="square" rtlCol="0">
+                      <a:spAutoFit/>
+                    </a:bodyPr>
+                    <a:lstStyle/>
+                    <a:p>
+                      <a:pPr algn="ctr" fontAlgn="ctr" marL="0" marR="0" indent="0" lvl="0">
+                        <a:lnSpc>
+                          <a:spcPct val="100%"/>
+                        </a:lnSpc>
+                      </a:pPr>
+                      <a:r>
+                        <a:rPr lang="en-US" sz="1800" spc="0" u="none">
+                          <a:solidFill>
+                            <a:srgbClr val="000000">
+                              <a:alpha val="100.00%"/>
+                            </a:srgbClr>
+                          </a:solidFill>
+                          <a:latin typeface="Arial (Body)"/>
+                        </a:rPr>
+                        <a:t><![CDATA[No System Association]]></a:t>
+                      </a:r>
+                    </a:p>
+                  </a:txBody>
+                  <a:tcPr anchor="ctr" marL="0" marR="0" marT="0" marB="0">
+                    <a:lnL w="12700" cap="flat" cmpd="sng" algn="ctr">
+                      <a:solidFill>
+                        <a:srgbClr val="FFFFFF">
+                          <a:alpha val="100.00%"/>
+                        </a:srgbClr>
+                      </a:solidFill>
+                      <a:prstDash val="solid"/>
+                      <a:round/>
+                      <a:headEnd type="none" w="med" len="med"/>
+                      <a:tailEnd type="none" w="med" len="med"/>
+                    </a:lnL>
+                    <a:lnR w="12700" cap="flat" cmpd="sng" algn="ctr">
+                      <a:solidFill>
+                        <a:srgbClr val="FFFFFF">
+                          <a:alpha val="100.00%"/>
+                        </a:srgbClr>
+                      </a:solidFill>
+                      <a:prstDash val="solid"/>
+                      <a:round/>
+                      <a:headEnd type="none" w="med" len="med"/>
+                      <a:tailEnd type="none" w="med" len="med"/>
+                    </a:lnR>
+                    <a:lnT w="12700" cap="flat" cmpd="sng" algn="ctr">
+                      <a:solidFill>
+                        <a:srgbClr val="FFFFFF">
+                          <a:alpha val="100.00%"/>
+                        </a:srgbClr>
+                      </a:solidFill>
+                      <a:prstDash val="solid"/>
+                      <a:round/>
+                      <a:headEnd type="none" w="med" len="med"/>
+                      <a:tailEnd type="none" w="med" len="med"/>
+                    </a:lnT>
+                    <a:lnB w="12700" cap="flat" cmpd="sng" algn="ctr">
+                      <a:solidFill>
+                        <a:srgbClr val="FFFFFF">
+                          <a:alpha val="100.00%"/>
+                        </a:srgbClr>
+                      </a:solidFill>
+                      <a:prstDash val="solid"/>
+                      <a:round/>
+                      <a:headEnd type="none" w="med" len="med"/>
+                      <a:tailEnd type="none" w="med" len="med"/>
+                    </a:lnB>
+                    <a:lnTlToBr w="12700" cap="flat" cmpd="sng" algn="ctr">
+                      <a:noFill/>
+                      <a:prstDash val="solid"/>
+                      <a:round/>
+                      <a:headEnd type="none" w="med" len="med"/>
+                      <a:tailEnd type="none" w="med" len="med"/>
+                    </a:lnTlToBr>
+                    <a:lnBlToTr w="12700" cap="flat" cmpd="sng" algn="ctr">
+                      <a:noFill/>
+                      <a:prstDash val="solid"/>
+                      <a:round/>
+                      <a:headEnd type="none" w="med" len="med"/>
+                      <a:tailEnd type="none" w="med" len="med"/>
+                    </a:lnBlToTr>
+                    <a:solidFill>
+                      <a:srgbClr val="E8E8E8">
+                        <a:alpha val="100.00%"/>
+                      </a:srgbClr>
+                    </a:solidFill>
+                  </a:tcPr>
+                </a:tc>
+                <a:tc>
+                  <a:txBody>
+                    <a:bodyPr wrap="square" rtlCol="0">
+                      <a:spAutoFit/>
+                    </a:bodyPr>
+                    <a:lstStyle/>
+                    <a:p>
+                      <a:pPr algn="ctr" fontAlgn="ctr" marL="0" marR="0" indent="0" lvl="0">
+                        <a:lnSpc>
+                          <a:spcPct val="100%"/>
+                        </a:lnSpc>
+                      </a:pPr>
+                      <a:r>
+                        <a:rPr lang="en-US" sz="1800" spc="0" u="none">
+                          <a:solidFill>
+                            <a:srgbClr val="000000">
+                              <a:alpha val="100.00%"/>
+                            </a:srgbClr>
+                          </a:solidFill>
+                          <a:latin typeface="Arial (Body)"/>
+                        </a:rPr>
+                        <a:t><![CDATA[Finding 2]]></a:t>
+                      </a:r>
+                    </a:p>
+                  </a:txBody>
+                  <a:tcPr anchor="ctr" marL="0" marR="0" marT="0" marB="0">
+                    <a:lnL w="12700" cap="flat" cmpd="sng" algn="ctr">
+                      <a:solidFill>
+                        <a:srgbClr val="FFFFFF">
+                          <a:alpha val="100.00%"/>
+                        </a:srgbClr>
+                      </a:solidFill>
+                      <a:prstDash val="solid"/>
+                      <a:round/>
+                      <a:headEnd type="none" w="med" len="med"/>
+                      <a:tailEnd type="none" w="med" len="med"/>
+                    </a:lnL>
+                    <a:lnR w="12700" cap="flat" cmpd="sng" algn="ctr">
+                      <a:solidFill>
+                        <a:srgbClr val="FFFFFF">
+                          <a:alpha val="100.00%"/>
+                        </a:srgbClr>
+                      </a:solidFill>
+                      <a:prstDash val="solid"/>
+                      <a:round/>
+                      <a:headEnd type="none" w="med" len="med"/>
+                      <a:tailEnd type="none" w="med" len="med"/>
+                    </a:lnR>
+                    <a:lnT w="12700" cap="flat" cmpd="sng" algn="ctr">
+                      <a:solidFill>
+                        <a:srgbClr val="FFFFFF">
+                          <a:alpha val="100.00%"/>
+                        </a:srgbClr>
+                      </a:solidFill>
+                      <a:prstDash val="solid"/>
+                      <a:round/>
+                      <a:headEnd type="none" w="med" len="med"/>
+                      <a:tailEnd type="none" w="med" len="med"/>
+                    </a:lnT>
+                    <a:lnB w="12700" cap="flat" cmpd="sng" algn="ctr">
+                      <a:solidFill>
+                        <a:srgbClr val="FFFFFF">
+                          <a:alpha val="100.00%"/>
+                        </a:srgbClr>
+                      </a:solidFill>
+                      <a:prstDash val="solid"/>
+                      <a:round/>
+                      <a:headEnd type="none" w="med" len="med"/>
+                      <a:tailEnd type="none" w="med" len="med"/>
+                    </a:lnB>
+                    <a:lnTlToBr w="12700" cap="flat" cmpd="sng" algn="ctr">
+                      <a:noFill/>
+                      <a:prstDash val="solid"/>
+                      <a:round/>
+                      <a:headEnd type="none" w="med" len="med"/>
+                      <a:tailEnd type="none" w="med" len="med"/>
+                    </a:lnTlToBr>
+                    <a:lnBlToTr w="12700" cap="flat" cmpd="sng" algn="ctr">
+                      <a:noFill/>
+                      <a:prstDash val="solid"/>
+                      <a:round/>
+                      <a:headEnd type="none" w="med" len="med"/>
+                      <a:tailEnd type="none" w="med" len="med"/>
+                    </a:lnBlToTr>
+                    <a:solidFill>
+                      <a:srgbClr val="E8E8E8">
+                        <a:alpha val="100.00%"/>
+                      </a:srgbClr>
+                    </a:solidFill>
+                  </a:tcPr>
+                </a:tc>
+                <a:tc>
+                  <a:txBody>
+                    <a:bodyPr wrap="square" rtlCol="0">
+                      <a:spAutoFit/>
+                    </a:bodyPr>
+                    <a:lstStyle/>
+                    <a:p>
+                      <a:pPr algn="ctr" fontAlgn="ctr" marL="0" marR="0" indent="0" lvl="0">
+                        <a:lnSpc>
+                          <a:spcPct val="100%"/>
+                        </a:lnSpc>
+                      </a:pPr>
+                      <a:r>
+                        <a:rPr lang="en-US" b="1" sz="1100" spc="0" u="none">
+                          <a:solidFill>
+                            <a:srgbClr val="000000">
+                              <a:alpha val="100.00%"/>
+                            </a:srgbClr>
+                          </a:solidFill>
+                          <a:latin typeface="Times New Roman"/>
+                        </a:rPr>
+                        <a:t><![CDATA[Very High]]></a:t>
+                      </a:r>
+                    </a:p>
+                  </a:txBody>
+                  <a:tcPr anchor="ctr" marL="0" marR="0" marT="0" marB="0">
+                    <a:lnL w="12700" cap="flat" cmpd="sng" algn="ctr">
+                      <a:solidFill>
+                        <a:srgbClr val="FFFFFF">
+                          <a:alpha val="100.00%"/>
+                        </a:srgbClr>
+                      </a:solidFill>
+                      <a:prstDash val="solid"/>
+                      <a:round/>
+                      <a:headEnd type="none" w="med" len="med"/>
+                      <a:tailEnd type="none" w="med" len="med"/>
+                    </a:lnL>
+                    <a:lnR w="12700" cap="flat" cmpd="sng" algn="ctr">
+                      <a:solidFill>
+                        <a:srgbClr val="FFFFFF">
+                          <a:alpha val="100.00%"/>
+                        </a:srgbClr>
+                      </a:solidFill>
+                      <a:prstDash val="solid"/>
+                      <a:round/>
+                      <a:headEnd type="none" w="med" len="med"/>
+                      <a:tailEnd type="none" w="med" len="med"/>
+                    </a:lnR>
+                    <a:lnT w="12700" cap="flat" cmpd="sng" algn="ctr">
+                      <a:solidFill>
+                        <a:srgbClr val="FFFFFF">
+                          <a:alpha val="100.00%"/>
+                        </a:srgbClr>
+                      </a:solidFill>
+                      <a:prstDash val="solid"/>
+                      <a:round/>
+                      <a:headEnd type="none" w="med" len="med"/>
+                      <a:tailEnd type="none" w="med" len="med"/>
+                    </a:lnT>
+                    <a:lnB w="12700" cap="flat" cmpd="sng" algn="ctr">
+                      <a:solidFill>
+                        <a:srgbClr val="FFFFFF">
+                          <a:alpha val="100.00%"/>
+                        </a:srgbClr>
+                      </a:solidFill>
+                      <a:prstDash val="solid"/>
+                      <a:round/>
+                      <a:headEnd type="none" w="med" len="med"/>
+                      <a:tailEnd type="none" w="med" len="med"/>
+                    </a:lnB>
+                    <a:lnTlToBr w="12700" cap="flat" cmpd="sng" algn="ctr">
+                      <a:noFill/>
+                      <a:prstDash val="solid"/>
+                      <a:round/>
+                      <a:headEnd type="none" w="med" len="med"/>
+                      <a:tailEnd type="none" w="med" len="med"/>
+                    </a:lnTlToBr>
+                    <a:lnBlToTr w="12700" cap="flat" cmpd="sng" algn="ctr">
+                      <a:noFill/>
+                      <a:prstDash val="solid"/>
+                      <a:round/>
+                      <a:headEnd type="none" w="med" len="med"/>
+                      <a:tailEnd type="none" w="med" len="med"/>
+                    </a:lnBlToTr>
+                    <a:solidFill>
+                      <a:srgbClr val="E8E8E8">
+                        <a:alpha val="100.00%"/>
+                      </a:srgbClr>
+                    </a:solidFill>
+                  </a:tcPr>
+                </a:tc>
+                <a:tc>
+                  <a:txBody>
+                    <a:bodyPr wrap="square" rtlCol="0">
+                      <a:spAutoFit/>
+                    </a:bodyPr>
+                    <a:lstStyle/>
+                    <a:p>
+                      <a:pPr algn="ctr" fontAlgn="ctr" marL="0" marR="0" indent="0" lvl="0">
+                        <a:lnSpc>
+                          <a:spcPct val="100%"/>
+                        </a:lnSpc>
+                      </a:pPr>
+                      <a:r>
+                        <a:rPr lang="en-US" b="1" sz="1100" spc="0" u="none">
+                          <a:solidFill>
+                            <a:srgbClr val="000000">
+                              <a:alpha val="100.00%"/>
+                            </a:srgbClr>
+                          </a:solidFill>
+                          <a:latin typeface="Times New Roman"/>
+                        </a:rPr>
+                        <a:t><![CDATA[Moderate]]></a:t>
+                      </a:r>
+                    </a:p>
+                  </a:txBody>
+                  <a:tcPr anchor="ctr" marL="0" marR="0" marT="0" marB="0">
+                    <a:lnL w="12700" cap="flat" cmpd="sng" algn="ctr">
+                      <a:solidFill>
+                        <a:srgbClr val="FFFFFF">
+                          <a:alpha val="100.00%"/>
+                        </a:srgbClr>
+                      </a:solidFill>
+                      <a:prstDash val="solid"/>
+                      <a:round/>
+                      <a:headEnd type="none" w="med" len="med"/>
+                      <a:tailEnd type="none" w="med" len="med"/>
+                    </a:lnL>
+                    <a:lnR w="12700" cap="flat" cmpd="sng" algn="ctr">
+                      <a:solidFill>
+                        <a:srgbClr val="FFFFFF">
+                          <a:alpha val="100.00%"/>
+                        </a:srgbClr>
+                      </a:solidFill>
+                      <a:prstDash val="solid"/>
+                      <a:round/>
+                      <a:headEnd type="none" w="med" len="med"/>
+                      <a:tailEnd type="none" w="med" len="med"/>
+                    </a:lnR>
+                    <a:lnT w="12700" cap="flat" cmpd="sng" algn="ctr">
+                      <a:solidFill>
+                        <a:srgbClr val="FFFFFF">
+                          <a:alpha val="100.00%"/>
+                        </a:srgbClr>
+                      </a:solidFill>
+                      <a:prstDash val="solid"/>
+                      <a:round/>
+                      <a:headEnd type="none" w="med" len="med"/>
+                      <a:tailEnd type="none" w="med" len="med"/>
+                    </a:lnT>
+                    <a:lnB w="12700" cap="flat" cmpd="sng" algn="ctr">
+                      <a:solidFill>
+                        <a:srgbClr val="FFFFFF">
+                          <a:alpha val="100.00%"/>
+                        </a:srgbClr>
+                      </a:solidFill>
+                      <a:prstDash val="solid"/>
+                      <a:round/>
+                      <a:headEnd type="none" w="med" len="med"/>
+                      <a:tailEnd type="none" w="med" len="med"/>
+                    </a:lnB>
+                    <a:lnTlToBr w="12700" cap="flat" cmpd="sng" algn="ctr">
+                      <a:noFill/>
+                      <a:prstDash val="solid"/>
+                      <a:round/>
+                      <a:headEnd type="none" w="med" len="med"/>
+                      <a:tailEnd type="none" w="med" len="med"/>
+                    </a:lnTlToBr>
+                    <a:lnBlToTr w="12700" cap="flat" cmpd="sng" algn="ctr">
+                      <a:noFill/>
+                      <a:prstDash val="solid"/>
+                      <a:round/>
+                      <a:headEnd type="none" w="med" len="med"/>
+                      <a:tailEnd type="none" w="med" len="med"/>
+                    </a:lnBlToTr>
+                    <a:solidFill>
+                      <a:srgbClr val="E8E8E8">
+                        <a:alpha val="100.00%"/>
+                      </a:srgbClr>
+                    </a:solidFill>
+                  </a:tcPr>
+                </a:tc>
+              </a:tr>
+              <a:tr h="361950">
+                <a:tc>
+                  <a:txBody>
+                    <a:bodyPr wrap="square" rtlCol="0">
+                      <a:spAutoFit/>
+                    </a:bodyPr>
+                    <a:lstStyle/>
+                    <a:p>
+                      <a:pPr algn="ctr" fontAlgn="ctr" marL="0" marR="0" indent="0" lvl="0">
+                        <a:lnSpc>
+                          <a:spcPct val="100%"/>
+                        </a:lnSpc>
+                      </a:pPr>
+                      <a:r>
+                        <a:rPr lang="en-US" sz="1800" spc="0" u="none">
+                          <a:solidFill>
+                            <a:srgbClr val="000000">
+                              <a:alpha val="100.00%"/>
+                            </a:srgbClr>
+                          </a:solidFill>
+                          <a:latin typeface="Arial (Body)"/>
+                        </a:rPr>
+                        <a:t><![CDATA[3]]></a:t>
+                      </a:r>
+                    </a:p>
+                  </a:txBody>
+                  <a:tcPr anchor="ctr" marL="0" marR="0" marT="0" marB="0">
+                    <a:lnL w="12700" cap="flat" cmpd="sng" algn="ctr">
+                      <a:solidFill>
+                        <a:srgbClr val="FFFFFF">
+                          <a:alpha val="100.00%"/>
+                        </a:srgbClr>
+                      </a:solidFill>
+                      <a:prstDash val="solid"/>
+                      <a:round/>
+                      <a:headEnd type="none" w="med" len="med"/>
+                      <a:tailEnd type="none" w="med" len="med"/>
+                    </a:lnL>
+                    <a:lnR w="12700" cap="flat" cmpd="sng" algn="ctr">
+                      <a:solidFill>
+                        <a:srgbClr val="FFFFFF">
+                          <a:alpha val="100.00%"/>
+                        </a:srgbClr>
+                      </a:solidFill>
+                      <a:prstDash val="solid"/>
+                      <a:round/>
+                      <a:headEnd type="none" w="med" len="med"/>
+                      <a:tailEnd type="none" w="med" len="med"/>
+                    </a:lnR>
+                    <a:lnT w="12700" cap="flat" cmpd="sng" algn="ctr">
+                      <a:solidFill>
+                        <a:srgbClr val="FFFFFF">
+                          <a:alpha val="100.00%"/>
+                        </a:srgbClr>
+                      </a:solidFill>
+                      <a:prstDash val="solid"/>
+                      <a:round/>
+                      <a:headEnd type="none" w="med" len="med"/>
+                      <a:tailEnd type="none" w="med" len="med"/>
+                    </a:lnT>
+                    <a:lnB w="12700" cap="flat" cmpd="sng" algn="ctr">
+                      <a:solidFill>
+                        <a:srgbClr val="FFFFFF">
+                          <a:alpha val="100.00%"/>
+                        </a:srgbClr>
+                      </a:solidFill>
+                      <a:prstDash val="solid"/>
+                      <a:round/>
+                      <a:headEnd type="none" w="med" len="med"/>
+                      <a:tailEnd type="none" w="med" len="med"/>
+                    </a:lnB>
+                    <a:lnTlToBr w="12700" cap="flat" cmpd="sng" algn="ctr">
+                      <a:noFill/>
+                      <a:prstDash val="solid"/>
+                      <a:round/>
+                      <a:headEnd type="none" w="med" len="med"/>
+                      <a:tailEnd type="none" w="med" len="med"/>
+                    </a:lnTlToBr>
+                    <a:lnBlToTr w="12700" cap="flat" cmpd="sng" algn="ctr">
+                      <a:noFill/>
+                      <a:prstDash val="solid"/>
+                      <a:round/>
+                      <a:headEnd type="none" w="med" len="med"/>
+                      <a:tailEnd type="none" w="med" len="med"/>
+                    </a:lnBlToTr>
+                    <a:solidFill>
+                      <a:srgbClr val="CDCECD">
+                        <a:alpha val="100.00%"/>
+                      </a:srgbClr>
+                    </a:solidFill>
+                  </a:tcPr>
+                </a:tc>
+                <a:tc>
+                  <a:txBody>
+                    <a:bodyPr wrap="square" rtlCol="0">
+                      <a:spAutoFit/>
+                    </a:bodyPr>
+                    <a:lstStyle/>
+                    <a:p>
+                      <a:pPr algn="ctr" fontAlgn="ctr" marL="0" marR="0" indent="0" lvl="0">
+                        <a:lnSpc>
+                          <a:spcPct val="100%"/>
+                        </a:lnSpc>
+                      </a:pPr>
+                      <a:r>
+                        <a:rPr lang="en-US" sz="1800" spc="0" u="none">
+                          <a:solidFill>
+                            <a:srgbClr val="000000">
+                              <a:alpha val="100.00%"/>
+                            </a:srgbClr>
+                          </a:solidFill>
+                          <a:latin typeface="Arial (Body)"/>
+                        </a:rPr>
+                        <a:t><![CDATA[No System Association]]></a:t>
+                      </a:r>
+                    </a:p>
+                  </a:txBody>
+                  <a:tcPr anchor="ctr" marL="0" marR="0" marT="0" marB="0">
+                    <a:lnL w="12700" cap="flat" cmpd="sng" algn="ctr">
+                      <a:solidFill>
+                        <a:srgbClr val="FFFFFF">
+                          <a:alpha val="100.00%"/>
+                        </a:srgbClr>
+                      </a:solidFill>
+                      <a:prstDash val="solid"/>
+                      <a:round/>
+                      <a:headEnd type="none" w="med" len="med"/>
+                      <a:tailEnd type="none" w="med" len="med"/>
+                    </a:lnL>
+                    <a:lnR w="12700" cap="flat" cmpd="sng" algn="ctr">
+                      <a:solidFill>
+                        <a:srgbClr val="FFFFFF">
+                          <a:alpha val="100.00%"/>
+                        </a:srgbClr>
+                      </a:solidFill>
+                      <a:prstDash val="solid"/>
+                      <a:round/>
+                      <a:headEnd type="none" w="med" len="med"/>
+                      <a:tailEnd type="none" w="med" len="med"/>
+                    </a:lnR>
+                    <a:lnT w="12700" cap="flat" cmpd="sng" algn="ctr">
+                      <a:solidFill>
+                        <a:srgbClr val="FFFFFF">
+                          <a:alpha val="100.00%"/>
+                        </a:srgbClr>
+                      </a:solidFill>
+                      <a:prstDash val="solid"/>
+                      <a:round/>
+                      <a:headEnd type="none" w="med" len="med"/>
+                      <a:tailEnd type="none" w="med" len="med"/>
+                    </a:lnT>
+                    <a:lnB w="12700" cap="flat" cmpd="sng" algn="ctr">
+                      <a:solidFill>
+                        <a:srgbClr val="FFFFFF">
+                          <a:alpha val="100.00%"/>
+                        </a:srgbClr>
+                      </a:solidFill>
+                      <a:prstDash val="solid"/>
+                      <a:round/>
+                      <a:headEnd type="none" w="med" len="med"/>
+                      <a:tailEnd type="none" w="med" len="med"/>
+                    </a:lnB>
+                    <a:lnTlToBr w="12700" cap="flat" cmpd="sng" algn="ctr">
+                      <a:noFill/>
+                      <a:prstDash val="solid"/>
+                      <a:round/>
+                      <a:headEnd type="none" w="med" len="med"/>
+                      <a:tailEnd type="none" w="med" len="med"/>
+                    </a:lnTlToBr>
+                    <a:lnBlToTr w="12700" cap="flat" cmpd="sng" algn="ctr">
+                      <a:noFill/>
+                      <a:prstDash val="solid"/>
+                      <a:round/>
+                      <a:headEnd type="none" w="med" len="med"/>
+                      <a:tailEnd type="none" w="med" len="med"/>
+                    </a:lnBlToTr>
+                    <a:solidFill>
+                      <a:srgbClr val="CDCECD">
+                        <a:alpha val="100.00%"/>
+                      </a:srgbClr>
+                    </a:solidFill>
+                  </a:tcPr>
+                </a:tc>
+                <a:tc>
+                  <a:txBody>
+                    <a:bodyPr wrap="square" rtlCol="0">
+                      <a:spAutoFit/>
+                    </a:bodyPr>
+                    <a:lstStyle/>
+                    <a:p>
+                      <a:pPr algn="ctr" fontAlgn="ctr" marL="0" marR="0" indent="0" lvl="0">
+                        <a:lnSpc>
+                          <a:spcPct val="100%"/>
+                        </a:lnSpc>
+                      </a:pPr>
+                      <a:r>
+                        <a:rPr lang="en-US" sz="1800" spc="0" u="none">
+                          <a:solidFill>
+                            <a:srgbClr val="000000">
+                              <a:alpha val="100.00%"/>
+                            </a:srgbClr>
+                          </a:solidFill>
+                          <a:latin typeface="Arial (Body)"/>
+                        </a:rPr>
+                        <a:t><![CDATA[Finding 3]]></a:t>
+                      </a:r>
+                    </a:p>
+                  </a:txBody>
+                  <a:tcPr anchor="ctr" marL="0" marR="0" marT="0" marB="0">
+                    <a:lnL w="12700" cap="flat" cmpd="sng" algn="ctr">
+                      <a:solidFill>
+                        <a:srgbClr val="FFFFFF">
+                          <a:alpha val="100.00%"/>
+                        </a:srgbClr>
+                      </a:solidFill>
+                      <a:prstDash val="solid"/>
+                      <a:round/>
+                      <a:headEnd type="none" w="med" len="med"/>
+                      <a:tailEnd type="none" w="med" len="med"/>
+                    </a:lnL>
+                    <a:lnR w="12700" cap="flat" cmpd="sng" algn="ctr">
+                      <a:solidFill>
+                        <a:srgbClr val="FFFFFF">
+                          <a:alpha val="100.00%"/>
+                        </a:srgbClr>
+                      </a:solidFill>
+                      <a:prstDash val="solid"/>
+                      <a:round/>
+                      <a:headEnd type="none" w="med" len="med"/>
+                      <a:tailEnd type="none" w="med" len="med"/>
+                    </a:lnR>
+                    <a:lnT w="12700" cap="flat" cmpd="sng" algn="ctr">
+                      <a:solidFill>
+                        <a:srgbClr val="FFFFFF">
+                          <a:alpha val="100.00%"/>
+                        </a:srgbClr>
+                      </a:solidFill>
+                      <a:prstDash val="solid"/>
+                      <a:round/>
+                      <a:headEnd type="none" w="med" len="med"/>
+                      <a:tailEnd type="none" w="med" len="med"/>
+                    </a:lnT>
+                    <a:lnB w="12700" cap="flat" cmpd="sng" algn="ctr">
+                      <a:solidFill>
+                        <a:srgbClr val="FFFFFF">
+                          <a:alpha val="100.00%"/>
+                        </a:srgbClr>
+                      </a:solidFill>
+                      <a:prstDash val="solid"/>
+                      <a:round/>
+                      <a:headEnd type="none" w="med" len="med"/>
+                      <a:tailEnd type="none" w="med" len="med"/>
+                    </a:lnB>
+                    <a:lnTlToBr w="12700" cap="flat" cmpd="sng" algn="ctr">
+                      <a:noFill/>
+                      <a:prstDash val="solid"/>
+                      <a:round/>
+                      <a:headEnd type="none" w="med" len="med"/>
+                      <a:tailEnd type="none" w="med" len="med"/>
+                    </a:lnTlToBr>
+                    <a:lnBlToTr w="12700" cap="flat" cmpd="sng" algn="ctr">
+                      <a:noFill/>
+                      <a:prstDash val="solid"/>
+                      <a:round/>
+                      <a:headEnd type="none" w="med" len="med"/>
+                      <a:tailEnd type="none" w="med" len="med"/>
+                    </a:lnBlToTr>
+                    <a:solidFill>
+                      <a:srgbClr val="CDCECD">
+                        <a:alpha val="100.00%"/>
+                      </a:srgbClr>
+                    </a:solidFill>
+                  </a:tcPr>
+                </a:tc>
+                <a:tc>
+                  <a:txBody>
+                    <a:bodyPr wrap="square" rtlCol="0">
+                      <a:spAutoFit/>
+                    </a:bodyPr>
+                    <a:lstStyle/>
+                    <a:p>
+                      <a:pPr algn="ctr" fontAlgn="ctr" marL="0" marR="0" indent="0" lvl="0">
+                        <a:lnSpc>
+                          <a:spcPct val="100%"/>
+                        </a:lnSpc>
+                      </a:pPr>
+                      <a:r>
+                        <a:rPr lang="en-US" b="1" sz="1100" spc="0" u="none">
+                          <a:solidFill>
+                            <a:srgbClr val="000000">
+                              <a:alpha val="100.00%"/>
+                            </a:srgbClr>
+                          </a:solidFill>
+                          <a:latin typeface="Times New Roman"/>
+                        </a:rPr>
+                        <a:t><![CDATA[Moderate]]></a:t>
+                      </a:r>
+                    </a:p>
+                  </a:txBody>
+                  <a:tcPr anchor="ctr" marL="0" marR="0" marT="0" marB="0">
+                    <a:lnL w="12700" cap="flat" cmpd="sng" algn="ctr">
+                      <a:solidFill>
+                        <a:srgbClr val="FFFFFF">
+                          <a:alpha val="100.00%"/>
+                        </a:srgbClr>
+                      </a:solidFill>
+                      <a:prstDash val="solid"/>
+                      <a:round/>
+                      <a:headEnd type="none" w="med" len="med"/>
+                      <a:tailEnd type="none" w="med" len="med"/>
+                    </a:lnL>
+                    <a:lnR w="12700" cap="flat" cmpd="sng" algn="ctr">
+                      <a:solidFill>
+                        <a:srgbClr val="FFFFFF">
+                          <a:alpha val="100.00%"/>
+                        </a:srgbClr>
+                      </a:solidFill>
+                      <a:prstDash val="solid"/>
+                      <a:round/>
+                      <a:headEnd type="none" w="med" len="med"/>
+                      <a:tailEnd type="none" w="med" len="med"/>
+                    </a:lnR>
+                    <a:lnT w="12700" cap="flat" cmpd="sng" algn="ctr">
+                      <a:solidFill>
+                        <a:srgbClr val="FFFFFF">
+                          <a:alpha val="100.00%"/>
+                        </a:srgbClr>
+                      </a:solidFill>
+                      <a:prstDash val="solid"/>
+                      <a:round/>
+                      <a:headEnd type="none" w="med" len="med"/>
+                      <a:tailEnd type="none" w="med" len="med"/>
+                    </a:lnT>
+                    <a:lnB w="12700" cap="flat" cmpd="sng" algn="ctr">
+                      <a:solidFill>
+                        <a:srgbClr val="FFFFFF">
+                          <a:alpha val="100.00%"/>
+                        </a:srgbClr>
+                      </a:solidFill>
+                      <a:prstDash val="solid"/>
+                      <a:round/>
+                      <a:headEnd type="none" w="med" len="med"/>
+                      <a:tailEnd type="none" w="med" len="med"/>
+                    </a:lnB>
+                    <a:lnTlToBr w="12700" cap="flat" cmpd="sng" algn="ctr">
+                      <a:noFill/>
+                      <a:prstDash val="solid"/>
+                      <a:round/>
+                      <a:headEnd type="none" w="med" len="med"/>
+                      <a:tailEnd type="none" w="med" len="med"/>
+                    </a:lnTlToBr>
+                    <a:lnBlToTr w="12700" cap="flat" cmpd="sng" algn="ctr">
+                      <a:noFill/>
+                      <a:prstDash val="solid"/>
+                      <a:round/>
+                      <a:headEnd type="none" w="med" len="med"/>
+                      <a:tailEnd type="none" w="med" len="med"/>
+                    </a:lnBlToTr>
+                    <a:solidFill>
+                      <a:srgbClr val="CDCECD">
+                        <a:alpha val="100.00%"/>
+                      </a:srgbClr>
+                    </a:solidFill>
+                  </a:tcPr>
+                </a:tc>
+                <a:tc>
+                  <a:txBody>
+                    <a:bodyPr wrap="square" rtlCol="0">
+                      <a:spAutoFit/>
+                    </a:bodyPr>
+                    <a:lstStyle/>
+                    <a:p>
+                      <a:pPr algn="ctr" fontAlgn="ctr" marL="0" marR="0" indent="0" lvl="0">
+                        <a:lnSpc>
+                          <a:spcPct val="100%"/>
+                        </a:lnSpc>
+                      </a:pPr>
+                      <a:r>
+                        <a:rPr lang="en-US" b="1" sz="1100" spc="0" u="none">
+                          <a:solidFill>
+                            <a:srgbClr val="000000">
+                              <a:alpha val="100.00%"/>
+                            </a:srgbClr>
+                          </a:solidFill>
+                          <a:latin typeface="Times New Roman"/>
+                        </a:rPr>
+                        <a:t><![CDATA[Low]]></a:t>
+                      </a:r>
+                    </a:p>
+                  </a:txBody>
+                  <a:tcPr anchor="ctr" marL="0" marR="0" marT="0" marB="0">
+                    <a:lnL w="12700" cap="flat" cmpd="sng" algn="ctr">
+                      <a:solidFill>
+                        <a:srgbClr val="FFFFFF">
+                          <a:alpha val="100.00%"/>
+                        </a:srgbClr>
+                      </a:solidFill>
+                      <a:prstDash val="solid"/>
+                      <a:round/>
+                      <a:headEnd type="none" w="med" len="med"/>
+                      <a:tailEnd type="none" w="med" len="med"/>
+                    </a:lnL>
+                    <a:lnR w="12700" cap="flat" cmpd="sng" algn="ctr">
+                      <a:solidFill>
+                        <a:srgbClr val="FFFFFF">
+                          <a:alpha val="100.00%"/>
+                        </a:srgbClr>
+                      </a:solidFill>
+                      <a:prstDash val="solid"/>
+                      <a:round/>
+                      <a:headEnd type="none" w="med" len="med"/>
+                      <a:tailEnd type="none" w="med" len="med"/>
+                    </a:lnR>
+                    <a:lnT w="12700" cap="flat" cmpd="sng" algn="ctr">
+                      <a:solidFill>
+                        <a:srgbClr val="FFFFFF">
+                          <a:alpha val="100.00%"/>
+                        </a:srgbClr>
+                      </a:solidFill>
+                      <a:prstDash val="solid"/>
+                      <a:round/>
+                      <a:headEnd type="none" w="med" len="med"/>
+                      <a:tailEnd type="none" w="med" len="med"/>
+                    </a:lnT>
+                    <a:lnB w="12700" cap="flat" cmpd="sng" algn="ctr">
+                      <a:solidFill>
+                        <a:srgbClr val="FFFFFF">
+                          <a:alpha val="100.00%"/>
+                        </a:srgbClr>
+                      </a:solidFill>
+                      <a:prstDash val="solid"/>
+                      <a:round/>
+                      <a:headEnd type="none" w="med" len="med"/>
+                      <a:tailEnd type="none" w="med" len="med"/>
+                    </a:lnB>
+                    <a:lnTlToBr w="12700" cap="flat" cmpd="sng" algn="ctr">
+                      <a:noFill/>
+                      <a:prstDash val="solid"/>
+                      <a:round/>
+                      <a:headEnd type="none" w="med" len="med"/>
+                      <a:tailEnd type="none" w="med" len="med"/>
+                    </a:lnTlToBr>
+                    <a:lnBlToTr w="12700" cap="flat" cmpd="sng" algn="ctr">
+                      <a:noFill/>
+                      <a:prstDash val="solid"/>
+                      <a:round/>
+                      <a:headEnd type="none" w="med" len="med"/>
+                      <a:tailEnd type="none" w="med" len="med"/>
+                    </a:lnBlToTr>
+                    <a:solidFill>
+                      <a:srgbClr val="CDCECD">
+                        <a:alpha val="100.00%"/>
+                      </a:srgbClr>
+                    </a:solidFill>
+                  </a:tcPr>
+                </a:tc>
+              </a:tr>
+              <a:tr h="361950">
+                <a:tc>
+                  <a:txBody>
+                    <a:bodyPr wrap="square" rtlCol="0">
+                      <a:spAutoFit/>
+                    </a:bodyPr>
+                    <a:lstStyle/>
+                    <a:p>
+                      <a:pPr algn="ctr" fontAlgn="ctr" marL="0" marR="0" indent="0" lvl="0">
+                        <a:lnSpc>
+                          <a:spcPct val="100%"/>
+                        </a:lnSpc>
+                      </a:pPr>
+                      <a:r>
+                        <a:rPr lang="en-US" sz="1800" spc="0" u="none">
+                          <a:solidFill>
+                            <a:srgbClr val="000000">
+                              <a:alpha val="100.00%"/>
+                            </a:srgbClr>
+                          </a:solidFill>
+                          <a:latin typeface="Arial (Body)"/>
+                        </a:rPr>
+                        <a:t><![CDATA[4]]></a:t>
+                      </a:r>
+                    </a:p>
+                  </a:txBody>
+                  <a:tcPr anchor="ctr" marL="0" marR="0" marT="0" marB="0">
+                    <a:lnL w="12700" cap="flat" cmpd="sng" algn="ctr">
+                      <a:solidFill>
+                        <a:srgbClr val="FFFFFF">
+                          <a:alpha val="100.00%"/>
+                        </a:srgbClr>
+                      </a:solidFill>
+                      <a:prstDash val="solid"/>
+                      <a:round/>
+                      <a:headEnd type="none" w="med" len="med"/>
+                      <a:tailEnd type="none" w="med" len="med"/>
+                    </a:lnL>
+                    <a:lnR w="12700" cap="flat" cmpd="sng" algn="ctr">
+                      <a:solidFill>
+                        <a:srgbClr val="FFFFFF">
+                          <a:alpha val="100.00%"/>
+                        </a:srgbClr>
+                      </a:solidFill>
+                      <a:prstDash val="solid"/>
+                      <a:round/>
+                      <a:headEnd type="none" w="med" len="med"/>
+                      <a:tailEnd type="none" w="med" len="med"/>
+                    </a:lnR>
+                    <a:lnT w="12700" cap="flat" cmpd="sng" algn="ctr">
+                      <a:solidFill>
+                        <a:srgbClr val="FFFFFF">
+                          <a:alpha val="100.00%"/>
+                        </a:srgbClr>
+                      </a:solidFill>
+                      <a:prstDash val="solid"/>
+                      <a:round/>
+                      <a:headEnd type="none" w="med" len="med"/>
+                      <a:tailEnd type="none" w="med" len="med"/>
+                    </a:lnT>
+                    <a:lnB w="12700" cap="flat" cmpd="sng" algn="ctr">
+                      <a:solidFill>
+                        <a:srgbClr val="FFFFFF">
+                          <a:alpha val="100.00%"/>
+                        </a:srgbClr>
+                      </a:solidFill>
+                      <a:prstDash val="solid"/>
+                      <a:round/>
+                      <a:headEnd type="none" w="med" len="med"/>
+                      <a:tailEnd type="none" w="med" len="med"/>
+                    </a:lnB>
+                    <a:lnTlToBr w="12700" cap="flat" cmpd="sng" algn="ctr">
+                      <a:noFill/>
+                      <a:prstDash val="solid"/>
+                      <a:round/>
+                      <a:headEnd type="none" w="med" len="med"/>
+                      <a:tailEnd type="none" w="med" len="med"/>
+                    </a:lnTlToBr>
+                    <a:lnBlToTr w="12700" cap="flat" cmpd="sng" algn="ctr">
+                      <a:noFill/>
+                      <a:prstDash val="solid"/>
+                      <a:round/>
+                      <a:headEnd type="none" w="med" len="med"/>
+                      <a:tailEnd type="none" w="med" len="med"/>
+                    </a:lnBlToTr>
+                    <a:solidFill>
+                      <a:srgbClr val="E8E8E8">
+                        <a:alpha val="100.00%"/>
+                      </a:srgbClr>
+                    </a:solidFill>
+                  </a:tcPr>
+                </a:tc>
+                <a:tc>
+                  <a:txBody>
+                    <a:bodyPr wrap="square" rtlCol="0">
+                      <a:spAutoFit/>
+                    </a:bodyPr>
+                    <a:lstStyle/>
+                    <a:p>
+                      <a:pPr algn="ctr" fontAlgn="ctr" marL="0" marR="0" indent="0" lvl="0">
+                        <a:lnSpc>
+                          <a:spcPct val="100%"/>
+                        </a:lnSpc>
+                      </a:pPr>
+                      <a:r>
+                        <a:rPr lang="en-US" sz="1800" spc="0" u="none">
+                          <a:solidFill>
+                            <a:srgbClr val="000000">
+                              <a:alpha val="100.00%"/>
+                            </a:srgbClr>
+                          </a:solidFill>
+                          <a:latin typeface="Arial (Body)"/>
+                        </a:rPr>
+                        <a:t><![CDATA[No System Association]]></a:t>
+                      </a:r>
+                    </a:p>
+                  </a:txBody>
+                  <a:tcPr anchor="ctr" marL="0" marR="0" marT="0" marB="0">
+                    <a:lnL w="12700" cap="flat" cmpd="sng" algn="ctr">
+                      <a:solidFill>
+                        <a:srgbClr val="FFFFFF">
+                          <a:alpha val="100.00%"/>
+                        </a:srgbClr>
+                      </a:solidFill>
+                      <a:prstDash val="solid"/>
+                      <a:round/>
+                      <a:headEnd type="none" w="med" len="med"/>
+                      <a:tailEnd type="none" w="med" len="med"/>
+                    </a:lnL>
+                    <a:lnR w="12700" cap="flat" cmpd="sng" algn="ctr">
+                      <a:solidFill>
+                        <a:srgbClr val="FFFFFF">
+                          <a:alpha val="100.00%"/>
+                        </a:srgbClr>
+                      </a:solidFill>
+                      <a:prstDash val="solid"/>
+                      <a:round/>
+                      <a:headEnd type="none" w="med" len="med"/>
+                      <a:tailEnd type="none" w="med" len="med"/>
+                    </a:lnR>
+                    <a:lnT w="12700" cap="flat" cmpd="sng" algn="ctr">
+                      <a:solidFill>
+                        <a:srgbClr val="FFFFFF">
+                          <a:alpha val="100.00%"/>
+                        </a:srgbClr>
+                      </a:solidFill>
+                      <a:prstDash val="solid"/>
+                      <a:round/>
+                      <a:headEnd type="none" w="med" len="med"/>
+                      <a:tailEnd type="none" w="med" len="med"/>
+                    </a:lnT>
+                    <a:lnB w="12700" cap="flat" cmpd="sng" algn="ctr">
+                      <a:solidFill>
+                        <a:srgbClr val="FFFFFF">
+                          <a:alpha val="100.00%"/>
+                        </a:srgbClr>
+                      </a:solidFill>
+                      <a:prstDash val="solid"/>
+                      <a:round/>
+                      <a:headEnd type="none" w="med" len="med"/>
+                      <a:tailEnd type="none" w="med" len="med"/>
+                    </a:lnB>
+                    <a:lnTlToBr w="12700" cap="flat" cmpd="sng" algn="ctr">
+                      <a:noFill/>
+                      <a:prstDash val="solid"/>
+                      <a:round/>
+                      <a:headEnd type="none" w="med" len="med"/>
+                      <a:tailEnd type="none" w="med" len="med"/>
+                    </a:lnTlToBr>
+                    <a:lnBlToTr w="12700" cap="flat" cmpd="sng" algn="ctr">
+                      <a:noFill/>
+                      <a:prstDash val="solid"/>
+                      <a:round/>
+                      <a:headEnd type="none" w="med" len="med"/>
+                      <a:tailEnd type="none" w="med" len="med"/>
+                    </a:lnBlToTr>
+                    <a:solidFill>
+                      <a:srgbClr val="E8E8E8">
+                        <a:alpha val="100.00%"/>
+                      </a:srgbClr>
+                    </a:solidFill>
+                  </a:tcPr>
+                </a:tc>
+                <a:tc>
+                  <a:txBody>
+                    <a:bodyPr wrap="square" rtlCol="0">
+                      <a:spAutoFit/>
+                    </a:bodyPr>
+                    <a:lstStyle/>
+                    <a:p>
+                      <a:pPr algn="ctr" fontAlgn="ctr" marL="0" marR="0" indent="0" lvl="0">
+                        <a:lnSpc>
+                          <a:spcPct val="100%"/>
+                        </a:lnSpc>
+                      </a:pPr>
+                      <a:r>
+                        <a:rPr lang="en-US" sz="1800" spc="0" u="none">
+                          <a:solidFill>
+                            <a:srgbClr val="000000">
+                              <a:alpha val="100.00%"/>
+                            </a:srgbClr>
+                          </a:solidFill>
+                          <a:latin typeface="Arial (Body)"/>
+                        </a:rPr>
+                        <a:t><![CDATA[Finding 4]]></a:t>
+                      </a:r>
+                    </a:p>
+                  </a:txBody>
+                  <a:tcPr anchor="ctr" marL="0" marR="0" marT="0" marB="0">
+                    <a:lnL w="12700" cap="flat" cmpd="sng" algn="ctr">
+                      <a:solidFill>
+                        <a:srgbClr val="FFFFFF">
+                          <a:alpha val="100.00%"/>
+                        </a:srgbClr>
+                      </a:solidFill>
+                      <a:prstDash val="solid"/>
+                      <a:round/>
+                      <a:headEnd type="none" w="med" len="med"/>
+                      <a:tailEnd type="none" w="med" len="med"/>
+                    </a:lnL>
+                    <a:lnR w="12700" cap="flat" cmpd="sng" algn="ctr">
+                      <a:solidFill>
+                        <a:srgbClr val="FFFFFF">
+                          <a:alpha val="100.00%"/>
+                        </a:srgbClr>
+                      </a:solidFill>
+                      <a:prstDash val="solid"/>
+                      <a:round/>
+                      <a:headEnd type="none" w="med" len="med"/>
+                      <a:tailEnd type="none" w="med" len="med"/>
+                    </a:lnR>
+                    <a:lnT w="12700" cap="flat" cmpd="sng" algn="ctr">
+                      <a:solidFill>
+                        <a:srgbClr val="FFFFFF">
+                          <a:alpha val="100.00%"/>
+                        </a:srgbClr>
+                      </a:solidFill>
+                      <a:prstDash val="solid"/>
+                      <a:round/>
+                      <a:headEnd type="none" w="med" len="med"/>
+                      <a:tailEnd type="none" w="med" len="med"/>
+                    </a:lnT>
+                    <a:lnB w="12700" cap="flat" cmpd="sng" algn="ctr">
+                      <a:solidFill>
+                        <a:srgbClr val="FFFFFF">
+                          <a:alpha val="100.00%"/>
+                        </a:srgbClr>
+                      </a:solidFill>
+                      <a:prstDash val="solid"/>
+                      <a:round/>
+                      <a:headEnd type="none" w="med" len="med"/>
+                      <a:tailEnd type="none" w="med" len="med"/>
+                    </a:lnB>
+                    <a:lnTlToBr w="12700" cap="flat" cmpd="sng" algn="ctr">
+                      <a:noFill/>
+                      <a:prstDash val="solid"/>
+                      <a:round/>
+                      <a:headEnd type="none" w="med" len="med"/>
+                      <a:tailEnd type="none" w="med" len="med"/>
+                    </a:lnTlToBr>
+                    <a:lnBlToTr w="12700" cap="flat" cmpd="sng" algn="ctr">
+                      <a:noFill/>
+                      <a:prstDash val="solid"/>
+                      <a:round/>
+                      <a:headEnd type="none" w="med" len="med"/>
+                      <a:tailEnd type="none" w="med" len="med"/>
+                    </a:lnBlToTr>
+                    <a:solidFill>
+                      <a:srgbClr val="E8E8E8">
+                        <a:alpha val="100.00%"/>
+                      </a:srgbClr>
+                    </a:solidFill>
+                  </a:tcPr>
+                </a:tc>
+                <a:tc>
+                  <a:txBody>
+                    <a:bodyPr wrap="square" rtlCol="0">
+                      <a:spAutoFit/>
+                    </a:bodyPr>
+                    <a:lstStyle/>
+                    <a:p>
+                      <a:pPr algn="ctr" fontAlgn="ctr" marL="0" marR="0" indent="0" lvl="0">
+                        <a:lnSpc>
+                          <a:spcPct val="100%"/>
+                        </a:lnSpc>
+                      </a:pPr>
+                      <a:r>
+                        <a:rPr lang="en-US" b="1" sz="1100" spc="0" u="none">
+                          <a:solidFill>
+                            <a:srgbClr val="000000">
+                              <a:alpha val="100.00%"/>
+                            </a:srgbClr>
+                          </a:solidFill>
+                          <a:latin typeface="Times New Roman"/>
+                        </a:rPr>
+                        <a:t><![CDATA[Moderate]]></a:t>
+                      </a:r>
+                    </a:p>
+                  </a:txBody>
+                  <a:tcPr anchor="ctr" marL="0" marR="0" marT="0" marB="0">
+                    <a:lnL w="12700" cap="flat" cmpd="sng" algn="ctr">
+                      <a:solidFill>
+                        <a:srgbClr val="FFFFFF">
+                          <a:alpha val="100.00%"/>
+                        </a:srgbClr>
+                      </a:solidFill>
+                      <a:prstDash val="solid"/>
+                      <a:round/>
+                      <a:headEnd type="none" w="med" len="med"/>
+                      <a:tailEnd type="none" w="med" len="med"/>
+                    </a:lnL>
+                    <a:lnR w="12700" cap="flat" cmpd="sng" algn="ctr">
+                      <a:solidFill>
+                        <a:srgbClr val="FFFFFF">
+                          <a:alpha val="100.00%"/>
+                        </a:srgbClr>
+                      </a:solidFill>
+                      <a:prstDash val="solid"/>
+                      <a:round/>
+                      <a:headEnd type="none" w="med" len="med"/>
+                      <a:tailEnd type="none" w="med" len="med"/>
+                    </a:lnR>
+                    <a:lnT w="12700" cap="flat" cmpd="sng" algn="ctr">
+                      <a:solidFill>
+                        <a:srgbClr val="FFFFFF">
+                          <a:alpha val="100.00%"/>
+                        </a:srgbClr>
+                      </a:solidFill>
+                      <a:prstDash val="solid"/>
+                      <a:round/>
+                      <a:headEnd type="none" w="med" len="med"/>
+                      <a:tailEnd type="none" w="med" len="med"/>
+                    </a:lnT>
+                    <a:lnB w="12700" cap="flat" cmpd="sng" algn="ctr">
+                      <a:solidFill>
+                        <a:srgbClr val="FFFFFF">
+                          <a:alpha val="100.00%"/>
+                        </a:srgbClr>
+                      </a:solidFill>
+                      <a:prstDash val="solid"/>
+                      <a:round/>
+                      <a:headEnd type="none" w="med" len="med"/>
+                      <a:tailEnd type="none" w="med" len="med"/>
+                    </a:lnB>
+                    <a:lnTlToBr w="12700" cap="flat" cmpd="sng" algn="ctr">
+                      <a:noFill/>
+                      <a:prstDash val="solid"/>
+                      <a:round/>
+                      <a:headEnd type="none" w="med" len="med"/>
+                      <a:tailEnd type="none" w="med" len="med"/>
+                    </a:lnTlToBr>
+                    <a:lnBlToTr w="12700" cap="flat" cmpd="sng" algn="ctr">
+                      <a:noFill/>
+                      <a:prstDash val="solid"/>
+                      <a:round/>
+                      <a:headEnd type="none" w="med" len="med"/>
+                      <a:tailEnd type="none" w="med" len="med"/>
+                    </a:lnBlToTr>
+                    <a:solidFill>
+                      <a:srgbClr val="E8E8E8">
+                        <a:alpha val="100.00%"/>
+                      </a:srgbClr>
+                    </a:solidFill>
+                  </a:tcPr>
+                </a:tc>
+                <a:tc>
+                  <a:txBody>
+                    <a:bodyPr wrap="square" rtlCol="0">
+                      <a:spAutoFit/>
+                    </a:bodyPr>
+                    <a:lstStyle/>
+                    <a:p>
+                      <a:pPr algn="ctr" fontAlgn="ctr" marL="0" marR="0" indent="0" lvl="0">
+                        <a:lnSpc>
+                          <a:spcPct val="100%"/>
+                        </a:lnSpc>
+                      </a:pPr>
+                      <a:r>
+                        <a:rPr lang="en-US" b="1" sz="1100" spc="0" u="none">
+                          <a:solidFill>
+                            <a:srgbClr val="000000">
+                              <a:alpha val="100.00%"/>
+                            </a:srgbClr>
+                          </a:solidFill>
+                          <a:latin typeface="Times New Roman"/>
+                        </a:rPr>
+                        <a:t><![CDATA[Low]]></a:t>
+                      </a:r>
+                    </a:p>
+                  </a:txBody>
+                  <a:tcPr anchor="ctr" marL="0" marR="0" marT="0" marB="0">
+                    <a:lnL w="12700" cap="flat" cmpd="sng" algn="ctr">
+                      <a:solidFill>
+                        <a:srgbClr val="FFFFFF">
+                          <a:alpha val="100.00%"/>
+                        </a:srgbClr>
+                      </a:solidFill>
+                      <a:prstDash val="solid"/>
+                      <a:round/>
+                      <a:headEnd type="none" w="med" len="med"/>
+                      <a:tailEnd type="none" w="med" len="med"/>
+                    </a:lnL>
+                    <a:lnR w="12700" cap="flat" cmpd="sng" algn="ctr">
+                      <a:solidFill>
+                        <a:srgbClr val="FFFFFF">
+                          <a:alpha val="100.00%"/>
+                        </a:srgbClr>
+                      </a:solidFill>
+                      <a:prstDash val="solid"/>
+                      <a:round/>
+                      <a:headEnd type="none" w="med" len="med"/>
+                      <a:tailEnd type="none" w="med" len="med"/>
+                    </a:lnR>
+                    <a:lnT w="12700" cap="flat" cmpd="sng" algn="ctr">
+                      <a:solidFill>
+                        <a:srgbClr val="FFFFFF">
+                          <a:alpha val="100.00%"/>
+                        </a:srgbClr>
+                      </a:solidFill>
+                      <a:prstDash val="solid"/>
+                      <a:round/>
+                      <a:headEnd type="none" w="med" len="med"/>
+                      <a:tailEnd type="none" w="med" len="med"/>
+                    </a:lnT>
+                    <a:lnB w="12700" cap="flat" cmpd="sng" algn="ctr">
+                      <a:solidFill>
+                        <a:srgbClr val="FFFFFF">
+                          <a:alpha val="100.00%"/>
+                        </a:srgbClr>
+                      </a:solidFill>
+                      <a:prstDash val="solid"/>
+                      <a:round/>
+                      <a:headEnd type="none" w="med" len="med"/>
+                      <a:tailEnd type="none" w="med" len="med"/>
+                    </a:lnB>
+                    <a:lnTlToBr w="12700" cap="flat" cmpd="sng" algn="ctr">
+                      <a:noFill/>
+                      <a:prstDash val="solid"/>
+                      <a:round/>
+                      <a:headEnd type="none" w="med" len="med"/>
+                      <a:tailEnd type="none" w="med" len="med"/>
+                    </a:lnTlToBr>
+                    <a:lnBlToTr w="12700" cap="flat" cmpd="sng" algn="ctr">
+                      <a:noFill/>
+                      <a:prstDash val="solid"/>
+                      <a:round/>
+                      <a:headEnd type="none" w="med" len="med"/>
+                      <a:tailEnd type="none" w="med" len="med"/>
+                    </a:lnBlToTr>
+                    <a:solidFill>
+                      <a:srgbClr val="E8E8E8">
+                        <a:alpha val="100.00%"/>
+                      </a:srgbClr>
+                    </a:solidFill>
+                  </a:tcPr>
+                </a:tc>
+              </a:tr>
+              <a:tr h="361950">
+                <a:tc>
+                  <a:txBody>
+                    <a:bodyPr wrap="square" rtlCol="0">
+                      <a:spAutoFit/>
+                    </a:bodyPr>
+                    <a:lstStyle/>
+                    <a:p>
+                      <a:pPr algn="ctr" fontAlgn="ctr" marL="0" marR="0" indent="0" lvl="0">
+                        <a:lnSpc>
+                          <a:spcPct val="100%"/>
+                        </a:lnSpc>
+                      </a:pPr>
+                      <a:r>
+                        <a:rPr lang="en-US" sz="1800" spc="0" u="none">
+                          <a:solidFill>
+                            <a:srgbClr val="000000">
+                              <a:alpha val="100.00%"/>
+                            </a:srgbClr>
+                          </a:solidFill>
+                          <a:latin typeface="Arial (Body)"/>
+                        </a:rPr>
+                        <a:t><![CDATA[5]]></a:t>
+                      </a:r>
+                    </a:p>
+                  </a:txBody>
+                  <a:tcPr anchor="ctr" marL="0" marR="0" marT="0" marB="0">
+                    <a:lnL w="12700" cap="flat" cmpd="sng" algn="ctr">
+                      <a:solidFill>
+                        <a:srgbClr val="FFFFFF">
+                          <a:alpha val="100.00%"/>
+                        </a:srgbClr>
+                      </a:solidFill>
+                      <a:prstDash val="solid"/>
+                      <a:round/>
+                      <a:headEnd type="none" w="med" len="med"/>
+                      <a:tailEnd type="none" w="med" len="med"/>
+                    </a:lnL>
+                    <a:lnR w="12700" cap="flat" cmpd="sng" algn="ctr">
+                      <a:solidFill>
+                        <a:srgbClr val="FFFFFF">
+                          <a:alpha val="100.00%"/>
+                        </a:srgbClr>
+                      </a:solidFill>
+                      <a:prstDash val="solid"/>
+                      <a:round/>
+                      <a:headEnd type="none" w="med" len="med"/>
+                      <a:tailEnd type="none" w="med" len="med"/>
+                    </a:lnR>
+                    <a:lnT w="12700" cap="flat" cmpd="sng" algn="ctr">
+                      <a:solidFill>
+                        <a:srgbClr val="FFFFFF">
+                          <a:alpha val="100.00%"/>
+                        </a:srgbClr>
+                      </a:solidFill>
+                      <a:prstDash val="solid"/>
+                      <a:round/>
+                      <a:headEnd type="none" w="med" len="med"/>
+                      <a:tailEnd type="none" w="med" len="med"/>
+                    </a:lnT>
+                    <a:lnB w="12700" cap="flat" cmpd="sng" algn="ctr">
+                      <a:solidFill>
+                        <a:srgbClr val="FFFFFF">
+                          <a:alpha val="100.00%"/>
+                        </a:srgbClr>
+                      </a:solidFill>
+                      <a:prstDash val="solid"/>
+                      <a:round/>
+                      <a:headEnd type="none" w="med" len="med"/>
+                      <a:tailEnd type="none" w="med" len="med"/>
+                    </a:lnB>
+                    <a:lnTlToBr w="12700" cap="flat" cmpd="sng" algn="ctr">
+                      <a:noFill/>
+                      <a:prstDash val="solid"/>
+                      <a:round/>
+                      <a:headEnd type="none" w="med" len="med"/>
+                      <a:tailEnd type="none" w="med" len="med"/>
+                    </a:lnTlToBr>
+                    <a:lnBlToTr w="12700" cap="flat" cmpd="sng" algn="ctr">
+                      <a:noFill/>
+                      <a:prstDash val="solid"/>
+                      <a:round/>
+                      <a:headEnd type="none" w="med" len="med"/>
+                      <a:tailEnd type="none" w="med" len="med"/>
+                    </a:lnBlToTr>
+                    <a:solidFill>
+                      <a:srgbClr val="CDCECD">
+                        <a:alpha val="100.00%"/>
+                      </a:srgbClr>
+                    </a:solidFill>
+                  </a:tcPr>
+                </a:tc>
+                <a:tc>
+                  <a:txBody>
+                    <a:bodyPr wrap="square" rtlCol="0">
+                      <a:spAutoFit/>
+                    </a:bodyPr>
+                    <a:lstStyle/>
+                    <a:p>
+                      <a:pPr algn="ctr" fontAlgn="ctr" marL="0" marR="0" indent="0" lvl="0">
+                        <a:lnSpc>
+                          <a:spcPct val="100%"/>
+                        </a:lnSpc>
+                      </a:pPr>
+                      <a:r>
+                        <a:rPr lang="en-US" sz="1800" spc="0" u="none">
+                          <a:solidFill>
+                            <a:srgbClr val="000000">
+                              <a:alpha val="100.00%"/>
+                            </a:srgbClr>
+                          </a:solidFill>
+                          <a:latin typeface="Arial (Body)"/>
+                        </a:rPr>
+                        <a:t><![CDATA[No System Association]]></a:t>
+                      </a:r>
+                    </a:p>
+                  </a:txBody>
+                  <a:tcPr anchor="ctr" marL="0" marR="0" marT="0" marB="0">
+                    <a:lnL w="12700" cap="flat" cmpd="sng" algn="ctr">
+                      <a:solidFill>
+                        <a:srgbClr val="FFFFFF">
+                          <a:alpha val="100.00%"/>
+                        </a:srgbClr>
+                      </a:solidFill>
+                      <a:prstDash val="solid"/>
+                      <a:round/>
+                      <a:headEnd type="none" w="med" len="med"/>
+                      <a:tailEnd type="none" w="med" len="med"/>
+                    </a:lnL>
+                    <a:lnR w="12700" cap="flat" cmpd="sng" algn="ctr">
+                      <a:solidFill>
+                        <a:srgbClr val="FFFFFF">
+                          <a:alpha val="100.00%"/>
+                        </a:srgbClr>
+                      </a:solidFill>
+                      <a:prstDash val="solid"/>
+                      <a:round/>
+                      <a:headEnd type="none" w="med" len="med"/>
+                      <a:tailEnd type="none" w="med" len="med"/>
+                    </a:lnR>
+                    <a:lnT w="12700" cap="flat" cmpd="sng" algn="ctr">
+                      <a:solidFill>
+                        <a:srgbClr val="FFFFFF">
+                          <a:alpha val="100.00%"/>
+                        </a:srgbClr>
+                      </a:solidFill>
+                      <a:prstDash val="solid"/>
+                      <a:round/>
+                      <a:headEnd type="none" w="med" len="med"/>
+                      <a:tailEnd type="none" w="med" len="med"/>
+                    </a:lnT>
+                    <a:lnB w="12700" cap="flat" cmpd="sng" algn="ctr">
+                      <a:solidFill>
+                        <a:srgbClr val="FFFFFF">
+                          <a:alpha val="100.00%"/>
+                        </a:srgbClr>
+                      </a:solidFill>
+                      <a:prstDash val="solid"/>
+                      <a:round/>
+                      <a:headEnd type="none" w="med" len="med"/>
+                      <a:tailEnd type="none" w="med" len="med"/>
+                    </a:lnB>
+                    <a:lnTlToBr w="12700" cap="flat" cmpd="sng" algn="ctr">
+                      <a:noFill/>
+                      <a:prstDash val="solid"/>
+                      <a:round/>
+                      <a:headEnd type="none" w="med" len="med"/>
+                      <a:tailEnd type="none" w="med" len="med"/>
+                    </a:lnTlToBr>
+                    <a:lnBlToTr w="12700" cap="flat" cmpd="sng" algn="ctr">
+                      <a:noFill/>
+                      <a:prstDash val="solid"/>
+                      <a:round/>
+                      <a:headEnd type="none" w="med" len="med"/>
+                      <a:tailEnd type="none" w="med" len="med"/>
+                    </a:lnBlToTr>
+                    <a:solidFill>
+                      <a:srgbClr val="CDCECD">
+                        <a:alpha val="100.00%"/>
+                      </a:srgbClr>
+                    </a:solidFill>
+                  </a:tcPr>
+                </a:tc>
+                <a:tc>
+                  <a:txBody>
+                    <a:bodyPr wrap="square" rtlCol="0">
+                      <a:spAutoFit/>
+                    </a:bodyPr>
+                    <a:lstStyle/>
+                    <a:p>
+                      <a:pPr algn="ctr" fontAlgn="ctr" marL="0" marR="0" indent="0" lvl="0">
+                        <a:lnSpc>
+                          <a:spcPct val="100%"/>
+                        </a:lnSpc>
+                      </a:pPr>
+                      <a:r>
+                        <a:rPr lang="en-US" sz="1800" spc="0" u="none">
+                          <a:solidFill>
+                            <a:srgbClr val="000000">
+                              <a:alpha val="100.00%"/>
+                            </a:srgbClr>
+                          </a:solidFill>
+                          <a:latin typeface="Arial (Body)"/>
+                        </a:rPr>
+                        <a:t><![CDATA[Finding 5]]></a:t>
+                      </a:r>
+                    </a:p>
+                  </a:txBody>
+                  <a:tcPr anchor="ctr" marL="0" marR="0" marT="0" marB="0">
+                    <a:lnL w="12700" cap="flat" cmpd="sng" algn="ctr">
+                      <a:solidFill>
+                        <a:srgbClr val="FFFFFF">
+                          <a:alpha val="100.00%"/>
+                        </a:srgbClr>
+                      </a:solidFill>
+                      <a:prstDash val="solid"/>
+                      <a:round/>
+                      <a:headEnd type="none" w="med" len="med"/>
+                      <a:tailEnd type="none" w="med" len="med"/>
+                    </a:lnL>
+                    <a:lnR w="12700" cap="flat" cmpd="sng" algn="ctr">
+                      <a:solidFill>
+                        <a:srgbClr val="FFFFFF">
+                          <a:alpha val="100.00%"/>
+                        </a:srgbClr>
+                      </a:solidFill>
+                      <a:prstDash val="solid"/>
+                      <a:round/>
+                      <a:headEnd type="none" w="med" len="med"/>
+                      <a:tailEnd type="none" w="med" len="med"/>
+                    </a:lnR>
+                    <a:lnT w="12700" cap="flat" cmpd="sng" algn="ctr">
+                      <a:solidFill>
+                        <a:srgbClr val="FFFFFF">
+                          <a:alpha val="100.00%"/>
+                        </a:srgbClr>
+                      </a:solidFill>
+                      <a:prstDash val="solid"/>
+                      <a:round/>
+                      <a:headEnd type="none" w="med" len="med"/>
+                      <a:tailEnd type="none" w="med" len="med"/>
+                    </a:lnT>
+                    <a:lnB w="12700" cap="flat" cmpd="sng" algn="ctr">
+                      <a:solidFill>
+                        <a:srgbClr val="FFFFFF">
+                          <a:alpha val="100.00%"/>
+                        </a:srgbClr>
+                      </a:solidFill>
+                      <a:prstDash val="solid"/>
+                      <a:round/>
+                      <a:headEnd type="none" w="med" len="med"/>
+                      <a:tailEnd type="none" w="med" len="med"/>
+                    </a:lnB>
+                    <a:lnTlToBr w="12700" cap="flat" cmpd="sng" algn="ctr">
+                      <a:noFill/>
+                      <a:prstDash val="solid"/>
+                      <a:round/>
+                      <a:headEnd type="none" w="med" len="med"/>
+                      <a:tailEnd type="none" w="med" len="med"/>
+                    </a:lnTlToBr>
+                    <a:lnBlToTr w="12700" cap="flat" cmpd="sng" algn="ctr">
+                      <a:noFill/>
+                      <a:prstDash val="solid"/>
+                      <a:round/>
+                      <a:headEnd type="none" w="med" len="med"/>
+                      <a:tailEnd type="none" w="med" len="med"/>
+                    </a:lnBlToTr>
+                    <a:solidFill>
+                      <a:srgbClr val="CDCECD">
+                        <a:alpha val="100.00%"/>
+                      </a:srgbClr>
+                    </a:solidFill>
+                  </a:tcPr>
+                </a:tc>
+                <a:tc>
+                  <a:txBody>
+                    <a:bodyPr wrap="square" rtlCol="0">
+                      <a:spAutoFit/>
+                    </a:bodyPr>
+                    <a:lstStyle/>
+                    <a:p>
+                      <a:pPr algn="ctr" fontAlgn="ctr" marL="0" marR="0" indent="0" lvl="0">
+                        <a:lnSpc>
+                          <a:spcPct val="100%"/>
+                        </a:lnSpc>
+                      </a:pPr>
+                      <a:r>
+                        <a:rPr lang="en-US" b="1" sz="1100" spc="0" u="none">
+                          <a:solidFill>
+                            <a:srgbClr val="000000">
+                              <a:alpha val="100.00%"/>
+                            </a:srgbClr>
+                          </a:solidFill>
+                          <a:latin typeface="Times New Roman"/>
+                        </a:rPr>
+                        <a:t><![CDATA[Moderate]]></a:t>
+                      </a:r>
+                    </a:p>
+                  </a:txBody>
+                  <a:tcPr anchor="ctr" marL="0" marR="0" marT="0" marB="0">
+                    <a:lnL w="12700" cap="flat" cmpd="sng" algn="ctr">
+                      <a:solidFill>
+                        <a:srgbClr val="FFFFFF">
+                          <a:alpha val="100.00%"/>
+                        </a:srgbClr>
+                      </a:solidFill>
+                      <a:prstDash val="solid"/>
+                      <a:round/>
+                      <a:headEnd type="none" w="med" len="med"/>
+                      <a:tailEnd type="none" w="med" len="med"/>
+                    </a:lnL>
+                    <a:lnR w="12700" cap="flat" cmpd="sng" algn="ctr">
+                      <a:solidFill>
+                        <a:srgbClr val="FFFFFF">
+                          <a:alpha val="100.00%"/>
+                        </a:srgbClr>
+                      </a:solidFill>
+                      <a:prstDash val="solid"/>
+                      <a:round/>
+                      <a:headEnd type="none" w="med" len="med"/>
+                      <a:tailEnd type="none" w="med" len="med"/>
+                    </a:lnR>
+                    <a:lnT w="12700" cap="flat" cmpd="sng" algn="ctr">
+                      <a:solidFill>
+                        <a:srgbClr val="FFFFFF">
+                          <a:alpha val="100.00%"/>
+                        </a:srgbClr>
+                      </a:solidFill>
+                      <a:prstDash val="solid"/>
+                      <a:round/>
+                      <a:headEnd type="none" w="med" len="med"/>
+                      <a:tailEnd type="none" w="med" len="med"/>
+                    </a:lnT>
+                    <a:lnB w="12700" cap="flat" cmpd="sng" algn="ctr">
+                      <a:solidFill>
+                        <a:srgbClr val="FFFFFF">
+                          <a:alpha val="100.00%"/>
+                        </a:srgbClr>
+                      </a:solidFill>
+                      <a:prstDash val="solid"/>
+                      <a:round/>
+                      <a:headEnd type="none" w="med" len="med"/>
+                      <a:tailEnd type="none" w="med" len="med"/>
+                    </a:lnB>
+                    <a:lnTlToBr w="12700" cap="flat" cmpd="sng" algn="ctr">
+                      <a:noFill/>
+                      <a:prstDash val="solid"/>
+                      <a:round/>
+                      <a:headEnd type="none" w="med" len="med"/>
+                      <a:tailEnd type="none" w="med" len="med"/>
+                    </a:lnTlToBr>
+                    <a:lnBlToTr w="12700" cap="flat" cmpd="sng" algn="ctr">
+                      <a:noFill/>
+                      <a:prstDash val="solid"/>
+                      <a:round/>
+                      <a:headEnd type="none" w="med" len="med"/>
+                      <a:tailEnd type="none" w="med" len="med"/>
+                    </a:lnBlToTr>
+                    <a:solidFill>
+                      <a:srgbClr val="CDCECD">
+                        <a:alpha val="100.00%"/>
+                      </a:srgbClr>
+                    </a:solidFill>
+                  </a:tcPr>
+                </a:tc>
+                <a:tc>
+                  <a:txBody>
+                    <a:bodyPr wrap="square" rtlCol="0">
+                      <a:spAutoFit/>
+                    </a:bodyPr>
+                    <a:lstStyle/>
+                    <a:p>
+                      <a:pPr algn="ctr" fontAlgn="ctr" marL="0" marR="0" indent="0" lvl="0">
+                        <a:lnSpc>
+                          <a:spcPct val="100%"/>
+                        </a:lnSpc>
+                      </a:pPr>
+                      <a:r>
+                        <a:rPr lang="en-US" b="1" sz="1100" spc="0" u="none">
+                          <a:solidFill>
+                            <a:srgbClr val="000000">
+                              <a:alpha val="100.00%"/>
+                            </a:srgbClr>
+                          </a:solidFill>
+                          <a:latin typeface="Times New Roman"/>
+                        </a:rPr>
+                        <a:t><![CDATA[Low]]></a:t>
+                      </a:r>
+                    </a:p>
+                  </a:txBody>
+                  <a:tcPr anchor="ctr" marL="0" marR="0" marT="0" marB="0">
+                    <a:lnL w="12700" cap="flat" cmpd="sng" algn="ctr">
+                      <a:solidFill>
+                        <a:srgbClr val="FFFFFF">
+                          <a:alpha val="100.00%"/>
+                        </a:srgbClr>
+                      </a:solidFill>
+                      <a:prstDash val="solid"/>
+                      <a:round/>
+                      <a:headEnd type="none" w="med" len="med"/>
+                      <a:tailEnd type="none" w="med" len="med"/>
+                    </a:lnL>
+                    <a:lnR w="12700" cap="flat" cmpd="sng" algn="ctr">
+                      <a:solidFill>
+                        <a:srgbClr val="FFFFFF">
+                          <a:alpha val="100.00%"/>
+                        </a:srgbClr>
+                      </a:solidFill>
+                      <a:prstDash val="solid"/>
+                      <a:round/>
+                      <a:headEnd type="none" w="med" len="med"/>
+                      <a:tailEnd type="none" w="med" len="med"/>
+                    </a:lnR>
+                    <a:lnT w="12700" cap="flat" cmpd="sng" algn="ctr">
+                      <a:solidFill>
+                        <a:srgbClr val="FFFFFF">
+                          <a:alpha val="100.00%"/>
+                        </a:srgbClr>
+                      </a:solidFill>
+                      <a:prstDash val="solid"/>
+                      <a:round/>
+                      <a:headEnd type="none" w="med" len="med"/>
+                      <a:tailEnd type="none" w="med" len="med"/>
+                    </a:lnT>
+                    <a:lnB w="12700" cap="flat" cmpd="sng" algn="ctr">
+                      <a:solidFill>
+                        <a:srgbClr val="FFFFFF">
+                          <a:alpha val="100.00%"/>
+                        </a:srgbClr>
+                      </a:solidFill>
+                      <a:prstDash val="solid"/>
+                      <a:round/>
+                      <a:headEnd type="none" w="med" len="med"/>
+                      <a:tailEnd type="none" w="med" len="med"/>
+                    </a:lnB>
+                    <a:lnTlToBr w="12700" cap="flat" cmpd="sng" algn="ctr">
+                      <a:noFill/>
+                      <a:prstDash val="solid"/>
+                      <a:round/>
+                      <a:headEnd type="none" w="med" len="med"/>
+                      <a:tailEnd type="none" w="med" len="med"/>
+                    </a:lnTlToBr>
+                    <a:lnBlToTr w="12700" cap="flat" cmpd="sng" algn="ctr">
+                      <a:noFill/>
+                      <a:prstDash val="solid"/>
+                      <a:round/>
+                      <a:headEnd type="none" w="med" len="med"/>
+                      <a:tailEnd type="none" w="med" len="med"/>
+                    </a:lnBlToTr>
+                    <a:solidFill>
+                      <a:srgbClr val="CDCECD">
+                        <a:alpha val="100.00%"/>
+                      </a:srgbClr>
+                    </a:solidFill>
+                  </a:tcPr>
+                </a:tc>
+              </a:tr>
+              <a:tr h="361950">
+                <a:tc>
+                  <a:txBody>
+                    <a:bodyPr wrap="square" rtlCol="0">
+                      <a:spAutoFit/>
+                    </a:bodyPr>
+                    <a:lstStyle/>
+                    <a:p>
+                      <a:pPr algn="ctr" fontAlgn="ctr" marL="0" marR="0" indent="0" lvl="0">
+                        <a:lnSpc>
+                          <a:spcPct val="100%"/>
+                        </a:lnSpc>
+                      </a:pPr>
+                      <a:r>
+                        <a:rPr lang="en-US" sz="1800" spc="0" u="none">
+                          <a:solidFill>
+                            <a:srgbClr val="000000">
+                              <a:alpha val="100.00%"/>
+                            </a:srgbClr>
+                          </a:solidFill>
+                          <a:latin typeface="Arial (Body)"/>
+                        </a:rPr>
+                        <a:t><![CDATA[6]]></a:t>
+                      </a:r>
+                    </a:p>
+                  </a:txBody>
+                  <a:tcPr anchor="ctr" marL="0" marR="0" marT="0" marB="0">
+                    <a:lnL w="12700" cap="flat" cmpd="sng" algn="ctr">
+                      <a:solidFill>
+                        <a:srgbClr val="FFFFFF">
+                          <a:alpha val="100.00%"/>
+                        </a:srgbClr>
+                      </a:solidFill>
+                      <a:prstDash val="solid"/>
+                      <a:round/>
+                      <a:headEnd type="none" w="med" len="med"/>
+                      <a:tailEnd type="none" w="med" len="med"/>
+                    </a:lnL>
+                    <a:lnR w="12700" cap="flat" cmpd="sng" algn="ctr">
+                      <a:solidFill>
+                        <a:srgbClr val="FFFFFF">
+                          <a:alpha val="100.00%"/>
+                        </a:srgbClr>
+                      </a:solidFill>
+                      <a:prstDash val="solid"/>
+                      <a:round/>
+                      <a:headEnd type="none" w="med" len="med"/>
+                      <a:tailEnd type="none" w="med" len="med"/>
+                    </a:lnR>
+                    <a:lnT w="12700" cap="flat" cmpd="sng" algn="ctr">
+                      <a:solidFill>
+                        <a:srgbClr val="FFFFFF">
+                          <a:alpha val="100.00%"/>
+                        </a:srgbClr>
+                      </a:solidFill>
+                      <a:prstDash val="solid"/>
+                      <a:round/>
+                      <a:headEnd type="none" w="med" len="med"/>
+                      <a:tailEnd type="none" w="med" len="med"/>
+                    </a:lnT>
+                    <a:lnB w="12700" cap="flat" cmpd="sng" algn="ctr">
+                      <a:solidFill>
+                        <a:srgbClr val="FFFFFF">
+                          <a:alpha val="100.00%"/>
+                        </a:srgbClr>
+                      </a:solidFill>
+                      <a:prstDash val="solid"/>
+                      <a:round/>
+                      <a:headEnd type="none" w="med" len="med"/>
+                      <a:tailEnd type="none" w="med" len="med"/>
+                    </a:lnB>
+                    <a:lnTlToBr w="12700" cap="flat" cmpd="sng" algn="ctr">
+                      <a:noFill/>
+                      <a:prstDash val="solid"/>
+                      <a:round/>
+                      <a:headEnd type="none" w="med" len="med"/>
+                      <a:tailEnd type="none" w="med" len="med"/>
+                    </a:lnTlToBr>
+                    <a:lnBlToTr w="12700" cap="flat" cmpd="sng" algn="ctr">
+                      <a:noFill/>
+                      <a:prstDash val="solid"/>
+                      <a:round/>
+                      <a:headEnd type="none" w="med" len="med"/>
+                      <a:tailEnd type="none" w="med" len="med"/>
+                    </a:lnBlToTr>
+                    <a:solidFill>
+                      <a:srgbClr val="E8E8E8">
+                        <a:alpha val="100.00%"/>
+                      </a:srgbClr>
+                    </a:solidFill>
+                  </a:tcPr>
+                </a:tc>
+                <a:tc>
+                  <a:txBody>
+                    <a:bodyPr wrap="square" rtlCol="0">
+                      <a:spAutoFit/>
+                    </a:bodyPr>
+                    <a:lstStyle/>
+                    <a:p>
+                      <a:pPr algn="ctr" fontAlgn="ctr" marL="0" marR="0" indent="0" lvl="0">
+                        <a:lnSpc>
+                          <a:spcPct val="100%"/>
+                        </a:lnSpc>
+                      </a:pPr>
+                      <a:r>
+                        <a:rPr lang="en-US" sz="1800" spc="0" u="none">
+                          <a:solidFill>
+                            <a:srgbClr val="000000">
+                              <a:alpha val="100.00%"/>
+                            </a:srgbClr>
+                          </a:solidFill>
+                          <a:latin typeface="Arial (Body)"/>
+                        </a:rPr>
+                        <a:t><![CDATA[No System Association]]></a:t>
+                      </a:r>
+                    </a:p>
+                  </a:txBody>
+                  <a:tcPr anchor="ctr" marL="0" marR="0" marT="0" marB="0">
+                    <a:lnL w="12700" cap="flat" cmpd="sng" algn="ctr">
+                      <a:solidFill>
+                        <a:srgbClr val="FFFFFF">
+                          <a:alpha val="100.00%"/>
+                        </a:srgbClr>
+                      </a:solidFill>
+                      <a:prstDash val="solid"/>
+                      <a:round/>
+                      <a:headEnd type="none" w="med" len="med"/>
+                      <a:tailEnd type="none" w="med" len="med"/>
+                    </a:lnL>
+                    <a:lnR w="12700" cap="flat" cmpd="sng" algn="ctr">
+                      <a:solidFill>
+                        <a:srgbClr val="FFFFFF">
+                          <a:alpha val="100.00%"/>
+                        </a:srgbClr>
+                      </a:solidFill>
+                      <a:prstDash val="solid"/>
+                      <a:round/>
+                      <a:headEnd type="none" w="med" len="med"/>
+                      <a:tailEnd type="none" w="med" len="med"/>
+                    </a:lnR>
+                    <a:lnT w="12700" cap="flat" cmpd="sng" algn="ctr">
+                      <a:solidFill>
+                        <a:srgbClr val="FFFFFF">
+                          <a:alpha val="100.00%"/>
+                        </a:srgbClr>
+                      </a:solidFill>
+                      <a:prstDash val="solid"/>
+                      <a:round/>
+                      <a:headEnd type="none" w="med" len="med"/>
+                      <a:tailEnd type="none" w="med" len="med"/>
+                    </a:lnT>
+                    <a:lnB w="12700" cap="flat" cmpd="sng" algn="ctr">
+                      <a:solidFill>
+                        <a:srgbClr val="FFFFFF">
+                          <a:alpha val="100.00%"/>
+                        </a:srgbClr>
+                      </a:solidFill>
+                      <a:prstDash val="solid"/>
+                      <a:round/>
+                      <a:headEnd type="none" w="med" len="med"/>
+                      <a:tailEnd type="none" w="med" len="med"/>
+                    </a:lnB>
+                    <a:lnTlToBr w="12700" cap="flat" cmpd="sng" algn="ctr">
+                      <a:noFill/>
+                      <a:prstDash val="solid"/>
+                      <a:round/>
+                      <a:headEnd type="none" w="med" len="med"/>
+                      <a:tailEnd type="none" w="med" len="med"/>
+                    </a:lnTlToBr>
+                    <a:lnBlToTr w="12700" cap="flat" cmpd="sng" algn="ctr">
+                      <a:noFill/>
+                      <a:prstDash val="solid"/>
+                      <a:round/>
+                      <a:headEnd type="none" w="med" len="med"/>
+                      <a:tailEnd type="none" w="med" len="med"/>
+                    </a:lnBlToTr>
+                    <a:solidFill>
+                      <a:srgbClr val="E8E8E8">
+                        <a:alpha val="100.00%"/>
+                      </a:srgbClr>
+                    </a:solidFill>
+                  </a:tcPr>
+                </a:tc>
+                <a:tc>
+                  <a:txBody>
+                    <a:bodyPr wrap="square" rtlCol="0">
+                      <a:spAutoFit/>
+                    </a:bodyPr>
+                    <a:lstStyle/>
+                    <a:p>
+                      <a:pPr algn="ctr" fontAlgn="ctr" marL="0" marR="0" indent="0" lvl="0">
+                        <a:lnSpc>
+                          <a:spcPct val="100%"/>
+                        </a:lnSpc>
+                      </a:pPr>
+                      <a:r>
+                        <a:rPr lang="en-US" sz="1800" spc="0" u="none">
+                          <a:solidFill>
+                            <a:srgbClr val="000000">
+                              <a:alpha val="100.00%"/>
+                            </a:srgbClr>
+                          </a:solidFill>
+                          <a:latin typeface="Arial (Body)"/>
+                        </a:rPr>
+                        <a:t><![CDATA[Finding 6]]></a:t>
+                      </a:r>
+                    </a:p>
+                  </a:txBody>
+                  <a:tcPr anchor="ctr" marL="0" marR="0" marT="0" marB="0">
+                    <a:lnL w="12700" cap="flat" cmpd="sng" algn="ctr">
+                      <a:solidFill>
+                        <a:srgbClr val="FFFFFF">
+                          <a:alpha val="100.00%"/>
+                        </a:srgbClr>
+                      </a:solidFill>
+                      <a:prstDash val="solid"/>
+                      <a:round/>
+                      <a:headEnd type="none" w="med" len="med"/>
+                      <a:tailEnd type="none" w="med" len="med"/>
+                    </a:lnL>
+                    <a:lnR w="12700" cap="flat" cmpd="sng" algn="ctr">
+                      <a:solidFill>
+                        <a:srgbClr val="FFFFFF">
+                          <a:alpha val="100.00%"/>
+                        </a:srgbClr>
+                      </a:solidFill>
+                      <a:prstDash val="solid"/>
+                      <a:round/>
+                      <a:headEnd type="none" w="med" len="med"/>
+                      <a:tailEnd type="none" w="med" len="med"/>
+                    </a:lnR>
+                    <a:lnT w="12700" cap="flat" cmpd="sng" algn="ctr">
+                      <a:solidFill>
+                        <a:srgbClr val="FFFFFF">
+                          <a:alpha val="100.00%"/>
+                        </a:srgbClr>
+                      </a:solidFill>
+                      <a:prstDash val="solid"/>
+                      <a:round/>
+                      <a:headEnd type="none" w="med" len="med"/>
+                      <a:tailEnd type="none" w="med" len="med"/>
+                    </a:lnT>
+                    <a:lnB w="12700" cap="flat" cmpd="sng" algn="ctr">
+                      <a:solidFill>
+                        <a:srgbClr val="FFFFFF">
+                          <a:alpha val="100.00%"/>
+                        </a:srgbClr>
+                      </a:solidFill>
+                      <a:prstDash val="solid"/>
+                      <a:round/>
+                      <a:headEnd type="none" w="med" len="med"/>
+                      <a:tailEnd type="none" w="med" len="med"/>
+                    </a:lnB>
+                    <a:lnTlToBr w="12700" cap="flat" cmpd="sng" algn="ctr">
+                      <a:noFill/>
+                      <a:prstDash val="solid"/>
+                      <a:round/>
+                      <a:headEnd type="none" w="med" len="med"/>
+                      <a:tailEnd type="none" w="med" len="med"/>
+                    </a:lnTlToBr>
+                    <a:lnBlToTr w="12700" cap="flat" cmpd="sng" algn="ctr">
+                      <a:noFill/>
+                      <a:prstDash val="solid"/>
+                      <a:round/>
+                      <a:headEnd type="none" w="med" len="med"/>
+                      <a:tailEnd type="none" w="med" len="med"/>
+                    </a:lnBlToTr>
+                    <a:solidFill>
+                      <a:srgbClr val="E8E8E8">
+                        <a:alpha val="100.00%"/>
+                      </a:srgbClr>
+                    </a:solidFill>
+                  </a:tcPr>
+                </a:tc>
+                <a:tc>
+                  <a:txBody>
+                    <a:bodyPr wrap="square" rtlCol="0">
+                      <a:spAutoFit/>
+                    </a:bodyPr>
+                    <a:lstStyle/>
+                    <a:p>
+                      <a:pPr algn="ctr" fontAlgn="ctr" marL="0" marR="0" indent="0" lvl="0">
+                        <a:lnSpc>
+                          <a:spcPct val="100%"/>
+                        </a:lnSpc>
+                      </a:pPr>
+                      <a:r>
+                        <a:rPr lang="en-US" b="1" sz="1100" spc="0" u="none">
+                          <a:solidFill>
+                            <a:srgbClr val="000000">
+                              <a:alpha val="100.00%"/>
+                            </a:srgbClr>
+                          </a:solidFill>
+                          <a:latin typeface="Times New Roman"/>
+                        </a:rPr>
+                        <a:t><![CDATA[Moderate]]></a:t>
+                      </a:r>
+                    </a:p>
+                  </a:txBody>
+                  <a:tcPr anchor="ctr" marL="0" marR="0" marT="0" marB="0">
+                    <a:lnL w="12700" cap="flat" cmpd="sng" algn="ctr">
+                      <a:solidFill>
+                        <a:srgbClr val="FFFFFF">
+                          <a:alpha val="100.00%"/>
+                        </a:srgbClr>
+                      </a:solidFill>
+                      <a:prstDash val="solid"/>
+                      <a:round/>
+                      <a:headEnd type="none" w="med" len="med"/>
+                      <a:tailEnd type="none" w="med" len="med"/>
+                    </a:lnL>
+                    <a:lnR w="12700" cap="flat" cmpd="sng" algn="ctr">
+                      <a:solidFill>
+                        <a:srgbClr val="FFFFFF">
+                          <a:alpha val="100.00%"/>
+                        </a:srgbClr>
+                      </a:solidFill>
+                      <a:prstDash val="solid"/>
+                      <a:round/>
+                      <a:headEnd type="none" w="med" len="med"/>
+                      <a:tailEnd type="none" w="med" len="med"/>
+                    </a:lnR>
+                    <a:lnT w="12700" cap="flat" cmpd="sng" algn="ctr">
+                      <a:solidFill>
+                        <a:srgbClr val="FFFFFF">
+                          <a:alpha val="100.00%"/>
+                        </a:srgbClr>
+                      </a:solidFill>
+                      <a:prstDash val="solid"/>
+                      <a:round/>
+                      <a:headEnd type="none" w="med" len="med"/>
+                      <a:tailEnd type="none" w="med" len="med"/>
+                    </a:lnT>
+                    <a:lnB w="12700" cap="flat" cmpd="sng" algn="ctr">
+                      <a:solidFill>
+                        <a:srgbClr val="FFFFFF">
+                          <a:alpha val="100.00%"/>
+                        </a:srgbClr>
+                      </a:solidFill>
+                      <a:prstDash val="solid"/>
+                      <a:round/>
+                      <a:headEnd type="none" w="med" len="med"/>
+                      <a:tailEnd type="none" w="med" len="med"/>
+                    </a:lnB>
+                    <a:lnTlToBr w="12700" cap="flat" cmpd="sng" algn="ctr">
+                      <a:noFill/>
+                      <a:prstDash val="solid"/>
+                      <a:round/>
+                      <a:headEnd type="none" w="med" len="med"/>
+                      <a:tailEnd type="none" w="med" len="med"/>
+                    </a:lnTlToBr>
+                    <a:lnBlToTr w="12700" cap="flat" cmpd="sng" algn="ctr">
+                      <a:noFill/>
+                      <a:prstDash val="solid"/>
+                      <a:round/>
+                      <a:headEnd type="none" w="med" len="med"/>
+                      <a:tailEnd type="none" w="med" len="med"/>
+                    </a:lnBlToTr>
+                    <a:solidFill>
+                      <a:srgbClr val="E8E8E8">
+                        <a:alpha val="100.00%"/>
+                      </a:srgbClr>
+                    </a:solidFill>
+                  </a:tcPr>
+                </a:tc>
+                <a:tc>
+                  <a:txBody>
+                    <a:bodyPr wrap="square" rtlCol="0">
+                      <a:spAutoFit/>
+                    </a:bodyPr>
+                    <a:lstStyle/>
+                    <a:p>
+                      <a:pPr algn="ctr" fontAlgn="ctr" marL="0" marR="0" indent="0" lvl="0">
+                        <a:lnSpc>
+                          <a:spcPct val="100%"/>
+                        </a:lnSpc>
+                      </a:pPr>
+                      <a:r>
+                        <a:rPr lang="en-US" b="1" sz="1100" spc="0" u="none">
+                          <a:solidFill>
+                            <a:srgbClr val="000000">
+                              <a:alpha val="100.00%"/>
+                            </a:srgbClr>
+                          </a:solidFill>
+                          <a:latin typeface="Times New Roman"/>
+                        </a:rPr>
+                        <a:t><![CDATA[Low]]></a:t>
+                      </a:r>
+                    </a:p>
+                  </a:txBody>
+                  <a:tcPr anchor="ctr" marL="0" marR="0" marT="0" marB="0">
+                    <a:lnL w="12700" cap="flat" cmpd="sng" algn="ctr">
+                      <a:solidFill>
+                        <a:srgbClr val="FFFFFF">
+                          <a:alpha val="100.00%"/>
+                        </a:srgbClr>
+                      </a:solidFill>
+                      <a:prstDash val="solid"/>
+                      <a:round/>
+                      <a:headEnd type="none" w="med" len="med"/>
+                      <a:tailEnd type="none" w="med" len="med"/>
+                    </a:lnL>
+                    <a:lnR w="12700" cap="flat" cmpd="sng" algn="ctr">
+                      <a:solidFill>
+                        <a:srgbClr val="FFFFFF">
+                          <a:alpha val="100.00%"/>
+                        </a:srgbClr>
+                      </a:solidFill>
+                      <a:prstDash val="solid"/>
+                      <a:round/>
+                      <a:headEnd type="none" w="med" len="med"/>
+                      <a:tailEnd type="none" w="med" len="med"/>
+                    </a:lnR>
+                    <a:lnT w="12700" cap="flat" cmpd="sng" algn="ctr">
+                      <a:solidFill>
+                        <a:srgbClr val="FFFFFF">
+                          <a:alpha val="100.00%"/>
+                        </a:srgbClr>
+                      </a:solidFill>
+                      <a:prstDash val="solid"/>
+                      <a:round/>
+                      <a:headEnd type="none" w="med" len="med"/>
+                      <a:tailEnd type="none" w="med" len="med"/>
+                    </a:lnT>
+                    <a:lnB w="12700" cap="flat" cmpd="sng" algn="ctr">
+                      <a:solidFill>
+                        <a:srgbClr val="FFFFFF">
+                          <a:alpha val="100.00%"/>
+                        </a:srgbClr>
+                      </a:solidFill>
+                      <a:prstDash val="solid"/>
+                      <a:round/>
+                      <a:headEnd type="none" w="med" len="med"/>
+                      <a:tailEnd type="none" w="med" len="med"/>
+                    </a:lnB>
+                    <a:lnTlToBr w="12700" cap="flat" cmpd="sng" algn="ctr">
+                      <a:noFill/>
+                      <a:prstDash val="solid"/>
+                      <a:round/>
+                      <a:headEnd type="none" w="med" len="med"/>
+                      <a:tailEnd type="none" w="med" len="med"/>
+                    </a:lnTlToBr>
+                    <a:lnBlToTr w="12700" cap="flat" cmpd="sng" algn="ctr">
+                      <a:noFill/>
+                      <a:prstDash val="solid"/>
+                      <a:round/>
+                      <a:headEnd type="none" w="med" len="med"/>
+                      <a:tailEnd type="none" w="med" len="med"/>
+                    </a:lnBlToTr>
+                    <a:solidFill>
+                      <a:srgbClr val="E8E8E8">
+                        <a:alpha val="100.00%"/>
+                      </a:srgbClr>
+                    </a:solidFill>
+                  </a:tcPr>
+                </a:tc>
+              </a:tr>
+              <a:tr h="361950">
+                <a:tc>
+                  <a:txBody>
+                    <a:bodyPr wrap="square" rtlCol="0">
+                      <a:spAutoFit/>
+                    </a:bodyPr>
+                    <a:lstStyle/>
+                    <a:p>
+                      <a:pPr algn="ctr" fontAlgn="ctr" marL="0" marR="0" indent="0" lvl="0">
+                        <a:lnSpc>
+                          <a:spcPct val="100%"/>
+                        </a:lnSpc>
+                      </a:pPr>
+                      <a:r>
+                        <a:rPr lang="en-US" sz="1800" spc="0" u="none">
+                          <a:solidFill>
+                            <a:srgbClr val="000000">
+                              <a:alpha val="100.00%"/>
+                            </a:srgbClr>
+                          </a:solidFill>
+                          <a:latin typeface="Arial (Body)"/>
+                        </a:rPr>
+                        <a:t><![CDATA[7]]></a:t>
+                      </a:r>
+                    </a:p>
+                  </a:txBody>
+                  <a:tcPr anchor="ctr" marL="0" marR="0" marT="0" marB="0">
+                    <a:lnL w="12700" cap="flat" cmpd="sng" algn="ctr">
+                      <a:solidFill>
+                        <a:srgbClr val="FFFFFF">
+                          <a:alpha val="100.00%"/>
+                        </a:srgbClr>
+                      </a:solidFill>
+                      <a:prstDash val="solid"/>
+                      <a:round/>
+                      <a:headEnd type="none" w="med" len="med"/>
+                      <a:tailEnd type="none" w="med" len="med"/>
+                    </a:lnL>
+                    <a:lnR w="12700" cap="flat" cmpd="sng" algn="ctr">
+                      <a:solidFill>
+                        <a:srgbClr val="FFFFFF">
+                          <a:alpha val="100.00%"/>
+                        </a:srgbClr>
+                      </a:solidFill>
+                      <a:prstDash val="solid"/>
+                      <a:round/>
+                      <a:headEnd type="none" w="med" len="med"/>
+                      <a:tailEnd type="none" w="med" len="med"/>
+                    </a:lnR>
+                    <a:lnT w="12700" cap="flat" cmpd="sng" algn="ctr">
+                      <a:solidFill>
+                        <a:srgbClr val="FFFFFF">
+                          <a:alpha val="100.00%"/>
+                        </a:srgbClr>
+                      </a:solidFill>
+                      <a:prstDash val="solid"/>
+                      <a:round/>
+                      <a:headEnd type="none" w="med" len="med"/>
+                      <a:tailEnd type="none" w="med" len="med"/>
+                    </a:lnT>
+                    <a:lnB w="12700" cap="flat" cmpd="sng" algn="ctr">
+                      <a:solidFill>
+                        <a:srgbClr val="FFFFFF">
+                          <a:alpha val="100.00%"/>
+                        </a:srgbClr>
+                      </a:solidFill>
+                      <a:prstDash val="solid"/>
+                      <a:round/>
+                      <a:headEnd type="none" w="med" len="med"/>
+                      <a:tailEnd type="none" w="med" len="med"/>
+                    </a:lnB>
+                    <a:lnTlToBr w="12700" cap="flat" cmpd="sng" algn="ctr">
+                      <a:noFill/>
+                      <a:prstDash val="solid"/>
+                      <a:round/>
+                      <a:headEnd type="none" w="med" len="med"/>
+                      <a:tailEnd type="none" w="med" len="med"/>
+                    </a:lnTlToBr>
+                    <a:lnBlToTr w="12700" cap="flat" cmpd="sng" algn="ctr">
+                      <a:noFill/>
+                      <a:prstDash val="solid"/>
+                      <a:round/>
+                      <a:headEnd type="none" w="med" len="med"/>
+                      <a:tailEnd type="none" w="med" len="med"/>
+                    </a:lnBlToTr>
+                    <a:solidFill>
+                      <a:srgbClr val="CDCECD">
+                        <a:alpha val="100.00%"/>
+                      </a:srgbClr>
+                    </a:solidFill>
+                  </a:tcPr>
+                </a:tc>
+                <a:tc>
+                  <a:txBody>
+                    <a:bodyPr wrap="square" rtlCol="0">
+                      <a:spAutoFit/>
+                    </a:bodyPr>
+                    <a:lstStyle/>
+                    <a:p>
+                      <a:pPr algn="ctr" fontAlgn="ctr" marL="0" marR="0" indent="0" lvl="0">
+                        <a:lnSpc>
+                          <a:spcPct val="100%"/>
+                        </a:lnSpc>
+                      </a:pPr>
+                      <a:r>
+                        <a:rPr lang="en-US" sz="1800" spc="0" u="none">
+                          <a:solidFill>
+                            <a:srgbClr val="000000">
+                              <a:alpha val="100.00%"/>
+                            </a:srgbClr>
+                          </a:solidFill>
+                          <a:latin typeface="Arial (Body)"/>
+                        </a:rPr>
+                        <a:t><![CDATA[No System Association]]></a:t>
+                      </a:r>
+                    </a:p>
+                  </a:txBody>
+                  <a:tcPr anchor="ctr" marL="0" marR="0" marT="0" marB="0">
+                    <a:lnL w="12700" cap="flat" cmpd="sng" algn="ctr">
+                      <a:solidFill>
+                        <a:srgbClr val="FFFFFF">
+                          <a:alpha val="100.00%"/>
+                        </a:srgbClr>
+                      </a:solidFill>
+                      <a:prstDash val="solid"/>
+                      <a:round/>
+                      <a:headEnd type="none" w="med" len="med"/>
+                      <a:tailEnd type="none" w="med" len="med"/>
+                    </a:lnL>
+                    <a:lnR w="12700" cap="flat" cmpd="sng" algn="ctr">
+                      <a:solidFill>
+                        <a:srgbClr val="FFFFFF">
+                          <a:alpha val="100.00%"/>
+                        </a:srgbClr>
+                      </a:solidFill>
+                      <a:prstDash val="solid"/>
+                      <a:round/>
+                      <a:headEnd type="none" w="med" len="med"/>
+                      <a:tailEnd type="none" w="med" len="med"/>
+                    </a:lnR>
+                    <a:lnT w="12700" cap="flat" cmpd="sng" algn="ctr">
+                      <a:solidFill>
+                        <a:srgbClr val="FFFFFF">
+                          <a:alpha val="100.00%"/>
+                        </a:srgbClr>
+                      </a:solidFill>
+                      <a:prstDash val="solid"/>
+                      <a:round/>
+                      <a:headEnd type="none" w="med" len="med"/>
+                      <a:tailEnd type="none" w="med" len="med"/>
+                    </a:lnT>
+                    <a:lnB w="12700" cap="flat" cmpd="sng" algn="ctr">
+                      <a:solidFill>
+                        <a:srgbClr val="FFFFFF">
+                          <a:alpha val="100.00%"/>
+                        </a:srgbClr>
+                      </a:solidFill>
+                      <a:prstDash val="solid"/>
+                      <a:round/>
+                      <a:headEnd type="none" w="med" len="med"/>
+                      <a:tailEnd type="none" w="med" len="med"/>
+                    </a:lnB>
+                    <a:lnTlToBr w="12700" cap="flat" cmpd="sng" algn="ctr">
+                      <a:noFill/>
+                      <a:prstDash val="solid"/>
+                      <a:round/>
+                      <a:headEnd type="none" w="med" len="med"/>
+                      <a:tailEnd type="none" w="med" len="med"/>
+                    </a:lnTlToBr>
+                    <a:lnBlToTr w="12700" cap="flat" cmpd="sng" algn="ctr">
+                      <a:noFill/>
+                      <a:prstDash val="solid"/>
+                      <a:round/>
+                      <a:headEnd type="none" w="med" len="med"/>
+                      <a:tailEnd type="none" w="med" len="med"/>
+                    </a:lnBlToTr>
+                    <a:solidFill>
+                      <a:srgbClr val="CDCECD">
+                        <a:alpha val="100.00%"/>
+                      </a:srgbClr>
+                    </a:solidFill>
+                  </a:tcPr>
+                </a:tc>
+                <a:tc>
+                  <a:txBody>
+                    <a:bodyPr wrap="square" rtlCol="0">
+                      <a:spAutoFit/>
+                    </a:bodyPr>
+                    <a:lstStyle/>
+                    <a:p>
+                      <a:pPr algn="ctr" fontAlgn="ctr" marL="0" marR="0" indent="0" lvl="0">
+                        <a:lnSpc>
+                          <a:spcPct val="100%"/>
+                        </a:lnSpc>
+                      </a:pPr>
+                      <a:r>
+                        <a:rPr lang="en-US" sz="1800" spc="0" u="none">
+                          <a:solidFill>
+                            <a:srgbClr val="000000">
+                              <a:alpha val="100.00%"/>
+                            </a:srgbClr>
+                          </a:solidFill>
+                          <a:latin typeface="Arial (Body)"/>
+                        </a:rPr>
+                        <a:t><![CDATA[Finding 7]]></a:t>
+                      </a:r>
+                    </a:p>
+                  </a:txBody>
+                  <a:tcPr anchor="ctr" marL="0" marR="0" marT="0" marB="0">
+                    <a:lnL w="12700" cap="flat" cmpd="sng" algn="ctr">
+                      <a:solidFill>
+                        <a:srgbClr val="FFFFFF">
+                          <a:alpha val="100.00%"/>
+                        </a:srgbClr>
+                      </a:solidFill>
+                      <a:prstDash val="solid"/>
+                      <a:round/>
+                      <a:headEnd type="none" w="med" len="med"/>
+                      <a:tailEnd type="none" w="med" len="med"/>
+                    </a:lnL>
+                    <a:lnR w="12700" cap="flat" cmpd="sng" algn="ctr">
+                      <a:solidFill>
+                        <a:srgbClr val="FFFFFF">
+                          <a:alpha val="100.00%"/>
+                        </a:srgbClr>
+                      </a:solidFill>
+                      <a:prstDash val="solid"/>
+                      <a:round/>
+                      <a:headEnd type="none" w="med" len="med"/>
+                      <a:tailEnd type="none" w="med" len="med"/>
+                    </a:lnR>
+                    <a:lnT w="12700" cap="flat" cmpd="sng" algn="ctr">
+                      <a:solidFill>
+                        <a:srgbClr val="FFFFFF">
+                          <a:alpha val="100.00%"/>
+                        </a:srgbClr>
+                      </a:solidFill>
+                      <a:prstDash val="solid"/>
+                      <a:round/>
+                      <a:headEnd type="none" w="med" len="med"/>
+                      <a:tailEnd type="none" w="med" len="med"/>
+                    </a:lnT>
+                    <a:lnB w="12700" cap="flat" cmpd="sng" algn="ctr">
+                      <a:solidFill>
+                        <a:srgbClr val="FFFFFF">
+                          <a:alpha val="100.00%"/>
+                        </a:srgbClr>
+                      </a:solidFill>
+                      <a:prstDash val="solid"/>
+                      <a:round/>
+                      <a:headEnd type="none" w="med" len="med"/>
+                      <a:tailEnd type="none" w="med" len="med"/>
+                    </a:lnB>
+                    <a:lnTlToBr w="12700" cap="flat" cmpd="sng" algn="ctr">
+                      <a:noFill/>
+                      <a:prstDash val="solid"/>
+                      <a:round/>
+                      <a:headEnd type="none" w="med" len="med"/>
+                      <a:tailEnd type="none" w="med" len="med"/>
+                    </a:lnTlToBr>
+                    <a:lnBlToTr w="12700" cap="flat" cmpd="sng" algn="ctr">
+                      <a:noFill/>
+                      <a:prstDash val="solid"/>
+                      <a:round/>
+                      <a:headEnd type="none" w="med" len="med"/>
+                      <a:tailEnd type="none" w="med" len="med"/>
+                    </a:lnBlToTr>
+                    <a:solidFill>
+                      <a:srgbClr val="CDCECD">
+                        <a:alpha val="100.00%"/>
+                      </a:srgbClr>
+                    </a:solidFill>
+                  </a:tcPr>
+                </a:tc>
+                <a:tc>
+                  <a:txBody>
+                    <a:bodyPr wrap="square" rtlCol="0">
+                      <a:spAutoFit/>
+                    </a:bodyPr>
+                    <a:lstStyle/>
+                    <a:p>
+                      <a:pPr algn="ctr" fontAlgn="ctr" marL="0" marR="0" indent="0" lvl="0">
+                        <a:lnSpc>
+                          <a:spcPct val="100%"/>
+                        </a:lnSpc>
+                      </a:pPr>
+                      <a:r>
+                        <a:rPr lang="en-US" b="1" sz="1100" spc="0" u="none">
+                          <a:solidFill>
+                            <a:srgbClr val="000000">
+                              <a:alpha val="100.00%"/>
+                            </a:srgbClr>
+                          </a:solidFill>
+                          <a:latin typeface="Times New Roman"/>
+                        </a:rPr>
+                        <a:t><![CDATA[Moderate]]></a:t>
+                      </a:r>
+                    </a:p>
+                  </a:txBody>
+                  <a:tcPr anchor="ctr" marL="0" marR="0" marT="0" marB="0">
+                    <a:lnL w="12700" cap="flat" cmpd="sng" algn="ctr">
+                      <a:solidFill>
+                        <a:srgbClr val="FFFFFF">
+                          <a:alpha val="100.00%"/>
+                        </a:srgbClr>
+                      </a:solidFill>
+                      <a:prstDash val="solid"/>
+                      <a:round/>
+                      <a:headEnd type="none" w="med" len="med"/>
+                      <a:tailEnd type="none" w="med" len="med"/>
+                    </a:lnL>
+                    <a:lnR w="12700" cap="flat" cmpd="sng" algn="ctr">
+                      <a:solidFill>
+                        <a:srgbClr val="FFFFFF">
+                          <a:alpha val="100.00%"/>
+                        </a:srgbClr>
+                      </a:solidFill>
+                      <a:prstDash val="solid"/>
+                      <a:round/>
+                      <a:headEnd type="none" w="med" len="med"/>
+                      <a:tailEnd type="none" w="med" len="med"/>
+                    </a:lnR>
+                    <a:lnT w="12700" cap="flat" cmpd="sng" algn="ctr">
+                      <a:solidFill>
+                        <a:srgbClr val="FFFFFF">
+                          <a:alpha val="100.00%"/>
+                        </a:srgbClr>
+                      </a:solidFill>
+                      <a:prstDash val="solid"/>
+                      <a:round/>
+                      <a:headEnd type="none" w="med" len="med"/>
+                      <a:tailEnd type="none" w="med" len="med"/>
+                    </a:lnT>
+                    <a:lnB w="12700" cap="flat" cmpd="sng" algn="ctr">
+                      <a:solidFill>
+                        <a:srgbClr val="FFFFFF">
+                          <a:alpha val="100.00%"/>
+                        </a:srgbClr>
+                      </a:solidFill>
+                      <a:prstDash val="solid"/>
+                      <a:round/>
+                      <a:headEnd type="none" w="med" len="med"/>
+                      <a:tailEnd type="none" w="med" len="med"/>
+                    </a:lnB>
+                    <a:lnTlToBr w="12700" cap="flat" cmpd="sng" algn="ctr">
+                      <a:noFill/>
+                      <a:prstDash val="solid"/>
+                      <a:round/>
+                      <a:headEnd type="none" w="med" len="med"/>
+                      <a:tailEnd type="none" w="med" len="med"/>
+                    </a:lnTlToBr>
+                    <a:lnBlToTr w="12700" cap="flat" cmpd="sng" algn="ctr">
+                      <a:noFill/>
+                      <a:prstDash val="solid"/>
+                      <a:round/>
+                      <a:headEnd type="none" w="med" len="med"/>
+                      <a:tailEnd type="none" w="med" len="med"/>
+                    </a:lnBlToTr>
+                    <a:solidFill>
+                      <a:srgbClr val="CDCECD">
+                        <a:alpha val="100.00%"/>
+                      </a:srgbClr>
+                    </a:solidFill>
+                  </a:tcPr>
+                </a:tc>
+                <a:tc>
+                  <a:txBody>
+                    <a:bodyPr wrap="square" rtlCol="0">
+                      <a:spAutoFit/>
+                    </a:bodyPr>
+                    <a:lstStyle/>
+                    <a:p>
+                      <a:pPr algn="ctr" fontAlgn="ctr" marL="0" marR="0" indent="0" lvl="0">
+                        <a:lnSpc>
+                          <a:spcPct val="100%"/>
+                        </a:lnSpc>
+                      </a:pPr>
+                      <a:r>
+                        <a:rPr lang="en-US" b="1" sz="1100" spc="0" u="none">
+                          <a:solidFill>
+                            <a:srgbClr val="000000">
+                              <a:alpha val="100.00%"/>
+                            </a:srgbClr>
+                          </a:solidFill>
+                          <a:latin typeface="Times New Roman"/>
+                        </a:rPr>
+                        <a:t><![CDATA[Low]]></a:t>
+                      </a:r>
+                    </a:p>
+                  </a:txBody>
+                  <a:tcPr anchor="ctr" marL="0" marR="0" marT="0" marB="0">
+                    <a:lnL w="12700" cap="flat" cmpd="sng" algn="ctr">
+                      <a:solidFill>
+                        <a:srgbClr val="FFFFFF">
+                          <a:alpha val="100.00%"/>
+                        </a:srgbClr>
+                      </a:solidFill>
+                      <a:prstDash val="solid"/>
+                      <a:round/>
+                      <a:headEnd type="none" w="med" len="med"/>
+                      <a:tailEnd type="none" w="med" len="med"/>
+                    </a:lnL>
+                    <a:lnR w="12700" cap="flat" cmpd="sng" algn="ctr">
+                      <a:solidFill>
+                        <a:srgbClr val="FFFFFF">
+                          <a:alpha val="100.00%"/>
+                        </a:srgbClr>
+                      </a:solidFill>
+                      <a:prstDash val="solid"/>
+                      <a:round/>
+                      <a:headEnd type="none" w="med" len="med"/>
+                      <a:tailEnd type="none" w="med" len="med"/>
+                    </a:lnR>
+                    <a:lnT w="12700" cap="flat" cmpd="sng" algn="ctr">
+                      <a:solidFill>
+                        <a:srgbClr val="FFFFFF">
+                          <a:alpha val="100.00%"/>
+                        </a:srgbClr>
+                      </a:solidFill>
+                      <a:prstDash val="solid"/>
+                      <a:round/>
+                      <a:headEnd type="none" w="med" len="med"/>
+                      <a:tailEnd type="none" w="med" len="med"/>
+                    </a:lnT>
+                    <a:lnB w="12700" cap="flat" cmpd="sng" algn="ctr">
+                      <a:solidFill>
+                        <a:srgbClr val="FFFFFF">
+                          <a:alpha val="100.00%"/>
+                        </a:srgbClr>
+                      </a:solidFill>
+                      <a:prstDash val="solid"/>
+                      <a:round/>
+                      <a:headEnd type="none" w="med" len="med"/>
+                      <a:tailEnd type="none" w="med" len="med"/>
+                    </a:lnB>
+                    <a:lnTlToBr w="12700" cap="flat" cmpd="sng" algn="ctr">
+                      <a:noFill/>
+                      <a:prstDash val="solid"/>
+                      <a:round/>
+                      <a:headEnd type="none" w="med" len="med"/>
+                      <a:tailEnd type="none" w="med" len="med"/>
+                    </a:lnTlToBr>
+                    <a:lnBlToTr w="12700" cap="flat" cmpd="sng" algn="ctr">
+                      <a:noFill/>
+                      <a:prstDash val="solid"/>
+                      <a:round/>
+                      <a:headEnd type="none" w="med" len="med"/>
+                      <a:tailEnd type="none" w="med" len="med"/>
+                    </a:lnBlToTr>
+                    <a:solidFill>
+                      <a:srgbClr val="CDCECD">
+                        <a:alpha val="100.00%"/>
+                      </a:srgbClr>
+                    </a:solidFill>
+                  </a:tcPr>
+                </a:tc>
+              </a:tr>
+              <a:tr h="361950">
+                <a:tc>
+                  <a:txBody>
+                    <a:bodyPr wrap="square" rtlCol="0">
+                      <a:spAutoFit/>
+                    </a:bodyPr>
+                    <a:lstStyle/>
+                    <a:p>
+                      <a:pPr algn="ctr" fontAlgn="ctr" marL="0" marR="0" indent="0" lvl="0">
+                        <a:lnSpc>
+                          <a:spcPct val="100%"/>
+                        </a:lnSpc>
+                      </a:pPr>
+                      <a:r>
+                        <a:rPr lang="en-US" sz="1800" spc="0" u="none">
+                          <a:solidFill>
+                            <a:srgbClr val="000000">
+                              <a:alpha val="100.00%"/>
+                            </a:srgbClr>
+                          </a:solidFill>
+                          <a:latin typeface="Arial (Body)"/>
+                        </a:rPr>
+                        <a:t><![CDATA[8]]></a:t>
+                      </a:r>
+                    </a:p>
+                  </a:txBody>
+                  <a:tcPr anchor="ctr" marL="0" marR="0" marT="0" marB="0">
+                    <a:lnL w="12700" cap="flat" cmpd="sng" algn="ctr">
+                      <a:solidFill>
+                        <a:srgbClr val="FFFFFF">
+                          <a:alpha val="100.00%"/>
+                        </a:srgbClr>
+                      </a:solidFill>
+                      <a:prstDash val="solid"/>
+                      <a:round/>
+                      <a:headEnd type="none" w="med" len="med"/>
+                      <a:tailEnd type="none" w="med" len="med"/>
+                    </a:lnL>
+                    <a:lnR w="12700" cap="flat" cmpd="sng" algn="ctr">
+                      <a:solidFill>
+                        <a:srgbClr val="FFFFFF">
+                          <a:alpha val="100.00%"/>
+                        </a:srgbClr>
+                      </a:solidFill>
+                      <a:prstDash val="solid"/>
+                      <a:round/>
+                      <a:headEnd type="none" w="med" len="med"/>
+                      <a:tailEnd type="none" w="med" len="med"/>
+                    </a:lnR>
+                    <a:lnT w="12700" cap="flat" cmpd="sng" algn="ctr">
+                      <a:solidFill>
+                        <a:srgbClr val="FFFFFF">
+                          <a:alpha val="100.00%"/>
+                        </a:srgbClr>
+                      </a:solidFill>
+                      <a:prstDash val="solid"/>
+                      <a:round/>
+                      <a:headEnd type="none" w="med" len="med"/>
+                      <a:tailEnd type="none" w="med" len="med"/>
+                    </a:lnT>
+                    <a:lnB w="12700" cap="flat" cmpd="sng" algn="ctr">
+                      <a:solidFill>
+                        <a:srgbClr val="FFFFFF">
+                          <a:alpha val="100.00%"/>
+                        </a:srgbClr>
+                      </a:solidFill>
+                      <a:prstDash val="solid"/>
+                      <a:round/>
+                      <a:headEnd type="none" w="med" len="med"/>
+                      <a:tailEnd type="none" w="med" len="med"/>
+                    </a:lnB>
+                    <a:lnTlToBr w="12700" cap="flat" cmpd="sng" algn="ctr">
+                      <a:noFill/>
+                      <a:prstDash val="solid"/>
+                      <a:round/>
+                      <a:headEnd type="none" w="med" len="med"/>
+                      <a:tailEnd type="none" w="med" len="med"/>
+                    </a:lnTlToBr>
+                    <a:lnBlToTr w="12700" cap="flat" cmpd="sng" algn="ctr">
+                      <a:noFill/>
+                      <a:prstDash val="solid"/>
+                      <a:round/>
+                      <a:headEnd type="none" w="med" len="med"/>
+                      <a:tailEnd type="none" w="med" len="med"/>
+                    </a:lnBlToTr>
+                    <a:solidFill>
+                      <a:srgbClr val="E8E8E8">
+                        <a:alpha val="100.00%"/>
+                      </a:srgbClr>
+                    </a:solidFill>
+                  </a:tcPr>
+                </a:tc>
+                <a:tc>
+                  <a:txBody>
+                    <a:bodyPr wrap="square" rtlCol="0">
+                      <a:spAutoFit/>
+                    </a:bodyPr>
+                    <a:lstStyle/>
+                    <a:p>
+                      <a:pPr algn="ctr" fontAlgn="ctr" marL="0" marR="0" indent="0" lvl="0">
+                        <a:lnSpc>
+                          <a:spcPct val="100%"/>
+                        </a:lnSpc>
+                      </a:pPr>
+                      <a:r>
+                        <a:rPr lang="en-US" sz="1800" spc="0" u="none">
+                          <a:solidFill>
+                            <a:srgbClr val="000000">
+                              <a:alpha val="100.00%"/>
+                            </a:srgbClr>
+                          </a:solidFill>
+                          <a:latin typeface="Arial (Body)"/>
+                        </a:rPr>
+                        <a:t><![CDATA[No System Association]]></a:t>
+                      </a:r>
+                    </a:p>
+                  </a:txBody>
+                  <a:tcPr anchor="ctr" marL="0" marR="0" marT="0" marB="0">
+                    <a:lnL w="12700" cap="flat" cmpd="sng" algn="ctr">
+                      <a:solidFill>
+                        <a:srgbClr val="FFFFFF">
+                          <a:alpha val="100.00%"/>
+                        </a:srgbClr>
+                      </a:solidFill>
+                      <a:prstDash val="solid"/>
+                      <a:round/>
+                      <a:headEnd type="none" w="med" len="med"/>
+                      <a:tailEnd type="none" w="med" len="med"/>
+                    </a:lnL>
+                    <a:lnR w="12700" cap="flat" cmpd="sng" algn="ctr">
+                      <a:solidFill>
+                        <a:srgbClr val="FFFFFF">
+                          <a:alpha val="100.00%"/>
+                        </a:srgbClr>
+                      </a:solidFill>
+                      <a:prstDash val="solid"/>
+                      <a:round/>
+                      <a:headEnd type="none" w="med" len="med"/>
+                      <a:tailEnd type="none" w="med" len="med"/>
+                    </a:lnR>
+                    <a:lnT w="12700" cap="flat" cmpd="sng" algn="ctr">
+                      <a:solidFill>
+                        <a:srgbClr val="FFFFFF">
+                          <a:alpha val="100.00%"/>
+                        </a:srgbClr>
+                      </a:solidFill>
+                      <a:prstDash val="solid"/>
+                      <a:round/>
+                      <a:headEnd type="none" w="med" len="med"/>
+                      <a:tailEnd type="none" w="med" len="med"/>
+                    </a:lnT>
+                    <a:lnB w="12700" cap="flat" cmpd="sng" algn="ctr">
+                      <a:solidFill>
+                        <a:srgbClr val="FFFFFF">
+                          <a:alpha val="100.00%"/>
+                        </a:srgbClr>
+                      </a:solidFill>
+                      <a:prstDash val="solid"/>
+                      <a:round/>
+                      <a:headEnd type="none" w="med" len="med"/>
+                      <a:tailEnd type="none" w="med" len="med"/>
+                    </a:lnB>
+                    <a:lnTlToBr w="12700" cap="flat" cmpd="sng" algn="ctr">
+                      <a:noFill/>
+                      <a:prstDash val="solid"/>
+                      <a:round/>
+                      <a:headEnd type="none" w="med" len="med"/>
+                      <a:tailEnd type="none" w="med" len="med"/>
+                    </a:lnTlToBr>
+                    <a:lnBlToTr w="12700" cap="flat" cmpd="sng" algn="ctr">
+                      <a:noFill/>
+                      <a:prstDash val="solid"/>
+                      <a:round/>
+                      <a:headEnd type="none" w="med" len="med"/>
+                      <a:tailEnd type="none" w="med" len="med"/>
+                    </a:lnBlToTr>
+                    <a:solidFill>
+                      <a:srgbClr val="E8E8E8">
+                        <a:alpha val="100.00%"/>
+                      </a:srgbClr>
+                    </a:solidFill>
+                  </a:tcPr>
+                </a:tc>
+                <a:tc>
+                  <a:txBody>
+                    <a:bodyPr wrap="square" rtlCol="0">
+                      <a:spAutoFit/>
+                    </a:bodyPr>
+                    <a:lstStyle/>
+                    <a:p>
+                      <a:pPr algn="ctr" fontAlgn="ctr" marL="0" marR="0" indent="0" lvl="0">
+                        <a:lnSpc>
+                          <a:spcPct val="100%"/>
+                        </a:lnSpc>
+                      </a:pPr>
+                      <a:r>
+                        <a:rPr lang="en-US" sz="1800" spc="0" u="none">
+                          <a:solidFill>
+                            <a:srgbClr val="000000">
+                              <a:alpha val="100.00%"/>
+                            </a:srgbClr>
+                          </a:solidFill>
+                          <a:latin typeface="Arial (Body)"/>
+                        </a:rPr>
+                        <a:t><![CDATA[Finding 8]]></a:t>
+                      </a:r>
+                    </a:p>
+                  </a:txBody>
+                  <a:tcPr anchor="ctr" marL="0" marR="0" marT="0" marB="0">
+                    <a:lnL w="12700" cap="flat" cmpd="sng" algn="ctr">
+                      <a:solidFill>
+                        <a:srgbClr val="FFFFFF">
+                          <a:alpha val="100.00%"/>
+                        </a:srgbClr>
+                      </a:solidFill>
+                      <a:prstDash val="solid"/>
+                      <a:round/>
+                      <a:headEnd type="none" w="med" len="med"/>
+                      <a:tailEnd type="none" w="med" len="med"/>
+                    </a:lnL>
+                    <a:lnR w="12700" cap="flat" cmpd="sng" algn="ctr">
+                      <a:solidFill>
+                        <a:srgbClr val="FFFFFF">
+                          <a:alpha val="100.00%"/>
+                        </a:srgbClr>
+                      </a:solidFill>
+                      <a:prstDash val="solid"/>
+                      <a:round/>
+                      <a:headEnd type="none" w="med" len="med"/>
+                      <a:tailEnd type="none" w="med" len="med"/>
+                    </a:lnR>
+                    <a:lnT w="12700" cap="flat" cmpd="sng" algn="ctr">
+                      <a:solidFill>
+                        <a:srgbClr val="FFFFFF">
+                          <a:alpha val="100.00%"/>
+                        </a:srgbClr>
+                      </a:solidFill>
+                      <a:prstDash val="solid"/>
+                      <a:round/>
+                      <a:headEnd type="none" w="med" len="med"/>
+                      <a:tailEnd type="none" w="med" len="med"/>
+                    </a:lnT>
+                    <a:lnB w="12700" cap="flat" cmpd="sng" algn="ctr">
+                      <a:solidFill>
+                        <a:srgbClr val="FFFFFF">
+                          <a:alpha val="100.00%"/>
+                        </a:srgbClr>
+                      </a:solidFill>
+                      <a:prstDash val="solid"/>
+                      <a:round/>
+                      <a:headEnd type="none" w="med" len="med"/>
+                      <a:tailEnd type="none" w="med" len="med"/>
+                    </a:lnB>
+                    <a:lnTlToBr w="12700" cap="flat" cmpd="sng" algn="ctr">
+                      <a:noFill/>
+                      <a:prstDash val="solid"/>
+                      <a:round/>
+                      <a:headEnd type="none" w="med" len="med"/>
+                      <a:tailEnd type="none" w="med" len="med"/>
+                    </a:lnTlToBr>
+                    <a:lnBlToTr w="12700" cap="flat" cmpd="sng" algn="ctr">
+                      <a:noFill/>
+                      <a:prstDash val="solid"/>
+                      <a:round/>
+                      <a:headEnd type="none" w="med" len="med"/>
+                      <a:tailEnd type="none" w="med" len="med"/>
+                    </a:lnBlToTr>
+                    <a:solidFill>
+                      <a:srgbClr val="E8E8E8">
+                        <a:alpha val="100.00%"/>
+                      </a:srgbClr>
+                    </a:solidFill>
+                  </a:tcPr>
+                </a:tc>
+                <a:tc>
+                  <a:txBody>
+                    <a:bodyPr wrap="square" rtlCol="0">
+                      <a:spAutoFit/>
+                    </a:bodyPr>
+                    <a:lstStyle/>
+                    <a:p>
+                      <a:pPr algn="ctr" fontAlgn="ctr" marL="0" marR="0" indent="0" lvl="0">
+                        <a:lnSpc>
+                          <a:spcPct val="100%"/>
+                        </a:lnSpc>
+                      </a:pPr>
+                      <a:r>
+                        <a:rPr lang="en-US" b="1" sz="1100" spc="0" u="none">
+                          <a:solidFill>
+                            <a:srgbClr val="000000">
+                              <a:alpha val="100.00%"/>
+                            </a:srgbClr>
+                          </a:solidFill>
+                          <a:latin typeface="Times New Roman"/>
+                        </a:rPr>
+                        <a:t><![CDATA[Moderate]]></a:t>
+                      </a:r>
+                    </a:p>
+                  </a:txBody>
+                  <a:tcPr anchor="ctr" marL="0" marR="0" marT="0" marB="0">
+                    <a:lnL w="12700" cap="flat" cmpd="sng" algn="ctr">
+                      <a:solidFill>
+                        <a:srgbClr val="FFFFFF">
+                          <a:alpha val="100.00%"/>
+                        </a:srgbClr>
+                      </a:solidFill>
+                      <a:prstDash val="solid"/>
+                      <a:round/>
+                      <a:headEnd type="none" w="med" len="med"/>
+                      <a:tailEnd type="none" w="med" len="med"/>
+                    </a:lnL>
+                    <a:lnR w="12700" cap="flat" cmpd="sng" algn="ctr">
+                      <a:solidFill>
+                        <a:srgbClr val="FFFFFF">
+                          <a:alpha val="100.00%"/>
+                        </a:srgbClr>
+                      </a:solidFill>
+                      <a:prstDash val="solid"/>
+                      <a:round/>
+                      <a:headEnd type="none" w="med" len="med"/>
+                      <a:tailEnd type="none" w="med" len="med"/>
+                    </a:lnR>
+                    <a:lnT w="12700" cap="flat" cmpd="sng" algn="ctr">
+                      <a:solidFill>
+                        <a:srgbClr val="FFFFFF">
+                          <a:alpha val="100.00%"/>
+                        </a:srgbClr>
+                      </a:solidFill>
+                      <a:prstDash val="solid"/>
+                      <a:round/>
+                      <a:headEnd type="none" w="med" len="med"/>
+                      <a:tailEnd type="none" w="med" len="med"/>
+                    </a:lnT>
+                    <a:lnB w="12700" cap="flat" cmpd="sng" algn="ctr">
+                      <a:solidFill>
+                        <a:srgbClr val="FFFFFF">
+                          <a:alpha val="100.00%"/>
+                        </a:srgbClr>
+                      </a:solidFill>
+                      <a:prstDash val="solid"/>
+                      <a:round/>
+                      <a:headEnd type="none" w="med" len="med"/>
+                      <a:tailEnd type="none" w="med" len="med"/>
+                    </a:lnB>
+                    <a:lnTlToBr w="12700" cap="flat" cmpd="sng" algn="ctr">
+                      <a:noFill/>
+                      <a:prstDash val="solid"/>
+                      <a:round/>
+                      <a:headEnd type="none" w="med" len="med"/>
+                      <a:tailEnd type="none" w="med" len="med"/>
+                    </a:lnTlToBr>
+                    <a:lnBlToTr w="12700" cap="flat" cmpd="sng" algn="ctr">
+                      <a:noFill/>
+                      <a:prstDash val="solid"/>
+                      <a:round/>
+                      <a:headEnd type="none" w="med" len="med"/>
+                      <a:tailEnd type="none" w="med" len="med"/>
+                    </a:lnBlToTr>
+                    <a:solidFill>
+                      <a:srgbClr val="E8E8E8">
+                        <a:alpha val="100.00%"/>
+                      </a:srgbClr>
+                    </a:solidFill>
+                  </a:tcPr>
+                </a:tc>
+                <a:tc>
+                  <a:txBody>
+                    <a:bodyPr wrap="square" rtlCol="0">
+                      <a:spAutoFit/>
+                    </a:bodyPr>
+                    <a:lstStyle/>
+                    <a:p>
+                      <a:pPr algn="ctr" fontAlgn="ctr" marL="0" marR="0" indent="0" lvl="0">
+                        <a:lnSpc>
+                          <a:spcPct val="100%"/>
+                        </a:lnSpc>
+                      </a:pPr>
+                      <a:r>
+                        <a:rPr lang="en-US" b="1" sz="1100" spc="0" u="none">
+                          <a:solidFill>
+                            <a:srgbClr val="000000">
+                              <a:alpha val="100.00%"/>
+                            </a:srgbClr>
+                          </a:solidFill>
+                          <a:latin typeface="Times New Roman"/>
+                        </a:rPr>
+                        <a:t><![CDATA[Low]]></a:t>
+                      </a:r>
+                    </a:p>
+                  </a:txBody>
+                  <a:tcPr anchor="ctr" marL="0" marR="0" marT="0" marB="0">
+                    <a:lnL w="12700" cap="flat" cmpd="sng" algn="ctr">
+                      <a:solidFill>
+                        <a:srgbClr val="FFFFFF">
+                          <a:alpha val="100.00%"/>
+                        </a:srgbClr>
+                      </a:solidFill>
+                      <a:prstDash val="solid"/>
+                      <a:round/>
+                      <a:headEnd type="none" w="med" len="med"/>
+                      <a:tailEnd type="none" w="med" len="med"/>
+                    </a:lnL>
+                    <a:lnR w="12700" cap="flat" cmpd="sng" algn="ctr">
+                      <a:solidFill>
+                        <a:srgbClr val="FFFFFF">
+                          <a:alpha val="100.00%"/>
+                        </a:srgbClr>
+                      </a:solidFill>
+                      <a:prstDash val="solid"/>
+                      <a:round/>
+                      <a:headEnd type="none" w="med" len="med"/>
+                      <a:tailEnd type="none" w="med" len="med"/>
+                    </a:lnR>
+                    <a:lnT w="12700" cap="flat" cmpd="sng" algn="ctr">
+                      <a:solidFill>
+                        <a:srgbClr val="FFFFFF">
+                          <a:alpha val="100.00%"/>
+                        </a:srgbClr>
+                      </a:solidFill>
+                      <a:prstDash val="solid"/>
+                      <a:round/>
+                      <a:headEnd type="none" w="med" len="med"/>
+                      <a:tailEnd type="none" w="med" len="med"/>
+                    </a:lnT>
+                    <a:lnB w="12700" cap="flat" cmpd="sng" algn="ctr">
+                      <a:solidFill>
+                        <a:srgbClr val="FFFFFF">
+                          <a:alpha val="100.00%"/>
+                        </a:srgbClr>
+                      </a:solidFill>
+                      <a:prstDash val="solid"/>
+                      <a:round/>
+                      <a:headEnd type="none" w="med" len="med"/>
+                      <a:tailEnd type="none" w="med" len="med"/>
+                    </a:lnB>
+                    <a:lnTlToBr w="12700" cap="flat" cmpd="sng" algn="ctr">
+                      <a:noFill/>
+                      <a:prstDash val="solid"/>
+                      <a:round/>
+                      <a:headEnd type="none" w="med" len="med"/>
+                      <a:tailEnd type="none" w="med" len="med"/>
+                    </a:lnTlToBr>
+                    <a:lnBlToTr w="12700" cap="flat" cmpd="sng" algn="ctr">
+                      <a:noFill/>
+                      <a:prstDash val="solid"/>
+                      <a:round/>
+                      <a:headEnd type="none" w="med" len="med"/>
+                      <a:tailEnd type="none" w="med" len="med"/>
+                    </a:lnBlToTr>
+                    <a:solidFill>
+                      <a:srgbClr val="E8E8E8">
+                        <a:alpha val="100.00%"/>
+                      </a:srgbClr>
+                    </a:solidFill>
+                  </a:tcPr>
+                </a:tc>
+              </a:tr>
+              <a:tr h="361950">
+                <a:tc>
+                  <a:txBody>
+                    <a:bodyPr wrap="square" rtlCol="0">
+                      <a:spAutoFit/>
+                    </a:bodyPr>
+                    <a:lstStyle/>
+                    <a:p>
+                      <a:pPr algn="ctr" fontAlgn="ctr" marL="0" marR="0" indent="0" lvl="0">
+                        <a:lnSpc>
+                          <a:spcPct val="100%"/>
+                        </a:lnSpc>
+                      </a:pPr>
+                      <a:r>
+                        <a:rPr lang="en-US" sz="1800" spc="0" u="none">
+                          <a:solidFill>
+                            <a:srgbClr val="000000">
+                              <a:alpha val="100.00%"/>
+                            </a:srgbClr>
+                          </a:solidFill>
+                          <a:latin typeface="Arial (Body)"/>
+                        </a:rPr>
+                        <a:t><![CDATA[9]]></a:t>
+                      </a:r>
+                    </a:p>
+                  </a:txBody>
+                  <a:tcPr anchor="ctr" marL="0" marR="0" marT="0" marB="0">
+                    <a:lnL w="12700" cap="flat" cmpd="sng" algn="ctr">
+                      <a:solidFill>
+                        <a:srgbClr val="FFFFFF">
+                          <a:alpha val="100.00%"/>
+                        </a:srgbClr>
+                      </a:solidFill>
+                      <a:prstDash val="solid"/>
+                      <a:round/>
+                      <a:headEnd type="none" w="med" len="med"/>
+                      <a:tailEnd type="none" w="med" len="med"/>
+                    </a:lnL>
+                    <a:lnR w="12700" cap="flat" cmpd="sng" algn="ctr">
+                      <a:solidFill>
+                        <a:srgbClr val="FFFFFF">
+                          <a:alpha val="100.00%"/>
+                        </a:srgbClr>
+                      </a:solidFill>
+                      <a:prstDash val="solid"/>
+                      <a:round/>
+                      <a:headEnd type="none" w="med" len="med"/>
+                      <a:tailEnd type="none" w="med" len="med"/>
+                    </a:lnR>
+                    <a:lnT w="12700" cap="flat" cmpd="sng" algn="ctr">
+                      <a:solidFill>
+                        <a:srgbClr val="FFFFFF">
+                          <a:alpha val="100.00%"/>
+                        </a:srgbClr>
+                      </a:solidFill>
+                      <a:prstDash val="solid"/>
+                      <a:round/>
+                      <a:headEnd type="none" w="med" len="med"/>
+                      <a:tailEnd type="none" w="med" len="med"/>
+                    </a:lnT>
+                    <a:lnB w="12700" cap="flat" cmpd="sng" algn="ctr">
+                      <a:solidFill>
+                        <a:srgbClr val="FFFFFF">
+                          <a:alpha val="100.00%"/>
+                        </a:srgbClr>
+                      </a:solidFill>
+                      <a:prstDash val="solid"/>
+                      <a:round/>
+                      <a:headEnd type="none" w="med" len="med"/>
+                      <a:tailEnd type="none" w="med" len="med"/>
+                    </a:lnB>
+                    <a:lnTlToBr w="12700" cap="flat" cmpd="sng" algn="ctr">
+                      <a:noFill/>
+                      <a:prstDash val="solid"/>
+                      <a:round/>
+                      <a:headEnd type="none" w="med" len="med"/>
+                      <a:tailEnd type="none" w="med" len="med"/>
+                    </a:lnTlToBr>
+                    <a:lnBlToTr w="12700" cap="flat" cmpd="sng" algn="ctr">
+                      <a:noFill/>
+                      <a:prstDash val="solid"/>
+                      <a:round/>
+                      <a:headEnd type="none" w="med" len="med"/>
+                      <a:tailEnd type="none" w="med" len="med"/>
+                    </a:lnBlToTr>
+                    <a:solidFill>
+                      <a:srgbClr val="CDCECD">
+                        <a:alpha val="100.00%"/>
+                      </a:srgbClr>
+                    </a:solidFill>
+                  </a:tcPr>
+                </a:tc>
+                <a:tc>
+                  <a:txBody>
+                    <a:bodyPr wrap="square" rtlCol="0">
+                      <a:spAutoFit/>
+                    </a:bodyPr>
+                    <a:lstStyle/>
+                    <a:p>
+                      <a:pPr algn="ctr" fontAlgn="ctr" marL="0" marR="0" indent="0" lvl="0">
+                        <a:lnSpc>
+                          <a:spcPct val="100%"/>
+                        </a:lnSpc>
+                      </a:pPr>
+                      <a:r>
+                        <a:rPr lang="en-US" sz="1800" spc="0" u="none">
+                          <a:solidFill>
+                            <a:srgbClr val="000000">
+                              <a:alpha val="100.00%"/>
+                            </a:srgbClr>
+                          </a:solidFill>
+                          <a:latin typeface="Arial (Body)"/>
+                        </a:rPr>
+                        <a:t><![CDATA[No System Association]]></a:t>
+                      </a:r>
+                    </a:p>
+                  </a:txBody>
+                  <a:tcPr anchor="ctr" marL="0" marR="0" marT="0" marB="0">
+                    <a:lnL w="12700" cap="flat" cmpd="sng" algn="ctr">
+                      <a:solidFill>
+                        <a:srgbClr val="FFFFFF">
+                          <a:alpha val="100.00%"/>
+                        </a:srgbClr>
+                      </a:solidFill>
+                      <a:prstDash val="solid"/>
+                      <a:round/>
+                      <a:headEnd type="none" w="med" len="med"/>
+                      <a:tailEnd type="none" w="med" len="med"/>
+                    </a:lnL>
+                    <a:lnR w="12700" cap="flat" cmpd="sng" algn="ctr">
+                      <a:solidFill>
+                        <a:srgbClr val="FFFFFF">
+                          <a:alpha val="100.00%"/>
+                        </a:srgbClr>
+                      </a:solidFill>
+                      <a:prstDash val="solid"/>
+                      <a:round/>
+                      <a:headEnd type="none" w="med" len="med"/>
+                      <a:tailEnd type="none" w="med" len="med"/>
+                    </a:lnR>
+                    <a:lnT w="12700" cap="flat" cmpd="sng" algn="ctr">
+                      <a:solidFill>
+                        <a:srgbClr val="FFFFFF">
+                          <a:alpha val="100.00%"/>
+                        </a:srgbClr>
+                      </a:solidFill>
+                      <a:prstDash val="solid"/>
+                      <a:round/>
+                      <a:headEnd type="none" w="med" len="med"/>
+                      <a:tailEnd type="none" w="med" len="med"/>
+                    </a:lnT>
+                    <a:lnB w="12700" cap="flat" cmpd="sng" algn="ctr">
+                      <a:solidFill>
+                        <a:srgbClr val="FFFFFF">
+                          <a:alpha val="100.00%"/>
+                        </a:srgbClr>
+                      </a:solidFill>
+                      <a:prstDash val="solid"/>
+                      <a:round/>
+                      <a:headEnd type="none" w="med" len="med"/>
+                      <a:tailEnd type="none" w="med" len="med"/>
+                    </a:lnB>
+                    <a:lnTlToBr w="12700" cap="flat" cmpd="sng" algn="ctr">
+                      <a:noFill/>
+                      <a:prstDash val="solid"/>
+                      <a:round/>
+                      <a:headEnd type="none" w="med" len="med"/>
+                      <a:tailEnd type="none" w="med" len="med"/>
+                    </a:lnTlToBr>
+                    <a:lnBlToTr w="12700" cap="flat" cmpd="sng" algn="ctr">
+                      <a:noFill/>
+                      <a:prstDash val="solid"/>
+                      <a:round/>
+                      <a:headEnd type="none" w="med" len="med"/>
+                      <a:tailEnd type="none" w="med" len="med"/>
+                    </a:lnBlToTr>
+                    <a:solidFill>
+                      <a:srgbClr val="CDCECD">
+                        <a:alpha val="100.00%"/>
+                      </a:srgbClr>
+                    </a:solidFill>
+                  </a:tcPr>
+                </a:tc>
+                <a:tc>
+                  <a:txBody>
+                    <a:bodyPr wrap="square" rtlCol="0">
+                      <a:spAutoFit/>
+                    </a:bodyPr>
+                    <a:lstStyle/>
+                    <a:p>
+                      <a:pPr algn="ctr" fontAlgn="ctr" marL="0" marR="0" indent="0" lvl="0">
+                        <a:lnSpc>
+                          <a:spcPct val="100%"/>
+                        </a:lnSpc>
+                      </a:pPr>
+                      <a:r>
+                        <a:rPr lang="en-US" sz="1800" spc="0" u="none">
+                          <a:solidFill>
+                            <a:srgbClr val="000000">
+                              <a:alpha val="100.00%"/>
+                            </a:srgbClr>
+                          </a:solidFill>
+                          <a:latin typeface="Arial (Body)"/>
+                        </a:rPr>
+                        <a:t><![CDATA[Finding 9]]></a:t>
+                      </a:r>
+                    </a:p>
+                  </a:txBody>
+                  <a:tcPr anchor="ctr" marL="0" marR="0" marT="0" marB="0">
+                    <a:lnL w="12700" cap="flat" cmpd="sng" algn="ctr">
+                      <a:solidFill>
+                        <a:srgbClr val="FFFFFF">
+                          <a:alpha val="100.00%"/>
+                        </a:srgbClr>
+                      </a:solidFill>
+                      <a:prstDash val="solid"/>
+                      <a:round/>
+                      <a:headEnd type="none" w="med" len="med"/>
+                      <a:tailEnd type="none" w="med" len="med"/>
+                    </a:lnL>
+                    <a:lnR w="12700" cap="flat" cmpd="sng" algn="ctr">
+                      <a:solidFill>
+                        <a:srgbClr val="FFFFFF">
+                          <a:alpha val="100.00%"/>
+                        </a:srgbClr>
+                      </a:solidFill>
+                      <a:prstDash val="solid"/>
+                      <a:round/>
+                      <a:headEnd type="none" w="med" len="med"/>
+                      <a:tailEnd type="none" w="med" len="med"/>
+                    </a:lnR>
+                    <a:lnT w="12700" cap="flat" cmpd="sng" algn="ctr">
+                      <a:solidFill>
+                        <a:srgbClr val="FFFFFF">
+                          <a:alpha val="100.00%"/>
+                        </a:srgbClr>
+                      </a:solidFill>
+                      <a:prstDash val="solid"/>
+                      <a:round/>
+                      <a:headEnd type="none" w="med" len="med"/>
+                      <a:tailEnd type="none" w="med" len="med"/>
+                    </a:lnT>
+                    <a:lnB w="12700" cap="flat" cmpd="sng" algn="ctr">
+                      <a:solidFill>
+                        <a:srgbClr val="FFFFFF">
+                          <a:alpha val="100.00%"/>
+                        </a:srgbClr>
+                      </a:solidFill>
+                      <a:prstDash val="solid"/>
+                      <a:round/>
+                      <a:headEnd type="none" w="med" len="med"/>
+                      <a:tailEnd type="none" w="med" len="med"/>
+                    </a:lnB>
+                    <a:lnTlToBr w="12700" cap="flat" cmpd="sng" algn="ctr">
+                      <a:noFill/>
+                      <a:prstDash val="solid"/>
+                      <a:round/>
+                      <a:headEnd type="none" w="med" len="med"/>
+                      <a:tailEnd type="none" w="med" len="med"/>
+                    </a:lnTlToBr>
+                    <a:lnBlToTr w="12700" cap="flat" cmpd="sng" algn="ctr">
+                      <a:noFill/>
+                      <a:prstDash val="solid"/>
+                      <a:round/>
+                      <a:headEnd type="none" w="med" len="med"/>
+                      <a:tailEnd type="none" w="med" len="med"/>
+                    </a:lnBlToTr>
+                    <a:solidFill>
+                      <a:srgbClr val="CDCECD">
+                        <a:alpha val="100.00%"/>
+                      </a:srgbClr>
+                    </a:solidFill>
+                  </a:tcPr>
+                </a:tc>
+                <a:tc>
+                  <a:txBody>
+                    <a:bodyPr wrap="square" rtlCol="0">
+                      <a:spAutoFit/>
+                    </a:bodyPr>
+                    <a:lstStyle/>
+                    <a:p>
+                      <a:pPr algn="ctr" fontAlgn="ctr" marL="0" marR="0" indent="0" lvl="0">
+                        <a:lnSpc>
+                          <a:spcPct val="100%"/>
+                        </a:lnSpc>
+                      </a:pPr>
+                      <a:r>
+                        <a:rPr lang="en-US" b="1" sz="1100" spc="0" u="none">
+                          <a:solidFill>
+                            <a:srgbClr val="000000">
+                              <a:alpha val="100.00%"/>
+                            </a:srgbClr>
+                          </a:solidFill>
+                          <a:latin typeface="Times New Roman"/>
+                        </a:rPr>
+                        <a:t><![CDATA[Moderate]]></a:t>
+                      </a:r>
+                    </a:p>
+                  </a:txBody>
+                  <a:tcPr anchor="ctr" marL="0" marR="0" marT="0" marB="0">
+                    <a:lnL w="12700" cap="flat" cmpd="sng" algn="ctr">
+                      <a:solidFill>
+                        <a:srgbClr val="FFFFFF">
+                          <a:alpha val="100.00%"/>
+                        </a:srgbClr>
+                      </a:solidFill>
+                      <a:prstDash val="solid"/>
+                      <a:round/>
+                      <a:headEnd type="none" w="med" len="med"/>
+                      <a:tailEnd type="none" w="med" len="med"/>
+                    </a:lnL>
+                    <a:lnR w="12700" cap="flat" cmpd="sng" algn="ctr">
+                      <a:solidFill>
+                        <a:srgbClr val="FFFFFF">
+                          <a:alpha val="100.00%"/>
+                        </a:srgbClr>
+                      </a:solidFill>
+                      <a:prstDash val="solid"/>
+                      <a:round/>
+                      <a:headEnd type="none" w="med" len="med"/>
+                      <a:tailEnd type="none" w="med" len="med"/>
+                    </a:lnR>
+                    <a:lnT w="12700" cap="flat" cmpd="sng" algn="ctr">
+                      <a:solidFill>
+                        <a:srgbClr val="FFFFFF">
+                          <a:alpha val="100.00%"/>
+                        </a:srgbClr>
+                      </a:solidFill>
+                      <a:prstDash val="solid"/>
+                      <a:round/>
+                      <a:headEnd type="none" w="med" len="med"/>
+                      <a:tailEnd type="none" w="med" len="med"/>
+                    </a:lnT>
+                    <a:lnB w="12700" cap="flat" cmpd="sng" algn="ctr">
+                      <a:solidFill>
+                        <a:srgbClr val="FFFFFF">
+                          <a:alpha val="100.00%"/>
+                        </a:srgbClr>
+                      </a:solidFill>
+                      <a:prstDash val="solid"/>
+                      <a:round/>
+                      <a:headEnd type="none" w="med" len="med"/>
+                      <a:tailEnd type="none" w="med" len="med"/>
+                    </a:lnB>
+                    <a:lnTlToBr w="12700" cap="flat" cmpd="sng" algn="ctr">
+                      <a:noFill/>
+                      <a:prstDash val="solid"/>
+                      <a:round/>
+                      <a:headEnd type="none" w="med" len="med"/>
+                      <a:tailEnd type="none" w="med" len="med"/>
+                    </a:lnTlToBr>
+                    <a:lnBlToTr w="12700" cap="flat" cmpd="sng" algn="ctr">
+                      <a:noFill/>
+                      <a:prstDash val="solid"/>
+                      <a:round/>
+                      <a:headEnd type="none" w="med" len="med"/>
+                      <a:tailEnd type="none" w="med" len="med"/>
+                    </a:lnBlToTr>
+                    <a:solidFill>
+                      <a:srgbClr val="CDCECD">
+                        <a:alpha val="100.00%"/>
+                      </a:srgbClr>
+                    </a:solidFill>
+                  </a:tcPr>
+                </a:tc>
+                <a:tc>
+                  <a:txBody>
+                    <a:bodyPr wrap="square" rtlCol="0">
+                      <a:spAutoFit/>
+                    </a:bodyPr>
+                    <a:lstStyle/>
+                    <a:p>
+                      <a:pPr algn="ctr" fontAlgn="ctr" marL="0" marR="0" indent="0" lvl="0">
+                        <a:lnSpc>
+                          <a:spcPct val="100%"/>
+                        </a:lnSpc>
+                      </a:pPr>
+                      <a:r>
+                        <a:rPr lang="en-US" b="1" sz="1100" spc="0" u="none">
+                          <a:solidFill>
+                            <a:srgbClr val="000000">
+                              <a:alpha val="100.00%"/>
+                            </a:srgbClr>
+                          </a:solidFill>
+                          <a:latin typeface="Times New Roman"/>
+                        </a:rPr>
+                        <a:t><![CDATA[Low]]></a:t>
+                      </a:r>
+                    </a:p>
+                  </a:txBody>
+                  <a:tcPr anchor="ctr" marL="0" marR="0" marT="0" marB="0">
+                    <a:lnL w="12700" cap="flat" cmpd="sng" algn="ctr">
+                      <a:solidFill>
+                        <a:srgbClr val="FFFFFF">
+                          <a:alpha val="100.00%"/>
+                        </a:srgbClr>
+                      </a:solidFill>
+                      <a:prstDash val="solid"/>
+                      <a:round/>
+                      <a:headEnd type="none" w="med" len="med"/>
+                      <a:tailEnd type="none" w="med" len="med"/>
+                    </a:lnL>
+                    <a:lnR w="12700" cap="flat" cmpd="sng" algn="ctr">
+                      <a:solidFill>
+                        <a:srgbClr val="FFFFFF">
+                          <a:alpha val="100.00%"/>
+                        </a:srgbClr>
+                      </a:solidFill>
+                      <a:prstDash val="solid"/>
+                      <a:round/>
+                      <a:headEnd type="none" w="med" len="med"/>
+                      <a:tailEnd type="none" w="med" len="med"/>
+                    </a:lnR>
+                    <a:lnT w="12700" cap="flat" cmpd="sng" algn="ctr">
+                      <a:solidFill>
+                        <a:srgbClr val="FFFFFF">
+                          <a:alpha val="100.00%"/>
+                        </a:srgbClr>
+                      </a:solidFill>
+                      <a:prstDash val="solid"/>
+                      <a:round/>
+                      <a:headEnd type="none" w="med" len="med"/>
+                      <a:tailEnd type="none" w="med" len="med"/>
+                    </a:lnT>
+                    <a:lnB w="12700" cap="flat" cmpd="sng" algn="ctr">
+                      <a:solidFill>
+                        <a:srgbClr val="FFFFFF">
+                          <a:alpha val="100.00%"/>
+                        </a:srgbClr>
+                      </a:solidFill>
+                      <a:prstDash val="solid"/>
+                      <a:round/>
+                      <a:headEnd type="none" w="med" len="med"/>
+                      <a:tailEnd type="none" w="med" len="med"/>
+                    </a:lnB>
+                    <a:lnTlToBr w="12700" cap="flat" cmpd="sng" algn="ctr">
+                      <a:noFill/>
+                      <a:prstDash val="solid"/>
+                      <a:round/>
+                      <a:headEnd type="none" w="med" len="med"/>
+                      <a:tailEnd type="none" w="med" len="med"/>
+                    </a:lnTlToBr>
+                    <a:lnBlToTr w="12700" cap="flat" cmpd="sng" algn="ctr">
+                      <a:noFill/>
+                      <a:prstDash val="solid"/>
+                      <a:round/>
+                      <a:headEnd type="none" w="med" len="med"/>
+                      <a:tailEnd type="none" w="med" len="med"/>
+                    </a:lnBlToTr>
+                    <a:solidFill>
+                      <a:srgbClr val="CDCECD">
+                        <a:alpha val="100.00%"/>
+                      </a:srgbClr>
+                    </a:solidFill>
+                  </a:tcPr>
+                </a:tc>
+              </a:tr>
+              <a:tr h="361950">
+                <a:tc>
+                  <a:txBody>
+                    <a:bodyPr wrap="square" rtlCol="0">
+                      <a:spAutoFit/>
+                    </a:bodyPr>
+                    <a:lstStyle/>
+                    <a:p>
+                      <a:pPr algn="ctr" fontAlgn="ctr" marL="0" marR="0" indent="0" lvl="0">
+                        <a:lnSpc>
+                          <a:spcPct val="100%"/>
+                        </a:lnSpc>
+                      </a:pPr>
+                      <a:r>
+                        <a:rPr lang="en-US" sz="1800" spc="0" u="none">
+                          <a:solidFill>
+                            <a:srgbClr val="000000">
+                              <a:alpha val="100.00%"/>
+                            </a:srgbClr>
+                          </a:solidFill>
+                          <a:latin typeface="Arial (Body)"/>
+                        </a:rPr>
+                        <a:t><![CDATA[10]]></a:t>
+                      </a:r>
+                    </a:p>
+                  </a:txBody>
+                  <a:tcPr anchor="ctr" marL="0" marR="0" marT="0" marB="0">
+                    <a:lnL w="12700" cap="flat" cmpd="sng" algn="ctr">
+                      <a:solidFill>
+                        <a:srgbClr val="FFFFFF">
+                          <a:alpha val="100.00%"/>
+                        </a:srgbClr>
+                      </a:solidFill>
+                      <a:prstDash val="solid"/>
+                      <a:round/>
+                      <a:headEnd type="none" w="med" len="med"/>
+                      <a:tailEnd type="none" w="med" len="med"/>
+                    </a:lnL>
+                    <a:lnR w="12700" cap="flat" cmpd="sng" algn="ctr">
+                      <a:solidFill>
+                        <a:srgbClr val="FFFFFF">
+                          <a:alpha val="100.00%"/>
+                        </a:srgbClr>
+                      </a:solidFill>
+                      <a:prstDash val="solid"/>
+                      <a:round/>
+                      <a:headEnd type="none" w="med" len="med"/>
+                      <a:tailEnd type="none" w="med" len="med"/>
+                    </a:lnR>
+                    <a:lnT w="12700" cap="flat" cmpd="sng" algn="ctr">
+                      <a:solidFill>
+                        <a:srgbClr val="FFFFFF">
+                          <a:alpha val="100.00%"/>
+                        </a:srgbClr>
+                      </a:solidFill>
+                      <a:prstDash val="solid"/>
+                      <a:round/>
+                      <a:headEnd type="none" w="med" len="med"/>
+                      <a:tailEnd type="none" w="med" len="med"/>
+                    </a:lnT>
+                    <a:lnB w="12700" cap="flat" cmpd="sng" algn="ctr">
+                      <a:solidFill>
+                        <a:srgbClr val="FFFFFF">
+                          <a:alpha val="100.00%"/>
+                        </a:srgbClr>
+                      </a:solidFill>
+                      <a:prstDash val="solid"/>
+                      <a:round/>
+                      <a:headEnd type="none" w="med" len="med"/>
+                      <a:tailEnd type="none" w="med" len="med"/>
+                    </a:lnB>
+                    <a:lnTlToBr w="12700" cap="flat" cmpd="sng" algn="ctr">
+                      <a:noFill/>
+                      <a:prstDash val="solid"/>
+                      <a:round/>
+                      <a:headEnd type="none" w="med" len="med"/>
+                      <a:tailEnd type="none" w="med" len="med"/>
+                    </a:lnTlToBr>
+                    <a:lnBlToTr w="12700" cap="flat" cmpd="sng" algn="ctr">
+                      <a:noFill/>
+                      <a:prstDash val="solid"/>
+                      <a:round/>
+                      <a:headEnd type="none" w="med" len="med"/>
+                      <a:tailEnd type="none" w="med" len="med"/>
+                    </a:lnBlToTr>
+                    <a:solidFill>
+                      <a:srgbClr val="E8E8E8">
+                        <a:alpha val="100.00%"/>
+                      </a:srgbClr>
+                    </a:solidFill>
+                  </a:tcPr>
+                </a:tc>
+                <a:tc>
+                  <a:txBody>
+                    <a:bodyPr wrap="square" rtlCol="0">
+                      <a:spAutoFit/>
+                    </a:bodyPr>
+                    <a:lstStyle/>
+                    <a:p>
+                      <a:pPr algn="ctr" fontAlgn="ctr" marL="0" marR="0" indent="0" lvl="0">
+                        <a:lnSpc>
+                          <a:spcPct val="100%"/>
+                        </a:lnSpc>
+                      </a:pPr>
+                      <a:r>
+                        <a:rPr lang="en-US" sz="1800" spc="0" u="none">
+                          <a:solidFill>
+                            <a:srgbClr val="000000">
+                              <a:alpha val="100.00%"/>
+                            </a:srgbClr>
+                          </a:solidFill>
+                          <a:latin typeface="Arial (Body)"/>
+                        </a:rPr>
+                        <a:t><![CDATA[No System Association]]></a:t>
+                      </a:r>
+                    </a:p>
+                  </a:txBody>
+                  <a:tcPr anchor="ctr" marL="0" marR="0" marT="0" marB="0">
+                    <a:lnL w="12700" cap="flat" cmpd="sng" algn="ctr">
+                      <a:solidFill>
+                        <a:srgbClr val="FFFFFF">
+                          <a:alpha val="100.00%"/>
+                        </a:srgbClr>
+                      </a:solidFill>
+                      <a:prstDash val="solid"/>
+                      <a:round/>
+                      <a:headEnd type="none" w="med" len="med"/>
+                      <a:tailEnd type="none" w="med" len="med"/>
+                    </a:lnL>
+                    <a:lnR w="12700" cap="flat" cmpd="sng" algn="ctr">
+                      <a:solidFill>
+                        <a:srgbClr val="FFFFFF">
+                          <a:alpha val="100.00%"/>
+                        </a:srgbClr>
+                      </a:solidFill>
+                      <a:prstDash val="solid"/>
+                      <a:round/>
+                      <a:headEnd type="none" w="med" len="med"/>
+                      <a:tailEnd type="none" w="med" len="med"/>
+                    </a:lnR>
+                    <a:lnT w="12700" cap="flat" cmpd="sng" algn="ctr">
+                      <a:solidFill>
+                        <a:srgbClr val="FFFFFF">
+                          <a:alpha val="100.00%"/>
+                        </a:srgbClr>
+                      </a:solidFill>
+                      <a:prstDash val="solid"/>
+                      <a:round/>
+                      <a:headEnd type="none" w="med" len="med"/>
+                      <a:tailEnd type="none" w="med" len="med"/>
+                    </a:lnT>
+                    <a:lnB w="12700" cap="flat" cmpd="sng" algn="ctr">
+                      <a:solidFill>
+                        <a:srgbClr val="FFFFFF">
+                          <a:alpha val="100.00%"/>
+                        </a:srgbClr>
+                      </a:solidFill>
+                      <a:prstDash val="solid"/>
+                      <a:round/>
+                      <a:headEnd type="none" w="med" len="med"/>
+                      <a:tailEnd type="none" w="med" len="med"/>
+                    </a:lnB>
+                    <a:lnTlToBr w="12700" cap="flat" cmpd="sng" algn="ctr">
+                      <a:noFill/>
+                      <a:prstDash val="solid"/>
+                      <a:round/>
+                      <a:headEnd type="none" w="med" len="med"/>
+                      <a:tailEnd type="none" w="med" len="med"/>
+                    </a:lnTlToBr>
+                    <a:lnBlToTr w="12700" cap="flat" cmpd="sng" algn="ctr">
+                      <a:noFill/>
+                      <a:prstDash val="solid"/>
+                      <a:round/>
+                      <a:headEnd type="none" w="med" len="med"/>
+                      <a:tailEnd type="none" w="med" len="med"/>
+                    </a:lnBlToTr>
+                    <a:solidFill>
+                      <a:srgbClr val="E8E8E8">
+                        <a:alpha val="100.00%"/>
+                      </a:srgbClr>
+                    </a:solidFill>
+                  </a:tcPr>
+                </a:tc>
+                <a:tc>
+                  <a:txBody>
+                    <a:bodyPr wrap="square" rtlCol="0">
+                      <a:spAutoFit/>
+                    </a:bodyPr>
+                    <a:lstStyle/>
+                    <a:p>
+                      <a:pPr algn="ctr" fontAlgn="ctr" marL="0" marR="0" indent="0" lvl="0">
+                        <a:lnSpc>
+                          <a:spcPct val="100%"/>
+                        </a:lnSpc>
+                      </a:pPr>
+                      <a:r>
+                        <a:rPr lang="en-US" sz="1800" spc="0" u="none">
+                          <a:solidFill>
+                            <a:srgbClr val="000000">
+                              <a:alpha val="100.00%"/>
+                            </a:srgbClr>
+                          </a:solidFill>
+                          <a:latin typeface="Arial (Body)"/>
+                        </a:rPr>
+                        <a:t><![CDATA[Finding 10]]></a:t>
+                      </a:r>
+                    </a:p>
+                  </a:txBody>
+                  <a:tcPr anchor="ctr" marL="0" marR="0" marT="0" marB="0">
+                    <a:lnL w="12700" cap="flat" cmpd="sng" algn="ctr">
+                      <a:solidFill>
+                        <a:srgbClr val="FFFFFF">
+                          <a:alpha val="100.00%"/>
+                        </a:srgbClr>
+                      </a:solidFill>
+                      <a:prstDash val="solid"/>
+                      <a:round/>
+                      <a:headEnd type="none" w="med" len="med"/>
+                      <a:tailEnd type="none" w="med" len="med"/>
+                    </a:lnL>
+                    <a:lnR w="12700" cap="flat" cmpd="sng" algn="ctr">
+                      <a:solidFill>
+                        <a:srgbClr val="FFFFFF">
+                          <a:alpha val="100.00%"/>
+                        </a:srgbClr>
+                      </a:solidFill>
+                      <a:prstDash val="solid"/>
+                      <a:round/>
+                      <a:headEnd type="none" w="med" len="med"/>
+                      <a:tailEnd type="none" w="med" len="med"/>
+                    </a:lnR>
+                    <a:lnT w="12700" cap="flat" cmpd="sng" algn="ctr">
+                      <a:solidFill>
+                        <a:srgbClr val="FFFFFF">
+                          <a:alpha val="100.00%"/>
+                        </a:srgbClr>
+                      </a:solidFill>
+                      <a:prstDash val="solid"/>
+                      <a:round/>
+                      <a:headEnd type="none" w="med" len="med"/>
+                      <a:tailEnd type="none" w="med" len="med"/>
+                    </a:lnT>
+                    <a:lnB w="12700" cap="flat" cmpd="sng" algn="ctr">
+                      <a:solidFill>
+                        <a:srgbClr val="FFFFFF">
+                          <a:alpha val="100.00%"/>
+                        </a:srgbClr>
+                      </a:solidFill>
+                      <a:prstDash val="solid"/>
+                      <a:round/>
+                      <a:headEnd type="none" w="med" len="med"/>
+                      <a:tailEnd type="none" w="med" len="med"/>
+                    </a:lnB>
+                    <a:lnTlToBr w="12700" cap="flat" cmpd="sng" algn="ctr">
+                      <a:noFill/>
+                      <a:prstDash val="solid"/>
+                      <a:round/>
+                      <a:headEnd type="none" w="med" len="med"/>
+                      <a:tailEnd type="none" w="med" len="med"/>
+                    </a:lnTlToBr>
+                    <a:lnBlToTr w="12700" cap="flat" cmpd="sng" algn="ctr">
+                      <a:noFill/>
+                      <a:prstDash val="solid"/>
+                      <a:round/>
+                      <a:headEnd type="none" w="med" len="med"/>
+                      <a:tailEnd type="none" w="med" len="med"/>
+                    </a:lnBlToTr>
+                    <a:solidFill>
+                      <a:srgbClr val="E8E8E8">
+                        <a:alpha val="100.00%"/>
+                      </a:srgbClr>
+                    </a:solidFill>
+                  </a:tcPr>
+                </a:tc>
+                <a:tc>
+                  <a:txBody>
+                    <a:bodyPr wrap="square" rtlCol="0">
+                      <a:spAutoFit/>
+                    </a:bodyPr>
+                    <a:lstStyle/>
+                    <a:p>
+                      <a:pPr algn="ctr" fontAlgn="ctr" marL="0" marR="0" indent="0" lvl="0">
+                        <a:lnSpc>
+                          <a:spcPct val="100%"/>
+                        </a:lnSpc>
+                      </a:pPr>
+                      <a:r>
+                        <a:rPr lang="en-US" b="1" sz="1100" spc="0" u="none">
+                          <a:solidFill>
+                            <a:srgbClr val="000000">
+                              <a:alpha val="100.00%"/>
+                            </a:srgbClr>
+                          </a:solidFill>
+                          <a:latin typeface="Times New Roman"/>
+                        </a:rPr>
+                        <a:t><![CDATA[Moderate]]></a:t>
+                      </a:r>
+                    </a:p>
+                  </a:txBody>
+                  <a:tcPr anchor="ctr" marL="0" marR="0" marT="0" marB="0">
+                    <a:lnL w="12700" cap="flat" cmpd="sng" algn="ctr">
+                      <a:solidFill>
+                        <a:srgbClr val="FFFFFF">
+                          <a:alpha val="100.00%"/>
+                        </a:srgbClr>
+                      </a:solidFill>
+                      <a:prstDash val="solid"/>
+                      <a:round/>
+                      <a:headEnd type="none" w="med" len="med"/>
+                      <a:tailEnd type="none" w="med" len="med"/>
+                    </a:lnL>
+                    <a:lnR w="12700" cap="flat" cmpd="sng" algn="ctr">
+                      <a:solidFill>
+                        <a:srgbClr val="FFFFFF">
+                          <a:alpha val="100.00%"/>
+                        </a:srgbClr>
+                      </a:solidFill>
+                      <a:prstDash val="solid"/>
+                      <a:round/>
+                      <a:headEnd type="none" w="med" len="med"/>
+                      <a:tailEnd type="none" w="med" len="med"/>
+                    </a:lnR>
+                    <a:lnT w="12700" cap="flat" cmpd="sng" algn="ctr">
+                      <a:solidFill>
+                        <a:srgbClr val="FFFFFF">
+                          <a:alpha val="100.00%"/>
+                        </a:srgbClr>
+                      </a:solidFill>
+                      <a:prstDash val="solid"/>
+                      <a:round/>
+                      <a:headEnd type="none" w="med" len="med"/>
+                      <a:tailEnd type="none" w="med" len="med"/>
+                    </a:lnT>
+                    <a:lnB w="12700" cap="flat" cmpd="sng" algn="ctr">
+                      <a:solidFill>
+                        <a:srgbClr val="FFFFFF">
+                          <a:alpha val="100.00%"/>
+                        </a:srgbClr>
+                      </a:solidFill>
+                      <a:prstDash val="solid"/>
+                      <a:round/>
+                      <a:headEnd type="none" w="med" len="med"/>
+                      <a:tailEnd type="none" w="med" len="med"/>
+                    </a:lnB>
+                    <a:lnTlToBr w="12700" cap="flat" cmpd="sng" algn="ctr">
+                      <a:noFill/>
+                      <a:prstDash val="solid"/>
+                      <a:round/>
+                      <a:headEnd type="none" w="med" len="med"/>
+                      <a:tailEnd type="none" w="med" len="med"/>
+                    </a:lnTlToBr>
+                    <a:lnBlToTr w="12700" cap="flat" cmpd="sng" algn="ctr">
+                      <a:noFill/>
+                      <a:prstDash val="solid"/>
+                      <a:round/>
+                      <a:headEnd type="none" w="med" len="med"/>
+                      <a:tailEnd type="none" w="med" len="med"/>
+                    </a:lnBlToTr>
+                    <a:solidFill>
+                      <a:srgbClr val="E8E8E8">
+                        <a:alpha val="100.00%"/>
+                      </a:srgbClr>
+                    </a:solidFill>
+                  </a:tcPr>
+                </a:tc>
+                <a:tc>
+                  <a:txBody>
+                    <a:bodyPr wrap="square" rtlCol="0">
+                      <a:spAutoFit/>
+                    </a:bodyPr>
+                    <a:lstStyle/>
+                    <a:p>
+                      <a:pPr algn="ctr" fontAlgn="ctr" marL="0" marR="0" indent="0" lvl="0">
+                        <a:lnSpc>
+                          <a:spcPct val="100%"/>
+                        </a:lnSpc>
+                      </a:pPr>
+                      <a:r>
+                        <a:rPr lang="en-US" b="1" sz="1100" spc="0" u="none">
+                          <a:solidFill>
+                            <a:srgbClr val="000000">
+                              <a:alpha val="100.00%"/>
+                            </a:srgbClr>
+                          </a:solidFill>
+                          <a:latin typeface="Times New Roman"/>
+                        </a:rPr>
+                        <a:t><![CDATA[Low]]></a:t>
+                      </a:r>
+                    </a:p>
+                  </a:txBody>
+                  <a:tcPr anchor="ctr" marL="0" marR="0" marT="0" marB="0">
+                    <a:lnL w="12700" cap="flat" cmpd="sng" algn="ctr">
+                      <a:solidFill>
+                        <a:srgbClr val="FFFFFF">
+                          <a:alpha val="100.00%"/>
+                        </a:srgbClr>
+                      </a:solidFill>
+                      <a:prstDash val="solid"/>
+                      <a:round/>
+                      <a:headEnd type="none" w="med" len="med"/>
+                      <a:tailEnd type="none" w="med" len="med"/>
+                    </a:lnL>
+                    <a:lnR w="12700" cap="flat" cmpd="sng" algn="ctr">
+                      <a:solidFill>
+                        <a:srgbClr val="FFFFFF">
+                          <a:alpha val="100.00%"/>
+                        </a:srgbClr>
+                      </a:solidFill>
+                      <a:prstDash val="solid"/>
+                      <a:round/>
+                      <a:headEnd type="none" w="med" len="med"/>
+                      <a:tailEnd type="none" w="med" len="med"/>
+                    </a:lnR>
+                    <a:lnT w="12700" cap="flat" cmpd="sng" algn="ctr">
+                      <a:solidFill>
+                        <a:srgbClr val="FFFFFF">
+                          <a:alpha val="100.00%"/>
+                        </a:srgbClr>
+                      </a:solidFill>
+                      <a:prstDash val="solid"/>
+                      <a:round/>
+                      <a:headEnd type="none" w="med" len="med"/>
+                      <a:tailEnd type="none" w="med" len="med"/>
+                    </a:lnT>
+                    <a:lnB w="12700" cap="flat" cmpd="sng" algn="ctr">
+                      <a:solidFill>
+                        <a:srgbClr val="FFFFFF">
+                          <a:alpha val="100.00%"/>
+                        </a:srgbClr>
+                      </a:solidFill>
+                      <a:prstDash val="solid"/>
+                      <a:round/>
+                      <a:headEnd type="none" w="med" len="med"/>
+                      <a:tailEnd type="none" w="med" len="med"/>
+                    </a:lnB>
+                    <a:lnTlToBr w="12700" cap="flat" cmpd="sng" algn="ctr">
+                      <a:noFill/>
+                      <a:prstDash val="solid"/>
+                      <a:round/>
+                      <a:headEnd type="none" w="med" len="med"/>
+                      <a:tailEnd type="none" w="med" len="med"/>
+                    </a:lnTlToBr>
+                    <a:lnBlToTr w="12700" cap="flat" cmpd="sng" algn="ctr">
+                      <a:noFill/>
+                      <a:prstDash val="solid"/>
+                      <a:round/>
+                      <a:headEnd type="none" w="med" len="med"/>
+                      <a:tailEnd type="none" w="med" len="med"/>
+                    </a:lnBlToTr>
+                    <a:solidFill>
+                      <a:srgbClr val="E8E8E8">
+                        <a:alpha val="100.00%"/>
+                      </a:srgbClr>
+                    </a:solidFill>
+                  </a:tcPr>
+                </a:tc>
+              </a:tr>
+            </a:tbl>
+          </a:graphicData>
+        </a:graphic>
+      </p:graphicFrame>
     </p:spTree>
   </p:cSld>
   <p:clrMapOvr>
@@ -845,9 +6353,9 @@
 </file>
 
 <file path=ppt/theme/theme1.xml><?xml version="1.0" encoding="utf-8"?>
-<a:theme xmlns:a="http://schemas.openxmlformats.org/drawingml/2006/main" name="Theme100">
+<a:theme xmlns:a="http://schemas.openxmlformats.org/drawingml/2006/main" name="Theme52">
   <a:themeElements>
-    <a:clrScheme name="Theme100">
+    <a:clrScheme name="Theme52">
       <a:dk1>
         <a:sysClr val="windowText" lastClr="000000"/>
       </a:dk1>
@@ -885,7 +6393,7 @@
         <a:srgbClr val="800080"/>
       </a:folHlink>
     </a:clrScheme>
-    <a:fontScheme name="Theme100">
+    <a:fontScheme name="Theme52">
       <a:majorFont>
         <a:latin typeface="Calibri"/>
         <a:ea typeface=""/>
@@ -955,7 +6463,7 @@
         <a:font script="Uigh" typeface="Microsoft Uighur"/>
       </a:minorFont>
     </a:fontScheme>
-    <a:fmtScheme name="Theme100">
+    <a:fmtScheme name="Theme52">
       <a:fillStyleLst>
         <a:solidFill>
           <a:schemeClr val="phClr"/>

--- a/model/ERBreport/ERBreport.pptx
+++ b/model/ERBreport/ERBreport.pptx
@@ -163,7 +163,7 @@
   </p:cSld>
   <p:clrMap bg1="lt1" tx1="dk1" bg2="lt2" tx2="dk2" accent1="accent1" accent2="accent2" accent3="accent3" accent4="accent4" accent5="accent5" accent6="accent6" hlink="hlink" folHlink="folHlink"/>
   <p:sldLayoutIdLst>
-    <p:sldLayoutId id="2294590023" r:id="rId1"/>
+    <p:sldLayoutId id="2294766746" r:id="rId1"/>
   </p:sldLayoutIdLst>
   <p:txStyles>
     <p:titleStyle>
@@ -581,7 +581,7 @@
                 </a:solidFill>
                 <a:latin typeface="Arial"/>
               </a:rPr>
-              <a:t><![CDATA[16 11 2020]]></a:t>
+              <a:t><![CDATA[18 11 2020]]></a:t>
             </a:r>
           </a:p>
         </p:txBody>
@@ -1065,7 +1065,7 @@
                 </a:solidFill>
                 <a:latin typeface="Arial"/>
               </a:rPr>
-              <a:t><![CDATA[System 3]]></a:t>
+              <a:t><![CDATA[System 4]]></a:t>
             </a:r>
           </a:p>
         </p:txBody>
@@ -6353,9 +6353,9 @@
 </file>
 
 <file path=ppt/theme/theme1.xml><?xml version="1.0" encoding="utf-8"?>
-<a:theme xmlns:a="http://schemas.openxmlformats.org/drawingml/2006/main" name="Theme52">
+<a:theme xmlns:a="http://schemas.openxmlformats.org/drawingml/2006/main" name="Theme95">
   <a:themeElements>
-    <a:clrScheme name="Theme52">
+    <a:clrScheme name="Theme95">
       <a:dk1>
         <a:sysClr val="windowText" lastClr="000000"/>
       </a:dk1>
@@ -6393,7 +6393,7 @@
         <a:srgbClr val="800080"/>
       </a:folHlink>
     </a:clrScheme>
-    <a:fontScheme name="Theme52">
+    <a:fontScheme name="Theme95">
       <a:majorFont>
         <a:latin typeface="Calibri"/>
         <a:ea typeface=""/>
@@ -6463,7 +6463,7 @@
         <a:font script="Uigh" typeface="Microsoft Uighur"/>
       </a:minorFont>
     </a:fontScheme>
-    <a:fmtScheme name="Theme52">
+    <a:fmtScheme name="Theme95">
       <a:fillStyleLst>
         <a:solidFill>
           <a:schemeClr val="phClr"/>

--- a/model/ERBreport/ERBreport.pptx
+++ b/model/ERBreport/ERBreport.pptx
@@ -163,7 +163,7 @@
   </p:cSld>
   <p:clrMap bg1="lt1" tx1="dk1" bg2="lt2" tx2="dk2" accent1="accent1" accent2="accent2" accent3="accent3" accent4="accent4" accent5="accent5" accent6="accent6" hlink="hlink" folHlink="folHlink"/>
   <p:sldLayoutIdLst>
-    <p:sldLayoutId id="2294766746" r:id="rId1"/>
+    <p:sldLayoutId id="2294811912" r:id="rId1"/>
   </p:sldLayoutIdLst>
   <p:txStyles>
     <p:titleStyle>
@@ -581,7 +581,7 @@
                 </a:solidFill>
                 <a:latin typeface="Arial"/>
               </a:rPr>
-              <a:t><![CDATA[18 11 2020]]></a:t>
+              <a:t><![CDATA[19 11 2020]]></a:t>
             </a:r>
           </a:p>
         </p:txBody>
@@ -1065,7 +1065,7 @@
                 </a:solidFill>
                 <a:latin typeface="Arial"/>
               </a:rPr>
-              <a:t><![CDATA[System 4]]></a:t>
+              <a:t><![CDATA[System 3]]></a:t>
             </a:r>
           </a:p>
         </p:txBody>
@@ -6353,9 +6353,9 @@
 </file>
 
 <file path=ppt/theme/theme1.xml><?xml version="1.0" encoding="utf-8"?>
-<a:theme xmlns:a="http://schemas.openxmlformats.org/drawingml/2006/main" name="Theme95">
+<a:theme xmlns:a="http://schemas.openxmlformats.org/drawingml/2006/main" name="Theme87">
   <a:themeElements>
-    <a:clrScheme name="Theme95">
+    <a:clrScheme name="Theme87">
       <a:dk1>
         <a:sysClr val="windowText" lastClr="000000"/>
       </a:dk1>
@@ -6393,7 +6393,7 @@
         <a:srgbClr val="800080"/>
       </a:folHlink>
     </a:clrScheme>
-    <a:fontScheme name="Theme95">
+    <a:fontScheme name="Theme87">
       <a:majorFont>
         <a:latin typeface="Calibri"/>
         <a:ea typeface=""/>
@@ -6463,7 +6463,7 @@
         <a:font script="Uigh" typeface="Microsoft Uighur"/>
       </a:minorFont>
     </a:fontScheme>
-    <a:fmtScheme name="Theme95">
+    <a:fmtScheme name="Theme87">
       <a:fillStyleLst>
         <a:solidFill>
           <a:schemeClr val="phClr"/>

--- a/model/ERBreport/ERBreport.pptx
+++ b/model/ERBreport/ERBreport.pptx
@@ -8,6 +8,7 @@
     <p:sldId id="256" r:id="rId3"/>
     <p:sldId id="257" r:id="rId4"/>
     <p:sldId id="258" r:id="rId5"/>
+    <p:sldId id="259" r:id="rId6"/>
   </p:sldIdLst>
   <p:sldSz cx="9144000" cy="6858000" type="screen4x3"/>
   <p:notesSz cx="6858000" cy="9144000"/>
@@ -163,7 +164,7 @@
   </p:cSld>
   <p:clrMap bg1="lt1" tx1="dk1" bg2="lt2" tx2="dk2" accent1="accent1" accent2="accent2" accent3="accent3" accent4="accent4" accent5="accent5" accent6="accent6" hlink="hlink" folHlink="folHlink"/>
   <p:sldLayoutIdLst>
-    <p:sldLayoutId id="2294816531" r:id="rId1"/>
+    <p:sldLayoutId id="2294830816" r:id="rId1"/>
   </p:sldLayoutIdLst>
   <p:txStyles>
     <p:titleStyle>
@@ -2227,6 +2228,4823 @@
                   </a:tcPr>
                 </a:tc>
               </a:tr>
+              <a:tr h="361950">
+                <a:tc>
+                  <a:txBody>
+                    <a:bodyPr wrap="square" rtlCol="0">
+                      <a:spAutoFit/>
+                    </a:bodyPr>
+                    <a:lstStyle/>
+                    <a:p>
+                      <a:pPr algn="ctr" fontAlgn="ctr" marL="0" marR="0" indent="0" lvl="0">
+                        <a:lnSpc>
+                          <a:spcPct val="100%"/>
+                        </a:lnSpc>
+                      </a:pPr>
+                      <a:r>
+                        <a:rPr lang="en-US" sz="1800" spc="0" u="none">
+                          <a:solidFill>
+                            <a:srgbClr val="000000">
+                              <a:alpha val="100.00%"/>
+                            </a:srgbClr>
+                          </a:solidFill>
+                          <a:latin typeface="Arial (Body)"/>
+                        </a:rPr>
+                        <a:t><![CDATA[2]]></a:t>
+                      </a:r>
+                    </a:p>
+                  </a:txBody>
+                  <a:tcPr anchor="ctr" marL="0" marR="0" marT="0" marB="0">
+                    <a:lnL w="12700" cap="flat" cmpd="sng" algn="ctr">
+                      <a:solidFill>
+                        <a:srgbClr val="FFFFFF">
+                          <a:alpha val="100.00%"/>
+                        </a:srgbClr>
+                      </a:solidFill>
+                      <a:prstDash val="solid"/>
+                      <a:round/>
+                      <a:headEnd type="none" w="med" len="med"/>
+                      <a:tailEnd type="none" w="med" len="med"/>
+                    </a:lnL>
+                    <a:lnR w="12700" cap="flat" cmpd="sng" algn="ctr">
+                      <a:solidFill>
+                        <a:srgbClr val="FFFFFF">
+                          <a:alpha val="100.00%"/>
+                        </a:srgbClr>
+                      </a:solidFill>
+                      <a:prstDash val="solid"/>
+                      <a:round/>
+                      <a:headEnd type="none" w="med" len="med"/>
+                      <a:tailEnd type="none" w="med" len="med"/>
+                    </a:lnR>
+                    <a:lnT w="12700" cap="flat" cmpd="sng" algn="ctr">
+                      <a:solidFill>
+                        <a:srgbClr val="FFFFFF">
+                          <a:alpha val="100.00%"/>
+                        </a:srgbClr>
+                      </a:solidFill>
+                      <a:prstDash val="solid"/>
+                      <a:round/>
+                      <a:headEnd type="none" w="med" len="med"/>
+                      <a:tailEnd type="none" w="med" len="med"/>
+                    </a:lnT>
+                    <a:lnB w="12700" cap="flat" cmpd="sng" algn="ctr">
+                      <a:solidFill>
+                        <a:srgbClr val="FFFFFF">
+                          <a:alpha val="100.00%"/>
+                        </a:srgbClr>
+                      </a:solidFill>
+                      <a:prstDash val="solid"/>
+                      <a:round/>
+                      <a:headEnd type="none" w="med" len="med"/>
+                      <a:tailEnd type="none" w="med" len="med"/>
+                    </a:lnB>
+                    <a:lnTlToBr w="12700" cap="flat" cmpd="sng" algn="ctr">
+                      <a:noFill/>
+                      <a:prstDash val="solid"/>
+                      <a:round/>
+                      <a:headEnd type="none" w="med" len="med"/>
+                      <a:tailEnd type="none" w="med" len="med"/>
+                    </a:lnTlToBr>
+                    <a:lnBlToTr w="12700" cap="flat" cmpd="sng" algn="ctr">
+                      <a:noFill/>
+                      <a:prstDash val="solid"/>
+                      <a:round/>
+                      <a:headEnd type="none" w="med" len="med"/>
+                      <a:tailEnd type="none" w="med" len="med"/>
+                    </a:lnBlToTr>
+                    <a:solidFill>
+                      <a:srgbClr val="E8E8E8">
+                        <a:alpha val="100.00%"/>
+                      </a:srgbClr>
+                    </a:solidFill>
+                  </a:tcPr>
+                </a:tc>
+                <a:tc>
+                  <a:txBody>
+                    <a:bodyPr wrap="square" rtlCol="0">
+                      <a:spAutoFit/>
+                    </a:bodyPr>
+                    <a:lstStyle/>
+                    <a:p>
+                      <a:pPr algn="ctr" fontAlgn="ctr" marL="0" marR="0" indent="0" lvl="0">
+                        <a:lnSpc>
+                          <a:spcPct val="100%"/>
+                        </a:lnSpc>
+                      </a:pPr>
+                      <a:r>
+                        <a:rPr lang="en-US" sz="1800" spc="0" u="none">
+                          <a:solidFill>
+                            <a:srgbClr val="000000">
+                              <a:alpha val="100.00%"/>
+                            </a:srgbClr>
+                          </a:solidFill>
+                          <a:latin typeface="Arial (Body)"/>
+                        </a:rPr>
+                        <a:t><![CDATA[No System Association]]></a:t>
+                      </a:r>
+                    </a:p>
+                  </a:txBody>
+                  <a:tcPr anchor="ctr" marL="0" marR="0" marT="0" marB="0">
+                    <a:lnL w="12700" cap="flat" cmpd="sng" algn="ctr">
+                      <a:solidFill>
+                        <a:srgbClr val="FFFFFF">
+                          <a:alpha val="100.00%"/>
+                        </a:srgbClr>
+                      </a:solidFill>
+                      <a:prstDash val="solid"/>
+                      <a:round/>
+                      <a:headEnd type="none" w="med" len="med"/>
+                      <a:tailEnd type="none" w="med" len="med"/>
+                    </a:lnL>
+                    <a:lnR w="12700" cap="flat" cmpd="sng" algn="ctr">
+                      <a:solidFill>
+                        <a:srgbClr val="FFFFFF">
+                          <a:alpha val="100.00%"/>
+                        </a:srgbClr>
+                      </a:solidFill>
+                      <a:prstDash val="solid"/>
+                      <a:round/>
+                      <a:headEnd type="none" w="med" len="med"/>
+                      <a:tailEnd type="none" w="med" len="med"/>
+                    </a:lnR>
+                    <a:lnT w="12700" cap="flat" cmpd="sng" algn="ctr">
+                      <a:solidFill>
+                        <a:srgbClr val="FFFFFF">
+                          <a:alpha val="100.00%"/>
+                        </a:srgbClr>
+                      </a:solidFill>
+                      <a:prstDash val="solid"/>
+                      <a:round/>
+                      <a:headEnd type="none" w="med" len="med"/>
+                      <a:tailEnd type="none" w="med" len="med"/>
+                    </a:lnT>
+                    <a:lnB w="12700" cap="flat" cmpd="sng" algn="ctr">
+                      <a:solidFill>
+                        <a:srgbClr val="FFFFFF">
+                          <a:alpha val="100.00%"/>
+                        </a:srgbClr>
+                      </a:solidFill>
+                      <a:prstDash val="solid"/>
+                      <a:round/>
+                      <a:headEnd type="none" w="med" len="med"/>
+                      <a:tailEnd type="none" w="med" len="med"/>
+                    </a:lnB>
+                    <a:lnTlToBr w="12700" cap="flat" cmpd="sng" algn="ctr">
+                      <a:noFill/>
+                      <a:prstDash val="solid"/>
+                      <a:round/>
+                      <a:headEnd type="none" w="med" len="med"/>
+                      <a:tailEnd type="none" w="med" len="med"/>
+                    </a:lnTlToBr>
+                    <a:lnBlToTr w="12700" cap="flat" cmpd="sng" algn="ctr">
+                      <a:noFill/>
+                      <a:prstDash val="solid"/>
+                      <a:round/>
+                      <a:headEnd type="none" w="med" len="med"/>
+                      <a:tailEnd type="none" w="med" len="med"/>
+                    </a:lnBlToTr>
+                    <a:solidFill>
+                      <a:srgbClr val="E8E8E8">
+                        <a:alpha val="100.00%"/>
+                      </a:srgbClr>
+                    </a:solidFill>
+                  </a:tcPr>
+                </a:tc>
+                <a:tc>
+                  <a:txBody>
+                    <a:bodyPr wrap="square" rtlCol="0">
+                      <a:spAutoFit/>
+                    </a:bodyPr>
+                    <a:lstStyle/>
+                    <a:p>
+                      <a:pPr algn="ctr" fontAlgn="ctr" marL="0" marR="0" indent="0" lvl="0">
+                        <a:lnSpc>
+                          <a:spcPct val="100%"/>
+                        </a:lnSpc>
+                      </a:pPr>
+                      <a:r>
+                        <a:rPr lang="en-US" sz="1800" spc="0" u="none">
+                          <a:solidFill>
+                            <a:srgbClr val="000000">
+                              <a:alpha val="100.00%"/>
+                            </a:srgbClr>
+                          </a:solidFill>
+                          <a:latin typeface="Arial (Body)"/>
+                        </a:rPr>
+                        <a:t><![CDATA[Finding 2]]></a:t>
+                      </a:r>
+                    </a:p>
+                  </a:txBody>
+                  <a:tcPr anchor="ctr" marL="0" marR="0" marT="0" marB="0">
+                    <a:lnL w="12700" cap="flat" cmpd="sng" algn="ctr">
+                      <a:solidFill>
+                        <a:srgbClr val="FFFFFF">
+                          <a:alpha val="100.00%"/>
+                        </a:srgbClr>
+                      </a:solidFill>
+                      <a:prstDash val="solid"/>
+                      <a:round/>
+                      <a:headEnd type="none" w="med" len="med"/>
+                      <a:tailEnd type="none" w="med" len="med"/>
+                    </a:lnL>
+                    <a:lnR w="12700" cap="flat" cmpd="sng" algn="ctr">
+                      <a:solidFill>
+                        <a:srgbClr val="FFFFFF">
+                          <a:alpha val="100.00%"/>
+                        </a:srgbClr>
+                      </a:solidFill>
+                      <a:prstDash val="solid"/>
+                      <a:round/>
+                      <a:headEnd type="none" w="med" len="med"/>
+                      <a:tailEnd type="none" w="med" len="med"/>
+                    </a:lnR>
+                    <a:lnT w="12700" cap="flat" cmpd="sng" algn="ctr">
+                      <a:solidFill>
+                        <a:srgbClr val="FFFFFF">
+                          <a:alpha val="100.00%"/>
+                        </a:srgbClr>
+                      </a:solidFill>
+                      <a:prstDash val="solid"/>
+                      <a:round/>
+                      <a:headEnd type="none" w="med" len="med"/>
+                      <a:tailEnd type="none" w="med" len="med"/>
+                    </a:lnT>
+                    <a:lnB w="12700" cap="flat" cmpd="sng" algn="ctr">
+                      <a:solidFill>
+                        <a:srgbClr val="FFFFFF">
+                          <a:alpha val="100.00%"/>
+                        </a:srgbClr>
+                      </a:solidFill>
+                      <a:prstDash val="solid"/>
+                      <a:round/>
+                      <a:headEnd type="none" w="med" len="med"/>
+                      <a:tailEnd type="none" w="med" len="med"/>
+                    </a:lnB>
+                    <a:lnTlToBr w="12700" cap="flat" cmpd="sng" algn="ctr">
+                      <a:noFill/>
+                      <a:prstDash val="solid"/>
+                      <a:round/>
+                      <a:headEnd type="none" w="med" len="med"/>
+                      <a:tailEnd type="none" w="med" len="med"/>
+                    </a:lnTlToBr>
+                    <a:lnBlToTr w="12700" cap="flat" cmpd="sng" algn="ctr">
+                      <a:noFill/>
+                      <a:prstDash val="solid"/>
+                      <a:round/>
+                      <a:headEnd type="none" w="med" len="med"/>
+                      <a:tailEnd type="none" w="med" len="med"/>
+                    </a:lnBlToTr>
+                    <a:solidFill>
+                      <a:srgbClr val="E8E8E8">
+                        <a:alpha val="100.00%"/>
+                      </a:srgbClr>
+                    </a:solidFill>
+                  </a:tcPr>
+                </a:tc>
+                <a:tc>
+                  <a:txBody>
+                    <a:bodyPr wrap="square" rtlCol="0">
+                      <a:spAutoFit/>
+                    </a:bodyPr>
+                    <a:lstStyle/>
+                    <a:p>
+                      <a:pPr algn="ctr" fontAlgn="ctr" marL="0" marR="0" indent="0" lvl="0">
+                        <a:lnSpc>
+                          <a:spcPct val="100%"/>
+                        </a:lnSpc>
+                      </a:pPr>
+                      <a:r>
+                        <a:rPr lang="en-US" b="1" sz="1100" spc="0" u="none">
+                          <a:solidFill>
+                            <a:srgbClr val="000000">
+                              <a:alpha val="100.00%"/>
+                            </a:srgbClr>
+                          </a:solidFill>
+                          <a:latin typeface="Times New Roman"/>
+                        </a:rPr>
+                        <a:t><![CDATA[Very High]]></a:t>
+                      </a:r>
+                    </a:p>
+                  </a:txBody>
+                  <a:tcPr anchor="ctr" marL="0" marR="0" marT="0" marB="0">
+                    <a:lnL w="12700" cap="flat" cmpd="sng" algn="ctr">
+                      <a:solidFill>
+                        <a:srgbClr val="FFFFFF">
+                          <a:alpha val="100.00%"/>
+                        </a:srgbClr>
+                      </a:solidFill>
+                      <a:prstDash val="solid"/>
+                      <a:round/>
+                      <a:headEnd type="none" w="med" len="med"/>
+                      <a:tailEnd type="none" w="med" len="med"/>
+                    </a:lnL>
+                    <a:lnR w="12700" cap="flat" cmpd="sng" algn="ctr">
+                      <a:solidFill>
+                        <a:srgbClr val="FFFFFF">
+                          <a:alpha val="100.00%"/>
+                        </a:srgbClr>
+                      </a:solidFill>
+                      <a:prstDash val="solid"/>
+                      <a:round/>
+                      <a:headEnd type="none" w="med" len="med"/>
+                      <a:tailEnd type="none" w="med" len="med"/>
+                    </a:lnR>
+                    <a:lnT w="12700" cap="flat" cmpd="sng" algn="ctr">
+                      <a:solidFill>
+                        <a:srgbClr val="FFFFFF">
+                          <a:alpha val="100.00%"/>
+                        </a:srgbClr>
+                      </a:solidFill>
+                      <a:prstDash val="solid"/>
+                      <a:round/>
+                      <a:headEnd type="none" w="med" len="med"/>
+                      <a:tailEnd type="none" w="med" len="med"/>
+                    </a:lnT>
+                    <a:lnB w="12700" cap="flat" cmpd="sng" algn="ctr">
+                      <a:solidFill>
+                        <a:srgbClr val="FFFFFF">
+                          <a:alpha val="100.00%"/>
+                        </a:srgbClr>
+                      </a:solidFill>
+                      <a:prstDash val="solid"/>
+                      <a:round/>
+                      <a:headEnd type="none" w="med" len="med"/>
+                      <a:tailEnd type="none" w="med" len="med"/>
+                    </a:lnB>
+                    <a:lnTlToBr w="12700" cap="flat" cmpd="sng" algn="ctr">
+                      <a:noFill/>
+                      <a:prstDash val="solid"/>
+                      <a:round/>
+                      <a:headEnd type="none" w="med" len="med"/>
+                      <a:tailEnd type="none" w="med" len="med"/>
+                    </a:lnTlToBr>
+                    <a:lnBlToTr w="12700" cap="flat" cmpd="sng" algn="ctr">
+                      <a:noFill/>
+                      <a:prstDash val="solid"/>
+                      <a:round/>
+                      <a:headEnd type="none" w="med" len="med"/>
+                      <a:tailEnd type="none" w="med" len="med"/>
+                    </a:lnBlToTr>
+                    <a:solidFill>
+                      <a:srgbClr val="E8E8E8">
+                        <a:alpha val="100.00%"/>
+                      </a:srgbClr>
+                    </a:solidFill>
+                  </a:tcPr>
+                </a:tc>
+                <a:tc>
+                  <a:txBody>
+                    <a:bodyPr wrap="square" rtlCol="0">
+                      <a:spAutoFit/>
+                    </a:bodyPr>
+                    <a:lstStyle/>
+                    <a:p>
+                      <a:pPr algn="ctr" fontAlgn="ctr" marL="0" marR="0" indent="0" lvl="0">
+                        <a:lnSpc>
+                          <a:spcPct val="100%"/>
+                        </a:lnSpc>
+                      </a:pPr>
+                      <a:r>
+                        <a:rPr lang="en-US" b="1" sz="1100" spc="0" u="none">
+                          <a:solidFill>
+                            <a:srgbClr val="000000">
+                              <a:alpha val="100.00%"/>
+                            </a:srgbClr>
+                          </a:solidFill>
+                          <a:latin typeface="Times New Roman"/>
+                        </a:rPr>
+                        <a:t><![CDATA[Moderate]]></a:t>
+                      </a:r>
+                    </a:p>
+                  </a:txBody>
+                  <a:tcPr anchor="ctr" marL="0" marR="0" marT="0" marB="0">
+                    <a:lnL w="12700" cap="flat" cmpd="sng" algn="ctr">
+                      <a:solidFill>
+                        <a:srgbClr val="FFFFFF">
+                          <a:alpha val="100.00%"/>
+                        </a:srgbClr>
+                      </a:solidFill>
+                      <a:prstDash val="solid"/>
+                      <a:round/>
+                      <a:headEnd type="none" w="med" len="med"/>
+                      <a:tailEnd type="none" w="med" len="med"/>
+                    </a:lnL>
+                    <a:lnR w="12700" cap="flat" cmpd="sng" algn="ctr">
+                      <a:solidFill>
+                        <a:srgbClr val="FFFFFF">
+                          <a:alpha val="100.00%"/>
+                        </a:srgbClr>
+                      </a:solidFill>
+                      <a:prstDash val="solid"/>
+                      <a:round/>
+                      <a:headEnd type="none" w="med" len="med"/>
+                      <a:tailEnd type="none" w="med" len="med"/>
+                    </a:lnR>
+                    <a:lnT w="12700" cap="flat" cmpd="sng" algn="ctr">
+                      <a:solidFill>
+                        <a:srgbClr val="FFFFFF">
+                          <a:alpha val="100.00%"/>
+                        </a:srgbClr>
+                      </a:solidFill>
+                      <a:prstDash val="solid"/>
+                      <a:round/>
+                      <a:headEnd type="none" w="med" len="med"/>
+                      <a:tailEnd type="none" w="med" len="med"/>
+                    </a:lnT>
+                    <a:lnB w="12700" cap="flat" cmpd="sng" algn="ctr">
+                      <a:solidFill>
+                        <a:srgbClr val="FFFFFF">
+                          <a:alpha val="100.00%"/>
+                        </a:srgbClr>
+                      </a:solidFill>
+                      <a:prstDash val="solid"/>
+                      <a:round/>
+                      <a:headEnd type="none" w="med" len="med"/>
+                      <a:tailEnd type="none" w="med" len="med"/>
+                    </a:lnB>
+                    <a:lnTlToBr w="12700" cap="flat" cmpd="sng" algn="ctr">
+                      <a:noFill/>
+                      <a:prstDash val="solid"/>
+                      <a:round/>
+                      <a:headEnd type="none" w="med" len="med"/>
+                      <a:tailEnd type="none" w="med" len="med"/>
+                    </a:lnTlToBr>
+                    <a:lnBlToTr w="12700" cap="flat" cmpd="sng" algn="ctr">
+                      <a:noFill/>
+                      <a:prstDash val="solid"/>
+                      <a:round/>
+                      <a:headEnd type="none" w="med" len="med"/>
+                      <a:tailEnd type="none" w="med" len="med"/>
+                    </a:lnBlToTr>
+                    <a:solidFill>
+                      <a:srgbClr val="E8E8E8">
+                        <a:alpha val="100.00%"/>
+                      </a:srgbClr>
+                    </a:solidFill>
+                  </a:tcPr>
+                </a:tc>
+              </a:tr>
+              <a:tr h="361950">
+                <a:tc>
+                  <a:txBody>
+                    <a:bodyPr wrap="square" rtlCol="0">
+                      <a:spAutoFit/>
+                    </a:bodyPr>
+                    <a:lstStyle/>
+                    <a:p>
+                      <a:pPr algn="ctr" fontAlgn="ctr" marL="0" marR="0" indent="0" lvl="0">
+                        <a:lnSpc>
+                          <a:spcPct val="100%"/>
+                        </a:lnSpc>
+                      </a:pPr>
+                      <a:r>
+                        <a:rPr lang="en-US" sz="1800" spc="0" u="none">
+                          <a:solidFill>
+                            <a:srgbClr val="000000">
+                              <a:alpha val="100.00%"/>
+                            </a:srgbClr>
+                          </a:solidFill>
+                          <a:latin typeface="Arial (Body)"/>
+                        </a:rPr>
+                        <a:t><![CDATA[3]]></a:t>
+                      </a:r>
+                    </a:p>
+                  </a:txBody>
+                  <a:tcPr anchor="ctr" marL="0" marR="0" marT="0" marB="0">
+                    <a:lnL w="12700" cap="flat" cmpd="sng" algn="ctr">
+                      <a:solidFill>
+                        <a:srgbClr val="FFFFFF">
+                          <a:alpha val="100.00%"/>
+                        </a:srgbClr>
+                      </a:solidFill>
+                      <a:prstDash val="solid"/>
+                      <a:round/>
+                      <a:headEnd type="none" w="med" len="med"/>
+                      <a:tailEnd type="none" w="med" len="med"/>
+                    </a:lnL>
+                    <a:lnR w="12700" cap="flat" cmpd="sng" algn="ctr">
+                      <a:solidFill>
+                        <a:srgbClr val="FFFFFF">
+                          <a:alpha val="100.00%"/>
+                        </a:srgbClr>
+                      </a:solidFill>
+                      <a:prstDash val="solid"/>
+                      <a:round/>
+                      <a:headEnd type="none" w="med" len="med"/>
+                      <a:tailEnd type="none" w="med" len="med"/>
+                    </a:lnR>
+                    <a:lnT w="12700" cap="flat" cmpd="sng" algn="ctr">
+                      <a:solidFill>
+                        <a:srgbClr val="FFFFFF">
+                          <a:alpha val="100.00%"/>
+                        </a:srgbClr>
+                      </a:solidFill>
+                      <a:prstDash val="solid"/>
+                      <a:round/>
+                      <a:headEnd type="none" w="med" len="med"/>
+                      <a:tailEnd type="none" w="med" len="med"/>
+                    </a:lnT>
+                    <a:lnB w="12700" cap="flat" cmpd="sng" algn="ctr">
+                      <a:solidFill>
+                        <a:srgbClr val="FFFFFF">
+                          <a:alpha val="100.00%"/>
+                        </a:srgbClr>
+                      </a:solidFill>
+                      <a:prstDash val="solid"/>
+                      <a:round/>
+                      <a:headEnd type="none" w="med" len="med"/>
+                      <a:tailEnd type="none" w="med" len="med"/>
+                    </a:lnB>
+                    <a:lnTlToBr w="12700" cap="flat" cmpd="sng" algn="ctr">
+                      <a:noFill/>
+                      <a:prstDash val="solid"/>
+                      <a:round/>
+                      <a:headEnd type="none" w="med" len="med"/>
+                      <a:tailEnd type="none" w="med" len="med"/>
+                    </a:lnTlToBr>
+                    <a:lnBlToTr w="12700" cap="flat" cmpd="sng" algn="ctr">
+                      <a:noFill/>
+                      <a:prstDash val="solid"/>
+                      <a:round/>
+                      <a:headEnd type="none" w="med" len="med"/>
+                      <a:tailEnd type="none" w="med" len="med"/>
+                    </a:lnBlToTr>
+                    <a:solidFill>
+                      <a:srgbClr val="CDCECD">
+                        <a:alpha val="100.00%"/>
+                      </a:srgbClr>
+                    </a:solidFill>
+                  </a:tcPr>
+                </a:tc>
+                <a:tc>
+                  <a:txBody>
+                    <a:bodyPr wrap="square" rtlCol="0">
+                      <a:spAutoFit/>
+                    </a:bodyPr>
+                    <a:lstStyle/>
+                    <a:p>
+                      <a:pPr algn="ctr" fontAlgn="ctr" marL="0" marR="0" indent="0" lvl="0">
+                        <a:lnSpc>
+                          <a:spcPct val="100%"/>
+                        </a:lnSpc>
+                      </a:pPr>
+                      <a:r>
+                        <a:rPr lang="en-US" sz="1800" spc="0" u="none">
+                          <a:solidFill>
+                            <a:srgbClr val="000000">
+                              <a:alpha val="100.00%"/>
+                            </a:srgbClr>
+                          </a:solidFill>
+                          <a:latin typeface="Arial (Body)"/>
+                        </a:rPr>
+                        <a:t><![CDATA[No System Association]]></a:t>
+                      </a:r>
+                    </a:p>
+                  </a:txBody>
+                  <a:tcPr anchor="ctr" marL="0" marR="0" marT="0" marB="0">
+                    <a:lnL w="12700" cap="flat" cmpd="sng" algn="ctr">
+                      <a:solidFill>
+                        <a:srgbClr val="FFFFFF">
+                          <a:alpha val="100.00%"/>
+                        </a:srgbClr>
+                      </a:solidFill>
+                      <a:prstDash val="solid"/>
+                      <a:round/>
+                      <a:headEnd type="none" w="med" len="med"/>
+                      <a:tailEnd type="none" w="med" len="med"/>
+                    </a:lnL>
+                    <a:lnR w="12700" cap="flat" cmpd="sng" algn="ctr">
+                      <a:solidFill>
+                        <a:srgbClr val="FFFFFF">
+                          <a:alpha val="100.00%"/>
+                        </a:srgbClr>
+                      </a:solidFill>
+                      <a:prstDash val="solid"/>
+                      <a:round/>
+                      <a:headEnd type="none" w="med" len="med"/>
+                      <a:tailEnd type="none" w="med" len="med"/>
+                    </a:lnR>
+                    <a:lnT w="12700" cap="flat" cmpd="sng" algn="ctr">
+                      <a:solidFill>
+                        <a:srgbClr val="FFFFFF">
+                          <a:alpha val="100.00%"/>
+                        </a:srgbClr>
+                      </a:solidFill>
+                      <a:prstDash val="solid"/>
+                      <a:round/>
+                      <a:headEnd type="none" w="med" len="med"/>
+                      <a:tailEnd type="none" w="med" len="med"/>
+                    </a:lnT>
+                    <a:lnB w="12700" cap="flat" cmpd="sng" algn="ctr">
+                      <a:solidFill>
+                        <a:srgbClr val="FFFFFF">
+                          <a:alpha val="100.00%"/>
+                        </a:srgbClr>
+                      </a:solidFill>
+                      <a:prstDash val="solid"/>
+                      <a:round/>
+                      <a:headEnd type="none" w="med" len="med"/>
+                      <a:tailEnd type="none" w="med" len="med"/>
+                    </a:lnB>
+                    <a:lnTlToBr w="12700" cap="flat" cmpd="sng" algn="ctr">
+                      <a:noFill/>
+                      <a:prstDash val="solid"/>
+                      <a:round/>
+                      <a:headEnd type="none" w="med" len="med"/>
+                      <a:tailEnd type="none" w="med" len="med"/>
+                    </a:lnTlToBr>
+                    <a:lnBlToTr w="12700" cap="flat" cmpd="sng" algn="ctr">
+                      <a:noFill/>
+                      <a:prstDash val="solid"/>
+                      <a:round/>
+                      <a:headEnd type="none" w="med" len="med"/>
+                      <a:tailEnd type="none" w="med" len="med"/>
+                    </a:lnBlToTr>
+                    <a:solidFill>
+                      <a:srgbClr val="CDCECD">
+                        <a:alpha val="100.00%"/>
+                      </a:srgbClr>
+                    </a:solidFill>
+                  </a:tcPr>
+                </a:tc>
+                <a:tc>
+                  <a:txBody>
+                    <a:bodyPr wrap="square" rtlCol="0">
+                      <a:spAutoFit/>
+                    </a:bodyPr>
+                    <a:lstStyle/>
+                    <a:p>
+                      <a:pPr algn="ctr" fontAlgn="ctr" marL="0" marR="0" indent="0" lvl="0">
+                        <a:lnSpc>
+                          <a:spcPct val="100%"/>
+                        </a:lnSpc>
+                      </a:pPr>
+                      <a:r>
+                        <a:rPr lang="en-US" sz="1800" spc="0" u="none">
+                          <a:solidFill>
+                            <a:srgbClr val="000000">
+                              <a:alpha val="100.00%"/>
+                            </a:srgbClr>
+                          </a:solidFill>
+                          <a:latin typeface="Arial (Body)"/>
+                        </a:rPr>
+                        <a:t><![CDATA[Finding 3]]></a:t>
+                      </a:r>
+                    </a:p>
+                  </a:txBody>
+                  <a:tcPr anchor="ctr" marL="0" marR="0" marT="0" marB="0">
+                    <a:lnL w="12700" cap="flat" cmpd="sng" algn="ctr">
+                      <a:solidFill>
+                        <a:srgbClr val="FFFFFF">
+                          <a:alpha val="100.00%"/>
+                        </a:srgbClr>
+                      </a:solidFill>
+                      <a:prstDash val="solid"/>
+                      <a:round/>
+                      <a:headEnd type="none" w="med" len="med"/>
+                      <a:tailEnd type="none" w="med" len="med"/>
+                    </a:lnL>
+                    <a:lnR w="12700" cap="flat" cmpd="sng" algn="ctr">
+                      <a:solidFill>
+                        <a:srgbClr val="FFFFFF">
+                          <a:alpha val="100.00%"/>
+                        </a:srgbClr>
+                      </a:solidFill>
+                      <a:prstDash val="solid"/>
+                      <a:round/>
+                      <a:headEnd type="none" w="med" len="med"/>
+                      <a:tailEnd type="none" w="med" len="med"/>
+                    </a:lnR>
+                    <a:lnT w="12700" cap="flat" cmpd="sng" algn="ctr">
+                      <a:solidFill>
+                        <a:srgbClr val="FFFFFF">
+                          <a:alpha val="100.00%"/>
+                        </a:srgbClr>
+                      </a:solidFill>
+                      <a:prstDash val="solid"/>
+                      <a:round/>
+                      <a:headEnd type="none" w="med" len="med"/>
+                      <a:tailEnd type="none" w="med" len="med"/>
+                    </a:lnT>
+                    <a:lnB w="12700" cap="flat" cmpd="sng" algn="ctr">
+                      <a:solidFill>
+                        <a:srgbClr val="FFFFFF">
+                          <a:alpha val="100.00%"/>
+                        </a:srgbClr>
+                      </a:solidFill>
+                      <a:prstDash val="solid"/>
+                      <a:round/>
+                      <a:headEnd type="none" w="med" len="med"/>
+                      <a:tailEnd type="none" w="med" len="med"/>
+                    </a:lnB>
+                    <a:lnTlToBr w="12700" cap="flat" cmpd="sng" algn="ctr">
+                      <a:noFill/>
+                      <a:prstDash val="solid"/>
+                      <a:round/>
+                      <a:headEnd type="none" w="med" len="med"/>
+                      <a:tailEnd type="none" w="med" len="med"/>
+                    </a:lnTlToBr>
+                    <a:lnBlToTr w="12700" cap="flat" cmpd="sng" algn="ctr">
+                      <a:noFill/>
+                      <a:prstDash val="solid"/>
+                      <a:round/>
+                      <a:headEnd type="none" w="med" len="med"/>
+                      <a:tailEnd type="none" w="med" len="med"/>
+                    </a:lnBlToTr>
+                    <a:solidFill>
+                      <a:srgbClr val="CDCECD">
+                        <a:alpha val="100.00%"/>
+                      </a:srgbClr>
+                    </a:solidFill>
+                  </a:tcPr>
+                </a:tc>
+                <a:tc>
+                  <a:txBody>
+                    <a:bodyPr wrap="square" rtlCol="0">
+                      <a:spAutoFit/>
+                    </a:bodyPr>
+                    <a:lstStyle/>
+                    <a:p>
+                      <a:pPr algn="ctr" fontAlgn="ctr" marL="0" marR="0" indent="0" lvl="0">
+                        <a:lnSpc>
+                          <a:spcPct val="100%"/>
+                        </a:lnSpc>
+                      </a:pPr>
+                      <a:r>
+                        <a:rPr lang="en-US" b="1" sz="1100" spc="0" u="none">
+                          <a:solidFill>
+                            <a:srgbClr val="000000">
+                              <a:alpha val="100.00%"/>
+                            </a:srgbClr>
+                          </a:solidFill>
+                          <a:latin typeface="Times New Roman"/>
+                        </a:rPr>
+                        <a:t><![CDATA[Moderate]]></a:t>
+                      </a:r>
+                    </a:p>
+                  </a:txBody>
+                  <a:tcPr anchor="ctr" marL="0" marR="0" marT="0" marB="0">
+                    <a:lnL w="12700" cap="flat" cmpd="sng" algn="ctr">
+                      <a:solidFill>
+                        <a:srgbClr val="FFFFFF">
+                          <a:alpha val="100.00%"/>
+                        </a:srgbClr>
+                      </a:solidFill>
+                      <a:prstDash val="solid"/>
+                      <a:round/>
+                      <a:headEnd type="none" w="med" len="med"/>
+                      <a:tailEnd type="none" w="med" len="med"/>
+                    </a:lnL>
+                    <a:lnR w="12700" cap="flat" cmpd="sng" algn="ctr">
+                      <a:solidFill>
+                        <a:srgbClr val="FFFFFF">
+                          <a:alpha val="100.00%"/>
+                        </a:srgbClr>
+                      </a:solidFill>
+                      <a:prstDash val="solid"/>
+                      <a:round/>
+                      <a:headEnd type="none" w="med" len="med"/>
+                      <a:tailEnd type="none" w="med" len="med"/>
+                    </a:lnR>
+                    <a:lnT w="12700" cap="flat" cmpd="sng" algn="ctr">
+                      <a:solidFill>
+                        <a:srgbClr val="FFFFFF">
+                          <a:alpha val="100.00%"/>
+                        </a:srgbClr>
+                      </a:solidFill>
+                      <a:prstDash val="solid"/>
+                      <a:round/>
+                      <a:headEnd type="none" w="med" len="med"/>
+                      <a:tailEnd type="none" w="med" len="med"/>
+                    </a:lnT>
+                    <a:lnB w="12700" cap="flat" cmpd="sng" algn="ctr">
+                      <a:solidFill>
+                        <a:srgbClr val="FFFFFF">
+                          <a:alpha val="100.00%"/>
+                        </a:srgbClr>
+                      </a:solidFill>
+                      <a:prstDash val="solid"/>
+                      <a:round/>
+                      <a:headEnd type="none" w="med" len="med"/>
+                      <a:tailEnd type="none" w="med" len="med"/>
+                    </a:lnB>
+                    <a:lnTlToBr w="12700" cap="flat" cmpd="sng" algn="ctr">
+                      <a:noFill/>
+                      <a:prstDash val="solid"/>
+                      <a:round/>
+                      <a:headEnd type="none" w="med" len="med"/>
+                      <a:tailEnd type="none" w="med" len="med"/>
+                    </a:lnTlToBr>
+                    <a:lnBlToTr w="12700" cap="flat" cmpd="sng" algn="ctr">
+                      <a:noFill/>
+                      <a:prstDash val="solid"/>
+                      <a:round/>
+                      <a:headEnd type="none" w="med" len="med"/>
+                      <a:tailEnd type="none" w="med" len="med"/>
+                    </a:lnBlToTr>
+                    <a:solidFill>
+                      <a:srgbClr val="CDCECD">
+                        <a:alpha val="100.00%"/>
+                      </a:srgbClr>
+                    </a:solidFill>
+                  </a:tcPr>
+                </a:tc>
+                <a:tc>
+                  <a:txBody>
+                    <a:bodyPr wrap="square" rtlCol="0">
+                      <a:spAutoFit/>
+                    </a:bodyPr>
+                    <a:lstStyle/>
+                    <a:p>
+                      <a:pPr algn="ctr" fontAlgn="ctr" marL="0" marR="0" indent="0" lvl="0">
+                        <a:lnSpc>
+                          <a:spcPct val="100%"/>
+                        </a:lnSpc>
+                      </a:pPr>
+                      <a:r>
+                        <a:rPr lang="en-US" b="1" sz="1100" spc="0" u="none">
+                          <a:solidFill>
+                            <a:srgbClr val="000000">
+                              <a:alpha val="100.00%"/>
+                            </a:srgbClr>
+                          </a:solidFill>
+                          <a:latin typeface="Times New Roman"/>
+                        </a:rPr>
+                        <a:t><![CDATA[Low]]></a:t>
+                      </a:r>
+                    </a:p>
+                  </a:txBody>
+                  <a:tcPr anchor="ctr" marL="0" marR="0" marT="0" marB="0">
+                    <a:lnL w="12700" cap="flat" cmpd="sng" algn="ctr">
+                      <a:solidFill>
+                        <a:srgbClr val="FFFFFF">
+                          <a:alpha val="100.00%"/>
+                        </a:srgbClr>
+                      </a:solidFill>
+                      <a:prstDash val="solid"/>
+                      <a:round/>
+                      <a:headEnd type="none" w="med" len="med"/>
+                      <a:tailEnd type="none" w="med" len="med"/>
+                    </a:lnL>
+                    <a:lnR w="12700" cap="flat" cmpd="sng" algn="ctr">
+                      <a:solidFill>
+                        <a:srgbClr val="FFFFFF">
+                          <a:alpha val="100.00%"/>
+                        </a:srgbClr>
+                      </a:solidFill>
+                      <a:prstDash val="solid"/>
+                      <a:round/>
+                      <a:headEnd type="none" w="med" len="med"/>
+                      <a:tailEnd type="none" w="med" len="med"/>
+                    </a:lnR>
+                    <a:lnT w="12700" cap="flat" cmpd="sng" algn="ctr">
+                      <a:solidFill>
+                        <a:srgbClr val="FFFFFF">
+                          <a:alpha val="100.00%"/>
+                        </a:srgbClr>
+                      </a:solidFill>
+                      <a:prstDash val="solid"/>
+                      <a:round/>
+                      <a:headEnd type="none" w="med" len="med"/>
+                      <a:tailEnd type="none" w="med" len="med"/>
+                    </a:lnT>
+                    <a:lnB w="12700" cap="flat" cmpd="sng" algn="ctr">
+                      <a:solidFill>
+                        <a:srgbClr val="FFFFFF">
+                          <a:alpha val="100.00%"/>
+                        </a:srgbClr>
+                      </a:solidFill>
+                      <a:prstDash val="solid"/>
+                      <a:round/>
+                      <a:headEnd type="none" w="med" len="med"/>
+                      <a:tailEnd type="none" w="med" len="med"/>
+                    </a:lnB>
+                    <a:lnTlToBr w="12700" cap="flat" cmpd="sng" algn="ctr">
+                      <a:noFill/>
+                      <a:prstDash val="solid"/>
+                      <a:round/>
+                      <a:headEnd type="none" w="med" len="med"/>
+                      <a:tailEnd type="none" w="med" len="med"/>
+                    </a:lnTlToBr>
+                    <a:lnBlToTr w="12700" cap="flat" cmpd="sng" algn="ctr">
+                      <a:noFill/>
+                      <a:prstDash val="solid"/>
+                      <a:round/>
+                      <a:headEnd type="none" w="med" len="med"/>
+                      <a:tailEnd type="none" w="med" len="med"/>
+                    </a:lnBlToTr>
+                    <a:solidFill>
+                      <a:srgbClr val="CDCECD">
+                        <a:alpha val="100.00%"/>
+                      </a:srgbClr>
+                    </a:solidFill>
+                  </a:tcPr>
+                </a:tc>
+              </a:tr>
+              <a:tr h="361950">
+                <a:tc>
+                  <a:txBody>
+                    <a:bodyPr wrap="square" rtlCol="0">
+                      <a:spAutoFit/>
+                    </a:bodyPr>
+                    <a:lstStyle/>
+                    <a:p>
+                      <a:pPr algn="ctr" fontAlgn="ctr" marL="0" marR="0" indent="0" lvl="0">
+                        <a:lnSpc>
+                          <a:spcPct val="100%"/>
+                        </a:lnSpc>
+                      </a:pPr>
+                      <a:r>
+                        <a:rPr lang="en-US" sz="1800" spc="0" u="none">
+                          <a:solidFill>
+                            <a:srgbClr val="000000">
+                              <a:alpha val="100.00%"/>
+                            </a:srgbClr>
+                          </a:solidFill>
+                          <a:latin typeface="Arial (Body)"/>
+                        </a:rPr>
+                        <a:t><![CDATA[4]]></a:t>
+                      </a:r>
+                    </a:p>
+                  </a:txBody>
+                  <a:tcPr anchor="ctr" marL="0" marR="0" marT="0" marB="0">
+                    <a:lnL w="12700" cap="flat" cmpd="sng" algn="ctr">
+                      <a:solidFill>
+                        <a:srgbClr val="FFFFFF">
+                          <a:alpha val="100.00%"/>
+                        </a:srgbClr>
+                      </a:solidFill>
+                      <a:prstDash val="solid"/>
+                      <a:round/>
+                      <a:headEnd type="none" w="med" len="med"/>
+                      <a:tailEnd type="none" w="med" len="med"/>
+                    </a:lnL>
+                    <a:lnR w="12700" cap="flat" cmpd="sng" algn="ctr">
+                      <a:solidFill>
+                        <a:srgbClr val="FFFFFF">
+                          <a:alpha val="100.00%"/>
+                        </a:srgbClr>
+                      </a:solidFill>
+                      <a:prstDash val="solid"/>
+                      <a:round/>
+                      <a:headEnd type="none" w="med" len="med"/>
+                      <a:tailEnd type="none" w="med" len="med"/>
+                    </a:lnR>
+                    <a:lnT w="12700" cap="flat" cmpd="sng" algn="ctr">
+                      <a:solidFill>
+                        <a:srgbClr val="FFFFFF">
+                          <a:alpha val="100.00%"/>
+                        </a:srgbClr>
+                      </a:solidFill>
+                      <a:prstDash val="solid"/>
+                      <a:round/>
+                      <a:headEnd type="none" w="med" len="med"/>
+                      <a:tailEnd type="none" w="med" len="med"/>
+                    </a:lnT>
+                    <a:lnB w="12700" cap="flat" cmpd="sng" algn="ctr">
+                      <a:solidFill>
+                        <a:srgbClr val="FFFFFF">
+                          <a:alpha val="100.00%"/>
+                        </a:srgbClr>
+                      </a:solidFill>
+                      <a:prstDash val="solid"/>
+                      <a:round/>
+                      <a:headEnd type="none" w="med" len="med"/>
+                      <a:tailEnd type="none" w="med" len="med"/>
+                    </a:lnB>
+                    <a:lnTlToBr w="12700" cap="flat" cmpd="sng" algn="ctr">
+                      <a:noFill/>
+                      <a:prstDash val="solid"/>
+                      <a:round/>
+                      <a:headEnd type="none" w="med" len="med"/>
+                      <a:tailEnd type="none" w="med" len="med"/>
+                    </a:lnTlToBr>
+                    <a:lnBlToTr w="12700" cap="flat" cmpd="sng" algn="ctr">
+                      <a:noFill/>
+                      <a:prstDash val="solid"/>
+                      <a:round/>
+                      <a:headEnd type="none" w="med" len="med"/>
+                      <a:tailEnd type="none" w="med" len="med"/>
+                    </a:lnBlToTr>
+                    <a:solidFill>
+                      <a:srgbClr val="E8E8E8">
+                        <a:alpha val="100.00%"/>
+                      </a:srgbClr>
+                    </a:solidFill>
+                  </a:tcPr>
+                </a:tc>
+                <a:tc>
+                  <a:txBody>
+                    <a:bodyPr wrap="square" rtlCol="0">
+                      <a:spAutoFit/>
+                    </a:bodyPr>
+                    <a:lstStyle/>
+                    <a:p>
+                      <a:pPr algn="ctr" fontAlgn="ctr" marL="0" marR="0" indent="0" lvl="0">
+                        <a:lnSpc>
+                          <a:spcPct val="100%"/>
+                        </a:lnSpc>
+                      </a:pPr>
+                      <a:r>
+                        <a:rPr lang="en-US" sz="1800" spc="0" u="none">
+                          <a:solidFill>
+                            <a:srgbClr val="000000">
+                              <a:alpha val="100.00%"/>
+                            </a:srgbClr>
+                          </a:solidFill>
+                          <a:latin typeface="Arial (Body)"/>
+                        </a:rPr>
+                        <a:t><![CDATA[No System Association]]></a:t>
+                      </a:r>
+                    </a:p>
+                  </a:txBody>
+                  <a:tcPr anchor="ctr" marL="0" marR="0" marT="0" marB="0">
+                    <a:lnL w="12700" cap="flat" cmpd="sng" algn="ctr">
+                      <a:solidFill>
+                        <a:srgbClr val="FFFFFF">
+                          <a:alpha val="100.00%"/>
+                        </a:srgbClr>
+                      </a:solidFill>
+                      <a:prstDash val="solid"/>
+                      <a:round/>
+                      <a:headEnd type="none" w="med" len="med"/>
+                      <a:tailEnd type="none" w="med" len="med"/>
+                    </a:lnL>
+                    <a:lnR w="12700" cap="flat" cmpd="sng" algn="ctr">
+                      <a:solidFill>
+                        <a:srgbClr val="FFFFFF">
+                          <a:alpha val="100.00%"/>
+                        </a:srgbClr>
+                      </a:solidFill>
+                      <a:prstDash val="solid"/>
+                      <a:round/>
+                      <a:headEnd type="none" w="med" len="med"/>
+                      <a:tailEnd type="none" w="med" len="med"/>
+                    </a:lnR>
+                    <a:lnT w="12700" cap="flat" cmpd="sng" algn="ctr">
+                      <a:solidFill>
+                        <a:srgbClr val="FFFFFF">
+                          <a:alpha val="100.00%"/>
+                        </a:srgbClr>
+                      </a:solidFill>
+                      <a:prstDash val="solid"/>
+                      <a:round/>
+                      <a:headEnd type="none" w="med" len="med"/>
+                      <a:tailEnd type="none" w="med" len="med"/>
+                    </a:lnT>
+                    <a:lnB w="12700" cap="flat" cmpd="sng" algn="ctr">
+                      <a:solidFill>
+                        <a:srgbClr val="FFFFFF">
+                          <a:alpha val="100.00%"/>
+                        </a:srgbClr>
+                      </a:solidFill>
+                      <a:prstDash val="solid"/>
+                      <a:round/>
+                      <a:headEnd type="none" w="med" len="med"/>
+                      <a:tailEnd type="none" w="med" len="med"/>
+                    </a:lnB>
+                    <a:lnTlToBr w="12700" cap="flat" cmpd="sng" algn="ctr">
+                      <a:noFill/>
+                      <a:prstDash val="solid"/>
+                      <a:round/>
+                      <a:headEnd type="none" w="med" len="med"/>
+                      <a:tailEnd type="none" w="med" len="med"/>
+                    </a:lnTlToBr>
+                    <a:lnBlToTr w="12700" cap="flat" cmpd="sng" algn="ctr">
+                      <a:noFill/>
+                      <a:prstDash val="solid"/>
+                      <a:round/>
+                      <a:headEnd type="none" w="med" len="med"/>
+                      <a:tailEnd type="none" w="med" len="med"/>
+                    </a:lnBlToTr>
+                    <a:solidFill>
+                      <a:srgbClr val="E8E8E8">
+                        <a:alpha val="100.00%"/>
+                      </a:srgbClr>
+                    </a:solidFill>
+                  </a:tcPr>
+                </a:tc>
+                <a:tc>
+                  <a:txBody>
+                    <a:bodyPr wrap="square" rtlCol="0">
+                      <a:spAutoFit/>
+                    </a:bodyPr>
+                    <a:lstStyle/>
+                    <a:p>
+                      <a:pPr algn="ctr" fontAlgn="ctr" marL="0" marR="0" indent="0" lvl="0">
+                        <a:lnSpc>
+                          <a:spcPct val="100%"/>
+                        </a:lnSpc>
+                      </a:pPr>
+                      <a:r>
+                        <a:rPr lang="en-US" sz="1800" spc="0" u="none">
+                          <a:solidFill>
+                            <a:srgbClr val="000000">
+                              <a:alpha val="100.00%"/>
+                            </a:srgbClr>
+                          </a:solidFill>
+                          <a:latin typeface="Arial (Body)"/>
+                        </a:rPr>
+                        <a:t><![CDATA[Finding 4]]></a:t>
+                      </a:r>
+                    </a:p>
+                  </a:txBody>
+                  <a:tcPr anchor="ctr" marL="0" marR="0" marT="0" marB="0">
+                    <a:lnL w="12700" cap="flat" cmpd="sng" algn="ctr">
+                      <a:solidFill>
+                        <a:srgbClr val="FFFFFF">
+                          <a:alpha val="100.00%"/>
+                        </a:srgbClr>
+                      </a:solidFill>
+                      <a:prstDash val="solid"/>
+                      <a:round/>
+                      <a:headEnd type="none" w="med" len="med"/>
+                      <a:tailEnd type="none" w="med" len="med"/>
+                    </a:lnL>
+                    <a:lnR w="12700" cap="flat" cmpd="sng" algn="ctr">
+                      <a:solidFill>
+                        <a:srgbClr val="FFFFFF">
+                          <a:alpha val="100.00%"/>
+                        </a:srgbClr>
+                      </a:solidFill>
+                      <a:prstDash val="solid"/>
+                      <a:round/>
+                      <a:headEnd type="none" w="med" len="med"/>
+                      <a:tailEnd type="none" w="med" len="med"/>
+                    </a:lnR>
+                    <a:lnT w="12700" cap="flat" cmpd="sng" algn="ctr">
+                      <a:solidFill>
+                        <a:srgbClr val="FFFFFF">
+                          <a:alpha val="100.00%"/>
+                        </a:srgbClr>
+                      </a:solidFill>
+                      <a:prstDash val="solid"/>
+                      <a:round/>
+                      <a:headEnd type="none" w="med" len="med"/>
+                      <a:tailEnd type="none" w="med" len="med"/>
+                    </a:lnT>
+                    <a:lnB w="12700" cap="flat" cmpd="sng" algn="ctr">
+                      <a:solidFill>
+                        <a:srgbClr val="FFFFFF">
+                          <a:alpha val="100.00%"/>
+                        </a:srgbClr>
+                      </a:solidFill>
+                      <a:prstDash val="solid"/>
+                      <a:round/>
+                      <a:headEnd type="none" w="med" len="med"/>
+                      <a:tailEnd type="none" w="med" len="med"/>
+                    </a:lnB>
+                    <a:lnTlToBr w="12700" cap="flat" cmpd="sng" algn="ctr">
+                      <a:noFill/>
+                      <a:prstDash val="solid"/>
+                      <a:round/>
+                      <a:headEnd type="none" w="med" len="med"/>
+                      <a:tailEnd type="none" w="med" len="med"/>
+                    </a:lnTlToBr>
+                    <a:lnBlToTr w="12700" cap="flat" cmpd="sng" algn="ctr">
+                      <a:noFill/>
+                      <a:prstDash val="solid"/>
+                      <a:round/>
+                      <a:headEnd type="none" w="med" len="med"/>
+                      <a:tailEnd type="none" w="med" len="med"/>
+                    </a:lnBlToTr>
+                    <a:solidFill>
+                      <a:srgbClr val="E8E8E8">
+                        <a:alpha val="100.00%"/>
+                      </a:srgbClr>
+                    </a:solidFill>
+                  </a:tcPr>
+                </a:tc>
+                <a:tc>
+                  <a:txBody>
+                    <a:bodyPr wrap="square" rtlCol="0">
+                      <a:spAutoFit/>
+                    </a:bodyPr>
+                    <a:lstStyle/>
+                    <a:p>
+                      <a:pPr algn="ctr" fontAlgn="ctr" marL="0" marR="0" indent="0" lvl="0">
+                        <a:lnSpc>
+                          <a:spcPct val="100%"/>
+                        </a:lnSpc>
+                      </a:pPr>
+                      <a:r>
+                        <a:rPr lang="en-US" b="1" sz="1100" spc="0" u="none">
+                          <a:solidFill>
+                            <a:srgbClr val="000000">
+                              <a:alpha val="100.00%"/>
+                            </a:srgbClr>
+                          </a:solidFill>
+                          <a:latin typeface="Times New Roman"/>
+                        </a:rPr>
+                        <a:t><![CDATA[Moderate]]></a:t>
+                      </a:r>
+                    </a:p>
+                  </a:txBody>
+                  <a:tcPr anchor="ctr" marL="0" marR="0" marT="0" marB="0">
+                    <a:lnL w="12700" cap="flat" cmpd="sng" algn="ctr">
+                      <a:solidFill>
+                        <a:srgbClr val="FFFFFF">
+                          <a:alpha val="100.00%"/>
+                        </a:srgbClr>
+                      </a:solidFill>
+                      <a:prstDash val="solid"/>
+                      <a:round/>
+                      <a:headEnd type="none" w="med" len="med"/>
+                      <a:tailEnd type="none" w="med" len="med"/>
+                    </a:lnL>
+                    <a:lnR w="12700" cap="flat" cmpd="sng" algn="ctr">
+                      <a:solidFill>
+                        <a:srgbClr val="FFFFFF">
+                          <a:alpha val="100.00%"/>
+                        </a:srgbClr>
+                      </a:solidFill>
+                      <a:prstDash val="solid"/>
+                      <a:round/>
+                      <a:headEnd type="none" w="med" len="med"/>
+                      <a:tailEnd type="none" w="med" len="med"/>
+                    </a:lnR>
+                    <a:lnT w="12700" cap="flat" cmpd="sng" algn="ctr">
+                      <a:solidFill>
+                        <a:srgbClr val="FFFFFF">
+                          <a:alpha val="100.00%"/>
+                        </a:srgbClr>
+                      </a:solidFill>
+                      <a:prstDash val="solid"/>
+                      <a:round/>
+                      <a:headEnd type="none" w="med" len="med"/>
+                      <a:tailEnd type="none" w="med" len="med"/>
+                    </a:lnT>
+                    <a:lnB w="12700" cap="flat" cmpd="sng" algn="ctr">
+                      <a:solidFill>
+                        <a:srgbClr val="FFFFFF">
+                          <a:alpha val="100.00%"/>
+                        </a:srgbClr>
+                      </a:solidFill>
+                      <a:prstDash val="solid"/>
+                      <a:round/>
+                      <a:headEnd type="none" w="med" len="med"/>
+                      <a:tailEnd type="none" w="med" len="med"/>
+                    </a:lnB>
+                    <a:lnTlToBr w="12700" cap="flat" cmpd="sng" algn="ctr">
+                      <a:noFill/>
+                      <a:prstDash val="solid"/>
+                      <a:round/>
+                      <a:headEnd type="none" w="med" len="med"/>
+                      <a:tailEnd type="none" w="med" len="med"/>
+                    </a:lnTlToBr>
+                    <a:lnBlToTr w="12700" cap="flat" cmpd="sng" algn="ctr">
+                      <a:noFill/>
+                      <a:prstDash val="solid"/>
+                      <a:round/>
+                      <a:headEnd type="none" w="med" len="med"/>
+                      <a:tailEnd type="none" w="med" len="med"/>
+                    </a:lnBlToTr>
+                    <a:solidFill>
+                      <a:srgbClr val="E8E8E8">
+                        <a:alpha val="100.00%"/>
+                      </a:srgbClr>
+                    </a:solidFill>
+                  </a:tcPr>
+                </a:tc>
+                <a:tc>
+                  <a:txBody>
+                    <a:bodyPr wrap="square" rtlCol="0">
+                      <a:spAutoFit/>
+                    </a:bodyPr>
+                    <a:lstStyle/>
+                    <a:p>
+                      <a:pPr algn="ctr" fontAlgn="ctr" marL="0" marR="0" indent="0" lvl="0">
+                        <a:lnSpc>
+                          <a:spcPct val="100%"/>
+                        </a:lnSpc>
+                      </a:pPr>
+                      <a:r>
+                        <a:rPr lang="en-US" b="1" sz="1100" spc="0" u="none">
+                          <a:solidFill>
+                            <a:srgbClr val="000000">
+                              <a:alpha val="100.00%"/>
+                            </a:srgbClr>
+                          </a:solidFill>
+                          <a:latin typeface="Times New Roman"/>
+                        </a:rPr>
+                        <a:t><![CDATA[Low]]></a:t>
+                      </a:r>
+                    </a:p>
+                  </a:txBody>
+                  <a:tcPr anchor="ctr" marL="0" marR="0" marT="0" marB="0">
+                    <a:lnL w="12700" cap="flat" cmpd="sng" algn="ctr">
+                      <a:solidFill>
+                        <a:srgbClr val="FFFFFF">
+                          <a:alpha val="100.00%"/>
+                        </a:srgbClr>
+                      </a:solidFill>
+                      <a:prstDash val="solid"/>
+                      <a:round/>
+                      <a:headEnd type="none" w="med" len="med"/>
+                      <a:tailEnd type="none" w="med" len="med"/>
+                    </a:lnL>
+                    <a:lnR w="12700" cap="flat" cmpd="sng" algn="ctr">
+                      <a:solidFill>
+                        <a:srgbClr val="FFFFFF">
+                          <a:alpha val="100.00%"/>
+                        </a:srgbClr>
+                      </a:solidFill>
+                      <a:prstDash val="solid"/>
+                      <a:round/>
+                      <a:headEnd type="none" w="med" len="med"/>
+                      <a:tailEnd type="none" w="med" len="med"/>
+                    </a:lnR>
+                    <a:lnT w="12700" cap="flat" cmpd="sng" algn="ctr">
+                      <a:solidFill>
+                        <a:srgbClr val="FFFFFF">
+                          <a:alpha val="100.00%"/>
+                        </a:srgbClr>
+                      </a:solidFill>
+                      <a:prstDash val="solid"/>
+                      <a:round/>
+                      <a:headEnd type="none" w="med" len="med"/>
+                      <a:tailEnd type="none" w="med" len="med"/>
+                    </a:lnT>
+                    <a:lnB w="12700" cap="flat" cmpd="sng" algn="ctr">
+                      <a:solidFill>
+                        <a:srgbClr val="FFFFFF">
+                          <a:alpha val="100.00%"/>
+                        </a:srgbClr>
+                      </a:solidFill>
+                      <a:prstDash val="solid"/>
+                      <a:round/>
+                      <a:headEnd type="none" w="med" len="med"/>
+                      <a:tailEnd type="none" w="med" len="med"/>
+                    </a:lnB>
+                    <a:lnTlToBr w="12700" cap="flat" cmpd="sng" algn="ctr">
+                      <a:noFill/>
+                      <a:prstDash val="solid"/>
+                      <a:round/>
+                      <a:headEnd type="none" w="med" len="med"/>
+                      <a:tailEnd type="none" w="med" len="med"/>
+                    </a:lnTlToBr>
+                    <a:lnBlToTr w="12700" cap="flat" cmpd="sng" algn="ctr">
+                      <a:noFill/>
+                      <a:prstDash val="solid"/>
+                      <a:round/>
+                      <a:headEnd type="none" w="med" len="med"/>
+                      <a:tailEnd type="none" w="med" len="med"/>
+                    </a:lnBlToTr>
+                    <a:solidFill>
+                      <a:srgbClr val="E8E8E8">
+                        <a:alpha val="100.00%"/>
+                      </a:srgbClr>
+                    </a:solidFill>
+                  </a:tcPr>
+                </a:tc>
+              </a:tr>
+              <a:tr h="361950">
+                <a:tc>
+                  <a:txBody>
+                    <a:bodyPr wrap="square" rtlCol="0">
+                      <a:spAutoFit/>
+                    </a:bodyPr>
+                    <a:lstStyle/>
+                    <a:p>
+                      <a:pPr algn="ctr" fontAlgn="ctr" marL="0" marR="0" indent="0" lvl="0">
+                        <a:lnSpc>
+                          <a:spcPct val="100%"/>
+                        </a:lnSpc>
+                      </a:pPr>
+                      <a:r>
+                        <a:rPr lang="en-US" sz="1800" spc="0" u="none">
+                          <a:solidFill>
+                            <a:srgbClr val="000000">
+                              <a:alpha val="100.00%"/>
+                            </a:srgbClr>
+                          </a:solidFill>
+                          <a:latin typeface="Arial (Body)"/>
+                        </a:rPr>
+                        <a:t><![CDATA[5]]></a:t>
+                      </a:r>
+                    </a:p>
+                  </a:txBody>
+                  <a:tcPr anchor="ctr" marL="0" marR="0" marT="0" marB="0">
+                    <a:lnL w="12700" cap="flat" cmpd="sng" algn="ctr">
+                      <a:solidFill>
+                        <a:srgbClr val="FFFFFF">
+                          <a:alpha val="100.00%"/>
+                        </a:srgbClr>
+                      </a:solidFill>
+                      <a:prstDash val="solid"/>
+                      <a:round/>
+                      <a:headEnd type="none" w="med" len="med"/>
+                      <a:tailEnd type="none" w="med" len="med"/>
+                    </a:lnL>
+                    <a:lnR w="12700" cap="flat" cmpd="sng" algn="ctr">
+                      <a:solidFill>
+                        <a:srgbClr val="FFFFFF">
+                          <a:alpha val="100.00%"/>
+                        </a:srgbClr>
+                      </a:solidFill>
+                      <a:prstDash val="solid"/>
+                      <a:round/>
+                      <a:headEnd type="none" w="med" len="med"/>
+                      <a:tailEnd type="none" w="med" len="med"/>
+                    </a:lnR>
+                    <a:lnT w="12700" cap="flat" cmpd="sng" algn="ctr">
+                      <a:solidFill>
+                        <a:srgbClr val="FFFFFF">
+                          <a:alpha val="100.00%"/>
+                        </a:srgbClr>
+                      </a:solidFill>
+                      <a:prstDash val="solid"/>
+                      <a:round/>
+                      <a:headEnd type="none" w="med" len="med"/>
+                      <a:tailEnd type="none" w="med" len="med"/>
+                    </a:lnT>
+                    <a:lnB w="12700" cap="flat" cmpd="sng" algn="ctr">
+                      <a:solidFill>
+                        <a:srgbClr val="FFFFFF">
+                          <a:alpha val="100.00%"/>
+                        </a:srgbClr>
+                      </a:solidFill>
+                      <a:prstDash val="solid"/>
+                      <a:round/>
+                      <a:headEnd type="none" w="med" len="med"/>
+                      <a:tailEnd type="none" w="med" len="med"/>
+                    </a:lnB>
+                    <a:lnTlToBr w="12700" cap="flat" cmpd="sng" algn="ctr">
+                      <a:noFill/>
+                      <a:prstDash val="solid"/>
+                      <a:round/>
+                      <a:headEnd type="none" w="med" len="med"/>
+                      <a:tailEnd type="none" w="med" len="med"/>
+                    </a:lnTlToBr>
+                    <a:lnBlToTr w="12700" cap="flat" cmpd="sng" algn="ctr">
+                      <a:noFill/>
+                      <a:prstDash val="solid"/>
+                      <a:round/>
+                      <a:headEnd type="none" w="med" len="med"/>
+                      <a:tailEnd type="none" w="med" len="med"/>
+                    </a:lnBlToTr>
+                    <a:solidFill>
+                      <a:srgbClr val="CDCECD">
+                        <a:alpha val="100.00%"/>
+                      </a:srgbClr>
+                    </a:solidFill>
+                  </a:tcPr>
+                </a:tc>
+                <a:tc>
+                  <a:txBody>
+                    <a:bodyPr wrap="square" rtlCol="0">
+                      <a:spAutoFit/>
+                    </a:bodyPr>
+                    <a:lstStyle/>
+                    <a:p>
+                      <a:pPr algn="ctr" fontAlgn="ctr" marL="0" marR="0" indent="0" lvl="0">
+                        <a:lnSpc>
+                          <a:spcPct val="100%"/>
+                        </a:lnSpc>
+                      </a:pPr>
+                      <a:r>
+                        <a:rPr lang="en-US" sz="1800" spc="0" u="none">
+                          <a:solidFill>
+                            <a:srgbClr val="000000">
+                              <a:alpha val="100.00%"/>
+                            </a:srgbClr>
+                          </a:solidFill>
+                          <a:latin typeface="Arial (Body)"/>
+                        </a:rPr>
+                        <a:t><![CDATA[No System Association]]></a:t>
+                      </a:r>
+                    </a:p>
+                  </a:txBody>
+                  <a:tcPr anchor="ctr" marL="0" marR="0" marT="0" marB="0">
+                    <a:lnL w="12700" cap="flat" cmpd="sng" algn="ctr">
+                      <a:solidFill>
+                        <a:srgbClr val="FFFFFF">
+                          <a:alpha val="100.00%"/>
+                        </a:srgbClr>
+                      </a:solidFill>
+                      <a:prstDash val="solid"/>
+                      <a:round/>
+                      <a:headEnd type="none" w="med" len="med"/>
+                      <a:tailEnd type="none" w="med" len="med"/>
+                    </a:lnL>
+                    <a:lnR w="12700" cap="flat" cmpd="sng" algn="ctr">
+                      <a:solidFill>
+                        <a:srgbClr val="FFFFFF">
+                          <a:alpha val="100.00%"/>
+                        </a:srgbClr>
+                      </a:solidFill>
+                      <a:prstDash val="solid"/>
+                      <a:round/>
+                      <a:headEnd type="none" w="med" len="med"/>
+                      <a:tailEnd type="none" w="med" len="med"/>
+                    </a:lnR>
+                    <a:lnT w="12700" cap="flat" cmpd="sng" algn="ctr">
+                      <a:solidFill>
+                        <a:srgbClr val="FFFFFF">
+                          <a:alpha val="100.00%"/>
+                        </a:srgbClr>
+                      </a:solidFill>
+                      <a:prstDash val="solid"/>
+                      <a:round/>
+                      <a:headEnd type="none" w="med" len="med"/>
+                      <a:tailEnd type="none" w="med" len="med"/>
+                    </a:lnT>
+                    <a:lnB w="12700" cap="flat" cmpd="sng" algn="ctr">
+                      <a:solidFill>
+                        <a:srgbClr val="FFFFFF">
+                          <a:alpha val="100.00%"/>
+                        </a:srgbClr>
+                      </a:solidFill>
+                      <a:prstDash val="solid"/>
+                      <a:round/>
+                      <a:headEnd type="none" w="med" len="med"/>
+                      <a:tailEnd type="none" w="med" len="med"/>
+                    </a:lnB>
+                    <a:lnTlToBr w="12700" cap="flat" cmpd="sng" algn="ctr">
+                      <a:noFill/>
+                      <a:prstDash val="solid"/>
+                      <a:round/>
+                      <a:headEnd type="none" w="med" len="med"/>
+                      <a:tailEnd type="none" w="med" len="med"/>
+                    </a:lnTlToBr>
+                    <a:lnBlToTr w="12700" cap="flat" cmpd="sng" algn="ctr">
+                      <a:noFill/>
+                      <a:prstDash val="solid"/>
+                      <a:round/>
+                      <a:headEnd type="none" w="med" len="med"/>
+                      <a:tailEnd type="none" w="med" len="med"/>
+                    </a:lnBlToTr>
+                    <a:solidFill>
+                      <a:srgbClr val="CDCECD">
+                        <a:alpha val="100.00%"/>
+                      </a:srgbClr>
+                    </a:solidFill>
+                  </a:tcPr>
+                </a:tc>
+                <a:tc>
+                  <a:txBody>
+                    <a:bodyPr wrap="square" rtlCol="0">
+                      <a:spAutoFit/>
+                    </a:bodyPr>
+                    <a:lstStyle/>
+                    <a:p>
+                      <a:pPr algn="ctr" fontAlgn="ctr" marL="0" marR="0" indent="0" lvl="0">
+                        <a:lnSpc>
+                          <a:spcPct val="100%"/>
+                        </a:lnSpc>
+                      </a:pPr>
+                      <a:r>
+                        <a:rPr lang="en-US" sz="1800" spc="0" u="none">
+                          <a:solidFill>
+                            <a:srgbClr val="000000">
+                              <a:alpha val="100.00%"/>
+                            </a:srgbClr>
+                          </a:solidFill>
+                          <a:latin typeface="Arial (Body)"/>
+                        </a:rPr>
+                        <a:t><![CDATA[Finding 5]]></a:t>
+                      </a:r>
+                    </a:p>
+                  </a:txBody>
+                  <a:tcPr anchor="ctr" marL="0" marR="0" marT="0" marB="0">
+                    <a:lnL w="12700" cap="flat" cmpd="sng" algn="ctr">
+                      <a:solidFill>
+                        <a:srgbClr val="FFFFFF">
+                          <a:alpha val="100.00%"/>
+                        </a:srgbClr>
+                      </a:solidFill>
+                      <a:prstDash val="solid"/>
+                      <a:round/>
+                      <a:headEnd type="none" w="med" len="med"/>
+                      <a:tailEnd type="none" w="med" len="med"/>
+                    </a:lnL>
+                    <a:lnR w="12700" cap="flat" cmpd="sng" algn="ctr">
+                      <a:solidFill>
+                        <a:srgbClr val="FFFFFF">
+                          <a:alpha val="100.00%"/>
+                        </a:srgbClr>
+                      </a:solidFill>
+                      <a:prstDash val="solid"/>
+                      <a:round/>
+                      <a:headEnd type="none" w="med" len="med"/>
+                      <a:tailEnd type="none" w="med" len="med"/>
+                    </a:lnR>
+                    <a:lnT w="12700" cap="flat" cmpd="sng" algn="ctr">
+                      <a:solidFill>
+                        <a:srgbClr val="FFFFFF">
+                          <a:alpha val="100.00%"/>
+                        </a:srgbClr>
+                      </a:solidFill>
+                      <a:prstDash val="solid"/>
+                      <a:round/>
+                      <a:headEnd type="none" w="med" len="med"/>
+                      <a:tailEnd type="none" w="med" len="med"/>
+                    </a:lnT>
+                    <a:lnB w="12700" cap="flat" cmpd="sng" algn="ctr">
+                      <a:solidFill>
+                        <a:srgbClr val="FFFFFF">
+                          <a:alpha val="100.00%"/>
+                        </a:srgbClr>
+                      </a:solidFill>
+                      <a:prstDash val="solid"/>
+                      <a:round/>
+                      <a:headEnd type="none" w="med" len="med"/>
+                      <a:tailEnd type="none" w="med" len="med"/>
+                    </a:lnB>
+                    <a:lnTlToBr w="12700" cap="flat" cmpd="sng" algn="ctr">
+                      <a:noFill/>
+                      <a:prstDash val="solid"/>
+                      <a:round/>
+                      <a:headEnd type="none" w="med" len="med"/>
+                      <a:tailEnd type="none" w="med" len="med"/>
+                    </a:lnTlToBr>
+                    <a:lnBlToTr w="12700" cap="flat" cmpd="sng" algn="ctr">
+                      <a:noFill/>
+                      <a:prstDash val="solid"/>
+                      <a:round/>
+                      <a:headEnd type="none" w="med" len="med"/>
+                      <a:tailEnd type="none" w="med" len="med"/>
+                    </a:lnBlToTr>
+                    <a:solidFill>
+                      <a:srgbClr val="CDCECD">
+                        <a:alpha val="100.00%"/>
+                      </a:srgbClr>
+                    </a:solidFill>
+                  </a:tcPr>
+                </a:tc>
+                <a:tc>
+                  <a:txBody>
+                    <a:bodyPr wrap="square" rtlCol="0">
+                      <a:spAutoFit/>
+                    </a:bodyPr>
+                    <a:lstStyle/>
+                    <a:p>
+                      <a:pPr algn="ctr" fontAlgn="ctr" marL="0" marR="0" indent="0" lvl="0">
+                        <a:lnSpc>
+                          <a:spcPct val="100%"/>
+                        </a:lnSpc>
+                      </a:pPr>
+                      <a:r>
+                        <a:rPr lang="en-US" b="1" sz="1100" spc="0" u="none">
+                          <a:solidFill>
+                            <a:srgbClr val="000000">
+                              <a:alpha val="100.00%"/>
+                            </a:srgbClr>
+                          </a:solidFill>
+                          <a:latin typeface="Times New Roman"/>
+                        </a:rPr>
+                        <a:t><![CDATA[Moderate]]></a:t>
+                      </a:r>
+                    </a:p>
+                  </a:txBody>
+                  <a:tcPr anchor="ctr" marL="0" marR="0" marT="0" marB="0">
+                    <a:lnL w="12700" cap="flat" cmpd="sng" algn="ctr">
+                      <a:solidFill>
+                        <a:srgbClr val="FFFFFF">
+                          <a:alpha val="100.00%"/>
+                        </a:srgbClr>
+                      </a:solidFill>
+                      <a:prstDash val="solid"/>
+                      <a:round/>
+                      <a:headEnd type="none" w="med" len="med"/>
+                      <a:tailEnd type="none" w="med" len="med"/>
+                    </a:lnL>
+                    <a:lnR w="12700" cap="flat" cmpd="sng" algn="ctr">
+                      <a:solidFill>
+                        <a:srgbClr val="FFFFFF">
+                          <a:alpha val="100.00%"/>
+                        </a:srgbClr>
+                      </a:solidFill>
+                      <a:prstDash val="solid"/>
+                      <a:round/>
+                      <a:headEnd type="none" w="med" len="med"/>
+                      <a:tailEnd type="none" w="med" len="med"/>
+                    </a:lnR>
+                    <a:lnT w="12700" cap="flat" cmpd="sng" algn="ctr">
+                      <a:solidFill>
+                        <a:srgbClr val="FFFFFF">
+                          <a:alpha val="100.00%"/>
+                        </a:srgbClr>
+                      </a:solidFill>
+                      <a:prstDash val="solid"/>
+                      <a:round/>
+                      <a:headEnd type="none" w="med" len="med"/>
+                      <a:tailEnd type="none" w="med" len="med"/>
+                    </a:lnT>
+                    <a:lnB w="12700" cap="flat" cmpd="sng" algn="ctr">
+                      <a:solidFill>
+                        <a:srgbClr val="FFFFFF">
+                          <a:alpha val="100.00%"/>
+                        </a:srgbClr>
+                      </a:solidFill>
+                      <a:prstDash val="solid"/>
+                      <a:round/>
+                      <a:headEnd type="none" w="med" len="med"/>
+                      <a:tailEnd type="none" w="med" len="med"/>
+                    </a:lnB>
+                    <a:lnTlToBr w="12700" cap="flat" cmpd="sng" algn="ctr">
+                      <a:noFill/>
+                      <a:prstDash val="solid"/>
+                      <a:round/>
+                      <a:headEnd type="none" w="med" len="med"/>
+                      <a:tailEnd type="none" w="med" len="med"/>
+                    </a:lnTlToBr>
+                    <a:lnBlToTr w="12700" cap="flat" cmpd="sng" algn="ctr">
+                      <a:noFill/>
+                      <a:prstDash val="solid"/>
+                      <a:round/>
+                      <a:headEnd type="none" w="med" len="med"/>
+                      <a:tailEnd type="none" w="med" len="med"/>
+                    </a:lnBlToTr>
+                    <a:solidFill>
+                      <a:srgbClr val="CDCECD">
+                        <a:alpha val="100.00%"/>
+                      </a:srgbClr>
+                    </a:solidFill>
+                  </a:tcPr>
+                </a:tc>
+                <a:tc>
+                  <a:txBody>
+                    <a:bodyPr wrap="square" rtlCol="0">
+                      <a:spAutoFit/>
+                    </a:bodyPr>
+                    <a:lstStyle/>
+                    <a:p>
+                      <a:pPr algn="ctr" fontAlgn="ctr" marL="0" marR="0" indent="0" lvl="0">
+                        <a:lnSpc>
+                          <a:spcPct val="100%"/>
+                        </a:lnSpc>
+                      </a:pPr>
+                      <a:r>
+                        <a:rPr lang="en-US" b="1" sz="1100" spc="0" u="none">
+                          <a:solidFill>
+                            <a:srgbClr val="000000">
+                              <a:alpha val="100.00%"/>
+                            </a:srgbClr>
+                          </a:solidFill>
+                          <a:latin typeface="Times New Roman"/>
+                        </a:rPr>
+                        <a:t><![CDATA[Low]]></a:t>
+                      </a:r>
+                    </a:p>
+                  </a:txBody>
+                  <a:tcPr anchor="ctr" marL="0" marR="0" marT="0" marB="0">
+                    <a:lnL w="12700" cap="flat" cmpd="sng" algn="ctr">
+                      <a:solidFill>
+                        <a:srgbClr val="FFFFFF">
+                          <a:alpha val="100.00%"/>
+                        </a:srgbClr>
+                      </a:solidFill>
+                      <a:prstDash val="solid"/>
+                      <a:round/>
+                      <a:headEnd type="none" w="med" len="med"/>
+                      <a:tailEnd type="none" w="med" len="med"/>
+                    </a:lnL>
+                    <a:lnR w="12700" cap="flat" cmpd="sng" algn="ctr">
+                      <a:solidFill>
+                        <a:srgbClr val="FFFFFF">
+                          <a:alpha val="100.00%"/>
+                        </a:srgbClr>
+                      </a:solidFill>
+                      <a:prstDash val="solid"/>
+                      <a:round/>
+                      <a:headEnd type="none" w="med" len="med"/>
+                      <a:tailEnd type="none" w="med" len="med"/>
+                    </a:lnR>
+                    <a:lnT w="12700" cap="flat" cmpd="sng" algn="ctr">
+                      <a:solidFill>
+                        <a:srgbClr val="FFFFFF">
+                          <a:alpha val="100.00%"/>
+                        </a:srgbClr>
+                      </a:solidFill>
+                      <a:prstDash val="solid"/>
+                      <a:round/>
+                      <a:headEnd type="none" w="med" len="med"/>
+                      <a:tailEnd type="none" w="med" len="med"/>
+                    </a:lnT>
+                    <a:lnB w="12700" cap="flat" cmpd="sng" algn="ctr">
+                      <a:solidFill>
+                        <a:srgbClr val="FFFFFF">
+                          <a:alpha val="100.00%"/>
+                        </a:srgbClr>
+                      </a:solidFill>
+                      <a:prstDash val="solid"/>
+                      <a:round/>
+                      <a:headEnd type="none" w="med" len="med"/>
+                      <a:tailEnd type="none" w="med" len="med"/>
+                    </a:lnB>
+                    <a:lnTlToBr w="12700" cap="flat" cmpd="sng" algn="ctr">
+                      <a:noFill/>
+                      <a:prstDash val="solid"/>
+                      <a:round/>
+                      <a:headEnd type="none" w="med" len="med"/>
+                      <a:tailEnd type="none" w="med" len="med"/>
+                    </a:lnTlToBr>
+                    <a:lnBlToTr w="12700" cap="flat" cmpd="sng" algn="ctr">
+                      <a:noFill/>
+                      <a:prstDash val="solid"/>
+                      <a:round/>
+                      <a:headEnd type="none" w="med" len="med"/>
+                      <a:tailEnd type="none" w="med" len="med"/>
+                    </a:lnBlToTr>
+                    <a:solidFill>
+                      <a:srgbClr val="CDCECD">
+                        <a:alpha val="100.00%"/>
+                      </a:srgbClr>
+                    </a:solidFill>
+                  </a:tcPr>
+                </a:tc>
+              </a:tr>
+              <a:tr h="361950">
+                <a:tc>
+                  <a:txBody>
+                    <a:bodyPr wrap="square" rtlCol="0">
+                      <a:spAutoFit/>
+                    </a:bodyPr>
+                    <a:lstStyle/>
+                    <a:p>
+                      <a:pPr algn="ctr" fontAlgn="ctr" marL="0" marR="0" indent="0" lvl="0">
+                        <a:lnSpc>
+                          <a:spcPct val="100%"/>
+                        </a:lnSpc>
+                      </a:pPr>
+                      <a:r>
+                        <a:rPr lang="en-US" sz="1800" spc="0" u="none">
+                          <a:solidFill>
+                            <a:srgbClr val="000000">
+                              <a:alpha val="100.00%"/>
+                            </a:srgbClr>
+                          </a:solidFill>
+                          <a:latin typeface="Arial (Body)"/>
+                        </a:rPr>
+                        <a:t><![CDATA[6]]></a:t>
+                      </a:r>
+                    </a:p>
+                  </a:txBody>
+                  <a:tcPr anchor="ctr" marL="0" marR="0" marT="0" marB="0">
+                    <a:lnL w="12700" cap="flat" cmpd="sng" algn="ctr">
+                      <a:solidFill>
+                        <a:srgbClr val="FFFFFF">
+                          <a:alpha val="100.00%"/>
+                        </a:srgbClr>
+                      </a:solidFill>
+                      <a:prstDash val="solid"/>
+                      <a:round/>
+                      <a:headEnd type="none" w="med" len="med"/>
+                      <a:tailEnd type="none" w="med" len="med"/>
+                    </a:lnL>
+                    <a:lnR w="12700" cap="flat" cmpd="sng" algn="ctr">
+                      <a:solidFill>
+                        <a:srgbClr val="FFFFFF">
+                          <a:alpha val="100.00%"/>
+                        </a:srgbClr>
+                      </a:solidFill>
+                      <a:prstDash val="solid"/>
+                      <a:round/>
+                      <a:headEnd type="none" w="med" len="med"/>
+                      <a:tailEnd type="none" w="med" len="med"/>
+                    </a:lnR>
+                    <a:lnT w="12700" cap="flat" cmpd="sng" algn="ctr">
+                      <a:solidFill>
+                        <a:srgbClr val="FFFFFF">
+                          <a:alpha val="100.00%"/>
+                        </a:srgbClr>
+                      </a:solidFill>
+                      <a:prstDash val="solid"/>
+                      <a:round/>
+                      <a:headEnd type="none" w="med" len="med"/>
+                      <a:tailEnd type="none" w="med" len="med"/>
+                    </a:lnT>
+                    <a:lnB w="12700" cap="flat" cmpd="sng" algn="ctr">
+                      <a:solidFill>
+                        <a:srgbClr val="FFFFFF">
+                          <a:alpha val="100.00%"/>
+                        </a:srgbClr>
+                      </a:solidFill>
+                      <a:prstDash val="solid"/>
+                      <a:round/>
+                      <a:headEnd type="none" w="med" len="med"/>
+                      <a:tailEnd type="none" w="med" len="med"/>
+                    </a:lnB>
+                    <a:lnTlToBr w="12700" cap="flat" cmpd="sng" algn="ctr">
+                      <a:noFill/>
+                      <a:prstDash val="solid"/>
+                      <a:round/>
+                      <a:headEnd type="none" w="med" len="med"/>
+                      <a:tailEnd type="none" w="med" len="med"/>
+                    </a:lnTlToBr>
+                    <a:lnBlToTr w="12700" cap="flat" cmpd="sng" algn="ctr">
+                      <a:noFill/>
+                      <a:prstDash val="solid"/>
+                      <a:round/>
+                      <a:headEnd type="none" w="med" len="med"/>
+                      <a:tailEnd type="none" w="med" len="med"/>
+                    </a:lnBlToTr>
+                    <a:solidFill>
+                      <a:srgbClr val="E8E8E8">
+                        <a:alpha val="100.00%"/>
+                      </a:srgbClr>
+                    </a:solidFill>
+                  </a:tcPr>
+                </a:tc>
+                <a:tc>
+                  <a:txBody>
+                    <a:bodyPr wrap="square" rtlCol="0">
+                      <a:spAutoFit/>
+                    </a:bodyPr>
+                    <a:lstStyle/>
+                    <a:p>
+                      <a:pPr algn="ctr" fontAlgn="ctr" marL="0" marR="0" indent="0" lvl="0">
+                        <a:lnSpc>
+                          <a:spcPct val="100%"/>
+                        </a:lnSpc>
+                      </a:pPr>
+                      <a:r>
+                        <a:rPr lang="en-US" sz="1800" spc="0" u="none">
+                          <a:solidFill>
+                            <a:srgbClr val="000000">
+                              <a:alpha val="100.00%"/>
+                            </a:srgbClr>
+                          </a:solidFill>
+                          <a:latin typeface="Arial (Body)"/>
+                        </a:rPr>
+                        <a:t><![CDATA[No System Association]]></a:t>
+                      </a:r>
+                    </a:p>
+                  </a:txBody>
+                  <a:tcPr anchor="ctr" marL="0" marR="0" marT="0" marB="0">
+                    <a:lnL w="12700" cap="flat" cmpd="sng" algn="ctr">
+                      <a:solidFill>
+                        <a:srgbClr val="FFFFFF">
+                          <a:alpha val="100.00%"/>
+                        </a:srgbClr>
+                      </a:solidFill>
+                      <a:prstDash val="solid"/>
+                      <a:round/>
+                      <a:headEnd type="none" w="med" len="med"/>
+                      <a:tailEnd type="none" w="med" len="med"/>
+                    </a:lnL>
+                    <a:lnR w="12700" cap="flat" cmpd="sng" algn="ctr">
+                      <a:solidFill>
+                        <a:srgbClr val="FFFFFF">
+                          <a:alpha val="100.00%"/>
+                        </a:srgbClr>
+                      </a:solidFill>
+                      <a:prstDash val="solid"/>
+                      <a:round/>
+                      <a:headEnd type="none" w="med" len="med"/>
+                      <a:tailEnd type="none" w="med" len="med"/>
+                    </a:lnR>
+                    <a:lnT w="12700" cap="flat" cmpd="sng" algn="ctr">
+                      <a:solidFill>
+                        <a:srgbClr val="FFFFFF">
+                          <a:alpha val="100.00%"/>
+                        </a:srgbClr>
+                      </a:solidFill>
+                      <a:prstDash val="solid"/>
+                      <a:round/>
+                      <a:headEnd type="none" w="med" len="med"/>
+                      <a:tailEnd type="none" w="med" len="med"/>
+                    </a:lnT>
+                    <a:lnB w="12700" cap="flat" cmpd="sng" algn="ctr">
+                      <a:solidFill>
+                        <a:srgbClr val="FFFFFF">
+                          <a:alpha val="100.00%"/>
+                        </a:srgbClr>
+                      </a:solidFill>
+                      <a:prstDash val="solid"/>
+                      <a:round/>
+                      <a:headEnd type="none" w="med" len="med"/>
+                      <a:tailEnd type="none" w="med" len="med"/>
+                    </a:lnB>
+                    <a:lnTlToBr w="12700" cap="flat" cmpd="sng" algn="ctr">
+                      <a:noFill/>
+                      <a:prstDash val="solid"/>
+                      <a:round/>
+                      <a:headEnd type="none" w="med" len="med"/>
+                      <a:tailEnd type="none" w="med" len="med"/>
+                    </a:lnTlToBr>
+                    <a:lnBlToTr w="12700" cap="flat" cmpd="sng" algn="ctr">
+                      <a:noFill/>
+                      <a:prstDash val="solid"/>
+                      <a:round/>
+                      <a:headEnd type="none" w="med" len="med"/>
+                      <a:tailEnd type="none" w="med" len="med"/>
+                    </a:lnBlToTr>
+                    <a:solidFill>
+                      <a:srgbClr val="E8E8E8">
+                        <a:alpha val="100.00%"/>
+                      </a:srgbClr>
+                    </a:solidFill>
+                  </a:tcPr>
+                </a:tc>
+                <a:tc>
+                  <a:txBody>
+                    <a:bodyPr wrap="square" rtlCol="0">
+                      <a:spAutoFit/>
+                    </a:bodyPr>
+                    <a:lstStyle/>
+                    <a:p>
+                      <a:pPr algn="ctr" fontAlgn="ctr" marL="0" marR="0" indent="0" lvl="0">
+                        <a:lnSpc>
+                          <a:spcPct val="100%"/>
+                        </a:lnSpc>
+                      </a:pPr>
+                      <a:r>
+                        <a:rPr lang="en-US" sz="1800" spc="0" u="none">
+                          <a:solidFill>
+                            <a:srgbClr val="000000">
+                              <a:alpha val="100.00%"/>
+                            </a:srgbClr>
+                          </a:solidFill>
+                          <a:latin typeface="Arial (Body)"/>
+                        </a:rPr>
+                        <a:t><![CDATA[Finding 6]]></a:t>
+                      </a:r>
+                    </a:p>
+                  </a:txBody>
+                  <a:tcPr anchor="ctr" marL="0" marR="0" marT="0" marB="0">
+                    <a:lnL w="12700" cap="flat" cmpd="sng" algn="ctr">
+                      <a:solidFill>
+                        <a:srgbClr val="FFFFFF">
+                          <a:alpha val="100.00%"/>
+                        </a:srgbClr>
+                      </a:solidFill>
+                      <a:prstDash val="solid"/>
+                      <a:round/>
+                      <a:headEnd type="none" w="med" len="med"/>
+                      <a:tailEnd type="none" w="med" len="med"/>
+                    </a:lnL>
+                    <a:lnR w="12700" cap="flat" cmpd="sng" algn="ctr">
+                      <a:solidFill>
+                        <a:srgbClr val="FFFFFF">
+                          <a:alpha val="100.00%"/>
+                        </a:srgbClr>
+                      </a:solidFill>
+                      <a:prstDash val="solid"/>
+                      <a:round/>
+                      <a:headEnd type="none" w="med" len="med"/>
+                      <a:tailEnd type="none" w="med" len="med"/>
+                    </a:lnR>
+                    <a:lnT w="12700" cap="flat" cmpd="sng" algn="ctr">
+                      <a:solidFill>
+                        <a:srgbClr val="FFFFFF">
+                          <a:alpha val="100.00%"/>
+                        </a:srgbClr>
+                      </a:solidFill>
+                      <a:prstDash val="solid"/>
+                      <a:round/>
+                      <a:headEnd type="none" w="med" len="med"/>
+                      <a:tailEnd type="none" w="med" len="med"/>
+                    </a:lnT>
+                    <a:lnB w="12700" cap="flat" cmpd="sng" algn="ctr">
+                      <a:solidFill>
+                        <a:srgbClr val="FFFFFF">
+                          <a:alpha val="100.00%"/>
+                        </a:srgbClr>
+                      </a:solidFill>
+                      <a:prstDash val="solid"/>
+                      <a:round/>
+                      <a:headEnd type="none" w="med" len="med"/>
+                      <a:tailEnd type="none" w="med" len="med"/>
+                    </a:lnB>
+                    <a:lnTlToBr w="12700" cap="flat" cmpd="sng" algn="ctr">
+                      <a:noFill/>
+                      <a:prstDash val="solid"/>
+                      <a:round/>
+                      <a:headEnd type="none" w="med" len="med"/>
+                      <a:tailEnd type="none" w="med" len="med"/>
+                    </a:lnTlToBr>
+                    <a:lnBlToTr w="12700" cap="flat" cmpd="sng" algn="ctr">
+                      <a:noFill/>
+                      <a:prstDash val="solid"/>
+                      <a:round/>
+                      <a:headEnd type="none" w="med" len="med"/>
+                      <a:tailEnd type="none" w="med" len="med"/>
+                    </a:lnBlToTr>
+                    <a:solidFill>
+                      <a:srgbClr val="E8E8E8">
+                        <a:alpha val="100.00%"/>
+                      </a:srgbClr>
+                    </a:solidFill>
+                  </a:tcPr>
+                </a:tc>
+                <a:tc>
+                  <a:txBody>
+                    <a:bodyPr wrap="square" rtlCol="0">
+                      <a:spAutoFit/>
+                    </a:bodyPr>
+                    <a:lstStyle/>
+                    <a:p>
+                      <a:pPr algn="ctr" fontAlgn="ctr" marL="0" marR="0" indent="0" lvl="0">
+                        <a:lnSpc>
+                          <a:spcPct val="100%"/>
+                        </a:lnSpc>
+                      </a:pPr>
+                      <a:r>
+                        <a:rPr lang="en-US" b="1" sz="1100" spc="0" u="none">
+                          <a:solidFill>
+                            <a:srgbClr val="000000">
+                              <a:alpha val="100.00%"/>
+                            </a:srgbClr>
+                          </a:solidFill>
+                          <a:latin typeface="Times New Roman"/>
+                        </a:rPr>
+                        <a:t><![CDATA[Moderate]]></a:t>
+                      </a:r>
+                    </a:p>
+                  </a:txBody>
+                  <a:tcPr anchor="ctr" marL="0" marR="0" marT="0" marB="0">
+                    <a:lnL w="12700" cap="flat" cmpd="sng" algn="ctr">
+                      <a:solidFill>
+                        <a:srgbClr val="FFFFFF">
+                          <a:alpha val="100.00%"/>
+                        </a:srgbClr>
+                      </a:solidFill>
+                      <a:prstDash val="solid"/>
+                      <a:round/>
+                      <a:headEnd type="none" w="med" len="med"/>
+                      <a:tailEnd type="none" w="med" len="med"/>
+                    </a:lnL>
+                    <a:lnR w="12700" cap="flat" cmpd="sng" algn="ctr">
+                      <a:solidFill>
+                        <a:srgbClr val="FFFFFF">
+                          <a:alpha val="100.00%"/>
+                        </a:srgbClr>
+                      </a:solidFill>
+                      <a:prstDash val="solid"/>
+                      <a:round/>
+                      <a:headEnd type="none" w="med" len="med"/>
+                      <a:tailEnd type="none" w="med" len="med"/>
+                    </a:lnR>
+                    <a:lnT w="12700" cap="flat" cmpd="sng" algn="ctr">
+                      <a:solidFill>
+                        <a:srgbClr val="FFFFFF">
+                          <a:alpha val="100.00%"/>
+                        </a:srgbClr>
+                      </a:solidFill>
+                      <a:prstDash val="solid"/>
+                      <a:round/>
+                      <a:headEnd type="none" w="med" len="med"/>
+                      <a:tailEnd type="none" w="med" len="med"/>
+                    </a:lnT>
+                    <a:lnB w="12700" cap="flat" cmpd="sng" algn="ctr">
+                      <a:solidFill>
+                        <a:srgbClr val="FFFFFF">
+                          <a:alpha val="100.00%"/>
+                        </a:srgbClr>
+                      </a:solidFill>
+                      <a:prstDash val="solid"/>
+                      <a:round/>
+                      <a:headEnd type="none" w="med" len="med"/>
+                      <a:tailEnd type="none" w="med" len="med"/>
+                    </a:lnB>
+                    <a:lnTlToBr w="12700" cap="flat" cmpd="sng" algn="ctr">
+                      <a:noFill/>
+                      <a:prstDash val="solid"/>
+                      <a:round/>
+                      <a:headEnd type="none" w="med" len="med"/>
+                      <a:tailEnd type="none" w="med" len="med"/>
+                    </a:lnTlToBr>
+                    <a:lnBlToTr w="12700" cap="flat" cmpd="sng" algn="ctr">
+                      <a:noFill/>
+                      <a:prstDash val="solid"/>
+                      <a:round/>
+                      <a:headEnd type="none" w="med" len="med"/>
+                      <a:tailEnd type="none" w="med" len="med"/>
+                    </a:lnBlToTr>
+                    <a:solidFill>
+                      <a:srgbClr val="E8E8E8">
+                        <a:alpha val="100.00%"/>
+                      </a:srgbClr>
+                    </a:solidFill>
+                  </a:tcPr>
+                </a:tc>
+                <a:tc>
+                  <a:txBody>
+                    <a:bodyPr wrap="square" rtlCol="0">
+                      <a:spAutoFit/>
+                    </a:bodyPr>
+                    <a:lstStyle/>
+                    <a:p>
+                      <a:pPr algn="ctr" fontAlgn="ctr" marL="0" marR="0" indent="0" lvl="0">
+                        <a:lnSpc>
+                          <a:spcPct val="100%"/>
+                        </a:lnSpc>
+                      </a:pPr>
+                      <a:r>
+                        <a:rPr lang="en-US" b="1" sz="1100" spc="0" u="none">
+                          <a:solidFill>
+                            <a:srgbClr val="000000">
+                              <a:alpha val="100.00%"/>
+                            </a:srgbClr>
+                          </a:solidFill>
+                          <a:latin typeface="Times New Roman"/>
+                        </a:rPr>
+                        <a:t><![CDATA[Low]]></a:t>
+                      </a:r>
+                    </a:p>
+                  </a:txBody>
+                  <a:tcPr anchor="ctr" marL="0" marR="0" marT="0" marB="0">
+                    <a:lnL w="12700" cap="flat" cmpd="sng" algn="ctr">
+                      <a:solidFill>
+                        <a:srgbClr val="FFFFFF">
+                          <a:alpha val="100.00%"/>
+                        </a:srgbClr>
+                      </a:solidFill>
+                      <a:prstDash val="solid"/>
+                      <a:round/>
+                      <a:headEnd type="none" w="med" len="med"/>
+                      <a:tailEnd type="none" w="med" len="med"/>
+                    </a:lnL>
+                    <a:lnR w="12700" cap="flat" cmpd="sng" algn="ctr">
+                      <a:solidFill>
+                        <a:srgbClr val="FFFFFF">
+                          <a:alpha val="100.00%"/>
+                        </a:srgbClr>
+                      </a:solidFill>
+                      <a:prstDash val="solid"/>
+                      <a:round/>
+                      <a:headEnd type="none" w="med" len="med"/>
+                      <a:tailEnd type="none" w="med" len="med"/>
+                    </a:lnR>
+                    <a:lnT w="12700" cap="flat" cmpd="sng" algn="ctr">
+                      <a:solidFill>
+                        <a:srgbClr val="FFFFFF">
+                          <a:alpha val="100.00%"/>
+                        </a:srgbClr>
+                      </a:solidFill>
+                      <a:prstDash val="solid"/>
+                      <a:round/>
+                      <a:headEnd type="none" w="med" len="med"/>
+                      <a:tailEnd type="none" w="med" len="med"/>
+                    </a:lnT>
+                    <a:lnB w="12700" cap="flat" cmpd="sng" algn="ctr">
+                      <a:solidFill>
+                        <a:srgbClr val="FFFFFF">
+                          <a:alpha val="100.00%"/>
+                        </a:srgbClr>
+                      </a:solidFill>
+                      <a:prstDash val="solid"/>
+                      <a:round/>
+                      <a:headEnd type="none" w="med" len="med"/>
+                      <a:tailEnd type="none" w="med" len="med"/>
+                    </a:lnB>
+                    <a:lnTlToBr w="12700" cap="flat" cmpd="sng" algn="ctr">
+                      <a:noFill/>
+                      <a:prstDash val="solid"/>
+                      <a:round/>
+                      <a:headEnd type="none" w="med" len="med"/>
+                      <a:tailEnd type="none" w="med" len="med"/>
+                    </a:lnTlToBr>
+                    <a:lnBlToTr w="12700" cap="flat" cmpd="sng" algn="ctr">
+                      <a:noFill/>
+                      <a:prstDash val="solid"/>
+                      <a:round/>
+                      <a:headEnd type="none" w="med" len="med"/>
+                      <a:tailEnd type="none" w="med" len="med"/>
+                    </a:lnBlToTr>
+                    <a:solidFill>
+                      <a:srgbClr val="E8E8E8">
+                        <a:alpha val="100.00%"/>
+                      </a:srgbClr>
+                    </a:solidFill>
+                  </a:tcPr>
+                </a:tc>
+              </a:tr>
+              <a:tr h="361950">
+                <a:tc>
+                  <a:txBody>
+                    <a:bodyPr wrap="square" rtlCol="0">
+                      <a:spAutoFit/>
+                    </a:bodyPr>
+                    <a:lstStyle/>
+                    <a:p>
+                      <a:pPr algn="ctr" fontAlgn="ctr" marL="0" marR="0" indent="0" lvl="0">
+                        <a:lnSpc>
+                          <a:spcPct val="100%"/>
+                        </a:lnSpc>
+                      </a:pPr>
+                      <a:r>
+                        <a:rPr lang="en-US" sz="1800" spc="0" u="none">
+                          <a:solidFill>
+                            <a:srgbClr val="000000">
+                              <a:alpha val="100.00%"/>
+                            </a:srgbClr>
+                          </a:solidFill>
+                          <a:latin typeface="Arial (Body)"/>
+                        </a:rPr>
+                        <a:t><![CDATA[7]]></a:t>
+                      </a:r>
+                    </a:p>
+                  </a:txBody>
+                  <a:tcPr anchor="ctr" marL="0" marR="0" marT="0" marB="0">
+                    <a:lnL w="12700" cap="flat" cmpd="sng" algn="ctr">
+                      <a:solidFill>
+                        <a:srgbClr val="FFFFFF">
+                          <a:alpha val="100.00%"/>
+                        </a:srgbClr>
+                      </a:solidFill>
+                      <a:prstDash val="solid"/>
+                      <a:round/>
+                      <a:headEnd type="none" w="med" len="med"/>
+                      <a:tailEnd type="none" w="med" len="med"/>
+                    </a:lnL>
+                    <a:lnR w="12700" cap="flat" cmpd="sng" algn="ctr">
+                      <a:solidFill>
+                        <a:srgbClr val="FFFFFF">
+                          <a:alpha val="100.00%"/>
+                        </a:srgbClr>
+                      </a:solidFill>
+                      <a:prstDash val="solid"/>
+                      <a:round/>
+                      <a:headEnd type="none" w="med" len="med"/>
+                      <a:tailEnd type="none" w="med" len="med"/>
+                    </a:lnR>
+                    <a:lnT w="12700" cap="flat" cmpd="sng" algn="ctr">
+                      <a:solidFill>
+                        <a:srgbClr val="FFFFFF">
+                          <a:alpha val="100.00%"/>
+                        </a:srgbClr>
+                      </a:solidFill>
+                      <a:prstDash val="solid"/>
+                      <a:round/>
+                      <a:headEnd type="none" w="med" len="med"/>
+                      <a:tailEnd type="none" w="med" len="med"/>
+                    </a:lnT>
+                    <a:lnB w="12700" cap="flat" cmpd="sng" algn="ctr">
+                      <a:solidFill>
+                        <a:srgbClr val="FFFFFF">
+                          <a:alpha val="100.00%"/>
+                        </a:srgbClr>
+                      </a:solidFill>
+                      <a:prstDash val="solid"/>
+                      <a:round/>
+                      <a:headEnd type="none" w="med" len="med"/>
+                      <a:tailEnd type="none" w="med" len="med"/>
+                    </a:lnB>
+                    <a:lnTlToBr w="12700" cap="flat" cmpd="sng" algn="ctr">
+                      <a:noFill/>
+                      <a:prstDash val="solid"/>
+                      <a:round/>
+                      <a:headEnd type="none" w="med" len="med"/>
+                      <a:tailEnd type="none" w="med" len="med"/>
+                    </a:lnTlToBr>
+                    <a:lnBlToTr w="12700" cap="flat" cmpd="sng" algn="ctr">
+                      <a:noFill/>
+                      <a:prstDash val="solid"/>
+                      <a:round/>
+                      <a:headEnd type="none" w="med" len="med"/>
+                      <a:tailEnd type="none" w="med" len="med"/>
+                    </a:lnBlToTr>
+                    <a:solidFill>
+                      <a:srgbClr val="CDCECD">
+                        <a:alpha val="100.00%"/>
+                      </a:srgbClr>
+                    </a:solidFill>
+                  </a:tcPr>
+                </a:tc>
+                <a:tc>
+                  <a:txBody>
+                    <a:bodyPr wrap="square" rtlCol="0">
+                      <a:spAutoFit/>
+                    </a:bodyPr>
+                    <a:lstStyle/>
+                    <a:p>
+                      <a:pPr algn="ctr" fontAlgn="ctr" marL="0" marR="0" indent="0" lvl="0">
+                        <a:lnSpc>
+                          <a:spcPct val="100%"/>
+                        </a:lnSpc>
+                      </a:pPr>
+                      <a:r>
+                        <a:rPr lang="en-US" sz="1800" spc="0" u="none">
+                          <a:solidFill>
+                            <a:srgbClr val="000000">
+                              <a:alpha val="100.00%"/>
+                            </a:srgbClr>
+                          </a:solidFill>
+                          <a:latin typeface="Arial (Body)"/>
+                        </a:rPr>
+                        <a:t><![CDATA[No System Association]]></a:t>
+                      </a:r>
+                    </a:p>
+                  </a:txBody>
+                  <a:tcPr anchor="ctr" marL="0" marR="0" marT="0" marB="0">
+                    <a:lnL w="12700" cap="flat" cmpd="sng" algn="ctr">
+                      <a:solidFill>
+                        <a:srgbClr val="FFFFFF">
+                          <a:alpha val="100.00%"/>
+                        </a:srgbClr>
+                      </a:solidFill>
+                      <a:prstDash val="solid"/>
+                      <a:round/>
+                      <a:headEnd type="none" w="med" len="med"/>
+                      <a:tailEnd type="none" w="med" len="med"/>
+                    </a:lnL>
+                    <a:lnR w="12700" cap="flat" cmpd="sng" algn="ctr">
+                      <a:solidFill>
+                        <a:srgbClr val="FFFFFF">
+                          <a:alpha val="100.00%"/>
+                        </a:srgbClr>
+                      </a:solidFill>
+                      <a:prstDash val="solid"/>
+                      <a:round/>
+                      <a:headEnd type="none" w="med" len="med"/>
+                      <a:tailEnd type="none" w="med" len="med"/>
+                    </a:lnR>
+                    <a:lnT w="12700" cap="flat" cmpd="sng" algn="ctr">
+                      <a:solidFill>
+                        <a:srgbClr val="FFFFFF">
+                          <a:alpha val="100.00%"/>
+                        </a:srgbClr>
+                      </a:solidFill>
+                      <a:prstDash val="solid"/>
+                      <a:round/>
+                      <a:headEnd type="none" w="med" len="med"/>
+                      <a:tailEnd type="none" w="med" len="med"/>
+                    </a:lnT>
+                    <a:lnB w="12700" cap="flat" cmpd="sng" algn="ctr">
+                      <a:solidFill>
+                        <a:srgbClr val="FFFFFF">
+                          <a:alpha val="100.00%"/>
+                        </a:srgbClr>
+                      </a:solidFill>
+                      <a:prstDash val="solid"/>
+                      <a:round/>
+                      <a:headEnd type="none" w="med" len="med"/>
+                      <a:tailEnd type="none" w="med" len="med"/>
+                    </a:lnB>
+                    <a:lnTlToBr w="12700" cap="flat" cmpd="sng" algn="ctr">
+                      <a:noFill/>
+                      <a:prstDash val="solid"/>
+                      <a:round/>
+                      <a:headEnd type="none" w="med" len="med"/>
+                      <a:tailEnd type="none" w="med" len="med"/>
+                    </a:lnTlToBr>
+                    <a:lnBlToTr w="12700" cap="flat" cmpd="sng" algn="ctr">
+                      <a:noFill/>
+                      <a:prstDash val="solid"/>
+                      <a:round/>
+                      <a:headEnd type="none" w="med" len="med"/>
+                      <a:tailEnd type="none" w="med" len="med"/>
+                    </a:lnBlToTr>
+                    <a:solidFill>
+                      <a:srgbClr val="CDCECD">
+                        <a:alpha val="100.00%"/>
+                      </a:srgbClr>
+                    </a:solidFill>
+                  </a:tcPr>
+                </a:tc>
+                <a:tc>
+                  <a:txBody>
+                    <a:bodyPr wrap="square" rtlCol="0">
+                      <a:spAutoFit/>
+                    </a:bodyPr>
+                    <a:lstStyle/>
+                    <a:p>
+                      <a:pPr algn="ctr" fontAlgn="ctr" marL="0" marR="0" indent="0" lvl="0">
+                        <a:lnSpc>
+                          <a:spcPct val="100%"/>
+                        </a:lnSpc>
+                      </a:pPr>
+                      <a:r>
+                        <a:rPr lang="en-US" sz="1800" spc="0" u="none">
+                          <a:solidFill>
+                            <a:srgbClr val="000000">
+                              <a:alpha val="100.00%"/>
+                            </a:srgbClr>
+                          </a:solidFill>
+                          <a:latin typeface="Arial (Body)"/>
+                        </a:rPr>
+                        <a:t><![CDATA[Finding 7]]></a:t>
+                      </a:r>
+                    </a:p>
+                  </a:txBody>
+                  <a:tcPr anchor="ctr" marL="0" marR="0" marT="0" marB="0">
+                    <a:lnL w="12700" cap="flat" cmpd="sng" algn="ctr">
+                      <a:solidFill>
+                        <a:srgbClr val="FFFFFF">
+                          <a:alpha val="100.00%"/>
+                        </a:srgbClr>
+                      </a:solidFill>
+                      <a:prstDash val="solid"/>
+                      <a:round/>
+                      <a:headEnd type="none" w="med" len="med"/>
+                      <a:tailEnd type="none" w="med" len="med"/>
+                    </a:lnL>
+                    <a:lnR w="12700" cap="flat" cmpd="sng" algn="ctr">
+                      <a:solidFill>
+                        <a:srgbClr val="FFFFFF">
+                          <a:alpha val="100.00%"/>
+                        </a:srgbClr>
+                      </a:solidFill>
+                      <a:prstDash val="solid"/>
+                      <a:round/>
+                      <a:headEnd type="none" w="med" len="med"/>
+                      <a:tailEnd type="none" w="med" len="med"/>
+                    </a:lnR>
+                    <a:lnT w="12700" cap="flat" cmpd="sng" algn="ctr">
+                      <a:solidFill>
+                        <a:srgbClr val="FFFFFF">
+                          <a:alpha val="100.00%"/>
+                        </a:srgbClr>
+                      </a:solidFill>
+                      <a:prstDash val="solid"/>
+                      <a:round/>
+                      <a:headEnd type="none" w="med" len="med"/>
+                      <a:tailEnd type="none" w="med" len="med"/>
+                    </a:lnT>
+                    <a:lnB w="12700" cap="flat" cmpd="sng" algn="ctr">
+                      <a:solidFill>
+                        <a:srgbClr val="FFFFFF">
+                          <a:alpha val="100.00%"/>
+                        </a:srgbClr>
+                      </a:solidFill>
+                      <a:prstDash val="solid"/>
+                      <a:round/>
+                      <a:headEnd type="none" w="med" len="med"/>
+                      <a:tailEnd type="none" w="med" len="med"/>
+                    </a:lnB>
+                    <a:lnTlToBr w="12700" cap="flat" cmpd="sng" algn="ctr">
+                      <a:noFill/>
+                      <a:prstDash val="solid"/>
+                      <a:round/>
+                      <a:headEnd type="none" w="med" len="med"/>
+                      <a:tailEnd type="none" w="med" len="med"/>
+                    </a:lnTlToBr>
+                    <a:lnBlToTr w="12700" cap="flat" cmpd="sng" algn="ctr">
+                      <a:noFill/>
+                      <a:prstDash val="solid"/>
+                      <a:round/>
+                      <a:headEnd type="none" w="med" len="med"/>
+                      <a:tailEnd type="none" w="med" len="med"/>
+                    </a:lnBlToTr>
+                    <a:solidFill>
+                      <a:srgbClr val="CDCECD">
+                        <a:alpha val="100.00%"/>
+                      </a:srgbClr>
+                    </a:solidFill>
+                  </a:tcPr>
+                </a:tc>
+                <a:tc>
+                  <a:txBody>
+                    <a:bodyPr wrap="square" rtlCol="0">
+                      <a:spAutoFit/>
+                    </a:bodyPr>
+                    <a:lstStyle/>
+                    <a:p>
+                      <a:pPr algn="ctr" fontAlgn="ctr" marL="0" marR="0" indent="0" lvl="0">
+                        <a:lnSpc>
+                          <a:spcPct val="100%"/>
+                        </a:lnSpc>
+                      </a:pPr>
+                      <a:r>
+                        <a:rPr lang="en-US" b="1" sz="1100" spc="0" u="none">
+                          <a:solidFill>
+                            <a:srgbClr val="000000">
+                              <a:alpha val="100.00%"/>
+                            </a:srgbClr>
+                          </a:solidFill>
+                          <a:latin typeface="Times New Roman"/>
+                        </a:rPr>
+                        <a:t><![CDATA[Moderate]]></a:t>
+                      </a:r>
+                    </a:p>
+                  </a:txBody>
+                  <a:tcPr anchor="ctr" marL="0" marR="0" marT="0" marB="0">
+                    <a:lnL w="12700" cap="flat" cmpd="sng" algn="ctr">
+                      <a:solidFill>
+                        <a:srgbClr val="FFFFFF">
+                          <a:alpha val="100.00%"/>
+                        </a:srgbClr>
+                      </a:solidFill>
+                      <a:prstDash val="solid"/>
+                      <a:round/>
+                      <a:headEnd type="none" w="med" len="med"/>
+                      <a:tailEnd type="none" w="med" len="med"/>
+                    </a:lnL>
+                    <a:lnR w="12700" cap="flat" cmpd="sng" algn="ctr">
+                      <a:solidFill>
+                        <a:srgbClr val="FFFFFF">
+                          <a:alpha val="100.00%"/>
+                        </a:srgbClr>
+                      </a:solidFill>
+                      <a:prstDash val="solid"/>
+                      <a:round/>
+                      <a:headEnd type="none" w="med" len="med"/>
+                      <a:tailEnd type="none" w="med" len="med"/>
+                    </a:lnR>
+                    <a:lnT w="12700" cap="flat" cmpd="sng" algn="ctr">
+                      <a:solidFill>
+                        <a:srgbClr val="FFFFFF">
+                          <a:alpha val="100.00%"/>
+                        </a:srgbClr>
+                      </a:solidFill>
+                      <a:prstDash val="solid"/>
+                      <a:round/>
+                      <a:headEnd type="none" w="med" len="med"/>
+                      <a:tailEnd type="none" w="med" len="med"/>
+                    </a:lnT>
+                    <a:lnB w="12700" cap="flat" cmpd="sng" algn="ctr">
+                      <a:solidFill>
+                        <a:srgbClr val="FFFFFF">
+                          <a:alpha val="100.00%"/>
+                        </a:srgbClr>
+                      </a:solidFill>
+                      <a:prstDash val="solid"/>
+                      <a:round/>
+                      <a:headEnd type="none" w="med" len="med"/>
+                      <a:tailEnd type="none" w="med" len="med"/>
+                    </a:lnB>
+                    <a:lnTlToBr w="12700" cap="flat" cmpd="sng" algn="ctr">
+                      <a:noFill/>
+                      <a:prstDash val="solid"/>
+                      <a:round/>
+                      <a:headEnd type="none" w="med" len="med"/>
+                      <a:tailEnd type="none" w="med" len="med"/>
+                    </a:lnTlToBr>
+                    <a:lnBlToTr w="12700" cap="flat" cmpd="sng" algn="ctr">
+                      <a:noFill/>
+                      <a:prstDash val="solid"/>
+                      <a:round/>
+                      <a:headEnd type="none" w="med" len="med"/>
+                      <a:tailEnd type="none" w="med" len="med"/>
+                    </a:lnBlToTr>
+                    <a:solidFill>
+                      <a:srgbClr val="CDCECD">
+                        <a:alpha val="100.00%"/>
+                      </a:srgbClr>
+                    </a:solidFill>
+                  </a:tcPr>
+                </a:tc>
+                <a:tc>
+                  <a:txBody>
+                    <a:bodyPr wrap="square" rtlCol="0">
+                      <a:spAutoFit/>
+                    </a:bodyPr>
+                    <a:lstStyle/>
+                    <a:p>
+                      <a:pPr algn="ctr" fontAlgn="ctr" marL="0" marR="0" indent="0" lvl="0">
+                        <a:lnSpc>
+                          <a:spcPct val="100%"/>
+                        </a:lnSpc>
+                      </a:pPr>
+                      <a:r>
+                        <a:rPr lang="en-US" b="1" sz="1100" spc="0" u="none">
+                          <a:solidFill>
+                            <a:srgbClr val="000000">
+                              <a:alpha val="100.00%"/>
+                            </a:srgbClr>
+                          </a:solidFill>
+                          <a:latin typeface="Times New Roman"/>
+                        </a:rPr>
+                        <a:t><![CDATA[Low]]></a:t>
+                      </a:r>
+                    </a:p>
+                  </a:txBody>
+                  <a:tcPr anchor="ctr" marL="0" marR="0" marT="0" marB="0">
+                    <a:lnL w="12700" cap="flat" cmpd="sng" algn="ctr">
+                      <a:solidFill>
+                        <a:srgbClr val="FFFFFF">
+                          <a:alpha val="100.00%"/>
+                        </a:srgbClr>
+                      </a:solidFill>
+                      <a:prstDash val="solid"/>
+                      <a:round/>
+                      <a:headEnd type="none" w="med" len="med"/>
+                      <a:tailEnd type="none" w="med" len="med"/>
+                    </a:lnL>
+                    <a:lnR w="12700" cap="flat" cmpd="sng" algn="ctr">
+                      <a:solidFill>
+                        <a:srgbClr val="FFFFFF">
+                          <a:alpha val="100.00%"/>
+                        </a:srgbClr>
+                      </a:solidFill>
+                      <a:prstDash val="solid"/>
+                      <a:round/>
+                      <a:headEnd type="none" w="med" len="med"/>
+                      <a:tailEnd type="none" w="med" len="med"/>
+                    </a:lnR>
+                    <a:lnT w="12700" cap="flat" cmpd="sng" algn="ctr">
+                      <a:solidFill>
+                        <a:srgbClr val="FFFFFF">
+                          <a:alpha val="100.00%"/>
+                        </a:srgbClr>
+                      </a:solidFill>
+                      <a:prstDash val="solid"/>
+                      <a:round/>
+                      <a:headEnd type="none" w="med" len="med"/>
+                      <a:tailEnd type="none" w="med" len="med"/>
+                    </a:lnT>
+                    <a:lnB w="12700" cap="flat" cmpd="sng" algn="ctr">
+                      <a:solidFill>
+                        <a:srgbClr val="FFFFFF">
+                          <a:alpha val="100.00%"/>
+                        </a:srgbClr>
+                      </a:solidFill>
+                      <a:prstDash val="solid"/>
+                      <a:round/>
+                      <a:headEnd type="none" w="med" len="med"/>
+                      <a:tailEnd type="none" w="med" len="med"/>
+                    </a:lnB>
+                    <a:lnTlToBr w="12700" cap="flat" cmpd="sng" algn="ctr">
+                      <a:noFill/>
+                      <a:prstDash val="solid"/>
+                      <a:round/>
+                      <a:headEnd type="none" w="med" len="med"/>
+                      <a:tailEnd type="none" w="med" len="med"/>
+                    </a:lnTlToBr>
+                    <a:lnBlToTr w="12700" cap="flat" cmpd="sng" algn="ctr">
+                      <a:noFill/>
+                      <a:prstDash val="solid"/>
+                      <a:round/>
+                      <a:headEnd type="none" w="med" len="med"/>
+                      <a:tailEnd type="none" w="med" len="med"/>
+                    </a:lnBlToTr>
+                    <a:solidFill>
+                      <a:srgbClr val="CDCECD">
+                        <a:alpha val="100.00%"/>
+                      </a:srgbClr>
+                    </a:solidFill>
+                  </a:tcPr>
+                </a:tc>
+              </a:tr>
+              <a:tr h="361950">
+                <a:tc>
+                  <a:txBody>
+                    <a:bodyPr wrap="square" rtlCol="0">
+                      <a:spAutoFit/>
+                    </a:bodyPr>
+                    <a:lstStyle/>
+                    <a:p>
+                      <a:pPr algn="ctr" fontAlgn="ctr" marL="0" marR="0" indent="0" lvl="0">
+                        <a:lnSpc>
+                          <a:spcPct val="100%"/>
+                        </a:lnSpc>
+                      </a:pPr>
+                      <a:r>
+                        <a:rPr lang="en-US" sz="1800" spc="0" u="none">
+                          <a:solidFill>
+                            <a:srgbClr val="000000">
+                              <a:alpha val="100.00%"/>
+                            </a:srgbClr>
+                          </a:solidFill>
+                          <a:latin typeface="Arial (Body)"/>
+                        </a:rPr>
+                        <a:t><![CDATA[8]]></a:t>
+                      </a:r>
+                    </a:p>
+                  </a:txBody>
+                  <a:tcPr anchor="ctr" marL="0" marR="0" marT="0" marB="0">
+                    <a:lnL w="12700" cap="flat" cmpd="sng" algn="ctr">
+                      <a:solidFill>
+                        <a:srgbClr val="FFFFFF">
+                          <a:alpha val="100.00%"/>
+                        </a:srgbClr>
+                      </a:solidFill>
+                      <a:prstDash val="solid"/>
+                      <a:round/>
+                      <a:headEnd type="none" w="med" len="med"/>
+                      <a:tailEnd type="none" w="med" len="med"/>
+                    </a:lnL>
+                    <a:lnR w="12700" cap="flat" cmpd="sng" algn="ctr">
+                      <a:solidFill>
+                        <a:srgbClr val="FFFFFF">
+                          <a:alpha val="100.00%"/>
+                        </a:srgbClr>
+                      </a:solidFill>
+                      <a:prstDash val="solid"/>
+                      <a:round/>
+                      <a:headEnd type="none" w="med" len="med"/>
+                      <a:tailEnd type="none" w="med" len="med"/>
+                    </a:lnR>
+                    <a:lnT w="12700" cap="flat" cmpd="sng" algn="ctr">
+                      <a:solidFill>
+                        <a:srgbClr val="FFFFFF">
+                          <a:alpha val="100.00%"/>
+                        </a:srgbClr>
+                      </a:solidFill>
+                      <a:prstDash val="solid"/>
+                      <a:round/>
+                      <a:headEnd type="none" w="med" len="med"/>
+                      <a:tailEnd type="none" w="med" len="med"/>
+                    </a:lnT>
+                    <a:lnB w="12700" cap="flat" cmpd="sng" algn="ctr">
+                      <a:solidFill>
+                        <a:srgbClr val="FFFFFF">
+                          <a:alpha val="100.00%"/>
+                        </a:srgbClr>
+                      </a:solidFill>
+                      <a:prstDash val="solid"/>
+                      <a:round/>
+                      <a:headEnd type="none" w="med" len="med"/>
+                      <a:tailEnd type="none" w="med" len="med"/>
+                    </a:lnB>
+                    <a:lnTlToBr w="12700" cap="flat" cmpd="sng" algn="ctr">
+                      <a:noFill/>
+                      <a:prstDash val="solid"/>
+                      <a:round/>
+                      <a:headEnd type="none" w="med" len="med"/>
+                      <a:tailEnd type="none" w="med" len="med"/>
+                    </a:lnTlToBr>
+                    <a:lnBlToTr w="12700" cap="flat" cmpd="sng" algn="ctr">
+                      <a:noFill/>
+                      <a:prstDash val="solid"/>
+                      <a:round/>
+                      <a:headEnd type="none" w="med" len="med"/>
+                      <a:tailEnd type="none" w="med" len="med"/>
+                    </a:lnBlToTr>
+                    <a:solidFill>
+                      <a:srgbClr val="E8E8E8">
+                        <a:alpha val="100.00%"/>
+                      </a:srgbClr>
+                    </a:solidFill>
+                  </a:tcPr>
+                </a:tc>
+                <a:tc>
+                  <a:txBody>
+                    <a:bodyPr wrap="square" rtlCol="0">
+                      <a:spAutoFit/>
+                    </a:bodyPr>
+                    <a:lstStyle/>
+                    <a:p>
+                      <a:pPr algn="ctr" fontAlgn="ctr" marL="0" marR="0" indent="0" lvl="0">
+                        <a:lnSpc>
+                          <a:spcPct val="100%"/>
+                        </a:lnSpc>
+                      </a:pPr>
+                      <a:r>
+                        <a:rPr lang="en-US" sz="1800" spc="0" u="none">
+                          <a:solidFill>
+                            <a:srgbClr val="000000">
+                              <a:alpha val="100.00%"/>
+                            </a:srgbClr>
+                          </a:solidFill>
+                          <a:latin typeface="Arial (Body)"/>
+                        </a:rPr>
+                        <a:t><![CDATA[No System Association]]></a:t>
+                      </a:r>
+                    </a:p>
+                  </a:txBody>
+                  <a:tcPr anchor="ctr" marL="0" marR="0" marT="0" marB="0">
+                    <a:lnL w="12700" cap="flat" cmpd="sng" algn="ctr">
+                      <a:solidFill>
+                        <a:srgbClr val="FFFFFF">
+                          <a:alpha val="100.00%"/>
+                        </a:srgbClr>
+                      </a:solidFill>
+                      <a:prstDash val="solid"/>
+                      <a:round/>
+                      <a:headEnd type="none" w="med" len="med"/>
+                      <a:tailEnd type="none" w="med" len="med"/>
+                    </a:lnL>
+                    <a:lnR w="12700" cap="flat" cmpd="sng" algn="ctr">
+                      <a:solidFill>
+                        <a:srgbClr val="FFFFFF">
+                          <a:alpha val="100.00%"/>
+                        </a:srgbClr>
+                      </a:solidFill>
+                      <a:prstDash val="solid"/>
+                      <a:round/>
+                      <a:headEnd type="none" w="med" len="med"/>
+                      <a:tailEnd type="none" w="med" len="med"/>
+                    </a:lnR>
+                    <a:lnT w="12700" cap="flat" cmpd="sng" algn="ctr">
+                      <a:solidFill>
+                        <a:srgbClr val="FFFFFF">
+                          <a:alpha val="100.00%"/>
+                        </a:srgbClr>
+                      </a:solidFill>
+                      <a:prstDash val="solid"/>
+                      <a:round/>
+                      <a:headEnd type="none" w="med" len="med"/>
+                      <a:tailEnd type="none" w="med" len="med"/>
+                    </a:lnT>
+                    <a:lnB w="12700" cap="flat" cmpd="sng" algn="ctr">
+                      <a:solidFill>
+                        <a:srgbClr val="FFFFFF">
+                          <a:alpha val="100.00%"/>
+                        </a:srgbClr>
+                      </a:solidFill>
+                      <a:prstDash val="solid"/>
+                      <a:round/>
+                      <a:headEnd type="none" w="med" len="med"/>
+                      <a:tailEnd type="none" w="med" len="med"/>
+                    </a:lnB>
+                    <a:lnTlToBr w="12700" cap="flat" cmpd="sng" algn="ctr">
+                      <a:noFill/>
+                      <a:prstDash val="solid"/>
+                      <a:round/>
+                      <a:headEnd type="none" w="med" len="med"/>
+                      <a:tailEnd type="none" w="med" len="med"/>
+                    </a:lnTlToBr>
+                    <a:lnBlToTr w="12700" cap="flat" cmpd="sng" algn="ctr">
+                      <a:noFill/>
+                      <a:prstDash val="solid"/>
+                      <a:round/>
+                      <a:headEnd type="none" w="med" len="med"/>
+                      <a:tailEnd type="none" w="med" len="med"/>
+                    </a:lnBlToTr>
+                    <a:solidFill>
+                      <a:srgbClr val="E8E8E8">
+                        <a:alpha val="100.00%"/>
+                      </a:srgbClr>
+                    </a:solidFill>
+                  </a:tcPr>
+                </a:tc>
+                <a:tc>
+                  <a:txBody>
+                    <a:bodyPr wrap="square" rtlCol="0">
+                      <a:spAutoFit/>
+                    </a:bodyPr>
+                    <a:lstStyle/>
+                    <a:p>
+                      <a:pPr algn="ctr" fontAlgn="ctr" marL="0" marR="0" indent="0" lvl="0">
+                        <a:lnSpc>
+                          <a:spcPct val="100%"/>
+                        </a:lnSpc>
+                      </a:pPr>
+                      <a:r>
+                        <a:rPr lang="en-US" sz="1800" spc="0" u="none">
+                          <a:solidFill>
+                            <a:srgbClr val="000000">
+                              <a:alpha val="100.00%"/>
+                            </a:srgbClr>
+                          </a:solidFill>
+                          <a:latin typeface="Arial (Body)"/>
+                        </a:rPr>
+                        <a:t><![CDATA[Finding 8]]></a:t>
+                      </a:r>
+                    </a:p>
+                  </a:txBody>
+                  <a:tcPr anchor="ctr" marL="0" marR="0" marT="0" marB="0">
+                    <a:lnL w="12700" cap="flat" cmpd="sng" algn="ctr">
+                      <a:solidFill>
+                        <a:srgbClr val="FFFFFF">
+                          <a:alpha val="100.00%"/>
+                        </a:srgbClr>
+                      </a:solidFill>
+                      <a:prstDash val="solid"/>
+                      <a:round/>
+                      <a:headEnd type="none" w="med" len="med"/>
+                      <a:tailEnd type="none" w="med" len="med"/>
+                    </a:lnL>
+                    <a:lnR w="12700" cap="flat" cmpd="sng" algn="ctr">
+                      <a:solidFill>
+                        <a:srgbClr val="FFFFFF">
+                          <a:alpha val="100.00%"/>
+                        </a:srgbClr>
+                      </a:solidFill>
+                      <a:prstDash val="solid"/>
+                      <a:round/>
+                      <a:headEnd type="none" w="med" len="med"/>
+                      <a:tailEnd type="none" w="med" len="med"/>
+                    </a:lnR>
+                    <a:lnT w="12700" cap="flat" cmpd="sng" algn="ctr">
+                      <a:solidFill>
+                        <a:srgbClr val="FFFFFF">
+                          <a:alpha val="100.00%"/>
+                        </a:srgbClr>
+                      </a:solidFill>
+                      <a:prstDash val="solid"/>
+                      <a:round/>
+                      <a:headEnd type="none" w="med" len="med"/>
+                      <a:tailEnd type="none" w="med" len="med"/>
+                    </a:lnT>
+                    <a:lnB w="12700" cap="flat" cmpd="sng" algn="ctr">
+                      <a:solidFill>
+                        <a:srgbClr val="FFFFFF">
+                          <a:alpha val="100.00%"/>
+                        </a:srgbClr>
+                      </a:solidFill>
+                      <a:prstDash val="solid"/>
+                      <a:round/>
+                      <a:headEnd type="none" w="med" len="med"/>
+                      <a:tailEnd type="none" w="med" len="med"/>
+                    </a:lnB>
+                    <a:lnTlToBr w="12700" cap="flat" cmpd="sng" algn="ctr">
+                      <a:noFill/>
+                      <a:prstDash val="solid"/>
+                      <a:round/>
+                      <a:headEnd type="none" w="med" len="med"/>
+                      <a:tailEnd type="none" w="med" len="med"/>
+                    </a:lnTlToBr>
+                    <a:lnBlToTr w="12700" cap="flat" cmpd="sng" algn="ctr">
+                      <a:noFill/>
+                      <a:prstDash val="solid"/>
+                      <a:round/>
+                      <a:headEnd type="none" w="med" len="med"/>
+                      <a:tailEnd type="none" w="med" len="med"/>
+                    </a:lnBlToTr>
+                    <a:solidFill>
+                      <a:srgbClr val="E8E8E8">
+                        <a:alpha val="100.00%"/>
+                      </a:srgbClr>
+                    </a:solidFill>
+                  </a:tcPr>
+                </a:tc>
+                <a:tc>
+                  <a:txBody>
+                    <a:bodyPr wrap="square" rtlCol="0">
+                      <a:spAutoFit/>
+                    </a:bodyPr>
+                    <a:lstStyle/>
+                    <a:p>
+                      <a:pPr algn="ctr" fontAlgn="ctr" marL="0" marR="0" indent="0" lvl="0">
+                        <a:lnSpc>
+                          <a:spcPct val="100%"/>
+                        </a:lnSpc>
+                      </a:pPr>
+                      <a:r>
+                        <a:rPr lang="en-US" b="1" sz="1100" spc="0" u="none">
+                          <a:solidFill>
+                            <a:srgbClr val="000000">
+                              <a:alpha val="100.00%"/>
+                            </a:srgbClr>
+                          </a:solidFill>
+                          <a:latin typeface="Times New Roman"/>
+                        </a:rPr>
+                        <a:t><![CDATA[Moderate]]></a:t>
+                      </a:r>
+                    </a:p>
+                  </a:txBody>
+                  <a:tcPr anchor="ctr" marL="0" marR="0" marT="0" marB="0">
+                    <a:lnL w="12700" cap="flat" cmpd="sng" algn="ctr">
+                      <a:solidFill>
+                        <a:srgbClr val="FFFFFF">
+                          <a:alpha val="100.00%"/>
+                        </a:srgbClr>
+                      </a:solidFill>
+                      <a:prstDash val="solid"/>
+                      <a:round/>
+                      <a:headEnd type="none" w="med" len="med"/>
+                      <a:tailEnd type="none" w="med" len="med"/>
+                    </a:lnL>
+                    <a:lnR w="12700" cap="flat" cmpd="sng" algn="ctr">
+                      <a:solidFill>
+                        <a:srgbClr val="FFFFFF">
+                          <a:alpha val="100.00%"/>
+                        </a:srgbClr>
+                      </a:solidFill>
+                      <a:prstDash val="solid"/>
+                      <a:round/>
+                      <a:headEnd type="none" w="med" len="med"/>
+                      <a:tailEnd type="none" w="med" len="med"/>
+                    </a:lnR>
+                    <a:lnT w="12700" cap="flat" cmpd="sng" algn="ctr">
+                      <a:solidFill>
+                        <a:srgbClr val="FFFFFF">
+                          <a:alpha val="100.00%"/>
+                        </a:srgbClr>
+                      </a:solidFill>
+                      <a:prstDash val="solid"/>
+                      <a:round/>
+                      <a:headEnd type="none" w="med" len="med"/>
+                      <a:tailEnd type="none" w="med" len="med"/>
+                    </a:lnT>
+                    <a:lnB w="12700" cap="flat" cmpd="sng" algn="ctr">
+                      <a:solidFill>
+                        <a:srgbClr val="FFFFFF">
+                          <a:alpha val="100.00%"/>
+                        </a:srgbClr>
+                      </a:solidFill>
+                      <a:prstDash val="solid"/>
+                      <a:round/>
+                      <a:headEnd type="none" w="med" len="med"/>
+                      <a:tailEnd type="none" w="med" len="med"/>
+                    </a:lnB>
+                    <a:lnTlToBr w="12700" cap="flat" cmpd="sng" algn="ctr">
+                      <a:noFill/>
+                      <a:prstDash val="solid"/>
+                      <a:round/>
+                      <a:headEnd type="none" w="med" len="med"/>
+                      <a:tailEnd type="none" w="med" len="med"/>
+                    </a:lnTlToBr>
+                    <a:lnBlToTr w="12700" cap="flat" cmpd="sng" algn="ctr">
+                      <a:noFill/>
+                      <a:prstDash val="solid"/>
+                      <a:round/>
+                      <a:headEnd type="none" w="med" len="med"/>
+                      <a:tailEnd type="none" w="med" len="med"/>
+                    </a:lnBlToTr>
+                    <a:solidFill>
+                      <a:srgbClr val="E8E8E8">
+                        <a:alpha val="100.00%"/>
+                      </a:srgbClr>
+                    </a:solidFill>
+                  </a:tcPr>
+                </a:tc>
+                <a:tc>
+                  <a:txBody>
+                    <a:bodyPr wrap="square" rtlCol="0">
+                      <a:spAutoFit/>
+                    </a:bodyPr>
+                    <a:lstStyle/>
+                    <a:p>
+                      <a:pPr algn="ctr" fontAlgn="ctr" marL="0" marR="0" indent="0" lvl="0">
+                        <a:lnSpc>
+                          <a:spcPct val="100%"/>
+                        </a:lnSpc>
+                      </a:pPr>
+                      <a:r>
+                        <a:rPr lang="en-US" b="1" sz="1100" spc="0" u="none">
+                          <a:solidFill>
+                            <a:srgbClr val="000000">
+                              <a:alpha val="100.00%"/>
+                            </a:srgbClr>
+                          </a:solidFill>
+                          <a:latin typeface="Times New Roman"/>
+                        </a:rPr>
+                        <a:t><![CDATA[Low]]></a:t>
+                      </a:r>
+                    </a:p>
+                  </a:txBody>
+                  <a:tcPr anchor="ctr" marL="0" marR="0" marT="0" marB="0">
+                    <a:lnL w="12700" cap="flat" cmpd="sng" algn="ctr">
+                      <a:solidFill>
+                        <a:srgbClr val="FFFFFF">
+                          <a:alpha val="100.00%"/>
+                        </a:srgbClr>
+                      </a:solidFill>
+                      <a:prstDash val="solid"/>
+                      <a:round/>
+                      <a:headEnd type="none" w="med" len="med"/>
+                      <a:tailEnd type="none" w="med" len="med"/>
+                    </a:lnL>
+                    <a:lnR w="12700" cap="flat" cmpd="sng" algn="ctr">
+                      <a:solidFill>
+                        <a:srgbClr val="FFFFFF">
+                          <a:alpha val="100.00%"/>
+                        </a:srgbClr>
+                      </a:solidFill>
+                      <a:prstDash val="solid"/>
+                      <a:round/>
+                      <a:headEnd type="none" w="med" len="med"/>
+                      <a:tailEnd type="none" w="med" len="med"/>
+                    </a:lnR>
+                    <a:lnT w="12700" cap="flat" cmpd="sng" algn="ctr">
+                      <a:solidFill>
+                        <a:srgbClr val="FFFFFF">
+                          <a:alpha val="100.00%"/>
+                        </a:srgbClr>
+                      </a:solidFill>
+                      <a:prstDash val="solid"/>
+                      <a:round/>
+                      <a:headEnd type="none" w="med" len="med"/>
+                      <a:tailEnd type="none" w="med" len="med"/>
+                    </a:lnT>
+                    <a:lnB w="12700" cap="flat" cmpd="sng" algn="ctr">
+                      <a:solidFill>
+                        <a:srgbClr val="FFFFFF">
+                          <a:alpha val="100.00%"/>
+                        </a:srgbClr>
+                      </a:solidFill>
+                      <a:prstDash val="solid"/>
+                      <a:round/>
+                      <a:headEnd type="none" w="med" len="med"/>
+                      <a:tailEnd type="none" w="med" len="med"/>
+                    </a:lnB>
+                    <a:lnTlToBr w="12700" cap="flat" cmpd="sng" algn="ctr">
+                      <a:noFill/>
+                      <a:prstDash val="solid"/>
+                      <a:round/>
+                      <a:headEnd type="none" w="med" len="med"/>
+                      <a:tailEnd type="none" w="med" len="med"/>
+                    </a:lnTlToBr>
+                    <a:lnBlToTr w="12700" cap="flat" cmpd="sng" algn="ctr">
+                      <a:noFill/>
+                      <a:prstDash val="solid"/>
+                      <a:round/>
+                      <a:headEnd type="none" w="med" len="med"/>
+                      <a:tailEnd type="none" w="med" len="med"/>
+                    </a:lnBlToTr>
+                    <a:solidFill>
+                      <a:srgbClr val="E8E8E8">
+                        <a:alpha val="100.00%"/>
+                      </a:srgbClr>
+                    </a:solidFill>
+                  </a:tcPr>
+                </a:tc>
+              </a:tr>
+              <a:tr h="361950">
+                <a:tc>
+                  <a:txBody>
+                    <a:bodyPr wrap="square" rtlCol="0">
+                      <a:spAutoFit/>
+                    </a:bodyPr>
+                    <a:lstStyle/>
+                    <a:p>
+                      <a:pPr algn="ctr" fontAlgn="ctr" marL="0" marR="0" indent="0" lvl="0">
+                        <a:lnSpc>
+                          <a:spcPct val="100%"/>
+                        </a:lnSpc>
+                      </a:pPr>
+                      <a:r>
+                        <a:rPr lang="en-US" sz="1800" spc="0" u="none">
+                          <a:solidFill>
+                            <a:srgbClr val="000000">
+                              <a:alpha val="100.00%"/>
+                            </a:srgbClr>
+                          </a:solidFill>
+                          <a:latin typeface="Arial (Body)"/>
+                        </a:rPr>
+                        <a:t><![CDATA[9]]></a:t>
+                      </a:r>
+                    </a:p>
+                  </a:txBody>
+                  <a:tcPr anchor="ctr" marL="0" marR="0" marT="0" marB="0">
+                    <a:lnL w="12700" cap="flat" cmpd="sng" algn="ctr">
+                      <a:solidFill>
+                        <a:srgbClr val="FFFFFF">
+                          <a:alpha val="100.00%"/>
+                        </a:srgbClr>
+                      </a:solidFill>
+                      <a:prstDash val="solid"/>
+                      <a:round/>
+                      <a:headEnd type="none" w="med" len="med"/>
+                      <a:tailEnd type="none" w="med" len="med"/>
+                    </a:lnL>
+                    <a:lnR w="12700" cap="flat" cmpd="sng" algn="ctr">
+                      <a:solidFill>
+                        <a:srgbClr val="FFFFFF">
+                          <a:alpha val="100.00%"/>
+                        </a:srgbClr>
+                      </a:solidFill>
+                      <a:prstDash val="solid"/>
+                      <a:round/>
+                      <a:headEnd type="none" w="med" len="med"/>
+                      <a:tailEnd type="none" w="med" len="med"/>
+                    </a:lnR>
+                    <a:lnT w="12700" cap="flat" cmpd="sng" algn="ctr">
+                      <a:solidFill>
+                        <a:srgbClr val="FFFFFF">
+                          <a:alpha val="100.00%"/>
+                        </a:srgbClr>
+                      </a:solidFill>
+                      <a:prstDash val="solid"/>
+                      <a:round/>
+                      <a:headEnd type="none" w="med" len="med"/>
+                      <a:tailEnd type="none" w="med" len="med"/>
+                    </a:lnT>
+                    <a:lnB w="12700" cap="flat" cmpd="sng" algn="ctr">
+                      <a:solidFill>
+                        <a:srgbClr val="FFFFFF">
+                          <a:alpha val="100.00%"/>
+                        </a:srgbClr>
+                      </a:solidFill>
+                      <a:prstDash val="solid"/>
+                      <a:round/>
+                      <a:headEnd type="none" w="med" len="med"/>
+                      <a:tailEnd type="none" w="med" len="med"/>
+                    </a:lnB>
+                    <a:lnTlToBr w="12700" cap="flat" cmpd="sng" algn="ctr">
+                      <a:noFill/>
+                      <a:prstDash val="solid"/>
+                      <a:round/>
+                      <a:headEnd type="none" w="med" len="med"/>
+                      <a:tailEnd type="none" w="med" len="med"/>
+                    </a:lnTlToBr>
+                    <a:lnBlToTr w="12700" cap="flat" cmpd="sng" algn="ctr">
+                      <a:noFill/>
+                      <a:prstDash val="solid"/>
+                      <a:round/>
+                      <a:headEnd type="none" w="med" len="med"/>
+                      <a:tailEnd type="none" w="med" len="med"/>
+                    </a:lnBlToTr>
+                    <a:solidFill>
+                      <a:srgbClr val="CDCECD">
+                        <a:alpha val="100.00%"/>
+                      </a:srgbClr>
+                    </a:solidFill>
+                  </a:tcPr>
+                </a:tc>
+                <a:tc>
+                  <a:txBody>
+                    <a:bodyPr wrap="square" rtlCol="0">
+                      <a:spAutoFit/>
+                    </a:bodyPr>
+                    <a:lstStyle/>
+                    <a:p>
+                      <a:pPr algn="ctr" fontAlgn="ctr" marL="0" marR="0" indent="0" lvl="0">
+                        <a:lnSpc>
+                          <a:spcPct val="100%"/>
+                        </a:lnSpc>
+                      </a:pPr>
+                      <a:r>
+                        <a:rPr lang="en-US" sz="1800" spc="0" u="none">
+                          <a:solidFill>
+                            <a:srgbClr val="000000">
+                              <a:alpha val="100.00%"/>
+                            </a:srgbClr>
+                          </a:solidFill>
+                          <a:latin typeface="Arial (Body)"/>
+                        </a:rPr>
+                        <a:t><![CDATA[No System Association]]></a:t>
+                      </a:r>
+                    </a:p>
+                  </a:txBody>
+                  <a:tcPr anchor="ctr" marL="0" marR="0" marT="0" marB="0">
+                    <a:lnL w="12700" cap="flat" cmpd="sng" algn="ctr">
+                      <a:solidFill>
+                        <a:srgbClr val="FFFFFF">
+                          <a:alpha val="100.00%"/>
+                        </a:srgbClr>
+                      </a:solidFill>
+                      <a:prstDash val="solid"/>
+                      <a:round/>
+                      <a:headEnd type="none" w="med" len="med"/>
+                      <a:tailEnd type="none" w="med" len="med"/>
+                    </a:lnL>
+                    <a:lnR w="12700" cap="flat" cmpd="sng" algn="ctr">
+                      <a:solidFill>
+                        <a:srgbClr val="FFFFFF">
+                          <a:alpha val="100.00%"/>
+                        </a:srgbClr>
+                      </a:solidFill>
+                      <a:prstDash val="solid"/>
+                      <a:round/>
+                      <a:headEnd type="none" w="med" len="med"/>
+                      <a:tailEnd type="none" w="med" len="med"/>
+                    </a:lnR>
+                    <a:lnT w="12700" cap="flat" cmpd="sng" algn="ctr">
+                      <a:solidFill>
+                        <a:srgbClr val="FFFFFF">
+                          <a:alpha val="100.00%"/>
+                        </a:srgbClr>
+                      </a:solidFill>
+                      <a:prstDash val="solid"/>
+                      <a:round/>
+                      <a:headEnd type="none" w="med" len="med"/>
+                      <a:tailEnd type="none" w="med" len="med"/>
+                    </a:lnT>
+                    <a:lnB w="12700" cap="flat" cmpd="sng" algn="ctr">
+                      <a:solidFill>
+                        <a:srgbClr val="FFFFFF">
+                          <a:alpha val="100.00%"/>
+                        </a:srgbClr>
+                      </a:solidFill>
+                      <a:prstDash val="solid"/>
+                      <a:round/>
+                      <a:headEnd type="none" w="med" len="med"/>
+                      <a:tailEnd type="none" w="med" len="med"/>
+                    </a:lnB>
+                    <a:lnTlToBr w="12700" cap="flat" cmpd="sng" algn="ctr">
+                      <a:noFill/>
+                      <a:prstDash val="solid"/>
+                      <a:round/>
+                      <a:headEnd type="none" w="med" len="med"/>
+                      <a:tailEnd type="none" w="med" len="med"/>
+                    </a:lnTlToBr>
+                    <a:lnBlToTr w="12700" cap="flat" cmpd="sng" algn="ctr">
+                      <a:noFill/>
+                      <a:prstDash val="solid"/>
+                      <a:round/>
+                      <a:headEnd type="none" w="med" len="med"/>
+                      <a:tailEnd type="none" w="med" len="med"/>
+                    </a:lnBlToTr>
+                    <a:solidFill>
+                      <a:srgbClr val="CDCECD">
+                        <a:alpha val="100.00%"/>
+                      </a:srgbClr>
+                    </a:solidFill>
+                  </a:tcPr>
+                </a:tc>
+                <a:tc>
+                  <a:txBody>
+                    <a:bodyPr wrap="square" rtlCol="0">
+                      <a:spAutoFit/>
+                    </a:bodyPr>
+                    <a:lstStyle/>
+                    <a:p>
+                      <a:pPr algn="ctr" fontAlgn="ctr" marL="0" marR="0" indent="0" lvl="0">
+                        <a:lnSpc>
+                          <a:spcPct val="100%"/>
+                        </a:lnSpc>
+                      </a:pPr>
+                      <a:r>
+                        <a:rPr lang="en-US" sz="1800" spc="0" u="none">
+                          <a:solidFill>
+                            <a:srgbClr val="000000">
+                              <a:alpha val="100.00%"/>
+                            </a:srgbClr>
+                          </a:solidFill>
+                          <a:latin typeface="Arial (Body)"/>
+                        </a:rPr>
+                        <a:t><![CDATA[Finding 9]]></a:t>
+                      </a:r>
+                    </a:p>
+                  </a:txBody>
+                  <a:tcPr anchor="ctr" marL="0" marR="0" marT="0" marB="0">
+                    <a:lnL w="12700" cap="flat" cmpd="sng" algn="ctr">
+                      <a:solidFill>
+                        <a:srgbClr val="FFFFFF">
+                          <a:alpha val="100.00%"/>
+                        </a:srgbClr>
+                      </a:solidFill>
+                      <a:prstDash val="solid"/>
+                      <a:round/>
+                      <a:headEnd type="none" w="med" len="med"/>
+                      <a:tailEnd type="none" w="med" len="med"/>
+                    </a:lnL>
+                    <a:lnR w="12700" cap="flat" cmpd="sng" algn="ctr">
+                      <a:solidFill>
+                        <a:srgbClr val="FFFFFF">
+                          <a:alpha val="100.00%"/>
+                        </a:srgbClr>
+                      </a:solidFill>
+                      <a:prstDash val="solid"/>
+                      <a:round/>
+                      <a:headEnd type="none" w="med" len="med"/>
+                      <a:tailEnd type="none" w="med" len="med"/>
+                    </a:lnR>
+                    <a:lnT w="12700" cap="flat" cmpd="sng" algn="ctr">
+                      <a:solidFill>
+                        <a:srgbClr val="FFFFFF">
+                          <a:alpha val="100.00%"/>
+                        </a:srgbClr>
+                      </a:solidFill>
+                      <a:prstDash val="solid"/>
+                      <a:round/>
+                      <a:headEnd type="none" w="med" len="med"/>
+                      <a:tailEnd type="none" w="med" len="med"/>
+                    </a:lnT>
+                    <a:lnB w="12700" cap="flat" cmpd="sng" algn="ctr">
+                      <a:solidFill>
+                        <a:srgbClr val="FFFFFF">
+                          <a:alpha val="100.00%"/>
+                        </a:srgbClr>
+                      </a:solidFill>
+                      <a:prstDash val="solid"/>
+                      <a:round/>
+                      <a:headEnd type="none" w="med" len="med"/>
+                      <a:tailEnd type="none" w="med" len="med"/>
+                    </a:lnB>
+                    <a:lnTlToBr w="12700" cap="flat" cmpd="sng" algn="ctr">
+                      <a:noFill/>
+                      <a:prstDash val="solid"/>
+                      <a:round/>
+                      <a:headEnd type="none" w="med" len="med"/>
+                      <a:tailEnd type="none" w="med" len="med"/>
+                    </a:lnTlToBr>
+                    <a:lnBlToTr w="12700" cap="flat" cmpd="sng" algn="ctr">
+                      <a:noFill/>
+                      <a:prstDash val="solid"/>
+                      <a:round/>
+                      <a:headEnd type="none" w="med" len="med"/>
+                      <a:tailEnd type="none" w="med" len="med"/>
+                    </a:lnBlToTr>
+                    <a:solidFill>
+                      <a:srgbClr val="CDCECD">
+                        <a:alpha val="100.00%"/>
+                      </a:srgbClr>
+                    </a:solidFill>
+                  </a:tcPr>
+                </a:tc>
+                <a:tc>
+                  <a:txBody>
+                    <a:bodyPr wrap="square" rtlCol="0">
+                      <a:spAutoFit/>
+                    </a:bodyPr>
+                    <a:lstStyle/>
+                    <a:p>
+                      <a:pPr algn="ctr" fontAlgn="ctr" marL="0" marR="0" indent="0" lvl="0">
+                        <a:lnSpc>
+                          <a:spcPct val="100%"/>
+                        </a:lnSpc>
+                      </a:pPr>
+                      <a:r>
+                        <a:rPr lang="en-US" b="1" sz="1100" spc="0" u="none">
+                          <a:solidFill>
+                            <a:srgbClr val="000000">
+                              <a:alpha val="100.00%"/>
+                            </a:srgbClr>
+                          </a:solidFill>
+                          <a:latin typeface="Times New Roman"/>
+                        </a:rPr>
+                        <a:t><![CDATA[Moderate]]></a:t>
+                      </a:r>
+                    </a:p>
+                  </a:txBody>
+                  <a:tcPr anchor="ctr" marL="0" marR="0" marT="0" marB="0">
+                    <a:lnL w="12700" cap="flat" cmpd="sng" algn="ctr">
+                      <a:solidFill>
+                        <a:srgbClr val="FFFFFF">
+                          <a:alpha val="100.00%"/>
+                        </a:srgbClr>
+                      </a:solidFill>
+                      <a:prstDash val="solid"/>
+                      <a:round/>
+                      <a:headEnd type="none" w="med" len="med"/>
+                      <a:tailEnd type="none" w="med" len="med"/>
+                    </a:lnL>
+                    <a:lnR w="12700" cap="flat" cmpd="sng" algn="ctr">
+                      <a:solidFill>
+                        <a:srgbClr val="FFFFFF">
+                          <a:alpha val="100.00%"/>
+                        </a:srgbClr>
+                      </a:solidFill>
+                      <a:prstDash val="solid"/>
+                      <a:round/>
+                      <a:headEnd type="none" w="med" len="med"/>
+                      <a:tailEnd type="none" w="med" len="med"/>
+                    </a:lnR>
+                    <a:lnT w="12700" cap="flat" cmpd="sng" algn="ctr">
+                      <a:solidFill>
+                        <a:srgbClr val="FFFFFF">
+                          <a:alpha val="100.00%"/>
+                        </a:srgbClr>
+                      </a:solidFill>
+                      <a:prstDash val="solid"/>
+                      <a:round/>
+                      <a:headEnd type="none" w="med" len="med"/>
+                      <a:tailEnd type="none" w="med" len="med"/>
+                    </a:lnT>
+                    <a:lnB w="12700" cap="flat" cmpd="sng" algn="ctr">
+                      <a:solidFill>
+                        <a:srgbClr val="FFFFFF">
+                          <a:alpha val="100.00%"/>
+                        </a:srgbClr>
+                      </a:solidFill>
+                      <a:prstDash val="solid"/>
+                      <a:round/>
+                      <a:headEnd type="none" w="med" len="med"/>
+                      <a:tailEnd type="none" w="med" len="med"/>
+                    </a:lnB>
+                    <a:lnTlToBr w="12700" cap="flat" cmpd="sng" algn="ctr">
+                      <a:noFill/>
+                      <a:prstDash val="solid"/>
+                      <a:round/>
+                      <a:headEnd type="none" w="med" len="med"/>
+                      <a:tailEnd type="none" w="med" len="med"/>
+                    </a:lnTlToBr>
+                    <a:lnBlToTr w="12700" cap="flat" cmpd="sng" algn="ctr">
+                      <a:noFill/>
+                      <a:prstDash val="solid"/>
+                      <a:round/>
+                      <a:headEnd type="none" w="med" len="med"/>
+                      <a:tailEnd type="none" w="med" len="med"/>
+                    </a:lnBlToTr>
+                    <a:solidFill>
+                      <a:srgbClr val="CDCECD">
+                        <a:alpha val="100.00%"/>
+                      </a:srgbClr>
+                    </a:solidFill>
+                  </a:tcPr>
+                </a:tc>
+                <a:tc>
+                  <a:txBody>
+                    <a:bodyPr wrap="square" rtlCol="0">
+                      <a:spAutoFit/>
+                    </a:bodyPr>
+                    <a:lstStyle/>
+                    <a:p>
+                      <a:pPr algn="ctr" fontAlgn="ctr" marL="0" marR="0" indent="0" lvl="0">
+                        <a:lnSpc>
+                          <a:spcPct val="100%"/>
+                        </a:lnSpc>
+                      </a:pPr>
+                      <a:r>
+                        <a:rPr lang="en-US" b="1" sz="1100" spc="0" u="none">
+                          <a:solidFill>
+                            <a:srgbClr val="000000">
+                              <a:alpha val="100.00%"/>
+                            </a:srgbClr>
+                          </a:solidFill>
+                          <a:latin typeface="Times New Roman"/>
+                        </a:rPr>
+                        <a:t><![CDATA[Low]]></a:t>
+                      </a:r>
+                    </a:p>
+                  </a:txBody>
+                  <a:tcPr anchor="ctr" marL="0" marR="0" marT="0" marB="0">
+                    <a:lnL w="12700" cap="flat" cmpd="sng" algn="ctr">
+                      <a:solidFill>
+                        <a:srgbClr val="FFFFFF">
+                          <a:alpha val="100.00%"/>
+                        </a:srgbClr>
+                      </a:solidFill>
+                      <a:prstDash val="solid"/>
+                      <a:round/>
+                      <a:headEnd type="none" w="med" len="med"/>
+                      <a:tailEnd type="none" w="med" len="med"/>
+                    </a:lnL>
+                    <a:lnR w="12700" cap="flat" cmpd="sng" algn="ctr">
+                      <a:solidFill>
+                        <a:srgbClr val="FFFFFF">
+                          <a:alpha val="100.00%"/>
+                        </a:srgbClr>
+                      </a:solidFill>
+                      <a:prstDash val="solid"/>
+                      <a:round/>
+                      <a:headEnd type="none" w="med" len="med"/>
+                      <a:tailEnd type="none" w="med" len="med"/>
+                    </a:lnR>
+                    <a:lnT w="12700" cap="flat" cmpd="sng" algn="ctr">
+                      <a:solidFill>
+                        <a:srgbClr val="FFFFFF">
+                          <a:alpha val="100.00%"/>
+                        </a:srgbClr>
+                      </a:solidFill>
+                      <a:prstDash val="solid"/>
+                      <a:round/>
+                      <a:headEnd type="none" w="med" len="med"/>
+                      <a:tailEnd type="none" w="med" len="med"/>
+                    </a:lnT>
+                    <a:lnB w="12700" cap="flat" cmpd="sng" algn="ctr">
+                      <a:solidFill>
+                        <a:srgbClr val="FFFFFF">
+                          <a:alpha val="100.00%"/>
+                        </a:srgbClr>
+                      </a:solidFill>
+                      <a:prstDash val="solid"/>
+                      <a:round/>
+                      <a:headEnd type="none" w="med" len="med"/>
+                      <a:tailEnd type="none" w="med" len="med"/>
+                    </a:lnB>
+                    <a:lnTlToBr w="12700" cap="flat" cmpd="sng" algn="ctr">
+                      <a:noFill/>
+                      <a:prstDash val="solid"/>
+                      <a:round/>
+                      <a:headEnd type="none" w="med" len="med"/>
+                      <a:tailEnd type="none" w="med" len="med"/>
+                    </a:lnTlToBr>
+                    <a:lnBlToTr w="12700" cap="flat" cmpd="sng" algn="ctr">
+                      <a:noFill/>
+                      <a:prstDash val="solid"/>
+                      <a:round/>
+                      <a:headEnd type="none" w="med" len="med"/>
+                      <a:tailEnd type="none" w="med" len="med"/>
+                    </a:lnBlToTr>
+                    <a:solidFill>
+                      <a:srgbClr val="CDCECD">
+                        <a:alpha val="100.00%"/>
+                      </a:srgbClr>
+                    </a:solidFill>
+                  </a:tcPr>
+                </a:tc>
+              </a:tr>
+            </a:tbl>
+          </a:graphicData>
+        </a:graphic>
+      </p:graphicFrame>
+    </p:spTree>
+  </p:cSld>
+  <p:clrMapOvr>
+    <a:masterClrMapping/>
+  </p:clrMapOvr>
+</p:sld>
+</file>
+
+<file path=ppt/slides/slide4.xml><?xml version="1.0" encoding="utf-8"?>
+<p:sld xmlns:a="http://schemas.openxmlformats.org/drawingml/2006/main" xmlns:r="http://schemas.openxmlformats.org/officeDocument/2006/relationships" xmlns:p="http://schemas.openxmlformats.org/presentationml/2006/main">
+  <p:cSld>
+    <p:spTree>
+      <p:nvGrpSpPr>
+        <p:cNvPr id="1" name=""/>
+        <p:cNvGrpSpPr/>
+        <p:nvPr/>
+      </p:nvGrpSpPr>
+      <p:grpSpPr>
+        <a:xfrm>
+          <a:off x="47625" y="95250"/>
+          <a:ext cx="9191625" cy="6829425"/>
+          <a:chOff x="47625" y="95250"/>
+          <a:chExt cx="9191625" cy="6829425"/>
+        </a:xfrm>
+      </p:grpSpPr>
+      <p:sp>
+        <p:nvSpPr>
+          <p:cNvPr id="1" name=""/>
+          <p:cNvSpPr txBox="1"/>
+          <p:nvPr/>
+        </p:nvSpPr>
+        <p:spPr>
+          <a:xfrm>
+            <a:off x="47625" y="95250"/>
+            <a:ext cx="9144000" cy="0"/>
+          </a:xfrm>
+          <a:prstGeom prst="rect">
+            <a:avLst/>
+          </a:prstGeom>
+          <a:noFill/>
+        </p:spPr>
+        <p:txBody>
+          <a:bodyPr rtlCol="0" bIns="45720" lIns="91440" rIns="91440" tIns="45720">
+            <a:spAutoFit/>
+          </a:bodyPr>
+          <a:lstStyle/>
+          <a:p>
+            <a:pPr algn="ctr" fontAlgn="base" marL="0" marR="0" indent="0" lvl="0">
+              <a:lnSpc>
+                <a:spcPct val="100%"/>
+              </a:lnSpc>
+            </a:pPr>
+            <a:r>
+              <a:rPr lang="en-US" b="1" sz="800" spc="0" u="none">
+                <a:solidFill>
+                  <a:srgbClr val="000000">
+                    <a:alpha val="100.00%"/>
+                  </a:srgbClr>
+                </a:solidFill>
+                <a:latin typeface="Arial"/>
+              </a:rPr>
+              <a:t><![CDATA[FOR OFFICIAL USE ONLY]]></a:t>
+            </a:r>
+          </a:p>
+        </p:txBody>
+      </p:sp>
+      <p:sp>
+        <p:nvSpPr>
+          <p:cNvPr id="2" name=""/>
+          <p:cNvSpPr txBox="1"/>
+          <p:nvPr/>
+        </p:nvSpPr>
+        <p:spPr>
+          <a:xfrm>
+            <a:off x="47625" y="6667500"/>
+            <a:ext cx="9144000" cy="0"/>
+          </a:xfrm>
+          <a:prstGeom prst="rect">
+            <a:avLst/>
+          </a:prstGeom>
+          <a:noFill/>
+        </p:spPr>
+        <p:txBody>
+          <a:bodyPr rtlCol="0" bIns="45720" lIns="91440" rIns="91440" tIns="45720">
+            <a:spAutoFit/>
+          </a:bodyPr>
+          <a:lstStyle/>
+          <a:p>
+            <a:pPr algn="ctr" fontAlgn="base" marL="0" marR="0" indent="0" lvl="0">
+              <a:lnSpc>
+                <a:spcPct val="100%"/>
+              </a:lnSpc>
+            </a:pPr>
+            <a:r>
+              <a:rPr lang="en-US" b="1" sz="800" spc="0" u="none">
+                <a:solidFill>
+                  <a:srgbClr val="000000">
+                    <a:alpha val="100.00%"/>
+                  </a:srgbClr>
+                </a:solidFill>
+                <a:latin typeface="Arial"/>
+              </a:rPr>
+              <a:t><![CDATA[FOR OFFICIAL USE ONLY]]></a:t>
+            </a:r>
+          </a:p>
+        </p:txBody>
+      </p:sp>
+      <p:pic>
+        <p:nvPicPr>
+          <p:cNvPr id="3" name="ARMY logo" descr=""/>
+          <p:cNvPicPr>
+            <a:picLocks noChangeAspect="1"/>
+          </p:cNvPicPr>
+          <p:nvPr/>
+        </p:nvPicPr>
+        <p:blipFill>
+          <a:blip r:embed="rId2"/>
+          <a:stretch>
+            <a:fillRect/>
+          </a:stretch>
+        </p:blipFill>
+        <p:spPr>
+          <a:xfrm>
+            <a:off x="238125" y="257175"/>
+            <a:ext cx="571500" cy="762000"/>
+          </a:xfrm>
+          <a:prstGeom prst="rect">
+            <a:avLst/>
+          </a:prstGeom>
+        </p:spPr>
+      </p:pic>
+      <p:pic>
+        <p:nvPicPr>
+          <p:cNvPr id="4" name="CEAD logo" descr=""/>
+          <p:cNvPicPr>
+            <a:picLocks noChangeAspect="1"/>
+          </p:cNvPicPr>
+          <p:nvPr/>
+        </p:nvPicPr>
+        <p:blipFill>
+          <a:blip r:embed="rId3"/>
+          <a:stretch>
+            <a:fillRect/>
+          </a:stretch>
+        </p:blipFill>
+        <p:spPr>
+          <a:xfrm>
+            <a:off x="914400" y="285750"/>
+            <a:ext cx="400050" cy="523875"/>
+          </a:xfrm>
+          <a:prstGeom prst="rect">
+            <a:avLst/>
+          </a:prstGeom>
+        </p:spPr>
+      </p:pic>
+      <p:pic>
+        <p:nvPicPr>
+          <p:cNvPr id="5" name="DEVCOM logo" descr=""/>
+          <p:cNvPicPr>
+            <a:picLocks noChangeAspect="1"/>
+          </p:cNvPicPr>
+          <p:nvPr/>
+        </p:nvPicPr>
+        <p:blipFill>
+          <a:blip r:embed="rId4"/>
+          <a:stretch>
+            <a:fillRect/>
+          </a:stretch>
+        </p:blipFill>
+        <p:spPr>
+          <a:xfrm>
+            <a:off x="7667625" y="333375"/>
+            <a:ext cx="1228725" cy="409575"/>
+          </a:xfrm>
+          <a:prstGeom prst="rect">
+            <a:avLst/>
+          </a:prstGeom>
+        </p:spPr>
+      </p:pic>
+      <p:sp>
+        <p:nvSpPr>
+          <p:cNvPr id="6" name=""/>
+          <p:cNvSpPr txBox="1"/>
+          <p:nvPr/>
+        </p:nvSpPr>
+        <p:spPr>
+          <a:xfrm>
+            <a:off x="1619250" y="333375"/>
+            <a:ext cx="5943600" cy="504825"/>
+          </a:xfrm>
+          <a:prstGeom prst="rect">
+            <a:avLst/>
+          </a:prstGeom>
+          <a:noFill/>
+        </p:spPr>
+        <p:txBody>
+          <a:bodyPr rtlCol="0" bIns="45720" lIns="91440" rIns="91440" tIns="45720">
+            <a:spAutoFit/>
+          </a:bodyPr>
+          <a:lstStyle/>
+          <a:p>
+            <a:pPr algn="l" fontAlgn="base" marL="0" marR="0" indent="0" lvl="0">
+              <a:lnSpc>
+                <a:spcPct val="100%"/>
+              </a:lnSpc>
+            </a:pPr>
+            <a:r>
+              <a:rPr lang="en-US" b="1" sz="2000" spc="0" u="none">
+                <a:solidFill>
+                  <a:srgbClr val="000000">
+                    <a:alpha val="100.00%"/>
+                  </a:srgbClr>
+                </a:solidFill>
+                <a:latin typeface="Arial"/>
+              </a:rPr>
+              <a:t><![CDATA[FINDINGS]]></a:t>
+            </a:r>
+          </a:p>
+        </p:txBody>
+      </p:sp>
+      <p:graphicFrame>
+        <p:nvGraphicFramePr>
+          <p:cNvPr id="7" name="" descr=""/>
+          <p:cNvGraphicFramePr>
+            <a:graphicFrameLocks noGrp="1"/>
+          </p:cNvGraphicFramePr>
+          <p:nvPr/>
+        </p:nvGraphicFramePr>
+        <p:xfrm>
+          <a:off x="304800" y="1114425"/>
+          <a:ext cx="8572500" cy="5715000"/>
+        </p:xfrm>
+        <a:graphic>
+          <a:graphicData uri="http://schemas.openxmlformats.org/drawingml/2006/table">
+            <a:tbl>
+              <a:tblPr firstRow="1" bandRow="1"/>
+              <a:tblGrid>
+                <a:gridCol w="1714500"/>
+                <a:gridCol w="1714500"/>
+                <a:gridCol w="1714500"/>
+                <a:gridCol w="1714500"/>
+                <a:gridCol w="1714500"/>
+              </a:tblGrid>
+              <a:tr h="361950">
+                <a:tc>
+                  <a:txBody>
+                    <a:bodyPr wrap="square" rtlCol="0">
+                      <a:spAutoFit/>
+                    </a:bodyPr>
+                    <a:lstStyle/>
+                    <a:p>
+                      <a:pPr algn="ctr" fontAlgn="ctr" marL="0" marR="0" indent="0" lvl="0">
+                        <a:lnSpc>
+                          <a:spcPct val="100%"/>
+                        </a:lnSpc>
+                      </a:pPr>
+                      <a:r>
+                        <a:rPr lang="en-US" b="1" sz="1800" spc="0" u="none">
+                          <a:solidFill>
+                            <a:srgbClr val="FFFFFF">
+                              <a:alpha val="100.00%"/>
+                            </a:srgbClr>
+                          </a:solidFill>
+                          <a:latin typeface="Arial (Body)"/>
+                        </a:rPr>
+                        <a:t><![CDATA[ID]]></a:t>
+                      </a:r>
+                    </a:p>
+                  </a:txBody>
+                  <a:tcPr anchor="ctr" marL="0" marR="0" marT="0" marB="0">
+                    <a:lnL w="12700" cap="flat" cmpd="sng" algn="ctr">
+                      <a:solidFill>
+                        <a:srgbClr val="FFFFFF">
+                          <a:alpha val="100.00%"/>
+                        </a:srgbClr>
+                      </a:solidFill>
+                      <a:prstDash val="solid"/>
+                      <a:round/>
+                      <a:headEnd type="none" w="med" len="med"/>
+                      <a:tailEnd type="none" w="med" len="med"/>
+                    </a:lnL>
+                    <a:lnR w="12700" cap="flat" cmpd="sng" algn="ctr">
+                      <a:solidFill>
+                        <a:srgbClr val="FFFFFF">
+                          <a:alpha val="100.00%"/>
+                        </a:srgbClr>
+                      </a:solidFill>
+                      <a:prstDash val="solid"/>
+                      <a:round/>
+                      <a:headEnd type="none" w="med" len="med"/>
+                      <a:tailEnd type="none" w="med" len="med"/>
+                    </a:lnR>
+                    <a:lnT w="12700" cap="flat" cmpd="sng" algn="ctr">
+                      <a:solidFill>
+                        <a:srgbClr val="FFFFFF">
+                          <a:alpha val="100.00%"/>
+                        </a:srgbClr>
+                      </a:solidFill>
+                      <a:prstDash val="solid"/>
+                      <a:round/>
+                      <a:headEnd type="none" w="med" len="med"/>
+                      <a:tailEnd type="none" w="med" len="med"/>
+                    </a:lnT>
+                    <a:lnB w="12700" cap="flat" cmpd="sng" algn="ctr">
+                      <a:solidFill>
+                        <a:srgbClr val="FFFFFF">
+                          <a:alpha val="100.00%"/>
+                        </a:srgbClr>
+                      </a:solidFill>
+                      <a:prstDash val="solid"/>
+                      <a:round/>
+                      <a:headEnd type="none" w="med" len="med"/>
+                      <a:tailEnd type="none" w="med" len="med"/>
+                    </a:lnB>
+                    <a:lnTlToBr w="12700" cap="flat" cmpd="sng" algn="ctr">
+                      <a:noFill/>
+                      <a:prstDash val="solid"/>
+                      <a:round/>
+                      <a:headEnd type="none" w="med" len="med"/>
+                      <a:tailEnd type="none" w="med" len="med"/>
+                    </a:lnTlToBr>
+                    <a:lnBlToTr w="12700" cap="flat" cmpd="sng" algn="ctr">
+                      <a:noFill/>
+                      <a:prstDash val="solid"/>
+                      <a:round/>
+                      <a:headEnd type="none" w="med" len="med"/>
+                      <a:tailEnd type="none" w="med" len="med"/>
+                    </a:lnBlToTr>
+                    <a:solidFill>
+                      <a:srgbClr val="333C33">
+                        <a:alpha val="100.00%"/>
+                      </a:srgbClr>
+                    </a:solidFill>
+                  </a:tcPr>
+                </a:tc>
+                <a:tc>
+                  <a:txBody>
+                    <a:bodyPr wrap="square" rtlCol="0">
+                      <a:spAutoFit/>
+                    </a:bodyPr>
+                    <a:lstStyle/>
+                    <a:p>
+                      <a:pPr algn="ctr" fontAlgn="ctr" marL="0" marR="0" indent="0" lvl="0">
+                        <a:lnSpc>
+                          <a:spcPct val="100%"/>
+                        </a:lnSpc>
+                      </a:pPr>
+                      <a:r>
+                        <a:rPr lang="en-US" b="1" sz="1800" spc="0" u="none">
+                          <a:solidFill>
+                            <a:srgbClr val="FFFFFF">
+                              <a:alpha val="100.00%"/>
+                            </a:srgbClr>
+                          </a:solidFill>
+                          <a:latin typeface="Arial (Body)"/>
+                        </a:rPr>
+                        <a:t><![CDATA[System]]></a:t>
+                      </a:r>
+                    </a:p>
+                  </a:txBody>
+                  <a:tcPr anchor="ctr" marL="0" marR="0" marT="0" marB="0">
+                    <a:lnL w="12700" cap="flat" cmpd="sng" algn="ctr">
+                      <a:solidFill>
+                        <a:srgbClr val="FFFFFF">
+                          <a:alpha val="100.00%"/>
+                        </a:srgbClr>
+                      </a:solidFill>
+                      <a:prstDash val="solid"/>
+                      <a:round/>
+                      <a:headEnd type="none" w="med" len="med"/>
+                      <a:tailEnd type="none" w="med" len="med"/>
+                    </a:lnL>
+                    <a:lnR w="12700" cap="flat" cmpd="sng" algn="ctr">
+                      <a:solidFill>
+                        <a:srgbClr val="FFFFFF">
+                          <a:alpha val="100.00%"/>
+                        </a:srgbClr>
+                      </a:solidFill>
+                      <a:prstDash val="solid"/>
+                      <a:round/>
+                      <a:headEnd type="none" w="med" len="med"/>
+                      <a:tailEnd type="none" w="med" len="med"/>
+                    </a:lnR>
+                    <a:lnT w="12700" cap="flat" cmpd="sng" algn="ctr">
+                      <a:solidFill>
+                        <a:srgbClr val="FFFFFF">
+                          <a:alpha val="100.00%"/>
+                        </a:srgbClr>
+                      </a:solidFill>
+                      <a:prstDash val="solid"/>
+                      <a:round/>
+                      <a:headEnd type="none" w="med" len="med"/>
+                      <a:tailEnd type="none" w="med" len="med"/>
+                    </a:lnT>
+                    <a:lnB w="12700" cap="flat" cmpd="sng" algn="ctr">
+                      <a:solidFill>
+                        <a:srgbClr val="FFFFFF">
+                          <a:alpha val="100.00%"/>
+                        </a:srgbClr>
+                      </a:solidFill>
+                      <a:prstDash val="solid"/>
+                      <a:round/>
+                      <a:headEnd type="none" w="med" len="med"/>
+                      <a:tailEnd type="none" w="med" len="med"/>
+                    </a:lnB>
+                    <a:lnTlToBr w="12700" cap="flat" cmpd="sng" algn="ctr">
+                      <a:noFill/>
+                      <a:prstDash val="solid"/>
+                      <a:round/>
+                      <a:headEnd type="none" w="med" len="med"/>
+                      <a:tailEnd type="none" w="med" len="med"/>
+                    </a:lnTlToBr>
+                    <a:lnBlToTr w="12700" cap="flat" cmpd="sng" algn="ctr">
+                      <a:noFill/>
+                      <a:prstDash val="solid"/>
+                      <a:round/>
+                      <a:headEnd type="none" w="med" len="med"/>
+                      <a:tailEnd type="none" w="med" len="med"/>
+                    </a:lnBlToTr>
+                    <a:solidFill>
+                      <a:srgbClr val="333C33">
+                        <a:alpha val="100.00%"/>
+                      </a:srgbClr>
+                    </a:solidFill>
+                  </a:tcPr>
+                </a:tc>
+                <a:tc>
+                  <a:txBody>
+                    <a:bodyPr wrap="square" rtlCol="0">
+                      <a:spAutoFit/>
+                    </a:bodyPr>
+                    <a:lstStyle/>
+                    <a:p>
+                      <a:pPr algn="ctr" fontAlgn="ctr" marL="0" marR="0" indent="0" lvl="0">
+                        <a:lnSpc>
+                          <a:spcPct val="100%"/>
+                        </a:lnSpc>
+                      </a:pPr>
+                      <a:r>
+                        <a:rPr lang="en-US" b="1" sz="1800" spc="0" u="none">
+                          <a:solidFill>
+                            <a:srgbClr val="FFFFFF">
+                              <a:alpha val="100.00%"/>
+                            </a:srgbClr>
+                          </a:solidFill>
+                          <a:latin typeface="Arial (Body)"/>
+                        </a:rPr>
+                        <a:t><![CDATA[Finding]]></a:t>
+                      </a:r>
+                    </a:p>
+                  </a:txBody>
+                  <a:tcPr anchor="ctr" marL="0" marR="0" marT="0" marB="0">
+                    <a:lnL w="12700" cap="flat" cmpd="sng" algn="ctr">
+                      <a:solidFill>
+                        <a:srgbClr val="FFFFFF">
+                          <a:alpha val="100.00%"/>
+                        </a:srgbClr>
+                      </a:solidFill>
+                      <a:prstDash val="solid"/>
+                      <a:round/>
+                      <a:headEnd type="none" w="med" len="med"/>
+                      <a:tailEnd type="none" w="med" len="med"/>
+                    </a:lnL>
+                    <a:lnR w="12700" cap="flat" cmpd="sng" algn="ctr">
+                      <a:solidFill>
+                        <a:srgbClr val="FFFFFF">
+                          <a:alpha val="100.00%"/>
+                        </a:srgbClr>
+                      </a:solidFill>
+                      <a:prstDash val="solid"/>
+                      <a:round/>
+                      <a:headEnd type="none" w="med" len="med"/>
+                      <a:tailEnd type="none" w="med" len="med"/>
+                    </a:lnR>
+                    <a:lnT w="12700" cap="flat" cmpd="sng" algn="ctr">
+                      <a:solidFill>
+                        <a:srgbClr val="FFFFFF">
+                          <a:alpha val="100.00%"/>
+                        </a:srgbClr>
+                      </a:solidFill>
+                      <a:prstDash val="solid"/>
+                      <a:round/>
+                      <a:headEnd type="none" w="med" len="med"/>
+                      <a:tailEnd type="none" w="med" len="med"/>
+                    </a:lnT>
+                    <a:lnB w="12700" cap="flat" cmpd="sng" algn="ctr">
+                      <a:solidFill>
+                        <a:srgbClr val="FFFFFF">
+                          <a:alpha val="100.00%"/>
+                        </a:srgbClr>
+                      </a:solidFill>
+                      <a:prstDash val="solid"/>
+                      <a:round/>
+                      <a:headEnd type="none" w="med" len="med"/>
+                      <a:tailEnd type="none" w="med" len="med"/>
+                    </a:lnB>
+                    <a:lnTlToBr w="12700" cap="flat" cmpd="sng" algn="ctr">
+                      <a:noFill/>
+                      <a:prstDash val="solid"/>
+                      <a:round/>
+                      <a:headEnd type="none" w="med" len="med"/>
+                      <a:tailEnd type="none" w="med" len="med"/>
+                    </a:lnTlToBr>
+                    <a:lnBlToTr w="12700" cap="flat" cmpd="sng" algn="ctr">
+                      <a:noFill/>
+                      <a:prstDash val="solid"/>
+                      <a:round/>
+                      <a:headEnd type="none" w="med" len="med"/>
+                      <a:tailEnd type="none" w="med" len="med"/>
+                    </a:lnBlToTr>
+                    <a:solidFill>
+                      <a:srgbClr val="333C33">
+                        <a:alpha val="100.00%"/>
+                      </a:srgbClr>
+                    </a:solidFill>
+                  </a:tcPr>
+                </a:tc>
+                <a:tc>
+                  <a:txBody>
+                    <a:bodyPr wrap="square" rtlCol="0">
+                      <a:spAutoFit/>
+                    </a:bodyPr>
+                    <a:lstStyle/>
+                    <a:p>
+                      <a:pPr algn="ctr" fontAlgn="ctr" marL="0" marR="0" indent="0" lvl="0">
+                        <a:lnSpc>
+                          <a:spcPct val="100%"/>
+                        </a:lnSpc>
+                      </a:pPr>
+                      <a:r>
+                        <a:rPr lang="en-US" b="1" sz="1800" spc="0" u="none">
+                          <a:solidFill>
+                            <a:srgbClr val="FFFFFF">
+                              <a:alpha val="100.00%"/>
+                            </a:srgbClr>
+                          </a:solidFill>
+                          <a:latin typeface="Arial (Body)"/>
+                        </a:rPr>
+                        <a:t><![CDATA[Impact]]></a:t>
+                      </a:r>
+                    </a:p>
+                  </a:txBody>
+                  <a:tcPr anchor="ctr" marL="0" marR="0" marT="0" marB="0">
+                    <a:lnL w="12700" cap="flat" cmpd="sng" algn="ctr">
+                      <a:solidFill>
+                        <a:srgbClr val="FFFFFF">
+                          <a:alpha val="100.00%"/>
+                        </a:srgbClr>
+                      </a:solidFill>
+                      <a:prstDash val="solid"/>
+                      <a:round/>
+                      <a:headEnd type="none" w="med" len="med"/>
+                      <a:tailEnd type="none" w="med" len="med"/>
+                    </a:lnL>
+                    <a:lnR w="12700" cap="flat" cmpd="sng" algn="ctr">
+                      <a:solidFill>
+                        <a:srgbClr val="FFFFFF">
+                          <a:alpha val="100.00%"/>
+                        </a:srgbClr>
+                      </a:solidFill>
+                      <a:prstDash val="solid"/>
+                      <a:round/>
+                      <a:headEnd type="none" w="med" len="med"/>
+                      <a:tailEnd type="none" w="med" len="med"/>
+                    </a:lnR>
+                    <a:lnT w="12700" cap="flat" cmpd="sng" algn="ctr">
+                      <a:solidFill>
+                        <a:srgbClr val="FFFFFF">
+                          <a:alpha val="100.00%"/>
+                        </a:srgbClr>
+                      </a:solidFill>
+                      <a:prstDash val="solid"/>
+                      <a:round/>
+                      <a:headEnd type="none" w="med" len="med"/>
+                      <a:tailEnd type="none" w="med" len="med"/>
+                    </a:lnT>
+                    <a:lnB w="12700" cap="flat" cmpd="sng" algn="ctr">
+                      <a:solidFill>
+                        <a:srgbClr val="FFFFFF">
+                          <a:alpha val="100.00%"/>
+                        </a:srgbClr>
+                      </a:solidFill>
+                      <a:prstDash val="solid"/>
+                      <a:round/>
+                      <a:headEnd type="none" w="med" len="med"/>
+                      <a:tailEnd type="none" w="med" len="med"/>
+                    </a:lnB>
+                    <a:lnTlToBr w="12700" cap="flat" cmpd="sng" algn="ctr">
+                      <a:noFill/>
+                      <a:prstDash val="solid"/>
+                      <a:round/>
+                      <a:headEnd type="none" w="med" len="med"/>
+                      <a:tailEnd type="none" w="med" len="med"/>
+                    </a:lnTlToBr>
+                    <a:lnBlToTr w="12700" cap="flat" cmpd="sng" algn="ctr">
+                      <a:noFill/>
+                      <a:prstDash val="solid"/>
+                      <a:round/>
+                      <a:headEnd type="none" w="med" len="med"/>
+                      <a:tailEnd type="none" w="med" len="med"/>
+                    </a:lnBlToTr>
+                    <a:solidFill>
+                      <a:srgbClr val="333C33">
+                        <a:alpha val="100.00%"/>
+                      </a:srgbClr>
+                    </a:solidFill>
+                  </a:tcPr>
+                </a:tc>
+                <a:tc>
+                  <a:txBody>
+                    <a:bodyPr wrap="square" rtlCol="0">
+                      <a:spAutoFit/>
+                    </a:bodyPr>
+                    <a:lstStyle/>
+                    <a:p>
+                      <a:pPr algn="ctr" fontAlgn="ctr" marL="0" marR="0" indent="0" lvl="0">
+                        <a:lnSpc>
+                          <a:spcPct val="100%"/>
+                        </a:lnSpc>
+                      </a:pPr>
+                      <a:r>
+                        <a:rPr lang="en-US" b="1" sz="1800" spc="0" u="none">
+                          <a:solidFill>
+                            <a:srgbClr val="FFFFFF">
+                              <a:alpha val="100.00%"/>
+                            </a:srgbClr>
+                          </a:solidFill>
+                          <a:latin typeface="Arial (Body)"/>
+                        </a:rPr>
+                        <a:t><![CDATA[Risk]]></a:t>
+                      </a:r>
+                    </a:p>
+                  </a:txBody>
+                  <a:tcPr anchor="ctr" marL="0" marR="0" marT="0" marB="0">
+                    <a:lnL w="12700" cap="flat" cmpd="sng" algn="ctr">
+                      <a:solidFill>
+                        <a:srgbClr val="FFFFFF">
+                          <a:alpha val="100.00%"/>
+                        </a:srgbClr>
+                      </a:solidFill>
+                      <a:prstDash val="solid"/>
+                      <a:round/>
+                      <a:headEnd type="none" w="med" len="med"/>
+                      <a:tailEnd type="none" w="med" len="med"/>
+                    </a:lnL>
+                    <a:lnR w="12700" cap="flat" cmpd="sng" algn="ctr">
+                      <a:solidFill>
+                        <a:srgbClr val="FFFFFF">
+                          <a:alpha val="100.00%"/>
+                        </a:srgbClr>
+                      </a:solidFill>
+                      <a:prstDash val="solid"/>
+                      <a:round/>
+                      <a:headEnd type="none" w="med" len="med"/>
+                      <a:tailEnd type="none" w="med" len="med"/>
+                    </a:lnR>
+                    <a:lnT w="12700" cap="flat" cmpd="sng" algn="ctr">
+                      <a:solidFill>
+                        <a:srgbClr val="FFFFFF">
+                          <a:alpha val="100.00%"/>
+                        </a:srgbClr>
+                      </a:solidFill>
+                      <a:prstDash val="solid"/>
+                      <a:round/>
+                      <a:headEnd type="none" w="med" len="med"/>
+                      <a:tailEnd type="none" w="med" len="med"/>
+                    </a:lnT>
+                    <a:lnB w="12700" cap="flat" cmpd="sng" algn="ctr">
+                      <a:solidFill>
+                        <a:srgbClr val="FFFFFF">
+                          <a:alpha val="100.00%"/>
+                        </a:srgbClr>
+                      </a:solidFill>
+                      <a:prstDash val="solid"/>
+                      <a:round/>
+                      <a:headEnd type="none" w="med" len="med"/>
+                      <a:tailEnd type="none" w="med" len="med"/>
+                    </a:lnB>
+                    <a:lnTlToBr w="12700" cap="flat" cmpd="sng" algn="ctr">
+                      <a:noFill/>
+                      <a:prstDash val="solid"/>
+                      <a:round/>
+                      <a:headEnd type="none" w="med" len="med"/>
+                      <a:tailEnd type="none" w="med" len="med"/>
+                    </a:lnTlToBr>
+                    <a:lnBlToTr w="12700" cap="flat" cmpd="sng" algn="ctr">
+                      <a:noFill/>
+                      <a:prstDash val="solid"/>
+                      <a:round/>
+                      <a:headEnd type="none" w="med" len="med"/>
+                      <a:tailEnd type="none" w="med" len="med"/>
+                    </a:lnBlToTr>
+                    <a:solidFill>
+                      <a:srgbClr val="333C33">
+                        <a:alpha val="100.00%"/>
+                      </a:srgbClr>
+                    </a:solidFill>
+                  </a:tcPr>
+                </a:tc>
+              </a:tr>
+              <a:tr h="361950">
+                <a:tc>
+                  <a:txBody>
+                    <a:bodyPr wrap="square" rtlCol="0">
+                      <a:spAutoFit/>
+                    </a:bodyPr>
+                    <a:lstStyle/>
+                    <a:p>
+                      <a:pPr algn="ctr" fontAlgn="ctr" marL="0" marR="0" indent="0" lvl="0">
+                        <a:lnSpc>
+                          <a:spcPct val="100%"/>
+                        </a:lnSpc>
+                      </a:pPr>
+                      <a:r>
+                        <a:rPr lang="en-US" sz="1800" spc="0" u="none">
+                          <a:solidFill>
+                            <a:srgbClr val="000000">
+                              <a:alpha val="100.00%"/>
+                            </a:srgbClr>
+                          </a:solidFill>
+                          <a:latin typeface="Arial (Body)"/>
+                        </a:rPr>
+                        <a:t><![CDATA[10]]></a:t>
+                      </a:r>
+                    </a:p>
+                  </a:txBody>
+                  <a:tcPr anchor="ctr" marL="0" marR="0" marT="0" marB="0">
+                    <a:lnL w="12700" cap="flat" cmpd="sng" algn="ctr">
+                      <a:solidFill>
+                        <a:srgbClr val="FFFFFF">
+                          <a:alpha val="100.00%"/>
+                        </a:srgbClr>
+                      </a:solidFill>
+                      <a:prstDash val="solid"/>
+                      <a:round/>
+                      <a:headEnd type="none" w="med" len="med"/>
+                      <a:tailEnd type="none" w="med" len="med"/>
+                    </a:lnL>
+                    <a:lnR w="12700" cap="flat" cmpd="sng" algn="ctr">
+                      <a:solidFill>
+                        <a:srgbClr val="FFFFFF">
+                          <a:alpha val="100.00%"/>
+                        </a:srgbClr>
+                      </a:solidFill>
+                      <a:prstDash val="solid"/>
+                      <a:round/>
+                      <a:headEnd type="none" w="med" len="med"/>
+                      <a:tailEnd type="none" w="med" len="med"/>
+                    </a:lnR>
+                    <a:lnT w="12700" cap="flat" cmpd="sng" algn="ctr">
+                      <a:solidFill>
+                        <a:srgbClr val="FFFFFF">
+                          <a:alpha val="100.00%"/>
+                        </a:srgbClr>
+                      </a:solidFill>
+                      <a:prstDash val="solid"/>
+                      <a:round/>
+                      <a:headEnd type="none" w="med" len="med"/>
+                      <a:tailEnd type="none" w="med" len="med"/>
+                    </a:lnT>
+                    <a:lnB w="12700" cap="flat" cmpd="sng" algn="ctr">
+                      <a:solidFill>
+                        <a:srgbClr val="FFFFFF">
+                          <a:alpha val="100.00%"/>
+                        </a:srgbClr>
+                      </a:solidFill>
+                      <a:prstDash val="solid"/>
+                      <a:round/>
+                      <a:headEnd type="none" w="med" len="med"/>
+                      <a:tailEnd type="none" w="med" len="med"/>
+                    </a:lnB>
+                    <a:lnTlToBr w="12700" cap="flat" cmpd="sng" algn="ctr">
+                      <a:noFill/>
+                      <a:prstDash val="solid"/>
+                      <a:round/>
+                      <a:headEnd type="none" w="med" len="med"/>
+                      <a:tailEnd type="none" w="med" len="med"/>
+                    </a:lnTlToBr>
+                    <a:lnBlToTr w="12700" cap="flat" cmpd="sng" algn="ctr">
+                      <a:noFill/>
+                      <a:prstDash val="solid"/>
+                      <a:round/>
+                      <a:headEnd type="none" w="med" len="med"/>
+                      <a:tailEnd type="none" w="med" len="med"/>
+                    </a:lnBlToTr>
+                    <a:solidFill>
+                      <a:srgbClr val="E8E8E8">
+                        <a:alpha val="100.00%"/>
+                      </a:srgbClr>
+                    </a:solidFill>
+                  </a:tcPr>
+                </a:tc>
+                <a:tc>
+                  <a:txBody>
+                    <a:bodyPr wrap="square" rtlCol="0">
+                      <a:spAutoFit/>
+                    </a:bodyPr>
+                    <a:lstStyle/>
+                    <a:p>
+                      <a:pPr algn="ctr" fontAlgn="ctr" marL="0" marR="0" indent="0" lvl="0">
+                        <a:lnSpc>
+                          <a:spcPct val="100%"/>
+                        </a:lnSpc>
+                      </a:pPr>
+                      <a:r>
+                        <a:rPr lang="en-US" sz="1800" spc="0" u="none">
+                          <a:solidFill>
+                            <a:srgbClr val="000000">
+                              <a:alpha val="100.00%"/>
+                            </a:srgbClr>
+                          </a:solidFill>
+                          <a:latin typeface="Arial (Body)"/>
+                        </a:rPr>
+                        <a:t><![CDATA[No System Association]]></a:t>
+                      </a:r>
+                    </a:p>
+                  </a:txBody>
+                  <a:tcPr anchor="ctr" marL="0" marR="0" marT="0" marB="0">
+                    <a:lnL w="12700" cap="flat" cmpd="sng" algn="ctr">
+                      <a:solidFill>
+                        <a:srgbClr val="FFFFFF">
+                          <a:alpha val="100.00%"/>
+                        </a:srgbClr>
+                      </a:solidFill>
+                      <a:prstDash val="solid"/>
+                      <a:round/>
+                      <a:headEnd type="none" w="med" len="med"/>
+                      <a:tailEnd type="none" w="med" len="med"/>
+                    </a:lnL>
+                    <a:lnR w="12700" cap="flat" cmpd="sng" algn="ctr">
+                      <a:solidFill>
+                        <a:srgbClr val="FFFFFF">
+                          <a:alpha val="100.00%"/>
+                        </a:srgbClr>
+                      </a:solidFill>
+                      <a:prstDash val="solid"/>
+                      <a:round/>
+                      <a:headEnd type="none" w="med" len="med"/>
+                      <a:tailEnd type="none" w="med" len="med"/>
+                    </a:lnR>
+                    <a:lnT w="12700" cap="flat" cmpd="sng" algn="ctr">
+                      <a:solidFill>
+                        <a:srgbClr val="FFFFFF">
+                          <a:alpha val="100.00%"/>
+                        </a:srgbClr>
+                      </a:solidFill>
+                      <a:prstDash val="solid"/>
+                      <a:round/>
+                      <a:headEnd type="none" w="med" len="med"/>
+                      <a:tailEnd type="none" w="med" len="med"/>
+                    </a:lnT>
+                    <a:lnB w="12700" cap="flat" cmpd="sng" algn="ctr">
+                      <a:solidFill>
+                        <a:srgbClr val="FFFFFF">
+                          <a:alpha val="100.00%"/>
+                        </a:srgbClr>
+                      </a:solidFill>
+                      <a:prstDash val="solid"/>
+                      <a:round/>
+                      <a:headEnd type="none" w="med" len="med"/>
+                      <a:tailEnd type="none" w="med" len="med"/>
+                    </a:lnB>
+                    <a:lnTlToBr w="12700" cap="flat" cmpd="sng" algn="ctr">
+                      <a:noFill/>
+                      <a:prstDash val="solid"/>
+                      <a:round/>
+                      <a:headEnd type="none" w="med" len="med"/>
+                      <a:tailEnd type="none" w="med" len="med"/>
+                    </a:lnTlToBr>
+                    <a:lnBlToTr w="12700" cap="flat" cmpd="sng" algn="ctr">
+                      <a:noFill/>
+                      <a:prstDash val="solid"/>
+                      <a:round/>
+                      <a:headEnd type="none" w="med" len="med"/>
+                      <a:tailEnd type="none" w="med" len="med"/>
+                    </a:lnBlToTr>
+                    <a:solidFill>
+                      <a:srgbClr val="E8E8E8">
+                        <a:alpha val="100.00%"/>
+                      </a:srgbClr>
+                    </a:solidFill>
+                  </a:tcPr>
+                </a:tc>
+                <a:tc>
+                  <a:txBody>
+                    <a:bodyPr wrap="square" rtlCol="0">
+                      <a:spAutoFit/>
+                    </a:bodyPr>
+                    <a:lstStyle/>
+                    <a:p>
+                      <a:pPr algn="ctr" fontAlgn="ctr" marL="0" marR="0" indent="0" lvl="0">
+                        <a:lnSpc>
+                          <a:spcPct val="100%"/>
+                        </a:lnSpc>
+                      </a:pPr>
+                      <a:r>
+                        <a:rPr lang="en-US" sz="1800" spc="0" u="none">
+                          <a:solidFill>
+                            <a:srgbClr val="000000">
+                              <a:alpha val="100.00%"/>
+                            </a:srgbClr>
+                          </a:solidFill>
+                          <a:latin typeface="Arial (Body)"/>
+                        </a:rPr>
+                        <a:t><![CDATA[Finding 10]]></a:t>
+                      </a:r>
+                    </a:p>
+                  </a:txBody>
+                  <a:tcPr anchor="ctr" marL="0" marR="0" marT="0" marB="0">
+                    <a:lnL w="12700" cap="flat" cmpd="sng" algn="ctr">
+                      <a:solidFill>
+                        <a:srgbClr val="FFFFFF">
+                          <a:alpha val="100.00%"/>
+                        </a:srgbClr>
+                      </a:solidFill>
+                      <a:prstDash val="solid"/>
+                      <a:round/>
+                      <a:headEnd type="none" w="med" len="med"/>
+                      <a:tailEnd type="none" w="med" len="med"/>
+                    </a:lnL>
+                    <a:lnR w="12700" cap="flat" cmpd="sng" algn="ctr">
+                      <a:solidFill>
+                        <a:srgbClr val="FFFFFF">
+                          <a:alpha val="100.00%"/>
+                        </a:srgbClr>
+                      </a:solidFill>
+                      <a:prstDash val="solid"/>
+                      <a:round/>
+                      <a:headEnd type="none" w="med" len="med"/>
+                      <a:tailEnd type="none" w="med" len="med"/>
+                    </a:lnR>
+                    <a:lnT w="12700" cap="flat" cmpd="sng" algn="ctr">
+                      <a:solidFill>
+                        <a:srgbClr val="FFFFFF">
+                          <a:alpha val="100.00%"/>
+                        </a:srgbClr>
+                      </a:solidFill>
+                      <a:prstDash val="solid"/>
+                      <a:round/>
+                      <a:headEnd type="none" w="med" len="med"/>
+                      <a:tailEnd type="none" w="med" len="med"/>
+                    </a:lnT>
+                    <a:lnB w="12700" cap="flat" cmpd="sng" algn="ctr">
+                      <a:solidFill>
+                        <a:srgbClr val="FFFFFF">
+                          <a:alpha val="100.00%"/>
+                        </a:srgbClr>
+                      </a:solidFill>
+                      <a:prstDash val="solid"/>
+                      <a:round/>
+                      <a:headEnd type="none" w="med" len="med"/>
+                      <a:tailEnd type="none" w="med" len="med"/>
+                    </a:lnB>
+                    <a:lnTlToBr w="12700" cap="flat" cmpd="sng" algn="ctr">
+                      <a:noFill/>
+                      <a:prstDash val="solid"/>
+                      <a:round/>
+                      <a:headEnd type="none" w="med" len="med"/>
+                      <a:tailEnd type="none" w="med" len="med"/>
+                    </a:lnTlToBr>
+                    <a:lnBlToTr w="12700" cap="flat" cmpd="sng" algn="ctr">
+                      <a:noFill/>
+                      <a:prstDash val="solid"/>
+                      <a:round/>
+                      <a:headEnd type="none" w="med" len="med"/>
+                      <a:tailEnd type="none" w="med" len="med"/>
+                    </a:lnBlToTr>
+                    <a:solidFill>
+                      <a:srgbClr val="E8E8E8">
+                        <a:alpha val="100.00%"/>
+                      </a:srgbClr>
+                    </a:solidFill>
+                  </a:tcPr>
+                </a:tc>
+                <a:tc>
+                  <a:txBody>
+                    <a:bodyPr wrap="square" rtlCol="0">
+                      <a:spAutoFit/>
+                    </a:bodyPr>
+                    <a:lstStyle/>
+                    <a:p>
+                      <a:pPr algn="ctr" fontAlgn="ctr" marL="0" marR="0" indent="0" lvl="0">
+                        <a:lnSpc>
+                          <a:spcPct val="100%"/>
+                        </a:lnSpc>
+                      </a:pPr>
+                      <a:r>
+                        <a:rPr lang="en-US" b="1" sz="1100" spc="0" u="none">
+                          <a:solidFill>
+                            <a:srgbClr val="000000">
+                              <a:alpha val="100.00%"/>
+                            </a:srgbClr>
+                          </a:solidFill>
+                          <a:latin typeface="Times New Roman"/>
+                        </a:rPr>
+                        <a:t><![CDATA[Moderate]]></a:t>
+                      </a:r>
+                    </a:p>
+                  </a:txBody>
+                  <a:tcPr anchor="ctr" marL="0" marR="0" marT="0" marB="0">
+                    <a:lnL w="12700" cap="flat" cmpd="sng" algn="ctr">
+                      <a:solidFill>
+                        <a:srgbClr val="FFFFFF">
+                          <a:alpha val="100.00%"/>
+                        </a:srgbClr>
+                      </a:solidFill>
+                      <a:prstDash val="solid"/>
+                      <a:round/>
+                      <a:headEnd type="none" w="med" len="med"/>
+                      <a:tailEnd type="none" w="med" len="med"/>
+                    </a:lnL>
+                    <a:lnR w="12700" cap="flat" cmpd="sng" algn="ctr">
+                      <a:solidFill>
+                        <a:srgbClr val="FFFFFF">
+                          <a:alpha val="100.00%"/>
+                        </a:srgbClr>
+                      </a:solidFill>
+                      <a:prstDash val="solid"/>
+                      <a:round/>
+                      <a:headEnd type="none" w="med" len="med"/>
+                      <a:tailEnd type="none" w="med" len="med"/>
+                    </a:lnR>
+                    <a:lnT w="12700" cap="flat" cmpd="sng" algn="ctr">
+                      <a:solidFill>
+                        <a:srgbClr val="FFFFFF">
+                          <a:alpha val="100.00%"/>
+                        </a:srgbClr>
+                      </a:solidFill>
+                      <a:prstDash val="solid"/>
+                      <a:round/>
+                      <a:headEnd type="none" w="med" len="med"/>
+                      <a:tailEnd type="none" w="med" len="med"/>
+                    </a:lnT>
+                    <a:lnB w="12700" cap="flat" cmpd="sng" algn="ctr">
+                      <a:solidFill>
+                        <a:srgbClr val="FFFFFF">
+                          <a:alpha val="100.00%"/>
+                        </a:srgbClr>
+                      </a:solidFill>
+                      <a:prstDash val="solid"/>
+                      <a:round/>
+                      <a:headEnd type="none" w="med" len="med"/>
+                      <a:tailEnd type="none" w="med" len="med"/>
+                    </a:lnB>
+                    <a:lnTlToBr w="12700" cap="flat" cmpd="sng" algn="ctr">
+                      <a:noFill/>
+                      <a:prstDash val="solid"/>
+                      <a:round/>
+                      <a:headEnd type="none" w="med" len="med"/>
+                      <a:tailEnd type="none" w="med" len="med"/>
+                    </a:lnTlToBr>
+                    <a:lnBlToTr w="12700" cap="flat" cmpd="sng" algn="ctr">
+                      <a:noFill/>
+                      <a:prstDash val="solid"/>
+                      <a:round/>
+                      <a:headEnd type="none" w="med" len="med"/>
+                      <a:tailEnd type="none" w="med" len="med"/>
+                    </a:lnBlToTr>
+                    <a:solidFill>
+                      <a:srgbClr val="E8E8E8">
+                        <a:alpha val="100.00%"/>
+                      </a:srgbClr>
+                    </a:solidFill>
+                  </a:tcPr>
+                </a:tc>
+                <a:tc>
+                  <a:txBody>
+                    <a:bodyPr wrap="square" rtlCol="0">
+                      <a:spAutoFit/>
+                    </a:bodyPr>
+                    <a:lstStyle/>
+                    <a:p>
+                      <a:pPr algn="ctr" fontAlgn="ctr" marL="0" marR="0" indent="0" lvl="0">
+                        <a:lnSpc>
+                          <a:spcPct val="100%"/>
+                        </a:lnSpc>
+                      </a:pPr>
+                      <a:r>
+                        <a:rPr lang="en-US" b="1" sz="1100" spc="0" u="none">
+                          <a:solidFill>
+                            <a:srgbClr val="000000">
+                              <a:alpha val="100.00%"/>
+                            </a:srgbClr>
+                          </a:solidFill>
+                          <a:latin typeface="Times New Roman"/>
+                        </a:rPr>
+                        <a:t><![CDATA[Low]]></a:t>
+                      </a:r>
+                    </a:p>
+                  </a:txBody>
+                  <a:tcPr anchor="ctr" marL="0" marR="0" marT="0" marB="0">
+                    <a:lnL w="12700" cap="flat" cmpd="sng" algn="ctr">
+                      <a:solidFill>
+                        <a:srgbClr val="FFFFFF">
+                          <a:alpha val="100.00%"/>
+                        </a:srgbClr>
+                      </a:solidFill>
+                      <a:prstDash val="solid"/>
+                      <a:round/>
+                      <a:headEnd type="none" w="med" len="med"/>
+                      <a:tailEnd type="none" w="med" len="med"/>
+                    </a:lnL>
+                    <a:lnR w="12700" cap="flat" cmpd="sng" algn="ctr">
+                      <a:solidFill>
+                        <a:srgbClr val="FFFFFF">
+                          <a:alpha val="100.00%"/>
+                        </a:srgbClr>
+                      </a:solidFill>
+                      <a:prstDash val="solid"/>
+                      <a:round/>
+                      <a:headEnd type="none" w="med" len="med"/>
+                      <a:tailEnd type="none" w="med" len="med"/>
+                    </a:lnR>
+                    <a:lnT w="12700" cap="flat" cmpd="sng" algn="ctr">
+                      <a:solidFill>
+                        <a:srgbClr val="FFFFFF">
+                          <a:alpha val="100.00%"/>
+                        </a:srgbClr>
+                      </a:solidFill>
+                      <a:prstDash val="solid"/>
+                      <a:round/>
+                      <a:headEnd type="none" w="med" len="med"/>
+                      <a:tailEnd type="none" w="med" len="med"/>
+                    </a:lnT>
+                    <a:lnB w="12700" cap="flat" cmpd="sng" algn="ctr">
+                      <a:solidFill>
+                        <a:srgbClr val="FFFFFF">
+                          <a:alpha val="100.00%"/>
+                        </a:srgbClr>
+                      </a:solidFill>
+                      <a:prstDash val="solid"/>
+                      <a:round/>
+                      <a:headEnd type="none" w="med" len="med"/>
+                      <a:tailEnd type="none" w="med" len="med"/>
+                    </a:lnB>
+                    <a:lnTlToBr w="12700" cap="flat" cmpd="sng" algn="ctr">
+                      <a:noFill/>
+                      <a:prstDash val="solid"/>
+                      <a:round/>
+                      <a:headEnd type="none" w="med" len="med"/>
+                      <a:tailEnd type="none" w="med" len="med"/>
+                    </a:lnTlToBr>
+                    <a:lnBlToTr w="12700" cap="flat" cmpd="sng" algn="ctr">
+                      <a:noFill/>
+                      <a:prstDash val="solid"/>
+                      <a:round/>
+                      <a:headEnd type="none" w="med" len="med"/>
+                      <a:tailEnd type="none" w="med" len="med"/>
+                    </a:lnBlToTr>
+                    <a:solidFill>
+                      <a:srgbClr val="E8E8E8">
+                        <a:alpha val="100.00%"/>
+                      </a:srgbClr>
+                    </a:solidFill>
+                  </a:tcPr>
+                </a:tc>
+              </a:tr>
             </a:tbl>
           </a:graphicData>
         </a:graphic>
@@ -2240,9 +7058,9 @@
 </file>
 
 <file path=ppt/theme/theme1.xml><?xml version="1.0" encoding="utf-8"?>
-<a:theme xmlns:a="http://schemas.openxmlformats.org/drawingml/2006/main" name="Theme24">
+<a:theme xmlns:a="http://schemas.openxmlformats.org/drawingml/2006/main" name="Theme75">
   <a:themeElements>
-    <a:clrScheme name="Theme24">
+    <a:clrScheme name="Theme75">
       <a:dk1>
         <a:sysClr val="windowText" lastClr="000000"/>
       </a:dk1>
@@ -2280,7 +7098,7 @@
         <a:srgbClr val="800080"/>
       </a:folHlink>
     </a:clrScheme>
-    <a:fontScheme name="Theme24">
+    <a:fontScheme name="Theme75">
       <a:majorFont>
         <a:latin typeface="Calibri"/>
         <a:ea typeface=""/>
@@ -2350,7 +7168,7 @@
         <a:font script="Uigh" typeface="Microsoft Uighur"/>
       </a:minorFont>
     </a:fontScheme>
-    <a:fmtScheme name="Theme24">
+    <a:fmtScheme name="Theme75">
       <a:fillStyleLst>
         <a:solidFill>
           <a:schemeClr val="phClr"/>
